--- a/NLP_5 probabilistc classifier.pptx
+++ b/NLP_5 probabilistc classifier.pptx
@@ -220,7 +220,7 @@
           <a:p>
             <a:fld id="{0135936D-836F-419C-9F68-DEDA5DD6EA2C}" type="datetimeFigureOut">
               <a:rPr kumimoji="1" lang="ja-JP" altLang="en-US" smtClean="0"/>
-              <a:t>2024/3/17</a:t>
+              <a:t>2024/7/4</a:t>
             </a:fld>
             <a:endParaRPr kumimoji="1" lang="ja-JP" altLang="en-US"/>
           </a:p>
@@ -650,7 +650,7 @@
           <a:p>
             <a:fld id="{2ABC02D7-CBD1-4D33-B166-78A898DF0F76}" type="datetimeFigureOut">
               <a:rPr kumimoji="1" lang="ja-JP" altLang="en-US" smtClean="0"/>
-              <a:t>2024/3/17</a:t>
+              <a:t>2024/7/4</a:t>
             </a:fld>
             <a:endParaRPr kumimoji="1" lang="ja-JP" altLang="en-US"/>
           </a:p>
@@ -852,7 +852,7 @@
           <a:p>
             <a:fld id="{2ABC02D7-CBD1-4D33-B166-78A898DF0F76}" type="datetimeFigureOut">
               <a:rPr kumimoji="1" lang="ja-JP" altLang="en-US" smtClean="0"/>
-              <a:t>2024/3/17</a:t>
+              <a:t>2024/7/4</a:t>
             </a:fld>
             <a:endParaRPr kumimoji="1" lang="ja-JP" altLang="en-US"/>
           </a:p>
@@ -1064,7 +1064,7 @@
           <a:p>
             <a:fld id="{2ABC02D7-CBD1-4D33-B166-78A898DF0F76}" type="datetimeFigureOut">
               <a:rPr kumimoji="1" lang="ja-JP" altLang="en-US" smtClean="0"/>
-              <a:t>2024/3/17</a:t>
+              <a:t>2024/7/4</a:t>
             </a:fld>
             <a:endParaRPr kumimoji="1" lang="ja-JP" altLang="en-US"/>
           </a:p>
@@ -1266,7 +1266,7 @@
           <a:p>
             <a:fld id="{2ABC02D7-CBD1-4D33-B166-78A898DF0F76}" type="datetimeFigureOut">
               <a:rPr kumimoji="1" lang="ja-JP" altLang="en-US" smtClean="0"/>
-              <a:t>2024/3/17</a:t>
+              <a:t>2024/7/4</a:t>
             </a:fld>
             <a:endParaRPr kumimoji="1" lang="ja-JP" altLang="en-US"/>
           </a:p>
@@ -1512,7 +1512,7 @@
           <a:p>
             <a:fld id="{2ABC02D7-CBD1-4D33-B166-78A898DF0F76}" type="datetimeFigureOut">
               <a:rPr kumimoji="1" lang="ja-JP" altLang="en-US" smtClean="0"/>
-              <a:t>2024/3/17</a:t>
+              <a:t>2024/7/4</a:t>
             </a:fld>
             <a:endParaRPr kumimoji="1" lang="ja-JP" altLang="en-US"/>
           </a:p>
@@ -1808,7 +1808,7 @@
           <a:p>
             <a:fld id="{2ABC02D7-CBD1-4D33-B166-78A898DF0F76}" type="datetimeFigureOut">
               <a:rPr kumimoji="1" lang="ja-JP" altLang="en-US" smtClean="0"/>
-              <a:t>2024/3/17</a:t>
+              <a:t>2024/7/4</a:t>
             </a:fld>
             <a:endParaRPr kumimoji="1" lang="ja-JP" altLang="en-US"/>
           </a:p>
@@ -2239,7 +2239,7 @@
           <a:p>
             <a:fld id="{2ABC02D7-CBD1-4D33-B166-78A898DF0F76}" type="datetimeFigureOut">
               <a:rPr kumimoji="1" lang="ja-JP" altLang="en-US" smtClean="0"/>
-              <a:t>2024/3/17</a:t>
+              <a:t>2024/7/4</a:t>
             </a:fld>
             <a:endParaRPr kumimoji="1" lang="ja-JP" altLang="en-US"/>
           </a:p>
@@ -2357,7 +2357,7 @@
           <a:p>
             <a:fld id="{2ABC02D7-CBD1-4D33-B166-78A898DF0F76}" type="datetimeFigureOut">
               <a:rPr kumimoji="1" lang="ja-JP" altLang="en-US" smtClean="0"/>
-              <a:t>2024/3/17</a:t>
+              <a:t>2024/7/4</a:t>
             </a:fld>
             <a:endParaRPr kumimoji="1" lang="ja-JP" altLang="en-US"/>
           </a:p>
@@ -2452,7 +2452,7 @@
           <a:p>
             <a:fld id="{2ABC02D7-CBD1-4D33-B166-78A898DF0F76}" type="datetimeFigureOut">
               <a:rPr kumimoji="1" lang="ja-JP" altLang="en-US" smtClean="0"/>
-              <a:t>2024/3/17</a:t>
+              <a:t>2024/7/4</a:t>
             </a:fld>
             <a:endParaRPr kumimoji="1" lang="ja-JP" altLang="en-US"/>
           </a:p>
@@ -2761,7 +2761,7 @@
           <a:p>
             <a:fld id="{2ABC02D7-CBD1-4D33-B166-78A898DF0F76}" type="datetimeFigureOut">
               <a:rPr kumimoji="1" lang="ja-JP" altLang="en-US" smtClean="0"/>
-              <a:t>2024/3/17</a:t>
+              <a:t>2024/7/4</a:t>
             </a:fld>
             <a:endParaRPr kumimoji="1" lang="ja-JP" altLang="en-US"/>
           </a:p>
@@ -3018,7 +3018,7 @@
           <a:p>
             <a:fld id="{2ABC02D7-CBD1-4D33-B166-78A898DF0F76}" type="datetimeFigureOut">
               <a:rPr kumimoji="1" lang="ja-JP" altLang="en-US" smtClean="0"/>
-              <a:t>2024/3/17</a:t>
+              <a:t>2024/7/4</a:t>
             </a:fld>
             <a:endParaRPr kumimoji="1" lang="ja-JP" altLang="en-US"/>
           </a:p>
@@ -3263,7 +3263,7 @@
           <a:p>
             <a:fld id="{2ABC02D7-CBD1-4D33-B166-78A898DF0F76}" type="datetimeFigureOut">
               <a:rPr kumimoji="1" lang="ja-JP" altLang="en-US" smtClean="0"/>
-              <a:t>2024/3/17</a:t>
+              <a:t>2024/7/4</a:t>
             </a:fld>
             <a:endParaRPr kumimoji="1" lang="ja-JP" altLang="en-US"/>
           </a:p>
@@ -5925,21 +5925,7 @@
                               <a:latin typeface="Cambria Math" panose="02040503050406030204" pitchFamily="18" charset="0"/>
                               <a:ea typeface="メイリオ" panose="020B0604030504040204" pitchFamily="50" charset="-128"/>
                             </a:rPr>
-                            <m:t>0</m:t>
-                          </m:r>
-                          <m:r>
-                            <a:rPr kumimoji="1" lang="en-US" altLang="ja-JP" sz="2400" b="0" i="1" smtClean="0">
-                              <a:latin typeface="Cambria Math" panose="02040503050406030204" pitchFamily="18" charset="0"/>
-                              <a:ea typeface="メイリオ" panose="020B0604030504040204" pitchFamily="50" charset="-128"/>
-                            </a:rPr>
-                            <m:t>.</m:t>
-                          </m:r>
-                          <m:r>
-                            <a:rPr kumimoji="1" lang="en-US" altLang="ja-JP" sz="2400" b="0" i="1" smtClean="0">
-                              <a:latin typeface="Cambria Math" panose="02040503050406030204" pitchFamily="18" charset="0"/>
-                              <a:ea typeface="メイリオ" panose="020B0604030504040204" pitchFamily="50" charset="-128"/>
-                            </a:rPr>
-                            <m:t>01</m:t>
+                            <m:t>0.01</m:t>
                           </m:r>
                         </m:e>
                         <m:sup>
@@ -5964,77 +5950,7 @@
                           <a:latin typeface="Cambria Math" panose="02040503050406030204" pitchFamily="18" charset="0"/>
                           <a:ea typeface="Cambria Math" panose="02040503050406030204" pitchFamily="18" charset="0"/>
                         </a:rPr>
-                        <m:t>0</m:t>
-                      </m:r>
-                      <m:r>
-                        <a:rPr kumimoji="1" lang="en-US" altLang="ja-JP" sz="2400" i="1">
-                          <a:latin typeface="Cambria Math" panose="02040503050406030204" pitchFamily="18" charset="0"/>
-                          <a:ea typeface="Cambria Math" panose="02040503050406030204" pitchFamily="18" charset="0"/>
-                        </a:rPr>
-                        <m:t>.</m:t>
-                      </m:r>
-                      <m:r>
-                        <a:rPr kumimoji="1" lang="en-US" altLang="ja-JP" sz="2400" i="1">
-                          <a:latin typeface="Cambria Math" panose="02040503050406030204" pitchFamily="18" charset="0"/>
-                          <a:ea typeface="Cambria Math" panose="02040503050406030204" pitchFamily="18" charset="0"/>
-                        </a:rPr>
-                        <m:t>06</m:t>
-                      </m:r>
-                      <m:r>
-                        <a:rPr kumimoji="1" lang="en-US" altLang="ja-JP" sz="2400" i="1">
-                          <a:latin typeface="Cambria Math" panose="02040503050406030204" pitchFamily="18" charset="0"/>
-                          <a:ea typeface="Cambria Math" panose="02040503050406030204" pitchFamily="18" charset="0"/>
-                        </a:rPr>
-                        <m:t>×</m:t>
-                      </m:r>
-                      <m:r>
-                        <a:rPr kumimoji="1" lang="en-US" altLang="ja-JP" sz="2400" i="1">
-                          <a:latin typeface="Cambria Math" panose="02040503050406030204" pitchFamily="18" charset="0"/>
-                          <a:ea typeface="Cambria Math" panose="02040503050406030204" pitchFamily="18" charset="0"/>
-                        </a:rPr>
-                        <m:t>0</m:t>
-                      </m:r>
-                      <m:r>
-                        <a:rPr kumimoji="1" lang="en-US" altLang="ja-JP" sz="2400" i="1">
-                          <a:latin typeface="Cambria Math" panose="02040503050406030204" pitchFamily="18" charset="0"/>
-                          <a:ea typeface="Cambria Math" panose="02040503050406030204" pitchFamily="18" charset="0"/>
-                        </a:rPr>
-                        <m:t>.</m:t>
-                      </m:r>
-                      <m:r>
-                        <a:rPr kumimoji="1" lang="en-US" altLang="ja-JP" sz="2400" i="1">
-                          <a:latin typeface="Cambria Math" panose="02040503050406030204" pitchFamily="18" charset="0"/>
-                          <a:ea typeface="Cambria Math" panose="02040503050406030204" pitchFamily="18" charset="0"/>
-                        </a:rPr>
-                        <m:t>05</m:t>
-                      </m:r>
-                      <m:r>
-                        <a:rPr kumimoji="1" lang="en-US" altLang="ja-JP" sz="2400" i="1">
-                          <a:latin typeface="Cambria Math" panose="02040503050406030204" pitchFamily="18" charset="0"/>
-                          <a:ea typeface="Cambria Math" panose="02040503050406030204" pitchFamily="18" charset="0"/>
-                        </a:rPr>
-                        <m:t>=</m:t>
-                      </m:r>
-                      <m:r>
-                        <a:rPr kumimoji="1" lang="en-US" altLang="ja-JP" sz="2400" i="1">
-                          <a:latin typeface="Cambria Math" panose="02040503050406030204" pitchFamily="18" charset="0"/>
-                          <a:ea typeface="Cambria Math" panose="02040503050406030204" pitchFamily="18" charset="0"/>
-                        </a:rPr>
-                        <m:t>0</m:t>
-                      </m:r>
-                      <m:r>
-                        <a:rPr kumimoji="1" lang="en-US" altLang="ja-JP" sz="2400" i="1">
-                          <a:latin typeface="Cambria Math" panose="02040503050406030204" pitchFamily="18" charset="0"/>
-                          <a:ea typeface="Cambria Math" panose="02040503050406030204" pitchFamily="18" charset="0"/>
-                        </a:rPr>
-                        <m:t>.</m:t>
-                      </m:r>
-                      <m:r>
-                        <a:rPr kumimoji="1" lang="en-US" altLang="ja-JP" sz="2400" i="1">
-                          <a:latin typeface="Cambria Math" panose="02040503050406030204" pitchFamily="18" charset="0"/>
-                          <a:ea typeface="Cambria Math" panose="02040503050406030204" pitchFamily="18" charset="0"/>
-                        </a:rPr>
-                        <m:t>0000003</m:t>
+                        <m:t>0.06×0.05=0.0000003</m:t>
                       </m:r>
                     </m:oMath>
                   </m:oMathPara>
@@ -6194,21 +6110,7 @@
                               <a:latin typeface="Cambria Math" panose="02040503050406030204" pitchFamily="18" charset="0"/>
                               <a:ea typeface="メイリオ" panose="020B0604030504040204" pitchFamily="50" charset="-128"/>
                             </a:rPr>
-                            <m:t>0</m:t>
-                          </m:r>
-                          <m:r>
-                            <a:rPr kumimoji="1" lang="en-US" altLang="ja-JP" sz="2400" b="0" i="1" smtClean="0">
-                              <a:latin typeface="Cambria Math" panose="02040503050406030204" pitchFamily="18" charset="0"/>
-                              <a:ea typeface="メイリオ" panose="020B0604030504040204" pitchFamily="50" charset="-128"/>
-                            </a:rPr>
-                            <m:t>.</m:t>
-                          </m:r>
-                          <m:r>
-                            <a:rPr kumimoji="1" lang="en-US" altLang="ja-JP" sz="2400" b="0" i="1" smtClean="0">
-                              <a:latin typeface="Cambria Math" panose="02040503050406030204" pitchFamily="18" charset="0"/>
-                              <a:ea typeface="メイリオ" panose="020B0604030504040204" pitchFamily="50" charset="-128"/>
-                            </a:rPr>
-                            <m:t>16</m:t>
+                            <m:t>0.16</m:t>
                           </m:r>
                         </m:e>
                         <m:sup>
@@ -6233,77 +6135,7 @@
                           <a:latin typeface="Cambria Math" panose="02040503050406030204" pitchFamily="18" charset="0"/>
                           <a:ea typeface="Cambria Math" panose="02040503050406030204" pitchFamily="18" charset="0"/>
                         </a:rPr>
-                        <m:t>0</m:t>
-                      </m:r>
-                      <m:r>
-                        <a:rPr kumimoji="1" lang="en-US" altLang="ja-JP" sz="2400" i="1">
-                          <a:latin typeface="Cambria Math" panose="02040503050406030204" pitchFamily="18" charset="0"/>
-                          <a:ea typeface="Cambria Math" panose="02040503050406030204" pitchFamily="18" charset="0"/>
-                        </a:rPr>
-                        <m:t>.</m:t>
-                      </m:r>
-                      <m:r>
-                        <a:rPr kumimoji="1" lang="en-US" altLang="ja-JP" sz="2400" i="1">
-                          <a:latin typeface="Cambria Math" panose="02040503050406030204" pitchFamily="18" charset="0"/>
-                          <a:ea typeface="Cambria Math" panose="02040503050406030204" pitchFamily="18" charset="0"/>
-                        </a:rPr>
-                        <m:t>13</m:t>
-                      </m:r>
-                      <m:r>
-                        <a:rPr kumimoji="1" lang="en-US" altLang="ja-JP" sz="2400" i="1">
-                          <a:latin typeface="Cambria Math" panose="02040503050406030204" pitchFamily="18" charset="0"/>
-                          <a:ea typeface="Cambria Math" panose="02040503050406030204" pitchFamily="18" charset="0"/>
-                        </a:rPr>
-                        <m:t>×</m:t>
-                      </m:r>
-                      <m:r>
-                        <a:rPr kumimoji="1" lang="en-US" altLang="ja-JP" sz="2400" i="1">
-                          <a:latin typeface="Cambria Math" panose="02040503050406030204" pitchFamily="18" charset="0"/>
-                          <a:ea typeface="Cambria Math" panose="02040503050406030204" pitchFamily="18" charset="0"/>
-                        </a:rPr>
-                        <m:t>0</m:t>
-                      </m:r>
-                      <m:r>
-                        <a:rPr kumimoji="1" lang="en-US" altLang="ja-JP" sz="2400" i="1">
-                          <a:latin typeface="Cambria Math" panose="02040503050406030204" pitchFamily="18" charset="0"/>
-                          <a:ea typeface="Cambria Math" panose="02040503050406030204" pitchFamily="18" charset="0"/>
-                        </a:rPr>
-                        <m:t>.</m:t>
-                      </m:r>
-                      <m:r>
-                        <a:rPr kumimoji="1" lang="en-US" altLang="ja-JP" sz="2400" i="1">
-                          <a:latin typeface="Cambria Math" panose="02040503050406030204" pitchFamily="18" charset="0"/>
-                          <a:ea typeface="Cambria Math" panose="02040503050406030204" pitchFamily="18" charset="0"/>
-                        </a:rPr>
-                        <m:t>01</m:t>
-                      </m:r>
-                      <m:r>
-                        <a:rPr kumimoji="1" lang="en-US" altLang="ja-JP" sz="2400" i="1">
-                          <a:latin typeface="Cambria Math" panose="02040503050406030204" pitchFamily="18" charset="0"/>
-                          <a:ea typeface="Cambria Math" panose="02040503050406030204" pitchFamily="18" charset="0"/>
-                        </a:rPr>
-                        <m:t>=</m:t>
-                      </m:r>
-                      <m:r>
-                        <a:rPr kumimoji="1" lang="en-US" altLang="ja-JP" sz="2400" i="1">
-                          <a:latin typeface="Cambria Math" panose="02040503050406030204" pitchFamily="18" charset="0"/>
-                          <a:ea typeface="Cambria Math" panose="02040503050406030204" pitchFamily="18" charset="0"/>
-                        </a:rPr>
-                        <m:t>0</m:t>
-                      </m:r>
-                      <m:r>
-                        <a:rPr kumimoji="1" lang="en-US" altLang="ja-JP" sz="2400" i="1">
-                          <a:latin typeface="Cambria Math" panose="02040503050406030204" pitchFamily="18" charset="0"/>
-                          <a:ea typeface="Cambria Math" panose="02040503050406030204" pitchFamily="18" charset="0"/>
-                        </a:rPr>
-                        <m:t>.</m:t>
-                      </m:r>
-                      <m:r>
-                        <a:rPr kumimoji="1" lang="en-US" altLang="ja-JP" sz="2400" i="1">
-                          <a:latin typeface="Cambria Math" panose="02040503050406030204" pitchFamily="18" charset="0"/>
-                          <a:ea typeface="Cambria Math" panose="02040503050406030204" pitchFamily="18" charset="0"/>
-                        </a:rPr>
-                        <m:t>000416</m:t>
+                        <m:t>0.13×0.01=0.000416</m:t>
                       </m:r>
                     </m:oMath>
                   </m:oMathPara>
@@ -7589,8 +7421,8 @@
           </a:p>
         </p:txBody>
       </p:sp>
-      <mc:AlternateContent xmlns:mc="http://schemas.openxmlformats.org/markup-compatibility/2006">
-        <mc:Choice xmlns:a14="http://schemas.microsoft.com/office/drawing/2010/main" Requires="a14">
+      <mc:AlternateContent xmlns:mc="http://schemas.openxmlformats.org/markup-compatibility/2006" xmlns:a14="http://schemas.microsoft.com/office/drawing/2010/main">
+        <mc:Choice Requires="a14">
           <p:sp>
             <p:nvSpPr>
               <p:cNvPr id="18" name="テキスト ボックス 17">
@@ -7843,7 +7675,7 @@
             </p:txBody>
           </p:sp>
         </mc:Choice>
-        <mc:Fallback>
+        <mc:Fallback xmlns="">
           <p:sp>
             <p:nvSpPr>
               <p:cNvPr id="18" name="テキスト ボックス 17">
@@ -7888,8 +7720,8 @@
           </p:sp>
         </mc:Fallback>
       </mc:AlternateContent>
-      <mc:AlternateContent xmlns:mc="http://schemas.openxmlformats.org/markup-compatibility/2006">
-        <mc:Choice xmlns:a14="http://schemas.microsoft.com/office/drawing/2010/main" Requires="a14">
+      <mc:AlternateContent xmlns:mc="http://schemas.openxmlformats.org/markup-compatibility/2006" xmlns:a14="http://schemas.microsoft.com/office/drawing/2010/main">
+        <mc:Choice Requires="a14">
           <p:sp>
             <p:nvSpPr>
               <p:cNvPr id="21" name="テキスト ボックス 20">
@@ -8029,7 +7861,7 @@
             </p:txBody>
           </p:sp>
         </mc:Choice>
-        <mc:Fallback>
+        <mc:Fallback xmlns="">
           <p:sp>
             <p:nvSpPr>
               <p:cNvPr id="21" name="テキスト ボックス 20">
@@ -8242,8 +8074,8 @@
           </a:p>
         </p:txBody>
       </p:sp>
-      <mc:AlternateContent xmlns:mc="http://schemas.openxmlformats.org/markup-compatibility/2006">
-        <mc:Choice xmlns:a14="http://schemas.microsoft.com/office/drawing/2010/main" Requires="a14">
+      <mc:AlternateContent xmlns:mc="http://schemas.openxmlformats.org/markup-compatibility/2006" xmlns:a14="http://schemas.microsoft.com/office/drawing/2010/main">
+        <mc:Choice Requires="a14">
           <p:sp>
             <p:nvSpPr>
               <p:cNvPr id="5" name="テキスト ボックス 4">
@@ -8360,7 +8192,7 @@
             </p:txBody>
           </p:sp>
         </mc:Choice>
-        <mc:Fallback>
+        <mc:Fallback xmlns="">
           <p:sp>
             <p:nvSpPr>
               <p:cNvPr id="5" name="テキスト ボックス 4">
@@ -8497,8 +8329,8 @@
           </a:p>
         </p:txBody>
       </p:sp>
-      <mc:AlternateContent xmlns:mc="http://schemas.openxmlformats.org/markup-compatibility/2006">
-        <mc:Choice xmlns:a14="http://schemas.microsoft.com/office/drawing/2010/main" Requires="a14">
+      <mc:AlternateContent xmlns:mc="http://schemas.openxmlformats.org/markup-compatibility/2006" xmlns:a14="http://schemas.microsoft.com/office/drawing/2010/main">
+        <mc:Choice Requires="a14">
           <p:sp>
             <p:nvSpPr>
               <p:cNvPr id="8" name="テキスト ボックス 7">
@@ -8602,7 +8434,7 @@
             </p:txBody>
           </p:sp>
         </mc:Choice>
-        <mc:Fallback>
+        <mc:Fallback xmlns="">
           <p:sp>
             <p:nvSpPr>
               <p:cNvPr id="8" name="テキスト ボックス 7">
@@ -8647,8 +8479,8 @@
           </p:sp>
         </mc:Fallback>
       </mc:AlternateContent>
-      <mc:AlternateContent xmlns:mc="http://schemas.openxmlformats.org/markup-compatibility/2006">
-        <mc:Choice xmlns:a14="http://schemas.microsoft.com/office/drawing/2010/main" Requires="a14">
+      <mc:AlternateContent xmlns:mc="http://schemas.openxmlformats.org/markup-compatibility/2006" xmlns:a14="http://schemas.microsoft.com/office/drawing/2010/main">
+        <mc:Choice Requires="a14">
           <p:sp>
             <p:nvSpPr>
               <p:cNvPr id="10" name="テキスト ボックス 9">
@@ -8677,6 +8509,7 @@
               </a:bodyPr>
               <a:lstStyle/>
               <a:p>
+                <a:pPr/>
                 <a14:m>
                   <m:oMathPara xmlns:m="http://schemas.openxmlformats.org/officeDocument/2006/math">
                     <m:oMathParaPr>
@@ -8846,7 +8679,7 @@
             </p:txBody>
           </p:sp>
         </mc:Choice>
-        <mc:Fallback>
+        <mc:Fallback xmlns="">
           <p:sp>
             <p:nvSpPr>
               <p:cNvPr id="10" name="テキスト ボックス 9">
@@ -8891,8 +8724,8 @@
           </p:sp>
         </mc:Fallback>
       </mc:AlternateContent>
-      <mc:AlternateContent xmlns:mc="http://schemas.openxmlformats.org/markup-compatibility/2006">
-        <mc:Choice xmlns:a14="http://schemas.microsoft.com/office/drawing/2010/main" Requires="a14">
+      <mc:AlternateContent xmlns:mc="http://schemas.openxmlformats.org/markup-compatibility/2006" xmlns:a14="http://schemas.microsoft.com/office/drawing/2010/main">
+        <mc:Choice Requires="a14">
           <p:sp>
             <p:nvSpPr>
               <p:cNvPr id="11" name="テキスト ボックス 10">
@@ -9132,7 +8965,7 @@
             </p:txBody>
           </p:sp>
         </mc:Choice>
-        <mc:Fallback>
+        <mc:Fallback xmlns="">
           <p:sp>
             <p:nvSpPr>
               <p:cNvPr id="11" name="テキスト ボックス 10">
@@ -9262,8 +9095,8 @@
           </a:p>
         </p:txBody>
       </p:sp>
-      <mc:AlternateContent xmlns:mc="http://schemas.openxmlformats.org/markup-compatibility/2006">
-        <mc:Choice xmlns:a14="http://schemas.microsoft.com/office/drawing/2010/main" Requires="a14">
+      <mc:AlternateContent xmlns:mc="http://schemas.openxmlformats.org/markup-compatibility/2006" xmlns:a14="http://schemas.microsoft.com/office/drawing/2010/main">
+        <mc:Choice Requires="a14">
           <p:sp>
             <p:nvSpPr>
               <p:cNvPr id="15" name="テキスト ボックス 14">
@@ -9471,7 +9304,7 @@
             </p:txBody>
           </p:sp>
         </mc:Choice>
-        <mc:Fallback>
+        <mc:Fallback xmlns="">
           <p:sp>
             <p:nvSpPr>
               <p:cNvPr id="15" name="テキスト ボックス 14">
@@ -9562,8 +9395,8 @@
           </a:p>
         </p:txBody>
       </p:sp>
-      <mc:AlternateContent xmlns:mc="http://schemas.openxmlformats.org/markup-compatibility/2006">
-        <mc:Choice xmlns:a14="http://schemas.microsoft.com/office/drawing/2010/main" Requires="a14">
+      <mc:AlternateContent xmlns:mc="http://schemas.openxmlformats.org/markup-compatibility/2006" xmlns:a14="http://schemas.microsoft.com/office/drawing/2010/main">
+        <mc:Choice Requires="a14">
           <p:sp>
             <p:nvSpPr>
               <p:cNvPr id="17" name="テキスト ボックス 16">
@@ -9771,7 +9604,7 @@
             </p:txBody>
           </p:sp>
         </mc:Choice>
-        <mc:Fallback>
+        <mc:Fallback xmlns="">
           <p:sp>
             <p:nvSpPr>
               <p:cNvPr id="17" name="テキスト ボックス 16">
@@ -9816,8 +9649,8 @@
           </p:sp>
         </mc:Fallback>
       </mc:AlternateContent>
-      <mc:AlternateContent xmlns:mc="http://schemas.openxmlformats.org/markup-compatibility/2006">
-        <mc:Choice xmlns:a14="http://schemas.microsoft.com/office/drawing/2010/main" Requires="a14">
+      <mc:AlternateContent xmlns:mc="http://schemas.openxmlformats.org/markup-compatibility/2006" xmlns:a14="http://schemas.microsoft.com/office/drawing/2010/main">
+        <mc:Choice Requires="a14">
           <p:sp>
             <p:nvSpPr>
               <p:cNvPr id="18" name="テキスト ボックス 17">
@@ -9846,7 +9679,6 @@
               </a:bodyPr>
               <a:lstStyle/>
               <a:p>
-                <a:pPr/>
                 <a14:m>
                   <m:oMath xmlns:m="http://schemas.openxmlformats.org/officeDocument/2006/math">
                     <m:r>
@@ -9910,14 +9742,7 @@
                         <a:latin typeface="Cambria Math" panose="02040503050406030204" pitchFamily="18" charset="0"/>
                         <a:ea typeface="メイリオ" panose="020B0604030504040204" pitchFamily="50" charset="-128"/>
                       </a:rPr>
-                      <m:t>)</m:t>
-                    </m:r>
-                    <m:r>
-                      <a:rPr kumimoji="1" lang="en-US" altLang="ja-JP" sz="3200" b="1" i="1" smtClean="0">
-                        <a:latin typeface="Cambria Math" panose="02040503050406030204" pitchFamily="18" charset="0"/>
-                        <a:ea typeface="メイリオ" panose="020B0604030504040204" pitchFamily="50" charset="-128"/>
-                      </a:rPr>
-                      <m:t>&gt;</m:t>
+                      <m:t>)&gt;</m:t>
                     </m:r>
                     <m:r>
                       <a:rPr kumimoji="1" lang="en-US" altLang="ja-JP" sz="3200" b="1" i="1" smtClean="0">
@@ -9992,7 +9817,7 @@
             </p:txBody>
           </p:sp>
         </mc:Choice>
-        <mc:Fallback>
+        <mc:Fallback xmlns="">
           <p:sp>
             <p:nvSpPr>
               <p:cNvPr id="18" name="テキスト ボックス 17">
@@ -10223,8 +10048,8 @@
           <a:chExt cx="0" cy="0"/>
         </a:xfrm>
       </p:grpSpPr>
-      <mc:AlternateContent xmlns:mc="http://schemas.openxmlformats.org/markup-compatibility/2006">
-        <mc:Choice xmlns:a14="http://schemas.microsoft.com/office/drawing/2010/main" Requires="a14">
+      <mc:AlternateContent xmlns:mc="http://schemas.openxmlformats.org/markup-compatibility/2006" xmlns:a14="http://schemas.microsoft.com/office/drawing/2010/main">
+        <mc:Choice Requires="a14">
           <p:sp>
             <p:nvSpPr>
               <p:cNvPr id="3" name="テキスト ボックス 2">
@@ -10330,7 +10155,7 @@
             </p:txBody>
           </p:sp>
         </mc:Choice>
-        <mc:Fallback>
+        <mc:Fallback xmlns="">
           <p:sp>
             <p:nvSpPr>
               <p:cNvPr id="3" name="テキスト ボックス 2">
@@ -10375,8 +10200,8 @@
           </p:sp>
         </mc:Fallback>
       </mc:AlternateContent>
-      <mc:AlternateContent xmlns:mc="http://schemas.openxmlformats.org/markup-compatibility/2006">
-        <mc:Choice xmlns:a14="http://schemas.microsoft.com/office/drawing/2010/main" Requires="a14">
+      <mc:AlternateContent xmlns:mc="http://schemas.openxmlformats.org/markup-compatibility/2006" xmlns:a14="http://schemas.microsoft.com/office/drawing/2010/main">
+        <mc:Choice Requires="a14">
           <p:sp>
             <p:nvSpPr>
               <p:cNvPr id="6" name="テキスト ボックス 5">
@@ -10405,6 +10230,7 @@
               </a:bodyPr>
               <a:lstStyle/>
               <a:p>
+                <a:pPr/>
                 <a14:m>
                   <m:oMathPara xmlns:m="http://schemas.openxmlformats.org/officeDocument/2006/math">
                     <m:oMathParaPr>
@@ -10639,7 +10465,7 @@
             </p:txBody>
           </p:sp>
         </mc:Choice>
-        <mc:Fallback>
+        <mc:Fallback xmlns="">
           <p:sp>
             <p:nvSpPr>
               <p:cNvPr id="6" name="テキスト ボックス 5">
@@ -10684,8 +10510,8 @@
           </p:sp>
         </mc:Fallback>
       </mc:AlternateContent>
-      <mc:AlternateContent xmlns:mc="http://schemas.openxmlformats.org/markup-compatibility/2006">
-        <mc:Choice xmlns:a14="http://schemas.microsoft.com/office/drawing/2010/main" Requires="a14">
+      <mc:AlternateContent xmlns:mc="http://schemas.openxmlformats.org/markup-compatibility/2006" xmlns:a14="http://schemas.microsoft.com/office/drawing/2010/main">
+        <mc:Choice Requires="a14">
           <p:sp>
             <p:nvSpPr>
               <p:cNvPr id="7" name="テキスト ボックス 6">
@@ -10758,7 +10584,7 @@
             </p:txBody>
           </p:sp>
         </mc:Choice>
-        <mc:Fallback>
+        <mc:Fallback xmlns="">
           <p:sp>
             <p:nvSpPr>
               <p:cNvPr id="7" name="テキスト ボックス 6">
@@ -10803,8 +10629,8 @@
           </p:sp>
         </mc:Fallback>
       </mc:AlternateContent>
-      <mc:AlternateContent xmlns:mc="http://schemas.openxmlformats.org/markup-compatibility/2006">
-        <mc:Choice xmlns:a14="http://schemas.microsoft.com/office/drawing/2010/main" Requires="a14">
+      <mc:AlternateContent xmlns:mc="http://schemas.openxmlformats.org/markup-compatibility/2006" xmlns:a14="http://schemas.microsoft.com/office/drawing/2010/main">
+        <mc:Choice Requires="a14">
           <p:sp>
             <p:nvSpPr>
               <p:cNvPr id="8" name="テキスト ボックス 7">
@@ -11017,7 +10843,7 @@
             </p:txBody>
           </p:sp>
         </mc:Choice>
-        <mc:Fallback>
+        <mc:Fallback xmlns="">
           <p:sp>
             <p:nvSpPr>
               <p:cNvPr id="8" name="テキスト ボックス 7">
@@ -11187,8 +11013,8 @@
           </a:p>
         </p:txBody>
       </p:sp>
-      <mc:AlternateContent xmlns:mc="http://schemas.openxmlformats.org/markup-compatibility/2006">
-        <mc:Choice xmlns:a14="http://schemas.microsoft.com/office/drawing/2010/main" Requires="a14">
+      <mc:AlternateContent xmlns:mc="http://schemas.openxmlformats.org/markup-compatibility/2006" xmlns:a14="http://schemas.microsoft.com/office/drawing/2010/main">
+        <mc:Choice Requires="a14">
           <p:sp>
             <p:nvSpPr>
               <p:cNvPr id="12" name="テキスト ボックス 11">
@@ -11304,7 +11130,7 @@
             </p:txBody>
           </p:sp>
         </mc:Choice>
-        <mc:Fallback>
+        <mc:Fallback xmlns="">
           <p:sp>
             <p:nvSpPr>
               <p:cNvPr id="12" name="テキスト ボックス 11">
@@ -11366,7 +11192,7 @@
             <p:spPr>
               <a:xfrm>
                 <a:off x="1202092" y="5614262"/>
-                <a:ext cx="9316846" cy="461665"/>
+                <a:ext cx="9009069" cy="461665"/>
               </a:xfrm>
               <a:prstGeom prst="rect">
                 <a:avLst/>
@@ -11430,7 +11256,21 @@
                     <a:latin typeface="メイリオ" panose="020B0604030504040204" pitchFamily="50" charset="-128"/>
                     <a:ea typeface="メイリオ" panose="020B0604030504040204" pitchFamily="50" charset="-128"/>
                   </a:rPr>
-                  <a:t>尤度関数（語彙</a:t>
+                  <a:t>尤度関数（</a:t>
+                </a:r>
+                <a:r>
+                  <a:rPr kumimoji="1" lang="en-US" altLang="ja-JP" sz="2400" dirty="0">
+                    <a:latin typeface="メイリオ" panose="020B0604030504040204" pitchFamily="50" charset="-128"/>
+                    <a:ea typeface="メイリオ" panose="020B0604030504040204" pitchFamily="50" charset="-128"/>
+                  </a:rPr>
+                  <a:t>C</a:t>
+                </a:r>
+                <a:r>
+                  <a:rPr kumimoji="1" lang="ja-JP" altLang="en-US" sz="2400" dirty="0">
+                    <a:latin typeface="メイリオ" panose="020B0604030504040204" pitchFamily="50" charset="-128"/>
+                    <a:ea typeface="メイリオ" panose="020B0604030504040204" pitchFamily="50" charset="-128"/>
+                  </a:rPr>
+                  <a:t>を決めたとき、語彙</a:t>
                 </a:r>
                 <a14:m>
                   <m:oMath xmlns:m="http://schemas.openxmlformats.org/officeDocument/2006/math">
@@ -11448,21 +11288,7 @@
                     <a:latin typeface="メイリオ" panose="020B0604030504040204" pitchFamily="50" charset="-128"/>
                     <a:ea typeface="メイリオ" panose="020B0604030504040204" pitchFamily="50" charset="-128"/>
                   </a:rPr>
-                  <a:t>が与えられた状況で</a:t>
-                </a:r>
-                <a:r>
-                  <a:rPr kumimoji="1" lang="en-US" altLang="ja-JP" sz="2400" dirty="0">
-                    <a:latin typeface="メイリオ" panose="020B0604030504040204" pitchFamily="50" charset="-128"/>
-                    <a:ea typeface="メイリオ" panose="020B0604030504040204" pitchFamily="50" charset="-128"/>
-                  </a:rPr>
-                  <a:t>C</a:t>
-                </a:r>
-                <a:r>
-                  <a:rPr kumimoji="1" lang="ja-JP" altLang="en-US" sz="2400" dirty="0">
-                    <a:latin typeface="メイリオ" panose="020B0604030504040204" pitchFamily="50" charset="-128"/>
-                    <a:ea typeface="メイリオ" panose="020B0604030504040204" pitchFamily="50" charset="-128"/>
-                  </a:rPr>
-                  <a:t>が何かを表す確率）</a:t>
+                  <a:t>が観測される確率）</a:t>
                 </a:r>
               </a:p>
             </p:txBody>
@@ -11486,7 +11312,7 @@
             <p:spPr>
               <a:xfrm>
                 <a:off x="1202092" y="5614262"/>
-                <a:ext cx="9316846" cy="461665"/>
+                <a:ext cx="9009069" cy="461665"/>
               </a:xfrm>
               <a:prstGeom prst="rect">
                 <a:avLst/>
@@ -11494,7 +11320,7 @@
               <a:blipFill>
                 <a:blip r:embed="rId7"/>
                 <a:stretch>
-                  <a:fillRect l="-196" t="-7895" r="-65" b="-31579"/>
+                  <a:fillRect l="-203" t="-7895" b="-31579"/>
                 </a:stretch>
               </a:blipFill>
             </p:spPr>
@@ -11513,8 +11339,8 @@
           </p:sp>
         </mc:Fallback>
       </mc:AlternateContent>
-      <mc:AlternateContent xmlns:mc="http://schemas.openxmlformats.org/markup-compatibility/2006">
-        <mc:Choice xmlns:a14="http://schemas.microsoft.com/office/drawing/2010/main" Requires="a14">
+      <mc:AlternateContent xmlns:mc="http://schemas.openxmlformats.org/markup-compatibility/2006" xmlns:a14="http://schemas.microsoft.com/office/drawing/2010/main">
+        <mc:Choice Requires="a14">
           <p:sp>
             <p:nvSpPr>
               <p:cNvPr id="14" name="テキスト ボックス 13">
@@ -11614,7 +11440,7 @@
             </p:txBody>
           </p:sp>
         </mc:Choice>
-        <mc:Fallback>
+        <mc:Fallback xmlns="">
           <p:sp>
             <p:nvSpPr>
               <p:cNvPr id="14" name="テキスト ボックス 13">
@@ -11710,6 +11536,125 @@
           </a:p>
         </p:txBody>
       </p:sp>
+      <mc:AlternateContent xmlns:mc="http://schemas.openxmlformats.org/markup-compatibility/2006">
+        <mc:Choice xmlns:a14="http://schemas.microsoft.com/office/drawing/2010/main" Requires="a14">
+          <p:sp>
+            <p:nvSpPr>
+              <p:cNvPr id="2" name="テキスト ボックス 1">
+                <a:extLst>
+                  <a:ext uri="{FF2B5EF4-FFF2-40B4-BE49-F238E27FC236}">
+                    <a16:creationId xmlns:a16="http://schemas.microsoft.com/office/drawing/2014/main" id="{CDC38CF9-97CA-BD58-9926-79D060831586}"/>
+                  </a:ext>
+                </a:extLst>
+              </p:cNvPr>
+              <p:cNvSpPr txBox="1"/>
+              <p:nvPr/>
+            </p:nvSpPr>
+            <p:spPr>
+              <a:xfrm>
+                <a:off x="9709580" y="5533867"/>
+                <a:ext cx="2220753" cy="646331"/>
+              </a:xfrm>
+              <a:prstGeom prst="rect">
+                <a:avLst/>
+              </a:prstGeom>
+              <a:noFill/>
+            </p:spPr>
+            <p:txBody>
+              <a:bodyPr wrap="square" rtlCol="0">
+                <a:spAutoFit/>
+              </a:bodyPr>
+              <a:lstStyle/>
+              <a:p>
+                <a:pPr algn="l"/>
+                <a:r>
+                  <a:rPr kumimoji="1" lang="ja-JP" altLang="en-US" dirty="0">
+                    <a:latin typeface="メイリオ" panose="020B0604030504040204" pitchFamily="50" charset="-128"/>
+                    <a:ea typeface="メイリオ" panose="020B0604030504040204" pitchFamily="50" charset="-128"/>
+                  </a:rPr>
+                  <a:t>バッグ</a:t>
+                </a:r>
+                <a:r>
+                  <a:rPr kumimoji="1" lang="en-US" altLang="ja-JP" dirty="0">
+                    <a:latin typeface="メイリオ" panose="020B0604030504040204" pitchFamily="50" charset="-128"/>
+                    <a:ea typeface="メイリオ" panose="020B0604030504040204" pitchFamily="50" charset="-128"/>
+                  </a:rPr>
+                  <a:t>C</a:t>
+                </a:r>
+                <a:r>
+                  <a:rPr kumimoji="1" lang="ja-JP" altLang="en-US" dirty="0">
+                    <a:latin typeface="メイリオ" panose="020B0604030504040204" pitchFamily="50" charset="-128"/>
+                    <a:ea typeface="メイリオ" panose="020B0604030504040204" pitchFamily="50" charset="-128"/>
+                  </a:rPr>
+                  <a:t>から</a:t>
+                </a:r>
+                <a14:m>
+                  <m:oMath xmlns:m="http://schemas.openxmlformats.org/officeDocument/2006/math">
+                    <m:r>
+                      <a:rPr kumimoji="1" lang="en-US" altLang="ja-JP" b="1" i="1" smtClean="0">
+                        <a:latin typeface="Cambria Math" panose="02040503050406030204" pitchFamily="18" charset="0"/>
+                        <a:ea typeface="メイリオ" panose="020B0604030504040204" pitchFamily="50" charset="-128"/>
+                      </a:rPr>
+                      <m:t>𝒙</m:t>
+                    </m:r>
+                  </m:oMath>
+                </a14:m>
+                <a:r>
+                  <a:rPr kumimoji="1" lang="ja-JP" altLang="en-US" dirty="0">
+                    <a:latin typeface="メイリオ" panose="020B0604030504040204" pitchFamily="50" charset="-128"/>
+                    <a:ea typeface="メイリオ" panose="020B0604030504040204" pitchFamily="50" charset="-128"/>
+                  </a:rPr>
+                  <a:t>を取り出す確率</a:t>
+                </a:r>
+              </a:p>
+            </p:txBody>
+          </p:sp>
+        </mc:Choice>
+        <mc:Fallback>
+          <p:sp>
+            <p:nvSpPr>
+              <p:cNvPr id="2" name="テキスト ボックス 1">
+                <a:extLst>
+                  <a:ext uri="{FF2B5EF4-FFF2-40B4-BE49-F238E27FC236}">
+                    <a16:creationId xmlns:a16="http://schemas.microsoft.com/office/drawing/2014/main" id="{CDC38CF9-97CA-BD58-9926-79D060831586}"/>
+                  </a:ext>
+                </a:extLst>
+              </p:cNvPr>
+              <p:cNvSpPr txBox="1">
+                <a:spLocks noRot="1" noChangeAspect="1" noMove="1" noResize="1" noEditPoints="1" noAdjustHandles="1" noChangeArrowheads="1" noChangeShapeType="1" noTextEdit="1"/>
+              </p:cNvSpPr>
+              <p:nvPr/>
+            </p:nvSpPr>
+            <p:spPr>
+              <a:xfrm>
+                <a:off x="9709580" y="5533867"/>
+                <a:ext cx="2220753" cy="646331"/>
+              </a:xfrm>
+              <a:prstGeom prst="rect">
+                <a:avLst/>
+              </a:prstGeom>
+              <a:blipFill>
+                <a:blip r:embed="rId10"/>
+                <a:stretch>
+                  <a:fillRect l="-2473" t="-3774" b="-15094"/>
+                </a:stretch>
+              </a:blipFill>
+            </p:spPr>
+            <p:txBody>
+              <a:bodyPr/>
+              <a:lstStyle/>
+              <a:p>
+                <a:r>
+                  <a:rPr lang="ja-JP" altLang="en-US">
+                    <a:noFill/>
+                  </a:rPr>
+                  <a:t> </a:t>
+                </a:r>
+              </a:p>
+            </p:txBody>
+          </p:sp>
+        </mc:Fallback>
+      </mc:AlternateContent>
     </p:spTree>
     <p:extLst>
       <p:ext uri="{BB962C8B-B14F-4D97-AF65-F5344CB8AC3E}">
@@ -11740,8 +11685,8 @@
           <a:chExt cx="0" cy="0"/>
         </a:xfrm>
       </p:grpSpPr>
-      <mc:AlternateContent xmlns:mc="http://schemas.openxmlformats.org/markup-compatibility/2006">
-        <mc:Choice xmlns:a14="http://schemas.microsoft.com/office/drawing/2010/main" Requires="a14">
+      <mc:AlternateContent xmlns:mc="http://schemas.openxmlformats.org/markup-compatibility/2006" xmlns:a14="http://schemas.microsoft.com/office/drawing/2010/main">
+        <mc:Choice Requires="a14">
           <p:sp>
             <p:nvSpPr>
               <p:cNvPr id="2" name="テキスト ボックス 1">
@@ -11845,7 +11790,7 @@
             </p:txBody>
           </p:sp>
         </mc:Choice>
-        <mc:Fallback>
+        <mc:Fallback xmlns="">
           <p:sp>
             <p:nvSpPr>
               <p:cNvPr id="2" name="テキスト ボックス 1">
@@ -11890,8 +11835,8 @@
           </p:sp>
         </mc:Fallback>
       </mc:AlternateContent>
-      <mc:AlternateContent xmlns:mc="http://schemas.openxmlformats.org/markup-compatibility/2006">
-        <mc:Choice xmlns:a14="http://schemas.microsoft.com/office/drawing/2010/main" Requires="a14">
+      <mc:AlternateContent xmlns:mc="http://schemas.openxmlformats.org/markup-compatibility/2006" xmlns:a14="http://schemas.microsoft.com/office/drawing/2010/main">
+        <mc:Choice Requires="a14">
           <p:sp>
             <p:nvSpPr>
               <p:cNvPr id="3" name="テキスト ボックス 2">
@@ -11920,6 +11865,7 @@
               </a:bodyPr>
               <a:lstStyle/>
               <a:p>
+                <a:pPr/>
                 <a14:m>
                   <m:oMathPara xmlns:m="http://schemas.openxmlformats.org/officeDocument/2006/math">
                     <m:oMathParaPr>
@@ -12117,7 +12063,7 @@
             </p:txBody>
           </p:sp>
         </mc:Choice>
-        <mc:Fallback>
+        <mc:Fallback xmlns="">
           <p:sp>
             <p:nvSpPr>
               <p:cNvPr id="3" name="テキスト ボックス 2">
@@ -12162,8 +12108,8 @@
           </p:sp>
         </mc:Fallback>
       </mc:AlternateContent>
-      <mc:AlternateContent xmlns:mc="http://schemas.openxmlformats.org/markup-compatibility/2006">
-        <mc:Choice xmlns:a14="http://schemas.microsoft.com/office/drawing/2010/main" Requires="a14">
+      <mc:AlternateContent xmlns:mc="http://schemas.openxmlformats.org/markup-compatibility/2006" xmlns:a14="http://schemas.microsoft.com/office/drawing/2010/main">
+        <mc:Choice Requires="a14">
           <p:sp>
             <p:nvSpPr>
               <p:cNvPr id="4" name="テキスト ボックス 3">
@@ -12403,7 +12349,7 @@
             </p:txBody>
           </p:sp>
         </mc:Choice>
-        <mc:Fallback>
+        <mc:Fallback xmlns="">
           <p:sp>
             <p:nvSpPr>
               <p:cNvPr id="4" name="テキスト ボックス 3">
@@ -12494,8 +12440,8 @@
           </a:p>
         </p:txBody>
       </p:sp>
-      <mc:AlternateContent xmlns:mc="http://schemas.openxmlformats.org/markup-compatibility/2006">
-        <mc:Choice xmlns:a14="http://schemas.microsoft.com/office/drawing/2010/main" Requires="a14">
+      <mc:AlternateContent xmlns:mc="http://schemas.openxmlformats.org/markup-compatibility/2006" xmlns:a14="http://schemas.microsoft.com/office/drawing/2010/main">
+        <mc:Choice Requires="a14">
           <p:sp>
             <p:nvSpPr>
               <p:cNvPr id="6" name="テキスト ボックス 5">
@@ -12703,7 +12649,7 @@
             </p:txBody>
           </p:sp>
         </mc:Choice>
-        <mc:Fallback>
+        <mc:Fallback xmlns="">
           <p:sp>
             <p:nvSpPr>
               <p:cNvPr id="6" name="テキスト ボックス 5">
@@ -12794,8 +12740,8 @@
           </a:p>
         </p:txBody>
       </p:sp>
-      <mc:AlternateContent xmlns:mc="http://schemas.openxmlformats.org/markup-compatibility/2006">
-        <mc:Choice xmlns:a14="http://schemas.microsoft.com/office/drawing/2010/main" Requires="a14">
+      <mc:AlternateContent xmlns:mc="http://schemas.openxmlformats.org/markup-compatibility/2006" xmlns:a14="http://schemas.microsoft.com/office/drawing/2010/main">
+        <mc:Choice Requires="a14">
           <p:sp>
             <p:nvSpPr>
               <p:cNvPr id="8" name="テキスト ボックス 7">
@@ -13003,7 +12949,7 @@
             </p:txBody>
           </p:sp>
         </mc:Choice>
-        <mc:Fallback>
+        <mc:Fallback xmlns="">
           <p:sp>
             <p:nvSpPr>
               <p:cNvPr id="8" name="テキスト ボックス 7">
@@ -13048,8 +12994,8 @@
           </p:sp>
         </mc:Fallback>
       </mc:AlternateContent>
-      <mc:AlternateContent xmlns:mc="http://schemas.openxmlformats.org/markup-compatibility/2006">
-        <mc:Choice xmlns:a14="http://schemas.microsoft.com/office/drawing/2010/main" Requires="a14">
+      <mc:AlternateContent xmlns:mc="http://schemas.openxmlformats.org/markup-compatibility/2006" xmlns:a14="http://schemas.microsoft.com/office/drawing/2010/main">
+        <mc:Choice Requires="a14">
           <p:sp>
             <p:nvSpPr>
               <p:cNvPr id="9" name="テキスト ボックス 8">
@@ -13078,7 +13024,6 @@
               </a:bodyPr>
               <a:lstStyle/>
               <a:p>
-                <a:pPr/>
                 <a14:m>
                   <m:oMath xmlns:m="http://schemas.openxmlformats.org/officeDocument/2006/math">
                     <m:r>
@@ -13142,14 +13087,7 @@
                         <a:latin typeface="Cambria Math" panose="02040503050406030204" pitchFamily="18" charset="0"/>
                         <a:ea typeface="メイリオ" panose="020B0604030504040204" pitchFamily="50" charset="-128"/>
                       </a:rPr>
-                      <m:t>)</m:t>
-                    </m:r>
-                    <m:r>
-                      <a:rPr kumimoji="1" lang="en-US" altLang="ja-JP" sz="3200" b="1" i="1" smtClean="0">
-                        <a:latin typeface="Cambria Math" panose="02040503050406030204" pitchFamily="18" charset="0"/>
-                        <a:ea typeface="メイリオ" panose="020B0604030504040204" pitchFamily="50" charset="-128"/>
-                      </a:rPr>
-                      <m:t>&gt;</m:t>
+                      <m:t>)&gt;</m:t>
                     </m:r>
                     <m:r>
                       <a:rPr kumimoji="1" lang="en-US" altLang="ja-JP" sz="3200" b="1" i="1" smtClean="0">
@@ -13224,7 +13162,7 @@
             </p:txBody>
           </p:sp>
         </mc:Choice>
-        <mc:Fallback>
+        <mc:Fallback xmlns="">
           <p:sp>
             <p:nvSpPr>
               <p:cNvPr id="9" name="テキスト ボックス 8">
@@ -13464,8 +13402,8 @@
           </a:p>
         </p:txBody>
       </p:sp>
-      <mc:AlternateContent xmlns:mc="http://schemas.openxmlformats.org/markup-compatibility/2006">
-        <mc:Choice xmlns:a14="http://schemas.microsoft.com/office/drawing/2010/main" Requires="a14">
+      <mc:AlternateContent xmlns:mc="http://schemas.openxmlformats.org/markup-compatibility/2006" xmlns:a14="http://schemas.microsoft.com/office/drawing/2010/main">
+        <mc:Choice Requires="a14">
           <p:sp>
             <p:nvSpPr>
               <p:cNvPr id="14" name="テキスト ボックス 13">
@@ -13494,7 +13432,6 @@
               </a:bodyPr>
               <a:lstStyle/>
               <a:p>
-                <a:pPr/>
                 <a14:m>
                   <m:oMath xmlns:m="http://schemas.openxmlformats.org/officeDocument/2006/math">
                     <m:r>
@@ -13537,14 +13474,7 @@
                         <a:latin typeface="Cambria Math" panose="02040503050406030204" pitchFamily="18" charset="0"/>
                         <a:ea typeface="メイリオ" panose="020B0604030504040204" pitchFamily="50" charset="-128"/>
                       </a:rPr>
-                      <m:t>)</m:t>
-                    </m:r>
-                    <m:r>
-                      <a:rPr kumimoji="1" lang="en-US" altLang="ja-JP" sz="3200" b="1" i="1" smtClean="0">
-                        <a:latin typeface="Cambria Math" panose="02040503050406030204" pitchFamily="18" charset="0"/>
-                        <a:ea typeface="メイリオ" panose="020B0604030504040204" pitchFamily="50" charset="-128"/>
-                      </a:rPr>
-                      <m:t>&gt;</m:t>
+                      <m:t>)&gt;</m:t>
                     </m:r>
                     <m:r>
                       <a:rPr kumimoji="1" lang="en-US" altLang="ja-JP" sz="3200" b="1" i="1" smtClean="0">
@@ -13598,7 +13528,7 @@
             </p:txBody>
           </p:sp>
         </mc:Choice>
-        <mc:Fallback>
+        <mc:Fallback xmlns="">
           <p:sp>
             <p:nvSpPr>
               <p:cNvPr id="14" name="テキスト ボックス 13">
@@ -13857,8 +13787,8 @@
           </a:p>
         </p:txBody>
       </p:sp>
-      <mc:AlternateContent xmlns:mc="http://schemas.openxmlformats.org/markup-compatibility/2006">
-        <mc:Choice xmlns:a14="http://schemas.microsoft.com/office/drawing/2010/main" Requires="a14">
+      <mc:AlternateContent xmlns:mc="http://schemas.openxmlformats.org/markup-compatibility/2006" xmlns:a14="http://schemas.microsoft.com/office/drawing/2010/main">
+        <mc:Choice Requires="a14">
           <p:sp>
             <p:nvSpPr>
               <p:cNvPr id="2" name="テキスト ボックス 1">
@@ -13976,7 +13906,7 @@
             </p:txBody>
           </p:sp>
         </mc:Choice>
-        <mc:Fallback>
+        <mc:Fallback xmlns="">
           <p:sp>
             <p:nvSpPr>
               <p:cNvPr id="2" name="テキスト ボックス 1">
@@ -14021,8 +13951,8 @@
           </p:sp>
         </mc:Fallback>
       </mc:AlternateContent>
-      <mc:AlternateContent xmlns:mc="http://schemas.openxmlformats.org/markup-compatibility/2006">
-        <mc:Choice xmlns:a14="http://schemas.microsoft.com/office/drawing/2010/main" Requires="a14">
+      <mc:AlternateContent xmlns:mc="http://schemas.openxmlformats.org/markup-compatibility/2006" xmlns:a14="http://schemas.microsoft.com/office/drawing/2010/main">
+        <mc:Choice Requires="a14">
           <p:sp>
             <p:nvSpPr>
               <p:cNvPr id="5" name="テキスト ボックス 4">
@@ -14051,6 +13981,7 @@
               </a:bodyPr>
               <a:lstStyle/>
               <a:p>
+                <a:pPr/>
                 <a14:m>
                   <m:oMathPara xmlns:m="http://schemas.openxmlformats.org/officeDocument/2006/math">
                     <m:oMathParaPr>
@@ -14297,7 +14228,7 @@
             </p:txBody>
           </p:sp>
         </mc:Choice>
-        <mc:Fallback>
+        <mc:Fallback xmlns="">
           <p:sp>
             <p:nvSpPr>
               <p:cNvPr id="5" name="テキスト ボックス 4">
@@ -14342,8 +14273,8 @@
           </p:sp>
         </mc:Fallback>
       </mc:AlternateContent>
-      <mc:AlternateContent xmlns:mc="http://schemas.openxmlformats.org/markup-compatibility/2006">
-        <mc:Choice xmlns:a14="http://schemas.microsoft.com/office/drawing/2010/main" Requires="a14">
+      <mc:AlternateContent xmlns:mc="http://schemas.openxmlformats.org/markup-compatibility/2006" xmlns:a14="http://schemas.microsoft.com/office/drawing/2010/main">
+        <mc:Choice Requires="a14">
           <p:sp>
             <p:nvSpPr>
               <p:cNvPr id="6" name="テキスト ボックス 5">
@@ -14557,7 +14488,7 @@
             </p:txBody>
           </p:sp>
         </mc:Choice>
-        <mc:Fallback>
+        <mc:Fallback xmlns="">
           <p:sp>
             <p:nvSpPr>
               <p:cNvPr id="6" name="テキスト ボックス 5">
@@ -14602,8 +14533,8 @@
           </p:sp>
         </mc:Fallback>
       </mc:AlternateContent>
-      <mc:AlternateContent xmlns:mc="http://schemas.openxmlformats.org/markup-compatibility/2006">
-        <mc:Choice xmlns:a14="http://schemas.microsoft.com/office/drawing/2010/main" Requires="a14">
+      <mc:AlternateContent xmlns:mc="http://schemas.openxmlformats.org/markup-compatibility/2006" xmlns:a14="http://schemas.microsoft.com/office/drawing/2010/main">
+        <mc:Choice Requires="a14">
           <p:sp>
             <p:nvSpPr>
               <p:cNvPr id="8" name="テキスト ボックス 7">
@@ -14632,6 +14563,7 @@
               </a:bodyPr>
               <a:lstStyle/>
               <a:p>
+                <a:pPr/>
                 <a14:m>
                   <m:oMathPara xmlns:m="http://schemas.openxmlformats.org/officeDocument/2006/math">
                     <m:oMathParaPr>
@@ -14835,7 +14767,7 @@
             </p:txBody>
           </p:sp>
         </mc:Choice>
-        <mc:Fallback>
+        <mc:Fallback xmlns="">
           <p:sp>
             <p:nvSpPr>
               <p:cNvPr id="8" name="テキスト ボックス 7">
@@ -15114,8 +15046,8 @@
           </a:p>
         </p:txBody>
       </p:sp>
-      <mc:AlternateContent xmlns:mc="http://schemas.openxmlformats.org/markup-compatibility/2006">
-        <mc:Choice xmlns:a14="http://schemas.microsoft.com/office/drawing/2010/main" Requires="a14">
+      <mc:AlternateContent xmlns:mc="http://schemas.openxmlformats.org/markup-compatibility/2006" xmlns:a14="http://schemas.microsoft.com/office/drawing/2010/main">
+        <mc:Choice Requires="a14">
           <p:sp>
             <p:nvSpPr>
               <p:cNvPr id="4" name="テキスト ボックス 3">
@@ -15465,7 +15397,7 @@
             </p:txBody>
           </p:sp>
         </mc:Choice>
-        <mc:Fallback>
+        <mc:Fallback xmlns="">
           <p:sp>
             <p:nvSpPr>
               <p:cNvPr id="4" name="テキスト ボックス 3">
@@ -15510,8 +15442,8 @@
           </p:sp>
         </mc:Fallback>
       </mc:AlternateContent>
-      <mc:AlternateContent xmlns:mc="http://schemas.openxmlformats.org/markup-compatibility/2006">
-        <mc:Choice xmlns:a14="http://schemas.microsoft.com/office/drawing/2010/main" Requires="a14">
+      <mc:AlternateContent xmlns:mc="http://schemas.openxmlformats.org/markup-compatibility/2006" xmlns:a14="http://schemas.microsoft.com/office/drawing/2010/main">
+        <mc:Choice Requires="a14">
           <p:sp>
             <p:nvSpPr>
               <p:cNvPr id="5" name="テキスト ボックス 4">
@@ -15540,6 +15472,7 @@
               </a:bodyPr>
               <a:lstStyle/>
               <a:p>
+                <a:pPr/>
                 <a14:m>
                   <m:oMathPara xmlns:m="http://schemas.openxmlformats.org/officeDocument/2006/math">
                     <m:oMathParaPr>
@@ -15794,7 +15727,7 @@
             </p:txBody>
           </p:sp>
         </mc:Choice>
-        <mc:Fallback>
+        <mc:Fallback xmlns="">
           <p:sp>
             <p:nvSpPr>
               <p:cNvPr id="5" name="テキスト ボックス 4">
@@ -15839,8 +15772,8 @@
           </p:sp>
         </mc:Fallback>
       </mc:AlternateContent>
-      <mc:AlternateContent xmlns:mc="http://schemas.openxmlformats.org/markup-compatibility/2006">
-        <mc:Choice xmlns:a14="http://schemas.microsoft.com/office/drawing/2010/main" Requires="a14">
+      <mc:AlternateContent xmlns:mc="http://schemas.openxmlformats.org/markup-compatibility/2006" xmlns:a14="http://schemas.microsoft.com/office/drawing/2010/main">
+        <mc:Choice Requires="a14">
           <p:sp>
             <p:nvSpPr>
               <p:cNvPr id="6" name="テキスト ボックス 5">
@@ -16076,7 +16009,7 @@
             </p:txBody>
           </p:sp>
         </mc:Choice>
-        <mc:Fallback>
+        <mc:Fallback xmlns="">
           <p:sp>
             <p:nvSpPr>
               <p:cNvPr id="6" name="テキスト ボックス 5">
@@ -16160,8 +16093,8 @@
           </a:p>
         </p:txBody>
       </p:sp>
-      <mc:AlternateContent xmlns:mc="http://schemas.openxmlformats.org/markup-compatibility/2006">
-        <mc:Choice xmlns:a14="http://schemas.microsoft.com/office/drawing/2010/main" Requires="a14">
+      <mc:AlternateContent xmlns:mc="http://schemas.openxmlformats.org/markup-compatibility/2006" xmlns:a14="http://schemas.microsoft.com/office/drawing/2010/main">
+        <mc:Choice Requires="a14">
           <p:sp>
             <p:nvSpPr>
               <p:cNvPr id="12" name="テキスト ボックス 11">
@@ -16190,6 +16123,7 @@
               </a:bodyPr>
               <a:lstStyle/>
               <a:p>
+                <a:pPr/>
                 <a14:m>
                   <m:oMathPara xmlns:m="http://schemas.openxmlformats.org/officeDocument/2006/math">
                     <m:oMathParaPr>
@@ -16417,7 +16351,7 @@
             </p:txBody>
           </p:sp>
         </mc:Choice>
-        <mc:Fallback>
+        <mc:Fallback xmlns="">
           <p:sp>
             <p:nvSpPr>
               <p:cNvPr id="12" name="テキスト ボックス 11">
@@ -16577,8 +16511,8 @@
           </a:p>
         </p:txBody>
       </p:sp>
-      <mc:AlternateContent xmlns:mc="http://schemas.openxmlformats.org/markup-compatibility/2006">
-        <mc:Choice xmlns:a14="http://schemas.microsoft.com/office/drawing/2010/main" Requires="a14">
+      <mc:AlternateContent xmlns:mc="http://schemas.openxmlformats.org/markup-compatibility/2006" xmlns:a14="http://schemas.microsoft.com/office/drawing/2010/main">
+        <mc:Choice Requires="a14">
           <p:sp>
             <p:nvSpPr>
               <p:cNvPr id="3" name="テキスト ボックス 2">
@@ -16920,7 +16854,7 @@
             </p:txBody>
           </p:sp>
         </mc:Choice>
-        <mc:Fallback>
+        <mc:Fallback xmlns="">
           <p:sp>
             <p:nvSpPr>
               <p:cNvPr id="3" name="テキスト ボックス 2">
@@ -17011,8 +16945,8 @@
           </a:p>
         </p:txBody>
       </p:sp>
-      <mc:AlternateContent xmlns:mc="http://schemas.openxmlformats.org/markup-compatibility/2006">
-        <mc:Choice xmlns:a14="http://schemas.microsoft.com/office/drawing/2010/main" Requires="a14">
+      <mc:AlternateContent xmlns:mc="http://schemas.openxmlformats.org/markup-compatibility/2006" xmlns:a14="http://schemas.microsoft.com/office/drawing/2010/main">
+        <mc:Choice Requires="a14">
           <p:sp>
             <p:nvSpPr>
               <p:cNvPr id="6" name="テキスト ボックス 5">
@@ -17041,7 +16975,6 @@
               </a:bodyPr>
               <a:lstStyle/>
               <a:p>
-                <a:pPr/>
                 <a14:m>
                   <m:oMath xmlns:m="http://schemas.openxmlformats.org/officeDocument/2006/math">
                     <m:r>
@@ -17255,7 +17188,7 @@
             </p:txBody>
           </p:sp>
         </mc:Choice>
-        <mc:Fallback>
+        <mc:Fallback xmlns="">
           <p:sp>
             <p:nvSpPr>
               <p:cNvPr id="6" name="テキスト ボックス 5">
@@ -17339,8 +17272,8 @@
           </a:p>
         </p:txBody>
       </p:sp>
-      <mc:AlternateContent xmlns:mc="http://schemas.openxmlformats.org/markup-compatibility/2006">
-        <mc:Choice xmlns:a14="http://schemas.microsoft.com/office/drawing/2010/main" Requires="a14">
+      <mc:AlternateContent xmlns:mc="http://schemas.openxmlformats.org/markup-compatibility/2006" xmlns:a14="http://schemas.microsoft.com/office/drawing/2010/main">
+        <mc:Choice Requires="a14">
           <p:sp>
             <p:nvSpPr>
               <p:cNvPr id="10" name="テキスト ボックス 9">
@@ -17369,6 +17302,7 @@
               </a:bodyPr>
               <a:lstStyle/>
               <a:p>
+                <a:pPr/>
                 <a14:m>
                   <m:oMathPara xmlns:m="http://schemas.openxmlformats.org/officeDocument/2006/math">
                     <m:oMathParaPr>
@@ -17614,7 +17548,7 @@
             </p:txBody>
           </p:sp>
         </mc:Choice>
-        <mc:Fallback>
+        <mc:Fallback xmlns="">
           <p:sp>
             <p:nvSpPr>
               <p:cNvPr id="10" name="テキスト ボックス 9">
@@ -17659,8 +17593,8 @@
           </p:sp>
         </mc:Fallback>
       </mc:AlternateContent>
-      <mc:AlternateContent xmlns:mc="http://schemas.openxmlformats.org/markup-compatibility/2006">
-        <mc:Choice xmlns:a14="http://schemas.microsoft.com/office/drawing/2010/main" Requires="a14">
+      <mc:AlternateContent xmlns:mc="http://schemas.openxmlformats.org/markup-compatibility/2006" xmlns:a14="http://schemas.microsoft.com/office/drawing/2010/main">
+        <mc:Choice Requires="a14">
           <p:sp>
             <p:nvSpPr>
               <p:cNvPr id="11" name="テキスト ボックス 10">
@@ -18048,7 +17982,7 @@
             </p:txBody>
           </p:sp>
         </mc:Choice>
-        <mc:Fallback>
+        <mc:Fallback xmlns="">
           <p:sp>
             <p:nvSpPr>
               <p:cNvPr id="11" name="テキスト ボックス 10">
@@ -18093,8 +18027,8 @@
           </p:sp>
         </mc:Fallback>
       </mc:AlternateContent>
-      <mc:AlternateContent xmlns:mc="http://schemas.openxmlformats.org/markup-compatibility/2006">
-        <mc:Choice xmlns:a14="http://schemas.microsoft.com/office/drawing/2010/main" Requires="a14">
+      <mc:AlternateContent xmlns:mc="http://schemas.openxmlformats.org/markup-compatibility/2006" xmlns:a14="http://schemas.microsoft.com/office/drawing/2010/main">
+        <mc:Choice Requires="a14">
           <p:sp>
             <p:nvSpPr>
               <p:cNvPr id="12" name="テキスト ボックス 11">
@@ -18436,7 +18370,7 @@
             </p:txBody>
           </p:sp>
         </mc:Choice>
-        <mc:Fallback>
+        <mc:Fallback xmlns="">
           <p:sp>
             <p:nvSpPr>
               <p:cNvPr id="12" name="テキスト ボックス 11">
@@ -18481,8 +18415,8 @@
           </p:sp>
         </mc:Fallback>
       </mc:AlternateContent>
-      <mc:AlternateContent xmlns:mc="http://schemas.openxmlformats.org/markup-compatibility/2006">
-        <mc:Choice xmlns:a14="http://schemas.microsoft.com/office/drawing/2010/main" Requires="a14">
+      <mc:AlternateContent xmlns:mc="http://schemas.openxmlformats.org/markup-compatibility/2006" xmlns:a14="http://schemas.microsoft.com/office/drawing/2010/main">
+        <mc:Choice Requires="a14">
           <p:sp>
             <p:nvSpPr>
               <p:cNvPr id="13" name="テキスト ボックス 12">
@@ -18511,7 +18445,6 @@
               </a:bodyPr>
               <a:lstStyle/>
               <a:p>
-                <a:pPr/>
                 <a14:m>
                   <m:oMath xmlns:m="http://schemas.openxmlformats.org/officeDocument/2006/math">
                     <m:r>
@@ -18554,14 +18487,7 @@
                         <a:latin typeface="Cambria Math" panose="02040503050406030204" pitchFamily="18" charset="0"/>
                         <a:ea typeface="メイリオ" panose="020B0604030504040204" pitchFamily="50" charset="-128"/>
                       </a:rPr>
-                      <m:t>)</m:t>
-                    </m:r>
-                    <m:r>
-                      <a:rPr kumimoji="1" lang="en-US" altLang="ja-JP" sz="3200" b="1" i="1" smtClean="0">
-                        <a:latin typeface="Cambria Math" panose="02040503050406030204" pitchFamily="18" charset="0"/>
-                        <a:ea typeface="メイリオ" panose="020B0604030504040204" pitchFamily="50" charset="-128"/>
-                      </a:rPr>
-                      <m:t>&gt;</m:t>
+                      <m:t>)&gt;</m:t>
                     </m:r>
                     <m:r>
                       <a:rPr kumimoji="1" lang="en-US" altLang="ja-JP" sz="3200" b="1" i="1" smtClean="0">
@@ -18615,7 +18541,7 @@
             </p:txBody>
           </p:sp>
         </mc:Choice>
-        <mc:Fallback>
+        <mc:Fallback xmlns="">
           <p:sp>
             <p:nvSpPr>
               <p:cNvPr id="13" name="テキスト ボックス 12">
@@ -19742,8 +19668,8 @@
           </a:p>
         </p:txBody>
       </p:sp>
-      <mc:AlternateContent xmlns:mc="http://schemas.openxmlformats.org/markup-compatibility/2006">
-        <mc:Choice xmlns:a14="http://schemas.microsoft.com/office/drawing/2010/main" Requires="a14">
+      <mc:AlternateContent xmlns:mc="http://schemas.openxmlformats.org/markup-compatibility/2006" xmlns:a14="http://schemas.microsoft.com/office/drawing/2010/main">
+        <mc:Choice Requires="a14">
           <p:sp>
             <p:nvSpPr>
               <p:cNvPr id="3" name="テキスト ボックス 2">
@@ -19846,7 +19772,7 @@
             </p:txBody>
           </p:sp>
         </mc:Choice>
-        <mc:Fallback>
+        <mc:Fallback xmlns="">
           <p:sp>
             <p:nvSpPr>
               <p:cNvPr id="3" name="テキスト ボックス 2">
@@ -19891,8 +19817,8 @@
           </p:sp>
         </mc:Fallback>
       </mc:AlternateContent>
-      <mc:AlternateContent xmlns:mc="http://schemas.openxmlformats.org/markup-compatibility/2006">
-        <mc:Choice xmlns:a14="http://schemas.microsoft.com/office/drawing/2010/main" Requires="a14">
+      <mc:AlternateContent xmlns:mc="http://schemas.openxmlformats.org/markup-compatibility/2006" xmlns:a14="http://schemas.microsoft.com/office/drawing/2010/main">
+        <mc:Choice Requires="a14">
           <p:sp>
             <p:nvSpPr>
               <p:cNvPr id="4" name="テキスト ボックス 3">
@@ -19988,7 +19914,7 @@
             </p:txBody>
           </p:sp>
         </mc:Choice>
-        <mc:Fallback>
+        <mc:Fallback xmlns="">
           <p:sp>
             <p:nvSpPr>
               <p:cNvPr id="4" name="テキスト ボックス 3">
@@ -20125,8 +20051,8 @@
           </a:p>
         </p:txBody>
       </p:sp>
-      <mc:AlternateContent xmlns:mc="http://schemas.openxmlformats.org/markup-compatibility/2006">
-        <mc:Choice xmlns:a14="http://schemas.microsoft.com/office/drawing/2010/main" Requires="a14">
+      <mc:AlternateContent xmlns:mc="http://schemas.openxmlformats.org/markup-compatibility/2006" xmlns:a14="http://schemas.microsoft.com/office/drawing/2010/main">
+        <mc:Choice Requires="a14">
           <p:sp>
             <p:nvSpPr>
               <p:cNvPr id="7" name="テキスト ボックス 6">
@@ -20215,7 +20141,7 @@
             </p:txBody>
           </p:sp>
         </mc:Choice>
-        <mc:Fallback>
+        <mc:Fallback xmlns="">
           <p:sp>
             <p:nvSpPr>
               <p:cNvPr id="7" name="テキスト ボックス 6">
@@ -20299,8 +20225,8 @@
           </a:p>
         </p:txBody>
       </p:sp>
-      <mc:AlternateContent xmlns:mc="http://schemas.openxmlformats.org/markup-compatibility/2006">
-        <mc:Choice xmlns:a14="http://schemas.microsoft.com/office/drawing/2010/main" Requires="a14">
+      <mc:AlternateContent xmlns:mc="http://schemas.openxmlformats.org/markup-compatibility/2006" xmlns:a14="http://schemas.microsoft.com/office/drawing/2010/main">
+        <mc:Choice Requires="a14">
           <p:sp>
             <p:nvSpPr>
               <p:cNvPr id="9" name="テキスト ボックス 8">
@@ -20389,7 +20315,7 @@
             </p:txBody>
           </p:sp>
         </mc:Choice>
-        <mc:Fallback>
+        <mc:Fallback xmlns="">
           <p:sp>
             <p:nvSpPr>
               <p:cNvPr id="9" name="テキスト ボックス 8">
@@ -21204,8 +21130,8 @@
           </a:p>
         </p:txBody>
       </p:sp>
-      <mc:AlternateContent xmlns:mc="http://schemas.openxmlformats.org/markup-compatibility/2006">
-        <mc:Choice xmlns:a14="http://schemas.microsoft.com/office/drawing/2010/main" Requires="a14">
+      <mc:AlternateContent xmlns:mc="http://schemas.openxmlformats.org/markup-compatibility/2006" xmlns:a14="http://schemas.microsoft.com/office/drawing/2010/main">
+        <mc:Choice Requires="a14">
           <p:sp>
             <p:nvSpPr>
               <p:cNvPr id="14" name="四角形: 角を丸くする 13">
@@ -21319,7 +21245,7 @@
             </p:txBody>
           </p:sp>
         </mc:Choice>
-        <mc:Fallback>
+        <mc:Fallback xmlns="">
           <p:sp>
             <p:nvSpPr>
               <p:cNvPr id="14" name="四角形: 角を丸くする 13">
@@ -21364,8 +21290,8 @@
           </p:sp>
         </mc:Fallback>
       </mc:AlternateContent>
-      <mc:AlternateContent xmlns:mc="http://schemas.openxmlformats.org/markup-compatibility/2006">
-        <mc:Choice xmlns:a14="http://schemas.microsoft.com/office/drawing/2010/main" Requires="a14">
+      <mc:AlternateContent xmlns:mc="http://schemas.openxmlformats.org/markup-compatibility/2006" xmlns:a14="http://schemas.microsoft.com/office/drawing/2010/main">
+        <mc:Choice Requires="a14">
           <p:sp>
             <p:nvSpPr>
               <p:cNvPr id="15" name="四角形: 角を丸くする 14">
@@ -21472,7 +21398,7 @@
             </p:txBody>
           </p:sp>
         </mc:Choice>
-        <mc:Fallback>
+        <mc:Fallback xmlns="">
           <p:sp>
             <p:nvSpPr>
               <p:cNvPr id="15" name="四角形: 角を丸くする 14">
@@ -21605,8 +21531,8 @@
           </a:p>
         </p:txBody>
       </p:sp>
-      <mc:AlternateContent xmlns:mc="http://schemas.openxmlformats.org/markup-compatibility/2006">
-        <mc:Choice xmlns:a14="http://schemas.microsoft.com/office/drawing/2010/main" Requires="a14">
+      <mc:AlternateContent xmlns:mc="http://schemas.openxmlformats.org/markup-compatibility/2006" xmlns:a14="http://schemas.microsoft.com/office/drawing/2010/main">
+        <mc:Choice Requires="a14">
           <p:sp>
             <p:nvSpPr>
               <p:cNvPr id="20" name="テキスト ボックス 19">
@@ -21695,7 +21621,7 @@
             </p:txBody>
           </p:sp>
         </mc:Choice>
-        <mc:Fallback>
+        <mc:Fallback xmlns="">
           <p:sp>
             <p:nvSpPr>
               <p:cNvPr id="20" name="テキスト ボックス 19">
@@ -21740,8 +21666,8 @@
           </p:sp>
         </mc:Fallback>
       </mc:AlternateContent>
-      <mc:AlternateContent xmlns:mc="http://schemas.openxmlformats.org/markup-compatibility/2006">
-        <mc:Choice xmlns:a14="http://schemas.microsoft.com/office/drawing/2010/main" Requires="a14">
+      <mc:AlternateContent xmlns:mc="http://schemas.openxmlformats.org/markup-compatibility/2006" xmlns:a14="http://schemas.microsoft.com/office/drawing/2010/main">
+        <mc:Choice Requires="a14">
           <p:sp>
             <p:nvSpPr>
               <p:cNvPr id="21" name="テキスト ボックス 20">
@@ -21830,7 +21756,7 @@
             </p:txBody>
           </p:sp>
         </mc:Choice>
-        <mc:Fallback>
+        <mc:Fallback xmlns="">
           <p:sp>
             <p:nvSpPr>
               <p:cNvPr id="21" name="テキスト ボックス 20">
@@ -22020,8 +21946,8 @@
           </a:p>
         </p:txBody>
       </p:sp>
-      <mc:AlternateContent xmlns:mc="http://schemas.openxmlformats.org/markup-compatibility/2006">
-        <mc:Choice xmlns:a14="http://schemas.microsoft.com/office/drawing/2010/main" Requires="a14">
+      <mc:AlternateContent xmlns:mc="http://schemas.openxmlformats.org/markup-compatibility/2006" xmlns:a14="http://schemas.microsoft.com/office/drawing/2010/main">
+        <mc:Choice Requires="a14">
           <p:sp>
             <p:nvSpPr>
               <p:cNvPr id="25" name="テキスト ボックス 24">
@@ -22050,6 +21976,7 @@
               </a:bodyPr>
               <a:lstStyle/>
               <a:p>
+                <a:pPr/>
                 <a14:m>
                   <m:oMathPara xmlns:m="http://schemas.openxmlformats.org/officeDocument/2006/math">
                     <m:oMathParaPr>
@@ -22193,7 +22120,7 @@
             </p:txBody>
           </p:sp>
         </mc:Choice>
-        <mc:Fallback>
+        <mc:Fallback xmlns="">
           <p:sp>
             <p:nvSpPr>
               <p:cNvPr id="25" name="テキスト ボックス 24">
@@ -22238,8 +22165,8 @@
           </p:sp>
         </mc:Fallback>
       </mc:AlternateContent>
-      <mc:AlternateContent xmlns:mc="http://schemas.openxmlformats.org/markup-compatibility/2006">
-        <mc:Choice xmlns:a14="http://schemas.microsoft.com/office/drawing/2010/main" Requires="a14">
+      <mc:AlternateContent xmlns:mc="http://schemas.openxmlformats.org/markup-compatibility/2006" xmlns:a14="http://schemas.microsoft.com/office/drawing/2010/main">
+        <mc:Choice Requires="a14">
           <p:sp>
             <p:nvSpPr>
               <p:cNvPr id="26" name="テキスト ボックス 25">
@@ -22268,6 +22195,7 @@
               </a:bodyPr>
               <a:lstStyle/>
               <a:p>
+                <a:pPr/>
                 <a14:m>
                   <m:oMathPara xmlns:m="http://schemas.openxmlformats.org/officeDocument/2006/math">
                     <m:oMathParaPr>
@@ -22520,7 +22448,7 @@
             </p:txBody>
           </p:sp>
         </mc:Choice>
-        <mc:Fallback>
+        <mc:Fallback xmlns="">
           <p:sp>
             <p:nvSpPr>
               <p:cNvPr id="26" name="テキスト ボックス 25">
@@ -22565,8 +22493,8 @@
           </p:sp>
         </mc:Fallback>
       </mc:AlternateContent>
-      <mc:AlternateContent xmlns:mc="http://schemas.openxmlformats.org/markup-compatibility/2006">
-        <mc:Choice xmlns:a14="http://schemas.microsoft.com/office/drawing/2010/main" Requires="a14">
+      <mc:AlternateContent xmlns:mc="http://schemas.openxmlformats.org/markup-compatibility/2006" xmlns:a14="http://schemas.microsoft.com/office/drawing/2010/main">
+        <mc:Choice Requires="a14">
           <p:sp>
             <p:nvSpPr>
               <p:cNvPr id="27" name="テキスト ボックス 26">
@@ -22670,7 +22598,7 @@
             </p:txBody>
           </p:sp>
         </mc:Choice>
-        <mc:Fallback>
+        <mc:Fallback xmlns="">
           <p:sp>
             <p:nvSpPr>
               <p:cNvPr id="27" name="テキスト ボックス 26">
@@ -22995,8 +22923,8 @@
         </p:nvSpPr>
         <p:spPr>
           <a:xfrm>
-            <a:off x="1866122" y="2034073"/>
-            <a:ext cx="5995552" cy="1200329"/>
+            <a:off x="699796" y="1916887"/>
+            <a:ext cx="12228412" cy="2431435"/>
           </a:xfrm>
           <a:prstGeom prst="rect">
             <a:avLst/>
@@ -23020,16 +22948,41 @@
               </a:rPr>
               <a:t>まずはエクセルで計算</a:t>
             </a:r>
-            <a:endParaRPr kumimoji="1" lang="en-US" altLang="ja-JP" sz="2400" dirty="0">
+            <a:endParaRPr kumimoji="1" lang="en-US" altLang="ja-JP" sz="2000" dirty="0">
               <a:latin typeface="メイリオ" panose="020B0604030504040204" pitchFamily="50" charset="-128"/>
               <a:ea typeface="メイリオ" panose="020B0604030504040204" pitchFamily="50" charset="-128"/>
             </a:endParaRPr>
           </a:p>
           <a:p>
-            <a:pPr marL="457200" indent="-457200" algn="l">
-              <a:buFont typeface="+mj-lt"/>
-              <a:buAutoNum type="arabicPeriod"/>
-            </a:pPr>
+            <a:r>
+              <a:rPr kumimoji="1" lang="en-US" altLang="ja-JP" sz="2000" dirty="0">
+                <a:latin typeface="メイリオ" panose="020B0604030504040204" pitchFamily="50" charset="-128"/>
+                <a:ea typeface="メイリオ" panose="020B0604030504040204" pitchFamily="50" charset="-128"/>
+                <a:hlinkClick r:id="rId2"/>
+              </a:rPr>
+              <a:t>https://github.com/ueharaLab/NLP5_probabilistic-classifier/blob/main/naive_bayes.md</a:t>
+            </a:r>
+            <a:endParaRPr kumimoji="1" lang="en-US" altLang="ja-JP" sz="2000" dirty="0">
+              <a:latin typeface="メイリオ" panose="020B0604030504040204" pitchFamily="50" charset="-128"/>
+              <a:ea typeface="メイリオ" panose="020B0604030504040204" pitchFamily="50" charset="-128"/>
+            </a:endParaRPr>
+          </a:p>
+          <a:p>
+            <a:pPr algn="l"/>
+            <a:endParaRPr kumimoji="1" lang="en-US" altLang="ja-JP" sz="2000" dirty="0">
+              <a:latin typeface="メイリオ" panose="020B0604030504040204" pitchFamily="50" charset="-128"/>
+              <a:ea typeface="メイリオ" panose="020B0604030504040204" pitchFamily="50" charset="-128"/>
+            </a:endParaRPr>
+          </a:p>
+          <a:p>
+            <a:pPr algn="l"/>
+            <a:r>
+              <a:rPr kumimoji="1" lang="en-US" altLang="ja-JP" sz="2400" dirty="0">
+                <a:latin typeface="メイリオ" panose="020B0604030504040204" pitchFamily="50" charset="-128"/>
+                <a:ea typeface="メイリオ" panose="020B0604030504040204" pitchFamily="50" charset="-128"/>
+              </a:rPr>
+              <a:t>2. </a:t>
+            </a:r>
             <a:r>
               <a:rPr kumimoji="1" lang="ja-JP" altLang="en-US" sz="2400" dirty="0">
                 <a:latin typeface="メイリオ" panose="020B0604030504040204" pitchFamily="50" charset="-128"/>
@@ -23051,22 +23004,41 @@
               </a:rPr>
               <a:t>で実装</a:t>
             </a:r>
-            <a:endParaRPr kumimoji="1" lang="en-US" altLang="ja-JP" sz="2400" dirty="0">
+            <a:endParaRPr kumimoji="1" lang="en-US" altLang="ja-JP" sz="2000" dirty="0">
               <a:latin typeface="メイリオ" panose="020B0604030504040204" pitchFamily="50" charset="-128"/>
               <a:ea typeface="メイリオ" panose="020B0604030504040204" pitchFamily="50" charset="-128"/>
             </a:endParaRPr>
           </a:p>
           <a:p>
-            <a:pPr marL="457200" indent="-457200" algn="l">
-              <a:buFont typeface="+mj-lt"/>
-              <a:buAutoNum type="arabicPeriod"/>
-            </a:pPr>
+            <a:pPr algn="l"/>
+            <a:r>
+              <a:rPr kumimoji="1" lang="en-US" altLang="ja-JP" sz="2000" dirty="0">
+                <a:latin typeface="メイリオ" panose="020B0604030504040204" pitchFamily="50" charset="-128"/>
+                <a:ea typeface="メイリオ" panose="020B0604030504040204" pitchFamily="50" charset="-128"/>
+                <a:hlinkClick r:id="rId3"/>
+              </a:rPr>
+              <a:t>https://github.com/ueharaLab/NLP5_probabilistic-classifier/blob/main/naive_bayes_python.md</a:t>
+            </a:r>
+            <a:endParaRPr kumimoji="1" lang="en-US" altLang="ja-JP" sz="2000" dirty="0">
+              <a:latin typeface="メイリオ" panose="020B0604030504040204" pitchFamily="50" charset="-128"/>
+              <a:ea typeface="メイリオ" panose="020B0604030504040204" pitchFamily="50" charset="-128"/>
+            </a:endParaRPr>
+          </a:p>
+          <a:p>
+            <a:pPr algn="l"/>
+            <a:endParaRPr kumimoji="1" lang="en-US" altLang="ja-JP" sz="2000" dirty="0">
+              <a:latin typeface="メイリオ" panose="020B0604030504040204" pitchFamily="50" charset="-128"/>
+              <a:ea typeface="メイリオ" panose="020B0604030504040204" pitchFamily="50" charset="-128"/>
+            </a:endParaRPr>
+          </a:p>
+          <a:p>
+            <a:pPr algn="l"/>
             <a:r>
               <a:rPr kumimoji="1" lang="en-US" altLang="ja-JP" sz="2400" dirty="0">
                 <a:latin typeface="メイリオ" panose="020B0604030504040204" pitchFamily="50" charset="-128"/>
                 <a:ea typeface="メイリオ" panose="020B0604030504040204" pitchFamily="50" charset="-128"/>
               </a:rPr>
-              <a:t>K-nearest</a:t>
+              <a:t>3. K-nearest</a:t>
             </a:r>
             <a:r>
               <a:rPr kumimoji="1" lang="ja-JP" altLang="en-US" sz="2400" dirty="0">
@@ -23777,7 +23749,7 @@
         </p:blipFill>
         <p:spPr bwMode="auto">
           <a:xfrm>
-            <a:off x="5959971" y="3067050"/>
+            <a:off x="6136637" y="3170873"/>
             <a:ext cx="4259580" cy="2857500"/>
           </a:xfrm>
           <a:prstGeom prst="rect">
@@ -23933,7 +23905,7 @@
         <p:spPr>
           <a:xfrm>
             <a:off x="7507940" y="5073323"/>
-            <a:ext cx="1415772" cy="461665"/>
+            <a:ext cx="1107996" cy="369332"/>
           </a:xfrm>
           <a:prstGeom prst="rect">
             <a:avLst/>
@@ -23948,7 +23920,7 @@
           <a:p>
             <a:pPr algn="l"/>
             <a:r>
-              <a:rPr kumimoji="1" lang="ja-JP" altLang="en-US" sz="2400" dirty="0">
+              <a:rPr kumimoji="1" lang="ja-JP" altLang="en-US" dirty="0">
                 <a:latin typeface="メイリオ" panose="020B0604030504040204" pitchFamily="50" charset="-128"/>
                 <a:ea typeface="メイリオ" panose="020B0604030504040204" pitchFamily="50" charset="-128"/>
               </a:rPr>
@@ -23971,8 +23943,8 @@
         </p:nvSpPr>
         <p:spPr>
           <a:xfrm>
-            <a:off x="6993590" y="4646593"/>
-            <a:ext cx="1415772" cy="461665"/>
+            <a:off x="7316807" y="4644181"/>
+            <a:ext cx="1107996" cy="369332"/>
           </a:xfrm>
           <a:prstGeom prst="rect">
             <a:avLst/>
@@ -23987,7 +23959,7 @@
           <a:p>
             <a:pPr algn="l"/>
             <a:r>
-              <a:rPr kumimoji="1" lang="ja-JP" altLang="en-US" sz="2400" dirty="0">
+              <a:rPr kumimoji="1" lang="ja-JP" altLang="en-US" dirty="0">
                 <a:latin typeface="メイリオ" panose="020B0604030504040204" pitchFamily="50" charset="-128"/>
                 <a:ea typeface="メイリオ" panose="020B0604030504040204" pitchFamily="50" charset="-128"/>
               </a:rPr>
@@ -24011,7 +23983,7 @@
         <p:spPr>
           <a:xfrm>
             <a:off x="7558541" y="4266228"/>
-            <a:ext cx="1107996" cy="461665"/>
+            <a:ext cx="877163" cy="369332"/>
           </a:xfrm>
           <a:prstGeom prst="rect">
             <a:avLst/>
@@ -24026,7 +23998,7 @@
           <a:p>
             <a:pPr algn="l"/>
             <a:r>
-              <a:rPr kumimoji="1" lang="ja-JP" altLang="en-US" sz="2400" dirty="0">
+              <a:rPr kumimoji="1" lang="ja-JP" altLang="en-US" dirty="0">
                 <a:latin typeface="メイリオ" panose="020B0604030504040204" pitchFamily="50" charset="-128"/>
                 <a:ea typeface="メイリオ" panose="020B0604030504040204" pitchFamily="50" charset="-128"/>
               </a:rPr>
@@ -24385,6 +24357,84 @@
                 <a:ea typeface="メイリオ" panose="020B0604030504040204" pitchFamily="50" charset="-128"/>
               </a:rPr>
               <a:t>プリン</a:t>
+            </a:r>
+          </a:p>
+        </p:txBody>
+      </p:sp>
+      <p:sp>
+        <p:nvSpPr>
+          <p:cNvPr id="3" name="テキスト ボックス 2">
+            <a:extLst>
+              <a:ext uri="{FF2B5EF4-FFF2-40B4-BE49-F238E27FC236}">
+                <a16:creationId xmlns:a16="http://schemas.microsoft.com/office/drawing/2014/main" id="{844AB4AA-1E62-1FDE-7CF3-EBA036CC166C}"/>
+              </a:ext>
+            </a:extLst>
+          </p:cNvPr>
+          <p:cNvSpPr txBox="1"/>
+          <p:nvPr/>
+        </p:nvSpPr>
+        <p:spPr>
+          <a:xfrm>
+            <a:off x="8215367" y="4882496"/>
+            <a:ext cx="1107996" cy="369332"/>
+          </a:xfrm>
+          <a:prstGeom prst="rect">
+            <a:avLst/>
+          </a:prstGeom>
+          <a:noFill/>
+        </p:spPr>
+        <p:txBody>
+          <a:bodyPr wrap="none" rtlCol="0">
+            <a:spAutoFit/>
+          </a:bodyPr>
+          <a:lstStyle/>
+          <a:p>
+            <a:pPr algn="l"/>
+            <a:r>
+              <a:rPr kumimoji="1" lang="ja-JP" altLang="en-US" dirty="0">
+                <a:latin typeface="メイリオ" panose="020B0604030504040204" pitchFamily="50" charset="-128"/>
+                <a:ea typeface="メイリオ" panose="020B0604030504040204" pitchFamily="50" charset="-128"/>
+              </a:rPr>
+              <a:t>カラメル</a:t>
+            </a:r>
+          </a:p>
+        </p:txBody>
+      </p:sp>
+      <p:sp>
+        <p:nvSpPr>
+          <p:cNvPr id="4" name="テキスト ボックス 3">
+            <a:extLst>
+              <a:ext uri="{FF2B5EF4-FFF2-40B4-BE49-F238E27FC236}">
+                <a16:creationId xmlns:a16="http://schemas.microsoft.com/office/drawing/2014/main" id="{2BA50A76-C073-9A3E-547B-C6E93352A20F}"/>
+              </a:ext>
+            </a:extLst>
+          </p:cNvPr>
+          <p:cNvSpPr txBox="1"/>
+          <p:nvPr/>
+        </p:nvSpPr>
+        <p:spPr>
+          <a:xfrm>
+            <a:off x="8266427" y="4491961"/>
+            <a:ext cx="1107996" cy="369332"/>
+          </a:xfrm>
+          <a:prstGeom prst="rect">
+            <a:avLst/>
+          </a:prstGeom>
+          <a:noFill/>
+        </p:spPr>
+        <p:txBody>
+          <a:bodyPr wrap="none" rtlCol="0">
+            <a:spAutoFit/>
+          </a:bodyPr>
+          <a:lstStyle/>
+          <a:p>
+            <a:pPr algn="l"/>
+            <a:r>
+              <a:rPr kumimoji="1" lang="ja-JP" altLang="en-US" dirty="0">
+                <a:latin typeface="メイリオ" panose="020B0604030504040204" pitchFamily="50" charset="-128"/>
+                <a:ea typeface="メイリオ" panose="020B0604030504040204" pitchFamily="50" charset="-128"/>
+              </a:rPr>
+              <a:t>カラメル</a:t>
             </a:r>
           </a:p>
         </p:txBody>
@@ -25371,14 +25421,7 @@
                               <a:latin typeface="Cambria Math" panose="02040503050406030204" pitchFamily="18" charset="0"/>
                               <a:ea typeface="メイリオ" panose="020B0604030504040204" pitchFamily="50" charset="-128"/>
                             </a:rPr>
-                            <m:t>シュ</m:t>
-                          </m:r>
-                          <m:r>
-                            <a:rPr kumimoji="1" lang="ja-JP" altLang="en-US" sz="2400" i="1">
-                              <a:latin typeface="Cambria Math" panose="02040503050406030204" pitchFamily="18" charset="0"/>
-                              <a:ea typeface="メイリオ" panose="020B0604030504040204" pitchFamily="50" charset="-128"/>
-                            </a:rPr>
-                            <m:t>－</m:t>
+                            <m:t>シュ－</m:t>
                           </m:r>
                         </m:e>
                       </m:d>
@@ -26436,14 +26479,7 @@
                                   <a:latin typeface="Cambria Math" panose="02040503050406030204" pitchFamily="18" charset="0"/>
                                   <a:ea typeface="メイリオ" panose="020B0604030504040204" pitchFamily="50" charset="-128"/>
                                 </a:rPr>
-                                <m:t>シュ</m:t>
-                              </m:r>
-                              <m:r>
-                                <a:rPr kumimoji="1" lang="ja-JP" altLang="en-US" sz="2400" i="1">
-                                  <a:latin typeface="Cambria Math" panose="02040503050406030204" pitchFamily="18" charset="0"/>
-                                  <a:ea typeface="メイリオ" panose="020B0604030504040204" pitchFamily="50" charset="-128"/>
-                                </a:rPr>
-                                <m:t>－</m:t>
+                                <m:t>シュ－</m:t>
                               </m:r>
                             </m:e>
                           </m:d>
@@ -26462,14 +26498,7 @@
                               <a:latin typeface="Cambria Math" panose="02040503050406030204" pitchFamily="18" charset="0"/>
                               <a:ea typeface="メイリオ" panose="020B0604030504040204" pitchFamily="50" charset="-128"/>
                             </a:rPr>
-                            <m:t>=</m:t>
-                          </m:r>
-                          <m:r>
-                            <a:rPr kumimoji="1" lang="en-US" altLang="ja-JP" sz="2400" b="0" i="1" dirty="0" smtClean="0">
-                              <a:latin typeface="Cambria Math" panose="02040503050406030204" pitchFamily="18" charset="0"/>
-                              <a:ea typeface="メイリオ" panose="020B0604030504040204" pitchFamily="50" charset="-128"/>
-                            </a:rPr>
-                            <m:t>1</m:t>
+                            <m:t>=1</m:t>
                           </m:r>
                         </m:e>
                       </m:nary>
@@ -26645,14 +26674,7 @@
                               <a:latin typeface="Cambria Math" panose="02040503050406030204" pitchFamily="18" charset="0"/>
                               <a:ea typeface="メイリオ" panose="020B0604030504040204" pitchFamily="50" charset="-128"/>
                             </a:rPr>
-                            <m:t>=</m:t>
-                          </m:r>
-                          <m:r>
-                            <a:rPr kumimoji="1" lang="en-US" altLang="ja-JP" sz="2400" b="0" i="1" dirty="0" smtClean="0">
-                              <a:latin typeface="Cambria Math" panose="02040503050406030204" pitchFamily="18" charset="0"/>
-                              <a:ea typeface="メイリオ" panose="020B0604030504040204" pitchFamily="50" charset="-128"/>
-                            </a:rPr>
-                            <m:t>1</m:t>
+                            <m:t>=1</m:t>
                           </m:r>
                         </m:e>
                       </m:nary>

--- a/NLP_5 probabilistc classifier.pptx
+++ b/NLP_5 probabilistc classifier.pptx
@@ -5925,7 +5925,21 @@
                               <a:latin typeface="Cambria Math" panose="02040503050406030204" pitchFamily="18" charset="0"/>
                               <a:ea typeface="メイリオ" panose="020B0604030504040204" pitchFamily="50" charset="-128"/>
                             </a:rPr>
-                            <m:t>0.01</m:t>
+                            <m:t>0</m:t>
+                          </m:r>
+                          <m:r>
+                            <a:rPr kumimoji="1" lang="en-US" altLang="ja-JP" sz="2400" b="0" i="1" smtClean="0">
+                              <a:latin typeface="Cambria Math" panose="02040503050406030204" pitchFamily="18" charset="0"/>
+                              <a:ea typeface="メイリオ" panose="020B0604030504040204" pitchFamily="50" charset="-128"/>
+                            </a:rPr>
+                            <m:t>.</m:t>
+                          </m:r>
+                          <m:r>
+                            <a:rPr kumimoji="1" lang="en-US" altLang="ja-JP" sz="2400" b="0" i="1" smtClean="0">
+                              <a:latin typeface="Cambria Math" panose="02040503050406030204" pitchFamily="18" charset="0"/>
+                              <a:ea typeface="メイリオ" panose="020B0604030504040204" pitchFamily="50" charset="-128"/>
+                            </a:rPr>
+                            <m:t>01</m:t>
                           </m:r>
                         </m:e>
                         <m:sup>
@@ -5950,7 +5964,77 @@
                           <a:latin typeface="Cambria Math" panose="02040503050406030204" pitchFamily="18" charset="0"/>
                           <a:ea typeface="Cambria Math" panose="02040503050406030204" pitchFamily="18" charset="0"/>
                         </a:rPr>
-                        <m:t>0.06×0.05=0.0000003</m:t>
+                        <m:t>0</m:t>
+                      </m:r>
+                      <m:r>
+                        <a:rPr kumimoji="1" lang="en-US" altLang="ja-JP" sz="2400" i="1">
+                          <a:latin typeface="Cambria Math" panose="02040503050406030204" pitchFamily="18" charset="0"/>
+                          <a:ea typeface="Cambria Math" panose="02040503050406030204" pitchFamily="18" charset="0"/>
+                        </a:rPr>
+                        <m:t>.</m:t>
+                      </m:r>
+                      <m:r>
+                        <a:rPr kumimoji="1" lang="en-US" altLang="ja-JP" sz="2400" i="1">
+                          <a:latin typeface="Cambria Math" panose="02040503050406030204" pitchFamily="18" charset="0"/>
+                          <a:ea typeface="Cambria Math" panose="02040503050406030204" pitchFamily="18" charset="0"/>
+                        </a:rPr>
+                        <m:t>06</m:t>
+                      </m:r>
+                      <m:r>
+                        <a:rPr kumimoji="1" lang="en-US" altLang="ja-JP" sz="2400" i="1">
+                          <a:latin typeface="Cambria Math" panose="02040503050406030204" pitchFamily="18" charset="0"/>
+                          <a:ea typeface="Cambria Math" panose="02040503050406030204" pitchFamily="18" charset="0"/>
+                        </a:rPr>
+                        <m:t>×</m:t>
+                      </m:r>
+                      <m:r>
+                        <a:rPr kumimoji="1" lang="en-US" altLang="ja-JP" sz="2400" i="1">
+                          <a:latin typeface="Cambria Math" panose="02040503050406030204" pitchFamily="18" charset="0"/>
+                          <a:ea typeface="Cambria Math" panose="02040503050406030204" pitchFamily="18" charset="0"/>
+                        </a:rPr>
+                        <m:t>0</m:t>
+                      </m:r>
+                      <m:r>
+                        <a:rPr kumimoji="1" lang="en-US" altLang="ja-JP" sz="2400" i="1">
+                          <a:latin typeface="Cambria Math" panose="02040503050406030204" pitchFamily="18" charset="0"/>
+                          <a:ea typeface="Cambria Math" panose="02040503050406030204" pitchFamily="18" charset="0"/>
+                        </a:rPr>
+                        <m:t>.</m:t>
+                      </m:r>
+                      <m:r>
+                        <a:rPr kumimoji="1" lang="en-US" altLang="ja-JP" sz="2400" i="1">
+                          <a:latin typeface="Cambria Math" panose="02040503050406030204" pitchFamily="18" charset="0"/>
+                          <a:ea typeface="Cambria Math" panose="02040503050406030204" pitchFamily="18" charset="0"/>
+                        </a:rPr>
+                        <m:t>05</m:t>
+                      </m:r>
+                      <m:r>
+                        <a:rPr kumimoji="1" lang="en-US" altLang="ja-JP" sz="2400" i="1">
+                          <a:latin typeface="Cambria Math" panose="02040503050406030204" pitchFamily="18" charset="0"/>
+                          <a:ea typeface="Cambria Math" panose="02040503050406030204" pitchFamily="18" charset="0"/>
+                        </a:rPr>
+                        <m:t>=</m:t>
+                      </m:r>
+                      <m:r>
+                        <a:rPr kumimoji="1" lang="en-US" altLang="ja-JP" sz="2400" i="1">
+                          <a:latin typeface="Cambria Math" panose="02040503050406030204" pitchFamily="18" charset="0"/>
+                          <a:ea typeface="Cambria Math" panose="02040503050406030204" pitchFamily="18" charset="0"/>
+                        </a:rPr>
+                        <m:t>0</m:t>
+                      </m:r>
+                      <m:r>
+                        <a:rPr kumimoji="1" lang="en-US" altLang="ja-JP" sz="2400" i="1">
+                          <a:latin typeface="Cambria Math" panose="02040503050406030204" pitchFamily="18" charset="0"/>
+                          <a:ea typeface="Cambria Math" panose="02040503050406030204" pitchFamily="18" charset="0"/>
+                        </a:rPr>
+                        <m:t>.</m:t>
+                      </m:r>
+                      <m:r>
+                        <a:rPr kumimoji="1" lang="en-US" altLang="ja-JP" sz="2400" i="1">
+                          <a:latin typeface="Cambria Math" panose="02040503050406030204" pitchFamily="18" charset="0"/>
+                          <a:ea typeface="Cambria Math" panose="02040503050406030204" pitchFamily="18" charset="0"/>
+                        </a:rPr>
+                        <m:t>0000003</m:t>
                       </m:r>
                     </m:oMath>
                   </m:oMathPara>
@@ -6110,7 +6194,21 @@
                               <a:latin typeface="Cambria Math" panose="02040503050406030204" pitchFamily="18" charset="0"/>
                               <a:ea typeface="メイリオ" panose="020B0604030504040204" pitchFamily="50" charset="-128"/>
                             </a:rPr>
-                            <m:t>0.16</m:t>
+                            <m:t>0</m:t>
+                          </m:r>
+                          <m:r>
+                            <a:rPr kumimoji="1" lang="en-US" altLang="ja-JP" sz="2400" b="0" i="1" smtClean="0">
+                              <a:latin typeface="Cambria Math" panose="02040503050406030204" pitchFamily="18" charset="0"/>
+                              <a:ea typeface="メイリオ" panose="020B0604030504040204" pitchFamily="50" charset="-128"/>
+                            </a:rPr>
+                            <m:t>.</m:t>
+                          </m:r>
+                          <m:r>
+                            <a:rPr kumimoji="1" lang="en-US" altLang="ja-JP" sz="2400" b="0" i="1" smtClean="0">
+                              <a:latin typeface="Cambria Math" panose="02040503050406030204" pitchFamily="18" charset="0"/>
+                              <a:ea typeface="メイリオ" panose="020B0604030504040204" pitchFamily="50" charset="-128"/>
+                            </a:rPr>
+                            <m:t>16</m:t>
                           </m:r>
                         </m:e>
                         <m:sup>
@@ -6135,7 +6233,77 @@
                           <a:latin typeface="Cambria Math" panose="02040503050406030204" pitchFamily="18" charset="0"/>
                           <a:ea typeface="Cambria Math" panose="02040503050406030204" pitchFamily="18" charset="0"/>
                         </a:rPr>
-                        <m:t>0.13×0.01=0.000416</m:t>
+                        <m:t>0</m:t>
+                      </m:r>
+                      <m:r>
+                        <a:rPr kumimoji="1" lang="en-US" altLang="ja-JP" sz="2400" i="1">
+                          <a:latin typeface="Cambria Math" panose="02040503050406030204" pitchFamily="18" charset="0"/>
+                          <a:ea typeface="Cambria Math" panose="02040503050406030204" pitchFamily="18" charset="0"/>
+                        </a:rPr>
+                        <m:t>.</m:t>
+                      </m:r>
+                      <m:r>
+                        <a:rPr kumimoji="1" lang="en-US" altLang="ja-JP" sz="2400" i="1">
+                          <a:latin typeface="Cambria Math" panose="02040503050406030204" pitchFamily="18" charset="0"/>
+                          <a:ea typeface="Cambria Math" panose="02040503050406030204" pitchFamily="18" charset="0"/>
+                        </a:rPr>
+                        <m:t>13</m:t>
+                      </m:r>
+                      <m:r>
+                        <a:rPr kumimoji="1" lang="en-US" altLang="ja-JP" sz="2400" i="1">
+                          <a:latin typeface="Cambria Math" panose="02040503050406030204" pitchFamily="18" charset="0"/>
+                          <a:ea typeface="Cambria Math" panose="02040503050406030204" pitchFamily="18" charset="0"/>
+                        </a:rPr>
+                        <m:t>×</m:t>
+                      </m:r>
+                      <m:r>
+                        <a:rPr kumimoji="1" lang="en-US" altLang="ja-JP" sz="2400" i="1">
+                          <a:latin typeface="Cambria Math" panose="02040503050406030204" pitchFamily="18" charset="0"/>
+                          <a:ea typeface="Cambria Math" panose="02040503050406030204" pitchFamily="18" charset="0"/>
+                        </a:rPr>
+                        <m:t>0</m:t>
+                      </m:r>
+                      <m:r>
+                        <a:rPr kumimoji="1" lang="en-US" altLang="ja-JP" sz="2400" i="1">
+                          <a:latin typeface="Cambria Math" panose="02040503050406030204" pitchFamily="18" charset="0"/>
+                          <a:ea typeface="Cambria Math" panose="02040503050406030204" pitchFamily="18" charset="0"/>
+                        </a:rPr>
+                        <m:t>.</m:t>
+                      </m:r>
+                      <m:r>
+                        <a:rPr kumimoji="1" lang="en-US" altLang="ja-JP" sz="2400" i="1">
+                          <a:latin typeface="Cambria Math" panose="02040503050406030204" pitchFamily="18" charset="0"/>
+                          <a:ea typeface="Cambria Math" panose="02040503050406030204" pitchFamily="18" charset="0"/>
+                        </a:rPr>
+                        <m:t>01</m:t>
+                      </m:r>
+                      <m:r>
+                        <a:rPr kumimoji="1" lang="en-US" altLang="ja-JP" sz="2400" i="1">
+                          <a:latin typeface="Cambria Math" panose="02040503050406030204" pitchFamily="18" charset="0"/>
+                          <a:ea typeface="Cambria Math" panose="02040503050406030204" pitchFamily="18" charset="0"/>
+                        </a:rPr>
+                        <m:t>=</m:t>
+                      </m:r>
+                      <m:r>
+                        <a:rPr kumimoji="1" lang="en-US" altLang="ja-JP" sz="2400" i="1">
+                          <a:latin typeface="Cambria Math" panose="02040503050406030204" pitchFamily="18" charset="0"/>
+                          <a:ea typeface="Cambria Math" panose="02040503050406030204" pitchFamily="18" charset="0"/>
+                        </a:rPr>
+                        <m:t>0</m:t>
+                      </m:r>
+                      <m:r>
+                        <a:rPr kumimoji="1" lang="en-US" altLang="ja-JP" sz="2400" i="1">
+                          <a:latin typeface="Cambria Math" panose="02040503050406030204" pitchFamily="18" charset="0"/>
+                          <a:ea typeface="Cambria Math" panose="02040503050406030204" pitchFamily="18" charset="0"/>
+                        </a:rPr>
+                        <m:t>.</m:t>
+                      </m:r>
+                      <m:r>
+                        <a:rPr kumimoji="1" lang="en-US" altLang="ja-JP" sz="2400" i="1">
+                          <a:latin typeface="Cambria Math" panose="02040503050406030204" pitchFamily="18" charset="0"/>
+                          <a:ea typeface="Cambria Math" panose="02040503050406030204" pitchFamily="18" charset="0"/>
+                        </a:rPr>
+                        <m:t>000416</m:t>
                       </m:r>
                     </m:oMath>
                   </m:oMathPara>
@@ -7498,28 +7666,7 @@
                         <a:latin typeface="Cambria Math" panose="02040503050406030204" pitchFamily="18" charset="0"/>
                         <a:ea typeface="メイリオ" panose="020B0604030504040204" pitchFamily="50" charset="-128"/>
                       </a:rPr>
-                      <m:t>=</m:t>
-                    </m:r>
-                    <m:r>
-                      <a:rPr kumimoji="1" lang="en-US" altLang="ja-JP" sz="2400" b="0" i="1" smtClean="0">
-                        <a:latin typeface="Cambria Math" panose="02040503050406030204" pitchFamily="18" charset="0"/>
-                        <a:ea typeface="メイリオ" panose="020B0604030504040204" pitchFamily="50" charset="-128"/>
-                      </a:rPr>
-                      <m:t>5</m:t>
-                    </m:r>
-                    <m:r>
-                      <a:rPr kumimoji="1" lang="en-US" altLang="ja-JP" sz="2400" b="0" i="1" smtClean="0">
-                        <a:latin typeface="Cambria Math" panose="02040503050406030204" pitchFamily="18" charset="0"/>
-                        <a:ea typeface="メイリオ" panose="020B0604030504040204" pitchFamily="50" charset="-128"/>
-                      </a:rPr>
-                      <m:t>/</m:t>
-                    </m:r>
-                    <m:r>
-                      <a:rPr kumimoji="1" lang="en-US" altLang="ja-JP" sz="2400" b="0" i="1" smtClean="0">
-                        <a:latin typeface="Cambria Math" panose="02040503050406030204" pitchFamily="18" charset="0"/>
-                        <a:ea typeface="メイリオ" panose="020B0604030504040204" pitchFamily="50" charset="-128"/>
-                      </a:rPr>
-                      <m:t>8</m:t>
+                      <m:t>=5/8</m:t>
                     </m:r>
                   </m:oMath>
                 </a14:m>
@@ -7607,28 +7754,7 @@
                         <a:latin typeface="Cambria Math" panose="02040503050406030204" pitchFamily="18" charset="0"/>
                         <a:ea typeface="メイリオ" panose="020B0604030504040204" pitchFamily="50" charset="-128"/>
                       </a:rPr>
-                      <m:t>=</m:t>
-                    </m:r>
-                    <m:r>
-                      <a:rPr kumimoji="1" lang="en-US" altLang="ja-JP" sz="2400" b="0" i="1" smtClean="0">
-                        <a:latin typeface="Cambria Math" panose="02040503050406030204" pitchFamily="18" charset="0"/>
-                        <a:ea typeface="メイリオ" panose="020B0604030504040204" pitchFamily="50" charset="-128"/>
-                      </a:rPr>
-                      <m:t>3</m:t>
-                    </m:r>
-                    <m:r>
-                      <a:rPr kumimoji="1" lang="en-US" altLang="ja-JP" sz="2400" b="0" i="1" smtClean="0">
-                        <a:latin typeface="Cambria Math" panose="02040503050406030204" pitchFamily="18" charset="0"/>
-                        <a:ea typeface="メイリオ" panose="020B0604030504040204" pitchFamily="50" charset="-128"/>
-                      </a:rPr>
-                      <m:t>/</m:t>
-                    </m:r>
-                    <m:r>
-                      <a:rPr kumimoji="1" lang="en-US" altLang="ja-JP" sz="2400" b="0" i="1" smtClean="0">
-                        <a:latin typeface="Cambria Math" panose="02040503050406030204" pitchFamily="18" charset="0"/>
-                        <a:ea typeface="メイリオ" panose="020B0604030504040204" pitchFamily="50" charset="-128"/>
-                      </a:rPr>
-                      <m:t>8</m:t>
+                      <m:t>=3/8</m:t>
                     </m:r>
                   </m:oMath>
                 </a14:m>
@@ -11175,8 +11301,8 @@
           </p:sp>
         </mc:Fallback>
       </mc:AlternateContent>
-      <mc:AlternateContent xmlns:mc="http://schemas.openxmlformats.org/markup-compatibility/2006">
-        <mc:Choice xmlns:a14="http://schemas.microsoft.com/office/drawing/2010/main" Requires="a14">
+      <mc:AlternateContent xmlns:mc="http://schemas.openxmlformats.org/markup-compatibility/2006" xmlns:a14="http://schemas.microsoft.com/office/drawing/2010/main">
+        <mc:Choice Requires="a14">
           <p:sp>
             <p:nvSpPr>
               <p:cNvPr id="13" name="テキスト ボックス 12">
@@ -11294,7 +11420,7 @@
             </p:txBody>
           </p:sp>
         </mc:Choice>
-        <mc:Fallback>
+        <mc:Fallback xmlns="">
           <p:sp>
             <p:nvSpPr>
               <p:cNvPr id="13" name="テキスト ボックス 12">
@@ -11536,8 +11662,8 @@
           </a:p>
         </p:txBody>
       </p:sp>
-      <mc:AlternateContent xmlns:mc="http://schemas.openxmlformats.org/markup-compatibility/2006">
-        <mc:Choice xmlns:a14="http://schemas.microsoft.com/office/drawing/2010/main" Requires="a14">
+      <mc:AlternateContent xmlns:mc="http://schemas.openxmlformats.org/markup-compatibility/2006" xmlns:a14="http://schemas.microsoft.com/office/drawing/2010/main">
+        <mc:Choice Requires="a14">
           <p:sp>
             <p:nvSpPr>
               <p:cNvPr id="2" name="テキスト ボックス 1">
@@ -11610,7 +11736,7 @@
             </p:txBody>
           </p:sp>
         </mc:Choice>
-        <mc:Fallback>
+        <mc:Fallback xmlns="">
           <p:sp>
             <p:nvSpPr>
               <p:cNvPr id="2" name="テキスト ボックス 1">
@@ -22923,8 +23049,233 @@
         </p:nvSpPr>
         <p:spPr>
           <a:xfrm>
-            <a:off x="699796" y="1916887"/>
-            <a:ext cx="12228412" cy="2431435"/>
+            <a:off x="880951" y="1826987"/>
+            <a:ext cx="10799215" cy="3662541"/>
+          </a:xfrm>
+          <a:prstGeom prst="rect">
+            <a:avLst/>
+          </a:prstGeom>
+          <a:noFill/>
+        </p:spPr>
+        <p:txBody>
+          <a:bodyPr wrap="square" rtlCol="0">
+            <a:spAutoFit/>
+          </a:bodyPr>
+          <a:lstStyle/>
+          <a:p>
+            <a:pPr marL="457200" indent="-457200" algn="l">
+              <a:buFont typeface="+mj-lt"/>
+              <a:buAutoNum type="arabicPeriod"/>
+            </a:pPr>
+            <a:r>
+              <a:rPr kumimoji="1" lang="ja-JP" altLang="en-US" sz="2400" dirty="0">
+                <a:latin typeface="メイリオ" panose="020B0604030504040204" pitchFamily="50" charset="-128"/>
+                <a:ea typeface="メイリオ" panose="020B0604030504040204" pitchFamily="50" charset="-128"/>
+              </a:rPr>
+              <a:t>まずはエクセルで計算</a:t>
+            </a:r>
+            <a:endParaRPr kumimoji="1" lang="en-US" altLang="ja-JP" sz="2000" dirty="0">
+              <a:latin typeface="メイリオ" panose="020B0604030504040204" pitchFamily="50" charset="-128"/>
+              <a:ea typeface="メイリオ" panose="020B0604030504040204" pitchFamily="50" charset="-128"/>
+            </a:endParaRPr>
+          </a:p>
+          <a:p>
+            <a:r>
+              <a:rPr kumimoji="1" lang="en-US" altLang="ja-JP" sz="2000" dirty="0">
+                <a:latin typeface="メイリオ" panose="020B0604030504040204" pitchFamily="50" charset="-128"/>
+                <a:ea typeface="メイリオ" panose="020B0604030504040204" pitchFamily="50" charset="-128"/>
+                <a:hlinkClick r:id="rId2"/>
+              </a:rPr>
+              <a:t>https://github.com/ueharaLab/NLP5_probabilistic-classifier/blob/main/naive_bayes.md</a:t>
+            </a:r>
+            <a:endParaRPr kumimoji="1" lang="en-US" altLang="ja-JP" sz="2000" dirty="0">
+              <a:latin typeface="メイリオ" panose="020B0604030504040204" pitchFamily="50" charset="-128"/>
+              <a:ea typeface="メイリオ" panose="020B0604030504040204" pitchFamily="50" charset="-128"/>
+            </a:endParaRPr>
+          </a:p>
+          <a:p>
+            <a:pPr algn="l"/>
+            <a:endParaRPr kumimoji="1" lang="en-US" altLang="ja-JP" sz="2000" dirty="0">
+              <a:latin typeface="メイリオ" panose="020B0604030504040204" pitchFamily="50" charset="-128"/>
+              <a:ea typeface="メイリオ" panose="020B0604030504040204" pitchFamily="50" charset="-128"/>
+            </a:endParaRPr>
+          </a:p>
+          <a:p>
+            <a:pPr algn="l"/>
+            <a:r>
+              <a:rPr kumimoji="1" lang="en-US" altLang="ja-JP" sz="2400" dirty="0">
+                <a:latin typeface="メイリオ" panose="020B0604030504040204" pitchFamily="50" charset="-128"/>
+                <a:ea typeface="メイリオ" panose="020B0604030504040204" pitchFamily="50" charset="-128"/>
+              </a:rPr>
+              <a:t>2. </a:t>
+            </a:r>
+            <a:r>
+              <a:rPr kumimoji="1" lang="ja-JP" altLang="en-US" sz="2400" dirty="0">
+                <a:latin typeface="メイリオ" panose="020B0604030504040204" pitchFamily="50" charset="-128"/>
+                <a:ea typeface="メイリオ" panose="020B0604030504040204" pitchFamily="50" charset="-128"/>
+              </a:rPr>
+              <a:t>次に</a:t>
+            </a:r>
+            <a:r>
+              <a:rPr kumimoji="1" lang="en-US" altLang="ja-JP" sz="2400" dirty="0">
+                <a:latin typeface="メイリオ" panose="020B0604030504040204" pitchFamily="50" charset="-128"/>
+                <a:ea typeface="メイリオ" panose="020B0604030504040204" pitchFamily="50" charset="-128"/>
+              </a:rPr>
+              <a:t>python</a:t>
+            </a:r>
+            <a:r>
+              <a:rPr kumimoji="1" lang="ja-JP" altLang="en-US" sz="2400" dirty="0">
+                <a:latin typeface="メイリオ" panose="020B0604030504040204" pitchFamily="50" charset="-128"/>
+                <a:ea typeface="メイリオ" panose="020B0604030504040204" pitchFamily="50" charset="-128"/>
+              </a:rPr>
+              <a:t>で実装</a:t>
+            </a:r>
+            <a:endParaRPr kumimoji="1" lang="en-US" altLang="ja-JP" sz="2000" dirty="0">
+              <a:latin typeface="メイリオ" panose="020B0604030504040204" pitchFamily="50" charset="-128"/>
+              <a:ea typeface="メイリオ" panose="020B0604030504040204" pitchFamily="50" charset="-128"/>
+            </a:endParaRPr>
+          </a:p>
+          <a:p>
+            <a:pPr algn="l"/>
+            <a:r>
+              <a:rPr kumimoji="1" lang="en-US" altLang="ja-JP" sz="2000" dirty="0">
+                <a:latin typeface="メイリオ" panose="020B0604030504040204" pitchFamily="50" charset="-128"/>
+                <a:ea typeface="メイリオ" panose="020B0604030504040204" pitchFamily="50" charset="-128"/>
+                <a:hlinkClick r:id="rId3"/>
+              </a:rPr>
+              <a:t>https://github.com/ueharaLab/NLP5_probabilistic-classifier/blob/main/naive_bayes_python.md</a:t>
+            </a:r>
+            <a:endParaRPr kumimoji="1" lang="en-US" altLang="ja-JP" sz="2000" dirty="0">
+              <a:latin typeface="メイリオ" panose="020B0604030504040204" pitchFamily="50" charset="-128"/>
+              <a:ea typeface="メイリオ" panose="020B0604030504040204" pitchFamily="50" charset="-128"/>
+            </a:endParaRPr>
+          </a:p>
+          <a:p>
+            <a:pPr algn="l"/>
+            <a:endParaRPr kumimoji="1" lang="en-US" altLang="ja-JP" sz="2000" dirty="0">
+              <a:latin typeface="メイリオ" panose="020B0604030504040204" pitchFamily="50" charset="-128"/>
+              <a:ea typeface="メイリオ" panose="020B0604030504040204" pitchFamily="50" charset="-128"/>
+            </a:endParaRPr>
+          </a:p>
+          <a:p>
+            <a:pPr algn="l"/>
+            <a:r>
+              <a:rPr kumimoji="1" lang="en-US" altLang="ja-JP" sz="2400" dirty="0">
+                <a:latin typeface="メイリオ" panose="020B0604030504040204" pitchFamily="50" charset="-128"/>
+                <a:ea typeface="メイリオ" panose="020B0604030504040204" pitchFamily="50" charset="-128"/>
+              </a:rPr>
+              <a:t>3. K-nearest</a:t>
+            </a:r>
+            <a:r>
+              <a:rPr kumimoji="1" lang="ja-JP" altLang="en-US" sz="2400" dirty="0">
+                <a:latin typeface="メイリオ" panose="020B0604030504040204" pitchFamily="50" charset="-128"/>
+                <a:ea typeface="メイリオ" panose="020B0604030504040204" pitchFamily="50" charset="-128"/>
+              </a:rPr>
+              <a:t> </a:t>
+            </a:r>
+            <a:r>
+              <a:rPr kumimoji="1" lang="en-US" altLang="ja-JP" sz="2400" dirty="0">
+                <a:latin typeface="メイリオ" panose="020B0604030504040204" pitchFamily="50" charset="-128"/>
+                <a:ea typeface="メイリオ" panose="020B0604030504040204" pitchFamily="50" charset="-128"/>
+              </a:rPr>
+              <a:t>neighbor</a:t>
+            </a:r>
+            <a:r>
+              <a:rPr kumimoji="1" lang="ja-JP" altLang="en-US" sz="2400" dirty="0">
+                <a:latin typeface="メイリオ" panose="020B0604030504040204" pitchFamily="50" charset="-128"/>
+                <a:ea typeface="メイリオ" panose="020B0604030504040204" pitchFamily="50" charset="-128"/>
+              </a:rPr>
+              <a:t>と識別性能を比較</a:t>
+            </a:r>
+            <a:endParaRPr kumimoji="1" lang="en-US" altLang="ja-JP" sz="2000" dirty="0">
+              <a:latin typeface="メイリオ" panose="020B0604030504040204" pitchFamily="50" charset="-128"/>
+              <a:ea typeface="メイリオ" panose="020B0604030504040204" pitchFamily="50" charset="-128"/>
+            </a:endParaRPr>
+          </a:p>
+          <a:p>
+            <a:pPr algn="l"/>
+            <a:r>
+              <a:rPr kumimoji="1" lang="en-US" altLang="ja-JP" sz="2000" dirty="0">
+                <a:latin typeface="メイリオ" panose="020B0604030504040204" pitchFamily="50" charset="-128"/>
+                <a:ea typeface="メイリオ" panose="020B0604030504040204" pitchFamily="50" charset="-128"/>
+                <a:hlinkClick r:id="rId4"/>
+              </a:rPr>
+              <a:t>https://github.com/ueharaLab/NLP5_probabilistic-classifier/blob/main/naive_bayes_tsukurepo.md</a:t>
+            </a:r>
+            <a:endParaRPr kumimoji="1" lang="ja-JP" altLang="en-US" sz="2400" dirty="0">
+              <a:latin typeface="メイリオ" panose="020B0604030504040204" pitchFamily="50" charset="-128"/>
+              <a:ea typeface="メイリオ" panose="020B0604030504040204" pitchFamily="50" charset="-128"/>
+            </a:endParaRPr>
+          </a:p>
+        </p:txBody>
+      </p:sp>
+      <p:sp>
+        <p:nvSpPr>
+          <p:cNvPr id="6" name="テキスト ボックス 5">
+            <a:extLst>
+              <a:ext uri="{FF2B5EF4-FFF2-40B4-BE49-F238E27FC236}">
+                <a16:creationId xmlns:a16="http://schemas.microsoft.com/office/drawing/2014/main" id="{361B3534-7CBD-77B3-97D5-241A3FBAAC18}"/>
+              </a:ext>
+            </a:extLst>
+          </p:cNvPr>
+          <p:cNvSpPr txBox="1"/>
+          <p:nvPr/>
+        </p:nvSpPr>
+        <p:spPr>
+          <a:xfrm>
+            <a:off x="974785" y="6055743"/>
+            <a:ext cx="10671854" cy="923330"/>
+          </a:xfrm>
+          <a:prstGeom prst="rect">
+            <a:avLst/>
+          </a:prstGeom>
+          <a:noFill/>
+        </p:spPr>
+        <p:txBody>
+          <a:bodyPr wrap="square" rtlCol="0">
+            <a:spAutoFit/>
+          </a:bodyPr>
+          <a:lstStyle/>
+          <a:p>
+            <a:pPr algn="l"/>
+            <a:r>
+              <a:rPr kumimoji="1" lang="en-US" altLang="ja-JP" dirty="0">
+                <a:latin typeface="メイリオ" panose="020B0604030504040204" pitchFamily="50" charset="-128"/>
+                <a:ea typeface="メイリオ" panose="020B0604030504040204" pitchFamily="50" charset="-128"/>
+                <a:hlinkClick r:id="rId5"/>
+              </a:rPr>
+              <a:t>https://github.com/ueharaLab/NLP5_probabilistic-classifier/blob/main/naive_bayes_object.md</a:t>
+            </a:r>
+            <a:endParaRPr kumimoji="1" lang="en-US" altLang="ja-JP" dirty="0">
+              <a:latin typeface="メイリオ" panose="020B0604030504040204" pitchFamily="50" charset="-128"/>
+              <a:ea typeface="メイリオ" panose="020B0604030504040204" pitchFamily="50" charset="-128"/>
+            </a:endParaRPr>
+          </a:p>
+          <a:p>
+            <a:pPr algn="l"/>
+            <a:endParaRPr kumimoji="1" lang="ja-JP" altLang="en-US" dirty="0">
+              <a:latin typeface="メイリオ" panose="020B0604030504040204" pitchFamily="50" charset="-128"/>
+              <a:ea typeface="メイリオ" panose="020B0604030504040204" pitchFamily="50" charset="-128"/>
+            </a:endParaRPr>
+          </a:p>
+        </p:txBody>
+      </p:sp>
+      <p:sp>
+        <p:nvSpPr>
+          <p:cNvPr id="7" name="テキスト ボックス 6">
+            <a:extLst>
+              <a:ext uri="{FF2B5EF4-FFF2-40B4-BE49-F238E27FC236}">
+                <a16:creationId xmlns:a16="http://schemas.microsoft.com/office/drawing/2014/main" id="{0181E476-D2C9-0763-8FB2-91DD74A1696A}"/>
+              </a:ext>
+            </a:extLst>
+          </p:cNvPr>
+          <p:cNvSpPr txBox="1"/>
+          <p:nvPr/>
+        </p:nvSpPr>
+        <p:spPr>
+          <a:xfrm>
+            <a:off x="974785" y="5599683"/>
+            <a:ext cx="7263527" cy="461665"/>
           </a:xfrm>
           <a:prstGeom prst="rect">
             <a:avLst/>
@@ -22937,129 +23288,13 @@
           </a:bodyPr>
           <a:lstStyle/>
           <a:p>
-            <a:pPr marL="457200" indent="-457200" algn="l">
-              <a:buFont typeface="+mj-lt"/>
-              <a:buAutoNum type="arabicPeriod"/>
-            </a:pPr>
+            <a:pPr algn="l"/>
             <a:r>
               <a:rPr kumimoji="1" lang="ja-JP" altLang="en-US" sz="2400" dirty="0">
                 <a:latin typeface="メイリオ" panose="020B0604030504040204" pitchFamily="50" charset="-128"/>
                 <a:ea typeface="メイリオ" panose="020B0604030504040204" pitchFamily="50" charset="-128"/>
               </a:rPr>
-              <a:t>まずはエクセルで計算</a:t>
-            </a:r>
-            <a:endParaRPr kumimoji="1" lang="en-US" altLang="ja-JP" sz="2000" dirty="0">
-              <a:latin typeface="メイリオ" panose="020B0604030504040204" pitchFamily="50" charset="-128"/>
-              <a:ea typeface="メイリオ" panose="020B0604030504040204" pitchFamily="50" charset="-128"/>
-            </a:endParaRPr>
-          </a:p>
-          <a:p>
-            <a:r>
-              <a:rPr kumimoji="1" lang="en-US" altLang="ja-JP" sz="2000" dirty="0">
-                <a:latin typeface="メイリオ" panose="020B0604030504040204" pitchFamily="50" charset="-128"/>
-                <a:ea typeface="メイリオ" panose="020B0604030504040204" pitchFamily="50" charset="-128"/>
-                <a:hlinkClick r:id="rId2"/>
-              </a:rPr>
-              <a:t>https://github.com/ueharaLab/NLP5_probabilistic-classifier/blob/main/naive_bayes.md</a:t>
-            </a:r>
-            <a:endParaRPr kumimoji="1" lang="en-US" altLang="ja-JP" sz="2000" dirty="0">
-              <a:latin typeface="メイリオ" panose="020B0604030504040204" pitchFamily="50" charset="-128"/>
-              <a:ea typeface="メイリオ" panose="020B0604030504040204" pitchFamily="50" charset="-128"/>
-            </a:endParaRPr>
-          </a:p>
-          <a:p>
-            <a:pPr algn="l"/>
-            <a:endParaRPr kumimoji="1" lang="en-US" altLang="ja-JP" sz="2000" dirty="0">
-              <a:latin typeface="メイリオ" panose="020B0604030504040204" pitchFamily="50" charset="-128"/>
-              <a:ea typeface="メイリオ" panose="020B0604030504040204" pitchFamily="50" charset="-128"/>
-            </a:endParaRPr>
-          </a:p>
-          <a:p>
-            <a:pPr algn="l"/>
-            <a:r>
-              <a:rPr kumimoji="1" lang="en-US" altLang="ja-JP" sz="2400" dirty="0">
-                <a:latin typeface="メイリオ" panose="020B0604030504040204" pitchFamily="50" charset="-128"/>
-                <a:ea typeface="メイリオ" panose="020B0604030504040204" pitchFamily="50" charset="-128"/>
-              </a:rPr>
-              <a:t>2. </a:t>
-            </a:r>
-            <a:r>
-              <a:rPr kumimoji="1" lang="ja-JP" altLang="en-US" sz="2400" dirty="0">
-                <a:latin typeface="メイリオ" panose="020B0604030504040204" pitchFamily="50" charset="-128"/>
-                <a:ea typeface="メイリオ" panose="020B0604030504040204" pitchFamily="50" charset="-128"/>
-              </a:rPr>
-              <a:t>次に</a:t>
-            </a:r>
-            <a:r>
-              <a:rPr kumimoji="1" lang="en-US" altLang="ja-JP" sz="2400" dirty="0">
-                <a:latin typeface="メイリオ" panose="020B0604030504040204" pitchFamily="50" charset="-128"/>
-                <a:ea typeface="メイリオ" panose="020B0604030504040204" pitchFamily="50" charset="-128"/>
-              </a:rPr>
-              <a:t>python</a:t>
-            </a:r>
-            <a:r>
-              <a:rPr kumimoji="1" lang="ja-JP" altLang="en-US" sz="2400" dirty="0">
-                <a:latin typeface="メイリオ" panose="020B0604030504040204" pitchFamily="50" charset="-128"/>
-                <a:ea typeface="メイリオ" panose="020B0604030504040204" pitchFamily="50" charset="-128"/>
-              </a:rPr>
-              <a:t>で実装</a:t>
-            </a:r>
-            <a:endParaRPr kumimoji="1" lang="en-US" altLang="ja-JP" sz="2000" dirty="0">
-              <a:latin typeface="メイリオ" panose="020B0604030504040204" pitchFamily="50" charset="-128"/>
-              <a:ea typeface="メイリオ" panose="020B0604030504040204" pitchFamily="50" charset="-128"/>
-            </a:endParaRPr>
-          </a:p>
-          <a:p>
-            <a:pPr algn="l"/>
-            <a:r>
-              <a:rPr kumimoji="1" lang="en-US" altLang="ja-JP" sz="2000" dirty="0">
-                <a:latin typeface="メイリオ" panose="020B0604030504040204" pitchFamily="50" charset="-128"/>
-                <a:ea typeface="メイリオ" panose="020B0604030504040204" pitchFamily="50" charset="-128"/>
-                <a:hlinkClick r:id="rId3"/>
-              </a:rPr>
-              <a:t>https://github.com/ueharaLab/NLP5_probabilistic-classifier/blob/main/naive_bayes_python.md</a:t>
-            </a:r>
-            <a:endParaRPr kumimoji="1" lang="en-US" altLang="ja-JP" sz="2000" dirty="0">
-              <a:latin typeface="メイリオ" panose="020B0604030504040204" pitchFamily="50" charset="-128"/>
-              <a:ea typeface="メイリオ" panose="020B0604030504040204" pitchFamily="50" charset="-128"/>
-            </a:endParaRPr>
-          </a:p>
-          <a:p>
-            <a:pPr algn="l"/>
-            <a:endParaRPr kumimoji="1" lang="en-US" altLang="ja-JP" sz="2000" dirty="0">
-              <a:latin typeface="メイリオ" panose="020B0604030504040204" pitchFamily="50" charset="-128"/>
-              <a:ea typeface="メイリオ" panose="020B0604030504040204" pitchFamily="50" charset="-128"/>
-            </a:endParaRPr>
-          </a:p>
-          <a:p>
-            <a:pPr algn="l"/>
-            <a:r>
-              <a:rPr kumimoji="1" lang="en-US" altLang="ja-JP" sz="2400" dirty="0">
-                <a:latin typeface="メイリオ" panose="020B0604030504040204" pitchFamily="50" charset="-128"/>
-                <a:ea typeface="メイリオ" panose="020B0604030504040204" pitchFamily="50" charset="-128"/>
-              </a:rPr>
-              <a:t>3. K-nearest</a:t>
-            </a:r>
-            <a:r>
-              <a:rPr kumimoji="1" lang="ja-JP" altLang="en-US" sz="2400" dirty="0">
-                <a:latin typeface="メイリオ" panose="020B0604030504040204" pitchFamily="50" charset="-128"/>
-                <a:ea typeface="メイリオ" panose="020B0604030504040204" pitchFamily="50" charset="-128"/>
-              </a:rPr>
-              <a:t> </a:t>
-            </a:r>
-            <a:r>
-              <a:rPr kumimoji="1" lang="en-US" altLang="ja-JP" sz="2400" dirty="0">
-                <a:latin typeface="メイリオ" panose="020B0604030504040204" pitchFamily="50" charset="-128"/>
-                <a:ea typeface="メイリオ" panose="020B0604030504040204" pitchFamily="50" charset="-128"/>
-              </a:rPr>
-              <a:t>neighbor</a:t>
-            </a:r>
-            <a:r>
-              <a:rPr kumimoji="1" lang="ja-JP" altLang="en-US" sz="2400" dirty="0">
-                <a:latin typeface="メイリオ" panose="020B0604030504040204" pitchFamily="50" charset="-128"/>
-                <a:ea typeface="メイリオ" panose="020B0604030504040204" pitchFamily="50" charset="-128"/>
-              </a:rPr>
-              <a:t>と識別性能を比較</a:t>
+              <a:t>＜参考＞オブジェクト指向でナイーブベイズを書く</a:t>
             </a:r>
           </a:p>
         </p:txBody>
@@ -24938,28 +25173,7 @@
                           <a:latin typeface="Cambria Math" panose="02040503050406030204" pitchFamily="18" charset="0"/>
                           <a:ea typeface="メイリオ" panose="020B0604030504040204" pitchFamily="50" charset="-128"/>
                         </a:rPr>
-                        <m:t>=</m:t>
-                      </m:r>
-                      <m:r>
-                        <a:rPr kumimoji="1" lang="en-US" altLang="ja-JP" sz="2400" b="0" i="1" smtClean="0">
-                          <a:latin typeface="Cambria Math" panose="02040503050406030204" pitchFamily="18" charset="0"/>
-                          <a:ea typeface="メイリオ" panose="020B0604030504040204" pitchFamily="50" charset="-128"/>
-                        </a:rPr>
-                        <m:t>0</m:t>
-                      </m:r>
-                      <m:r>
-                        <a:rPr kumimoji="1" lang="en-US" altLang="ja-JP" sz="2400" b="0" i="1" smtClean="0">
-                          <a:latin typeface="Cambria Math" panose="02040503050406030204" pitchFamily="18" charset="0"/>
-                          <a:ea typeface="メイリオ" panose="020B0604030504040204" pitchFamily="50" charset="-128"/>
-                        </a:rPr>
-                        <m:t>.</m:t>
-                      </m:r>
-                      <m:r>
-                        <a:rPr kumimoji="1" lang="en-US" altLang="ja-JP" sz="2400" b="0" i="1" smtClean="0">
-                          <a:latin typeface="Cambria Math" panose="02040503050406030204" pitchFamily="18" charset="0"/>
-                          <a:ea typeface="メイリオ" panose="020B0604030504040204" pitchFamily="50" charset="-128"/>
-                        </a:rPr>
-                        <m:t>29</m:t>
+                        <m:t>=0.29</m:t>
                       </m:r>
                     </m:oMath>
                   </m:oMathPara>
@@ -25421,7 +25635,14 @@
                               <a:latin typeface="Cambria Math" panose="02040503050406030204" pitchFamily="18" charset="0"/>
                               <a:ea typeface="メイリオ" panose="020B0604030504040204" pitchFamily="50" charset="-128"/>
                             </a:rPr>
-                            <m:t>シュ－</m:t>
+                            <m:t>シュ</m:t>
+                          </m:r>
+                          <m:r>
+                            <a:rPr kumimoji="1" lang="ja-JP" altLang="en-US" sz="2400" i="1">
+                              <a:latin typeface="Cambria Math" panose="02040503050406030204" pitchFamily="18" charset="0"/>
+                              <a:ea typeface="メイリオ" panose="020B0604030504040204" pitchFamily="50" charset="-128"/>
+                            </a:rPr>
+                            <m:t>－</m:t>
                           </m:r>
                         </m:e>
                       </m:d>
@@ -26479,7 +26700,14 @@
                                   <a:latin typeface="Cambria Math" panose="02040503050406030204" pitchFamily="18" charset="0"/>
                                   <a:ea typeface="メイリオ" panose="020B0604030504040204" pitchFamily="50" charset="-128"/>
                                 </a:rPr>
-                                <m:t>シュ－</m:t>
+                                <m:t>シュ</m:t>
+                              </m:r>
+                              <m:r>
+                                <a:rPr kumimoji="1" lang="ja-JP" altLang="en-US" sz="2400" i="1">
+                                  <a:latin typeface="Cambria Math" panose="02040503050406030204" pitchFamily="18" charset="0"/>
+                                  <a:ea typeface="メイリオ" panose="020B0604030504040204" pitchFamily="50" charset="-128"/>
+                                </a:rPr>
+                                <m:t>－</m:t>
                               </m:r>
                             </m:e>
                           </m:d>
@@ -26498,7 +26726,14 @@
                               <a:latin typeface="Cambria Math" panose="02040503050406030204" pitchFamily="18" charset="0"/>
                               <a:ea typeface="メイリオ" panose="020B0604030504040204" pitchFamily="50" charset="-128"/>
                             </a:rPr>
-                            <m:t>=1</m:t>
+                            <m:t>=</m:t>
+                          </m:r>
+                          <m:r>
+                            <a:rPr kumimoji="1" lang="en-US" altLang="ja-JP" sz="2400" b="0" i="1" dirty="0" smtClean="0">
+                              <a:latin typeface="Cambria Math" panose="02040503050406030204" pitchFamily="18" charset="0"/>
+                              <a:ea typeface="メイリオ" panose="020B0604030504040204" pitchFamily="50" charset="-128"/>
+                            </a:rPr>
+                            <m:t>1</m:t>
                           </m:r>
                         </m:e>
                       </m:nary>
@@ -26674,7 +26909,14 @@
                               <a:latin typeface="Cambria Math" panose="02040503050406030204" pitchFamily="18" charset="0"/>
                               <a:ea typeface="メイリオ" panose="020B0604030504040204" pitchFamily="50" charset="-128"/>
                             </a:rPr>
-                            <m:t>=1</m:t>
+                            <m:t>=</m:t>
+                          </m:r>
+                          <m:r>
+                            <a:rPr kumimoji="1" lang="en-US" altLang="ja-JP" sz="2400" b="0" i="1" dirty="0" smtClean="0">
+                              <a:latin typeface="Cambria Math" panose="02040503050406030204" pitchFamily="18" charset="0"/>
+                              <a:ea typeface="メイリオ" panose="020B0604030504040204" pitchFamily="50" charset="-128"/>
+                            </a:rPr>
+                            <m:t>1</m:t>
                           </m:r>
                         </m:e>
                       </m:nary>
@@ -28339,21 +28581,7 @@
                               <a:latin typeface="Cambria Math" panose="02040503050406030204" pitchFamily="18" charset="0"/>
                               <a:ea typeface="メイリオ" panose="020B0604030504040204" pitchFamily="50" charset="-128"/>
                             </a:rPr>
-                            <m:t>0</m:t>
-                          </m:r>
-                          <m:r>
-                            <a:rPr kumimoji="1" lang="en-US" altLang="ja-JP" sz="2400" b="0" i="1" smtClean="0">
-                              <a:latin typeface="Cambria Math" panose="02040503050406030204" pitchFamily="18" charset="0"/>
-                              <a:ea typeface="メイリオ" panose="020B0604030504040204" pitchFamily="50" charset="-128"/>
-                            </a:rPr>
-                            <m:t>.</m:t>
-                          </m:r>
-                          <m:r>
-                            <a:rPr kumimoji="1" lang="en-US" altLang="ja-JP" sz="2400" b="0" i="1" smtClean="0">
-                              <a:latin typeface="Cambria Math" panose="02040503050406030204" pitchFamily="18" charset="0"/>
-                              <a:ea typeface="メイリオ" panose="020B0604030504040204" pitchFamily="50" charset="-128"/>
-                            </a:rPr>
-                            <m:t>0</m:t>
+                            <m:t>0.0</m:t>
                           </m:r>
                         </m:e>
                         <m:sup>
@@ -28378,77 +28606,7 @@
                           <a:latin typeface="Cambria Math" panose="02040503050406030204" pitchFamily="18" charset="0"/>
                           <a:ea typeface="Cambria Math" panose="02040503050406030204" pitchFamily="18" charset="0"/>
                         </a:rPr>
-                        <m:t>0</m:t>
-                      </m:r>
-                      <m:r>
-                        <a:rPr kumimoji="1" lang="en-US" altLang="ja-JP" sz="2400" b="0" i="1" smtClean="0">
-                          <a:latin typeface="Cambria Math" panose="02040503050406030204" pitchFamily="18" charset="0"/>
-                          <a:ea typeface="Cambria Math" panose="02040503050406030204" pitchFamily="18" charset="0"/>
-                        </a:rPr>
-                        <m:t>.</m:t>
-                      </m:r>
-                      <m:r>
-                        <a:rPr kumimoji="1" lang="en-US" altLang="ja-JP" sz="2400" b="0" i="1" smtClean="0">
-                          <a:latin typeface="Cambria Math" panose="02040503050406030204" pitchFamily="18" charset="0"/>
-                          <a:ea typeface="Cambria Math" panose="02040503050406030204" pitchFamily="18" charset="0"/>
-                        </a:rPr>
-                        <m:t>15</m:t>
-                      </m:r>
-                      <m:r>
-                        <a:rPr kumimoji="1" lang="en-US" altLang="ja-JP" sz="2400" b="0" i="1" smtClean="0">
-                          <a:latin typeface="Cambria Math" panose="02040503050406030204" pitchFamily="18" charset="0"/>
-                          <a:ea typeface="Cambria Math" panose="02040503050406030204" pitchFamily="18" charset="0"/>
-                        </a:rPr>
-                        <m:t>×</m:t>
-                      </m:r>
-                      <m:r>
-                        <a:rPr kumimoji="1" lang="en-US" altLang="ja-JP" sz="2400" b="0" i="1" smtClean="0">
-                          <a:latin typeface="Cambria Math" panose="02040503050406030204" pitchFamily="18" charset="0"/>
-                          <a:ea typeface="Cambria Math" panose="02040503050406030204" pitchFamily="18" charset="0"/>
-                        </a:rPr>
-                        <m:t>0</m:t>
-                      </m:r>
-                      <m:r>
-                        <a:rPr kumimoji="1" lang="en-US" altLang="ja-JP" sz="2400" b="0" i="1" smtClean="0">
-                          <a:latin typeface="Cambria Math" panose="02040503050406030204" pitchFamily="18" charset="0"/>
-                          <a:ea typeface="Cambria Math" panose="02040503050406030204" pitchFamily="18" charset="0"/>
-                        </a:rPr>
-                        <m:t>.</m:t>
-                      </m:r>
-                      <m:r>
-                        <a:rPr kumimoji="1" lang="en-US" altLang="ja-JP" sz="2400" b="0" i="1" smtClean="0">
-                          <a:latin typeface="Cambria Math" panose="02040503050406030204" pitchFamily="18" charset="0"/>
-                          <a:ea typeface="Cambria Math" panose="02040503050406030204" pitchFamily="18" charset="0"/>
-                        </a:rPr>
-                        <m:t>12</m:t>
-                      </m:r>
-                      <m:r>
-                        <a:rPr kumimoji="1" lang="en-US" altLang="ja-JP" sz="2400" b="0" i="1" smtClean="0">
-                          <a:latin typeface="Cambria Math" panose="02040503050406030204" pitchFamily="18" charset="0"/>
-                          <a:ea typeface="Cambria Math" panose="02040503050406030204" pitchFamily="18" charset="0"/>
-                        </a:rPr>
-                        <m:t>=</m:t>
-                      </m:r>
-                      <m:r>
-                        <a:rPr kumimoji="1" lang="en-US" altLang="ja-JP" sz="2400" b="0" i="1" smtClean="0">
-                          <a:latin typeface="Cambria Math" panose="02040503050406030204" pitchFamily="18" charset="0"/>
-                          <a:ea typeface="Cambria Math" panose="02040503050406030204" pitchFamily="18" charset="0"/>
-                        </a:rPr>
-                        <m:t>0</m:t>
-                      </m:r>
-                      <m:r>
-                        <a:rPr kumimoji="1" lang="en-US" altLang="ja-JP" sz="2400" b="0" i="1" smtClean="0">
-                          <a:latin typeface="Cambria Math" panose="02040503050406030204" pitchFamily="18" charset="0"/>
-                          <a:ea typeface="Cambria Math" panose="02040503050406030204" pitchFamily="18" charset="0"/>
-                        </a:rPr>
-                        <m:t>.</m:t>
-                      </m:r>
-                      <m:r>
-                        <a:rPr kumimoji="1" lang="en-US" altLang="ja-JP" sz="2400" b="0" i="1" smtClean="0">
-                          <a:latin typeface="Cambria Math" panose="02040503050406030204" pitchFamily="18" charset="0"/>
-                          <a:ea typeface="Cambria Math" panose="02040503050406030204" pitchFamily="18" charset="0"/>
-                        </a:rPr>
-                        <m:t>0</m:t>
+                        <m:t>0.15×0.12=0.0</m:t>
                       </m:r>
                     </m:oMath>
                   </m:oMathPara>
@@ -28604,21 +28762,7 @@
                               <a:latin typeface="Cambria Math" panose="02040503050406030204" pitchFamily="18" charset="0"/>
                               <a:ea typeface="メイリオ" panose="020B0604030504040204" pitchFamily="50" charset="-128"/>
                             </a:rPr>
-                            <m:t>0</m:t>
-                          </m:r>
-                          <m:r>
-                            <a:rPr kumimoji="1" lang="en-US" altLang="ja-JP" sz="2400" b="0" i="1" smtClean="0">
-                              <a:latin typeface="Cambria Math" panose="02040503050406030204" pitchFamily="18" charset="0"/>
-                              <a:ea typeface="メイリオ" panose="020B0604030504040204" pitchFamily="50" charset="-128"/>
-                            </a:rPr>
-                            <m:t>.</m:t>
-                          </m:r>
-                          <m:r>
-                            <a:rPr kumimoji="1" lang="en-US" altLang="ja-JP" sz="2400" b="0" i="1" smtClean="0">
-                              <a:latin typeface="Cambria Math" panose="02040503050406030204" pitchFamily="18" charset="0"/>
-                              <a:ea typeface="メイリオ" panose="020B0604030504040204" pitchFamily="50" charset="-128"/>
-                            </a:rPr>
-                            <m:t>5</m:t>
+                            <m:t>0.5</m:t>
                           </m:r>
                         </m:e>
                         <m:sup>
@@ -28643,77 +28787,7 @@
                           <a:latin typeface="Cambria Math" panose="02040503050406030204" pitchFamily="18" charset="0"/>
                           <a:ea typeface="Cambria Math" panose="02040503050406030204" pitchFamily="18" charset="0"/>
                         </a:rPr>
-                        <m:t>0</m:t>
-                      </m:r>
-                      <m:r>
-                        <a:rPr kumimoji="1" lang="en-US" altLang="ja-JP" sz="2400" b="0" i="1" smtClean="0">
-                          <a:latin typeface="Cambria Math" panose="02040503050406030204" pitchFamily="18" charset="0"/>
-                          <a:ea typeface="Cambria Math" panose="02040503050406030204" pitchFamily="18" charset="0"/>
-                        </a:rPr>
-                        <m:t>.</m:t>
-                      </m:r>
-                      <m:r>
-                        <a:rPr kumimoji="1" lang="en-US" altLang="ja-JP" sz="2400" b="0" i="1" smtClean="0">
-                          <a:latin typeface="Cambria Math" panose="02040503050406030204" pitchFamily="18" charset="0"/>
-                          <a:ea typeface="Cambria Math" panose="02040503050406030204" pitchFamily="18" charset="0"/>
-                        </a:rPr>
-                        <m:t>38</m:t>
-                      </m:r>
-                      <m:r>
-                        <a:rPr kumimoji="1" lang="en-US" altLang="ja-JP" sz="2400" b="0" i="1" smtClean="0">
-                          <a:latin typeface="Cambria Math" panose="02040503050406030204" pitchFamily="18" charset="0"/>
-                          <a:ea typeface="Cambria Math" panose="02040503050406030204" pitchFamily="18" charset="0"/>
-                        </a:rPr>
-                        <m:t>×</m:t>
-                      </m:r>
-                      <m:r>
-                        <a:rPr kumimoji="1" lang="en-US" altLang="ja-JP" sz="2400" b="0" i="1" smtClean="0">
-                          <a:latin typeface="Cambria Math" panose="02040503050406030204" pitchFamily="18" charset="0"/>
-                          <a:ea typeface="Cambria Math" panose="02040503050406030204" pitchFamily="18" charset="0"/>
-                        </a:rPr>
-                        <m:t>0</m:t>
-                      </m:r>
-                      <m:r>
-                        <a:rPr kumimoji="1" lang="en-US" altLang="ja-JP" sz="2400" b="0" i="1" smtClean="0">
-                          <a:latin typeface="Cambria Math" panose="02040503050406030204" pitchFamily="18" charset="0"/>
-                          <a:ea typeface="Cambria Math" panose="02040503050406030204" pitchFamily="18" charset="0"/>
-                        </a:rPr>
-                        <m:t>.</m:t>
-                      </m:r>
-                      <m:r>
-                        <a:rPr kumimoji="1" lang="en-US" altLang="ja-JP" sz="2400" b="0" i="1" smtClean="0">
-                          <a:latin typeface="Cambria Math" panose="02040503050406030204" pitchFamily="18" charset="0"/>
-                          <a:ea typeface="Cambria Math" panose="02040503050406030204" pitchFamily="18" charset="0"/>
-                        </a:rPr>
-                        <m:t>0</m:t>
-                      </m:r>
-                      <m:r>
-                        <a:rPr kumimoji="1" lang="en-US" altLang="ja-JP" sz="2400" b="0" i="1" smtClean="0">
-                          <a:latin typeface="Cambria Math" panose="02040503050406030204" pitchFamily="18" charset="0"/>
-                          <a:ea typeface="Cambria Math" panose="02040503050406030204" pitchFamily="18" charset="0"/>
-                        </a:rPr>
-                        <m:t>=</m:t>
-                      </m:r>
-                      <m:r>
-                        <a:rPr kumimoji="1" lang="en-US" altLang="ja-JP" sz="2400" b="0" i="1" smtClean="0">
-                          <a:latin typeface="Cambria Math" panose="02040503050406030204" pitchFamily="18" charset="0"/>
-                          <a:ea typeface="Cambria Math" panose="02040503050406030204" pitchFamily="18" charset="0"/>
-                        </a:rPr>
-                        <m:t>0</m:t>
-                      </m:r>
-                      <m:r>
-                        <a:rPr kumimoji="1" lang="en-US" altLang="ja-JP" sz="2400" b="0" i="1" smtClean="0">
-                          <a:latin typeface="Cambria Math" panose="02040503050406030204" pitchFamily="18" charset="0"/>
-                          <a:ea typeface="Cambria Math" panose="02040503050406030204" pitchFamily="18" charset="0"/>
-                        </a:rPr>
-                        <m:t>.</m:t>
-                      </m:r>
-                      <m:r>
-                        <a:rPr kumimoji="1" lang="en-US" altLang="ja-JP" sz="2400" b="0" i="1" smtClean="0">
-                          <a:latin typeface="Cambria Math" panose="02040503050406030204" pitchFamily="18" charset="0"/>
-                          <a:ea typeface="Cambria Math" panose="02040503050406030204" pitchFamily="18" charset="0"/>
-                        </a:rPr>
-                        <m:t>0</m:t>
+                        <m:t>0.38×0.0=0.0</m:t>
                       </m:r>
                     </m:oMath>
                   </m:oMathPara>

--- a/NLP_5 probabilistc classifier.pptx
+++ b/NLP_5 probabilistc classifier.pptx
@@ -5,7 +5,7 @@
     <p:sldMasterId id="2147483672" r:id="rId1"/>
   </p:sldMasterIdLst>
   <p:notesMasterIdLst>
-    <p:notesMasterId r:id="rId26"/>
+    <p:notesMasterId r:id="rId27"/>
   </p:notesMasterIdLst>
   <p:sldIdLst>
     <p:sldId id="256" r:id="rId2"/>
@@ -13,25 +13,26 @@
     <p:sldId id="1217" r:id="rId4"/>
     <p:sldId id="1218" r:id="rId5"/>
     <p:sldId id="1219" r:id="rId6"/>
-    <p:sldId id="1221" r:id="rId7"/>
-    <p:sldId id="1211" r:id="rId8"/>
-    <p:sldId id="1214" r:id="rId9"/>
-    <p:sldId id="1222" r:id="rId10"/>
-    <p:sldId id="1223" r:id="rId11"/>
-    <p:sldId id="1224" r:id="rId12"/>
-    <p:sldId id="1225" r:id="rId13"/>
-    <p:sldId id="1226" r:id="rId14"/>
-    <p:sldId id="1227" r:id="rId15"/>
-    <p:sldId id="1228" r:id="rId16"/>
-    <p:sldId id="1229" r:id="rId17"/>
-    <p:sldId id="1220" r:id="rId18"/>
-    <p:sldId id="1230" r:id="rId19"/>
-    <p:sldId id="1231" r:id="rId20"/>
-    <p:sldId id="1232" r:id="rId21"/>
-    <p:sldId id="1233" r:id="rId22"/>
-    <p:sldId id="1234" r:id="rId23"/>
-    <p:sldId id="1212" r:id="rId24"/>
-    <p:sldId id="1213" r:id="rId25"/>
+    <p:sldId id="1235" r:id="rId7"/>
+    <p:sldId id="1221" r:id="rId8"/>
+    <p:sldId id="1211" r:id="rId9"/>
+    <p:sldId id="1214" r:id="rId10"/>
+    <p:sldId id="1222" r:id="rId11"/>
+    <p:sldId id="1223" r:id="rId12"/>
+    <p:sldId id="1224" r:id="rId13"/>
+    <p:sldId id="1225" r:id="rId14"/>
+    <p:sldId id="1226" r:id="rId15"/>
+    <p:sldId id="1227" r:id="rId16"/>
+    <p:sldId id="1228" r:id="rId17"/>
+    <p:sldId id="1229" r:id="rId18"/>
+    <p:sldId id="1220" r:id="rId19"/>
+    <p:sldId id="1230" r:id="rId20"/>
+    <p:sldId id="1231" r:id="rId21"/>
+    <p:sldId id="1232" r:id="rId22"/>
+    <p:sldId id="1233" r:id="rId23"/>
+    <p:sldId id="1234" r:id="rId24"/>
+    <p:sldId id="1212" r:id="rId25"/>
+    <p:sldId id="1213" r:id="rId26"/>
   </p:sldIdLst>
   <p:sldSz cx="12192000" cy="6858000"/>
   <p:notesSz cx="6858000" cy="9144000"/>
@@ -220,7 +221,7 @@
           <a:p>
             <a:fld id="{0135936D-836F-419C-9F68-DEDA5DD6EA2C}" type="datetimeFigureOut">
               <a:rPr kumimoji="1" lang="ja-JP" altLang="en-US" smtClean="0"/>
-              <a:t>2024/7/4</a:t>
+              <a:t>2024/7/11</a:t>
             </a:fld>
             <a:endParaRPr kumimoji="1" lang="ja-JP" altLang="en-US"/>
           </a:p>
@@ -650,7 +651,7 @@
           <a:p>
             <a:fld id="{2ABC02D7-CBD1-4D33-B166-78A898DF0F76}" type="datetimeFigureOut">
               <a:rPr kumimoji="1" lang="ja-JP" altLang="en-US" smtClean="0"/>
-              <a:t>2024/7/4</a:t>
+              <a:t>2024/7/11</a:t>
             </a:fld>
             <a:endParaRPr kumimoji="1" lang="ja-JP" altLang="en-US"/>
           </a:p>
@@ -852,7 +853,7 @@
           <a:p>
             <a:fld id="{2ABC02D7-CBD1-4D33-B166-78A898DF0F76}" type="datetimeFigureOut">
               <a:rPr kumimoji="1" lang="ja-JP" altLang="en-US" smtClean="0"/>
-              <a:t>2024/7/4</a:t>
+              <a:t>2024/7/11</a:t>
             </a:fld>
             <a:endParaRPr kumimoji="1" lang="ja-JP" altLang="en-US"/>
           </a:p>
@@ -1064,7 +1065,7 @@
           <a:p>
             <a:fld id="{2ABC02D7-CBD1-4D33-B166-78A898DF0F76}" type="datetimeFigureOut">
               <a:rPr kumimoji="1" lang="ja-JP" altLang="en-US" smtClean="0"/>
-              <a:t>2024/7/4</a:t>
+              <a:t>2024/7/11</a:t>
             </a:fld>
             <a:endParaRPr kumimoji="1" lang="ja-JP" altLang="en-US"/>
           </a:p>
@@ -1266,7 +1267,7 @@
           <a:p>
             <a:fld id="{2ABC02D7-CBD1-4D33-B166-78A898DF0F76}" type="datetimeFigureOut">
               <a:rPr kumimoji="1" lang="ja-JP" altLang="en-US" smtClean="0"/>
-              <a:t>2024/7/4</a:t>
+              <a:t>2024/7/11</a:t>
             </a:fld>
             <a:endParaRPr kumimoji="1" lang="ja-JP" altLang="en-US"/>
           </a:p>
@@ -1512,7 +1513,7 @@
           <a:p>
             <a:fld id="{2ABC02D7-CBD1-4D33-B166-78A898DF0F76}" type="datetimeFigureOut">
               <a:rPr kumimoji="1" lang="ja-JP" altLang="en-US" smtClean="0"/>
-              <a:t>2024/7/4</a:t>
+              <a:t>2024/7/11</a:t>
             </a:fld>
             <a:endParaRPr kumimoji="1" lang="ja-JP" altLang="en-US"/>
           </a:p>
@@ -1808,7 +1809,7 @@
           <a:p>
             <a:fld id="{2ABC02D7-CBD1-4D33-B166-78A898DF0F76}" type="datetimeFigureOut">
               <a:rPr kumimoji="1" lang="ja-JP" altLang="en-US" smtClean="0"/>
-              <a:t>2024/7/4</a:t>
+              <a:t>2024/7/11</a:t>
             </a:fld>
             <a:endParaRPr kumimoji="1" lang="ja-JP" altLang="en-US"/>
           </a:p>
@@ -2239,7 +2240,7 @@
           <a:p>
             <a:fld id="{2ABC02D7-CBD1-4D33-B166-78A898DF0F76}" type="datetimeFigureOut">
               <a:rPr kumimoji="1" lang="ja-JP" altLang="en-US" smtClean="0"/>
-              <a:t>2024/7/4</a:t>
+              <a:t>2024/7/11</a:t>
             </a:fld>
             <a:endParaRPr kumimoji="1" lang="ja-JP" altLang="en-US"/>
           </a:p>
@@ -2357,7 +2358,7 @@
           <a:p>
             <a:fld id="{2ABC02D7-CBD1-4D33-B166-78A898DF0F76}" type="datetimeFigureOut">
               <a:rPr kumimoji="1" lang="ja-JP" altLang="en-US" smtClean="0"/>
-              <a:t>2024/7/4</a:t>
+              <a:t>2024/7/11</a:t>
             </a:fld>
             <a:endParaRPr kumimoji="1" lang="ja-JP" altLang="en-US"/>
           </a:p>
@@ -2452,7 +2453,7 @@
           <a:p>
             <a:fld id="{2ABC02D7-CBD1-4D33-B166-78A898DF0F76}" type="datetimeFigureOut">
               <a:rPr kumimoji="1" lang="ja-JP" altLang="en-US" smtClean="0"/>
-              <a:t>2024/7/4</a:t>
+              <a:t>2024/7/11</a:t>
             </a:fld>
             <a:endParaRPr kumimoji="1" lang="ja-JP" altLang="en-US"/>
           </a:p>
@@ -2761,7 +2762,7 @@
           <a:p>
             <a:fld id="{2ABC02D7-CBD1-4D33-B166-78A898DF0F76}" type="datetimeFigureOut">
               <a:rPr kumimoji="1" lang="ja-JP" altLang="en-US" smtClean="0"/>
-              <a:t>2024/7/4</a:t>
+              <a:t>2024/7/11</a:t>
             </a:fld>
             <a:endParaRPr kumimoji="1" lang="ja-JP" altLang="en-US"/>
           </a:p>
@@ -3018,7 +3019,7 @@
           <a:p>
             <a:fld id="{2ABC02D7-CBD1-4D33-B166-78A898DF0F76}" type="datetimeFigureOut">
               <a:rPr kumimoji="1" lang="ja-JP" altLang="en-US" smtClean="0"/>
-              <a:t>2024/7/4</a:t>
+              <a:t>2024/7/11</a:t>
             </a:fld>
             <a:endParaRPr kumimoji="1" lang="ja-JP" altLang="en-US"/>
           </a:p>
@@ -3263,7 +3264,7 @@
           <a:p>
             <a:fld id="{2ABC02D7-CBD1-4D33-B166-78A898DF0F76}" type="datetimeFigureOut">
               <a:rPr kumimoji="1" lang="ja-JP" altLang="en-US" smtClean="0"/>
-              <a:t>2024/7/4</a:t>
+              <a:t>2024/7/11</a:t>
             </a:fld>
             <a:endParaRPr kumimoji="1" lang="ja-JP" altLang="en-US"/>
           </a:p>
@@ -3745,6 +3746,1505 @@
           <p:cNvPr id="2" name="テキスト ボックス 1">
             <a:extLst>
               <a:ext uri="{FF2B5EF4-FFF2-40B4-BE49-F238E27FC236}">
+                <a16:creationId xmlns:a16="http://schemas.microsoft.com/office/drawing/2014/main" id="{BC235000-A095-73BF-AFBB-C5DD8B206E3D}"/>
+              </a:ext>
+            </a:extLst>
+          </p:cNvPr>
+          <p:cNvSpPr txBox="1"/>
+          <p:nvPr/>
+        </p:nvSpPr>
+        <p:spPr>
+          <a:xfrm>
+            <a:off x="590375" y="254000"/>
+            <a:ext cx="3467616" cy="584775"/>
+          </a:xfrm>
+          <a:prstGeom prst="rect">
+            <a:avLst/>
+          </a:prstGeom>
+          <a:noFill/>
+        </p:spPr>
+        <p:txBody>
+          <a:bodyPr wrap="none" rtlCol="0">
+            <a:spAutoFit/>
+          </a:bodyPr>
+          <a:lstStyle/>
+          <a:p>
+            <a:pPr algn="l"/>
+            <a:r>
+              <a:rPr kumimoji="1" lang="ja-JP" altLang="en-US" sz="3200" dirty="0">
+                <a:latin typeface="メイリオ" panose="020B0604030504040204" pitchFamily="50" charset="-128"/>
+                <a:ea typeface="メイリオ" panose="020B0604030504040204" pitchFamily="50" charset="-128"/>
+              </a:rPr>
+              <a:t>加算スムージング</a:t>
+            </a:r>
+          </a:p>
+        </p:txBody>
+      </p:sp>
+      <p:sp>
+        <p:nvSpPr>
+          <p:cNvPr id="4" name="テキスト ボックス 3">
+            <a:extLst>
+              <a:ext uri="{FF2B5EF4-FFF2-40B4-BE49-F238E27FC236}">
+                <a16:creationId xmlns:a16="http://schemas.microsoft.com/office/drawing/2014/main" id="{E1771FEA-111E-D0BD-0C23-F74B06125EA2}"/>
+              </a:ext>
+            </a:extLst>
+          </p:cNvPr>
+          <p:cNvSpPr txBox="1"/>
+          <p:nvPr/>
+        </p:nvSpPr>
+        <p:spPr>
+          <a:xfrm>
+            <a:off x="590375" y="776428"/>
+            <a:ext cx="8815234" cy="461665"/>
+          </a:xfrm>
+          <a:prstGeom prst="rect">
+            <a:avLst/>
+          </a:prstGeom>
+          <a:noFill/>
+        </p:spPr>
+        <p:txBody>
+          <a:bodyPr wrap="none" rtlCol="0">
+            <a:spAutoFit/>
+          </a:bodyPr>
+          <a:lstStyle/>
+          <a:p>
+            <a:pPr algn="l"/>
+            <a:r>
+              <a:rPr kumimoji="1" lang="en-US" altLang="ja-JP" sz="2400" dirty="0">
+                <a:latin typeface="メイリオ" panose="020B0604030504040204" pitchFamily="50" charset="-128"/>
+                <a:ea typeface="メイリオ" panose="020B0604030504040204" pitchFamily="50" charset="-128"/>
+              </a:rPr>
+              <a:t>(</a:t>
+            </a:r>
+            <a:r>
+              <a:rPr kumimoji="1" lang="ja-JP" altLang="en-US" sz="2400" dirty="0">
+                <a:latin typeface="メイリオ" panose="020B0604030504040204" pitchFamily="50" charset="-128"/>
+                <a:ea typeface="メイリオ" panose="020B0604030504040204" pitchFamily="50" charset="-128"/>
+              </a:rPr>
+              <a:t>語彙の頻度合計</a:t>
+            </a:r>
+            <a:r>
+              <a:rPr kumimoji="1" lang="en-US" altLang="ja-JP" sz="2400" dirty="0">
+                <a:latin typeface="メイリオ" panose="020B0604030504040204" pitchFamily="50" charset="-128"/>
+                <a:ea typeface="メイリオ" panose="020B0604030504040204" pitchFamily="50" charset="-128"/>
+              </a:rPr>
+              <a:t>+1) / (</a:t>
+            </a:r>
+            <a:r>
+              <a:rPr kumimoji="1" lang="ja-JP" altLang="en-US" sz="2400" dirty="0">
+                <a:latin typeface="メイリオ" panose="020B0604030504040204" pitchFamily="50" charset="-128"/>
+                <a:ea typeface="メイリオ" panose="020B0604030504040204" pitchFamily="50" charset="-128"/>
+              </a:rPr>
+              <a:t>クラスの総語彙数 </a:t>
+            </a:r>
+            <a:r>
+              <a:rPr kumimoji="1" lang="en-US" altLang="ja-JP" sz="2400" dirty="0">
+                <a:latin typeface="メイリオ" panose="020B0604030504040204" pitchFamily="50" charset="-128"/>
+                <a:ea typeface="メイリオ" panose="020B0604030504040204" pitchFamily="50" charset="-128"/>
+              </a:rPr>
+              <a:t>+ </a:t>
+            </a:r>
+            <a:r>
+              <a:rPr kumimoji="1" lang="en-US" altLang="ja-JP" sz="2400" dirty="0" err="1">
+                <a:latin typeface="メイリオ" panose="020B0604030504040204" pitchFamily="50" charset="-128"/>
+                <a:ea typeface="メイリオ" panose="020B0604030504040204" pitchFamily="50" charset="-128"/>
+              </a:rPr>
+              <a:t>BoW</a:t>
+            </a:r>
+            <a:r>
+              <a:rPr kumimoji="1" lang="ja-JP" altLang="en-US" sz="2400" dirty="0">
+                <a:latin typeface="メイリオ" panose="020B0604030504040204" pitchFamily="50" charset="-128"/>
+                <a:ea typeface="メイリオ" panose="020B0604030504040204" pitchFamily="50" charset="-128"/>
+              </a:rPr>
+              <a:t>の総語彙数</a:t>
+            </a:r>
+            <a:r>
+              <a:rPr kumimoji="1" lang="en-US" altLang="ja-JP" sz="2400" dirty="0">
+                <a:latin typeface="メイリオ" panose="020B0604030504040204" pitchFamily="50" charset="-128"/>
+                <a:ea typeface="メイリオ" panose="020B0604030504040204" pitchFamily="50" charset="-128"/>
+              </a:rPr>
+              <a:t>)</a:t>
+            </a:r>
+            <a:endParaRPr kumimoji="1" lang="ja-JP" altLang="en-US" sz="2400" dirty="0">
+              <a:latin typeface="メイリオ" panose="020B0604030504040204" pitchFamily="50" charset="-128"/>
+              <a:ea typeface="メイリオ" panose="020B0604030504040204" pitchFamily="50" charset="-128"/>
+            </a:endParaRPr>
+          </a:p>
+        </p:txBody>
+      </p:sp>
+      <p:pic>
+        <p:nvPicPr>
+          <p:cNvPr id="5" name="図 4">
+            <a:extLst>
+              <a:ext uri="{FF2B5EF4-FFF2-40B4-BE49-F238E27FC236}">
+                <a16:creationId xmlns:a16="http://schemas.microsoft.com/office/drawing/2014/main" id="{119D079D-077C-6110-B1D5-27CAF356EB8D}"/>
+              </a:ext>
+            </a:extLst>
+          </p:cNvPr>
+          <p:cNvPicPr>
+            <a:picLocks noChangeAspect="1"/>
+          </p:cNvPicPr>
+          <p:nvPr/>
+        </p:nvPicPr>
+        <p:blipFill>
+          <a:blip r:embed="rId2"/>
+          <a:stretch>
+            <a:fillRect/>
+          </a:stretch>
+        </p:blipFill>
+        <p:spPr>
+          <a:xfrm>
+            <a:off x="1182580" y="1416164"/>
+            <a:ext cx="7631045" cy="2702446"/>
+          </a:xfrm>
+          <a:prstGeom prst="rect">
+            <a:avLst/>
+          </a:prstGeom>
+        </p:spPr>
+      </p:pic>
+      <p:sp>
+        <p:nvSpPr>
+          <p:cNvPr id="6" name="四角形: 角を丸くする 5">
+            <a:extLst>
+              <a:ext uri="{FF2B5EF4-FFF2-40B4-BE49-F238E27FC236}">
+                <a16:creationId xmlns:a16="http://schemas.microsoft.com/office/drawing/2014/main" id="{06DD4C50-12E5-6273-B462-730782AA1817}"/>
+              </a:ext>
+            </a:extLst>
+          </p:cNvPr>
+          <p:cNvSpPr/>
+          <p:nvPr/>
+        </p:nvSpPr>
+        <p:spPr>
+          <a:xfrm>
+            <a:off x="3973655" y="1239520"/>
+            <a:ext cx="985520" cy="2879090"/>
+          </a:xfrm>
+          <a:prstGeom prst="roundRect">
+            <a:avLst/>
+          </a:prstGeom>
+          <a:noFill/>
+          <a:ln>
+            <a:solidFill>
+              <a:srgbClr val="FF0000"/>
+            </a:solidFill>
+          </a:ln>
+        </p:spPr>
+        <p:style>
+          <a:lnRef idx="2">
+            <a:schemeClr val="accent1">
+              <a:shade val="15000"/>
+            </a:schemeClr>
+          </a:lnRef>
+          <a:fillRef idx="1">
+            <a:schemeClr val="accent1"/>
+          </a:fillRef>
+          <a:effectRef idx="0">
+            <a:schemeClr val="accent1"/>
+          </a:effectRef>
+          <a:fontRef idx="minor">
+            <a:schemeClr val="lt1"/>
+          </a:fontRef>
+        </p:style>
+        <p:txBody>
+          <a:bodyPr rtlCol="0" anchor="ctr"/>
+          <a:lstStyle/>
+          <a:p>
+            <a:pPr algn="ctr"/>
+            <a:endParaRPr kumimoji="1" lang="ja-JP" altLang="en-US"/>
+          </a:p>
+        </p:txBody>
+      </p:sp>
+      <mc:AlternateContent xmlns:mc="http://schemas.openxmlformats.org/markup-compatibility/2006" xmlns:a14="http://schemas.microsoft.com/office/drawing/2010/main">
+        <mc:Choice Requires="a14">
+          <p:sp>
+            <p:nvSpPr>
+              <p:cNvPr id="7" name="テキスト ボックス 6">
+                <a:extLst>
+                  <a:ext uri="{FF2B5EF4-FFF2-40B4-BE49-F238E27FC236}">
+                    <a16:creationId xmlns:a16="http://schemas.microsoft.com/office/drawing/2014/main" id="{2CEC603E-B4F8-2D4C-EF87-0D8BBAB008D2}"/>
+                  </a:ext>
+                </a:extLst>
+              </p:cNvPr>
+              <p:cNvSpPr txBox="1"/>
+              <p:nvPr/>
+            </p:nvSpPr>
+            <p:spPr>
+              <a:xfrm>
+                <a:off x="84933" y="4206339"/>
+                <a:ext cx="5239383" cy="786177"/>
+              </a:xfrm>
+              <a:prstGeom prst="rect">
+                <a:avLst/>
+              </a:prstGeom>
+              <a:noFill/>
+            </p:spPr>
+            <p:txBody>
+              <a:bodyPr wrap="none" rtlCol="0">
+                <a:spAutoFit/>
+              </a:bodyPr>
+              <a:lstStyle/>
+              <a:p>
+                <a:pPr algn="l"/>
+                <a14:m>
+                  <m:oMathPara xmlns:m="http://schemas.openxmlformats.org/officeDocument/2006/math">
+                    <m:oMathParaPr>
+                      <m:jc m:val="centerGroup"/>
+                    </m:oMathParaPr>
+                    <m:oMath xmlns:m="http://schemas.openxmlformats.org/officeDocument/2006/math">
+                      <m:r>
+                        <a:rPr kumimoji="1" lang="en-US" altLang="ja-JP" sz="2400" b="0" i="1" smtClean="0">
+                          <a:latin typeface="Cambria Math" panose="02040503050406030204" pitchFamily="18" charset="0"/>
+                          <a:ea typeface="メイリオ" panose="020B0604030504040204" pitchFamily="50" charset="-128"/>
+                        </a:rPr>
+                        <m:t>𝑝</m:t>
+                      </m:r>
+                      <m:d>
+                        <m:dPr>
+                          <m:ctrlPr>
+                            <a:rPr kumimoji="1" lang="en-US" altLang="ja-JP" sz="2400" b="0" i="1" smtClean="0">
+                              <a:latin typeface="Cambria Math" panose="02040503050406030204" pitchFamily="18" charset="0"/>
+                              <a:ea typeface="メイリオ" panose="020B0604030504040204" pitchFamily="50" charset="-128"/>
+                            </a:rPr>
+                          </m:ctrlPr>
+                        </m:dPr>
+                        <m:e>
+                          <m:r>
+                            <a:rPr kumimoji="1" lang="en-US" altLang="ja-JP" sz="2400" b="0" i="1" smtClean="0">
+                              <a:latin typeface="Cambria Math" panose="02040503050406030204" pitchFamily="18" charset="0"/>
+                              <a:ea typeface="メイリオ" panose="020B0604030504040204" pitchFamily="50" charset="-128"/>
+                            </a:rPr>
+                            <m:t>𝑥</m:t>
+                          </m:r>
+                          <m:r>
+                            <a:rPr kumimoji="1" lang="en-US" altLang="ja-JP" sz="2400" b="0" i="1" smtClean="0">
+                              <a:latin typeface="Cambria Math" panose="02040503050406030204" pitchFamily="18" charset="0"/>
+                              <a:ea typeface="メイリオ" panose="020B0604030504040204" pitchFamily="50" charset="-128"/>
+                            </a:rPr>
+                            <m:t>=</m:t>
+                          </m:r>
+                          <m:r>
+                            <a:rPr kumimoji="1" lang="ja-JP" altLang="en-US" sz="2400" i="1">
+                              <a:latin typeface="Cambria Math" panose="02040503050406030204" pitchFamily="18" charset="0"/>
+                              <a:ea typeface="メイリオ" panose="020B0604030504040204" pitchFamily="50" charset="-128"/>
+                            </a:rPr>
+                            <m:t>生地</m:t>
+                          </m:r>
+                        </m:e>
+                        <m:e>
+                          <m:r>
+                            <a:rPr kumimoji="1" lang="en-US" altLang="ja-JP" sz="2400" b="0" i="1" smtClean="0">
+                              <a:latin typeface="Cambria Math" panose="02040503050406030204" pitchFamily="18" charset="0"/>
+                              <a:ea typeface="メイリオ" panose="020B0604030504040204" pitchFamily="50" charset="-128"/>
+                            </a:rPr>
+                            <m:t>𝐶</m:t>
+                          </m:r>
+                          <m:r>
+                            <a:rPr kumimoji="1" lang="en-US" altLang="ja-JP" sz="2400" b="0" i="1" smtClean="0">
+                              <a:latin typeface="Cambria Math" panose="02040503050406030204" pitchFamily="18" charset="0"/>
+                              <a:ea typeface="メイリオ" panose="020B0604030504040204" pitchFamily="50" charset="-128"/>
+                            </a:rPr>
+                            <m:t>=</m:t>
+                          </m:r>
+                          <m:r>
+                            <a:rPr kumimoji="1" lang="ja-JP" altLang="en-US" sz="2400" i="1">
+                              <a:latin typeface="Cambria Math" panose="02040503050406030204" pitchFamily="18" charset="0"/>
+                              <a:ea typeface="メイリオ" panose="020B0604030504040204" pitchFamily="50" charset="-128"/>
+                            </a:rPr>
+                            <m:t>シュー</m:t>
+                          </m:r>
+                        </m:e>
+                      </m:d>
+                      <m:r>
+                        <a:rPr kumimoji="1" lang="en-US" altLang="ja-JP" sz="2400" b="0" i="1" smtClean="0">
+                          <a:latin typeface="Cambria Math" panose="02040503050406030204" pitchFamily="18" charset="0"/>
+                          <a:ea typeface="メイリオ" panose="020B0604030504040204" pitchFamily="50" charset="-128"/>
+                        </a:rPr>
+                        <m:t>=</m:t>
+                      </m:r>
+                      <m:f>
+                        <m:fPr>
+                          <m:ctrlPr>
+                            <a:rPr kumimoji="1" lang="en-US" altLang="ja-JP" sz="2400" b="0" i="1" smtClean="0">
+                              <a:latin typeface="Cambria Math" panose="02040503050406030204" pitchFamily="18" charset="0"/>
+                              <a:ea typeface="メイリオ" panose="020B0604030504040204" pitchFamily="50" charset="-128"/>
+                            </a:rPr>
+                          </m:ctrlPr>
+                        </m:fPr>
+                        <m:num>
+                          <m:r>
+                            <a:rPr kumimoji="1" lang="en-US" altLang="ja-JP" sz="2400" b="0" i="1" smtClean="0">
+                              <a:latin typeface="Cambria Math" panose="02040503050406030204" pitchFamily="18" charset="0"/>
+                              <a:ea typeface="メイリオ" panose="020B0604030504040204" pitchFamily="50" charset="-128"/>
+                            </a:rPr>
+                            <m:t>10</m:t>
+                          </m:r>
+                        </m:num>
+                        <m:den>
+                          <m:r>
+                            <a:rPr kumimoji="1" lang="en-US" altLang="ja-JP" sz="2400" b="0" i="1" smtClean="0">
+                              <a:latin typeface="Cambria Math" panose="02040503050406030204" pitchFamily="18" charset="0"/>
+                              <a:ea typeface="メイリオ" panose="020B0604030504040204" pitchFamily="50" charset="-128"/>
+                            </a:rPr>
+                            <m:t>34</m:t>
+                          </m:r>
+                        </m:den>
+                      </m:f>
+                      <m:r>
+                        <a:rPr kumimoji="1" lang="en-US" altLang="ja-JP" sz="2400" b="0" i="1" smtClean="0">
+                          <a:latin typeface="Cambria Math" panose="02040503050406030204" pitchFamily="18" charset="0"/>
+                          <a:ea typeface="メイリオ" panose="020B0604030504040204" pitchFamily="50" charset="-128"/>
+                        </a:rPr>
+                        <m:t>=</m:t>
+                      </m:r>
+                      <m:r>
+                        <a:rPr kumimoji="1" lang="en-US" altLang="ja-JP" sz="2400" b="0" i="1" smtClean="0">
+                          <a:latin typeface="Cambria Math" panose="02040503050406030204" pitchFamily="18" charset="0"/>
+                          <a:ea typeface="メイリオ" panose="020B0604030504040204" pitchFamily="50" charset="-128"/>
+                        </a:rPr>
+                        <m:t>0</m:t>
+                      </m:r>
+                      <m:r>
+                        <a:rPr kumimoji="1" lang="en-US" altLang="ja-JP" sz="2400" b="0" i="1" smtClean="0">
+                          <a:latin typeface="Cambria Math" panose="02040503050406030204" pitchFamily="18" charset="0"/>
+                          <a:ea typeface="メイリオ" panose="020B0604030504040204" pitchFamily="50" charset="-128"/>
+                        </a:rPr>
+                        <m:t>.</m:t>
+                      </m:r>
+                      <m:r>
+                        <a:rPr kumimoji="1" lang="en-US" altLang="ja-JP" sz="2400" b="0" i="1" smtClean="0">
+                          <a:latin typeface="Cambria Math" panose="02040503050406030204" pitchFamily="18" charset="0"/>
+                          <a:ea typeface="メイリオ" panose="020B0604030504040204" pitchFamily="50" charset="-128"/>
+                        </a:rPr>
+                        <m:t>29</m:t>
+                      </m:r>
+                    </m:oMath>
+                  </m:oMathPara>
+                </a14:m>
+                <a:endParaRPr kumimoji="1" lang="ja-JP" altLang="en-US" sz="2400" dirty="0">
+                  <a:latin typeface="メイリオ" panose="020B0604030504040204" pitchFamily="50" charset="-128"/>
+                  <a:ea typeface="メイリオ" panose="020B0604030504040204" pitchFamily="50" charset="-128"/>
+                </a:endParaRPr>
+              </a:p>
+            </p:txBody>
+          </p:sp>
+        </mc:Choice>
+        <mc:Fallback xmlns="">
+          <p:sp>
+            <p:nvSpPr>
+              <p:cNvPr id="7" name="テキスト ボックス 6">
+                <a:extLst>
+                  <a:ext uri="{FF2B5EF4-FFF2-40B4-BE49-F238E27FC236}">
+                    <a16:creationId xmlns:a16="http://schemas.microsoft.com/office/drawing/2014/main" id="{2CEC603E-B4F8-2D4C-EF87-0D8BBAB008D2}"/>
+                  </a:ext>
+                </a:extLst>
+              </p:cNvPr>
+              <p:cNvSpPr txBox="1">
+                <a:spLocks noRot="1" noChangeAspect="1" noMove="1" noResize="1" noEditPoints="1" noAdjustHandles="1" noChangeArrowheads="1" noChangeShapeType="1" noTextEdit="1"/>
+              </p:cNvSpPr>
+              <p:nvPr/>
+            </p:nvSpPr>
+            <p:spPr>
+              <a:xfrm>
+                <a:off x="84933" y="4206339"/>
+                <a:ext cx="5239383" cy="786177"/>
+              </a:xfrm>
+              <a:prstGeom prst="rect">
+                <a:avLst/>
+              </a:prstGeom>
+              <a:blipFill>
+                <a:blip r:embed="rId3"/>
+                <a:stretch>
+                  <a:fillRect/>
+                </a:stretch>
+              </a:blipFill>
+            </p:spPr>
+            <p:txBody>
+              <a:bodyPr/>
+              <a:lstStyle/>
+              <a:p>
+                <a:r>
+                  <a:rPr lang="ja-JP" altLang="en-US">
+                    <a:noFill/>
+                  </a:rPr>
+                  <a:t> </a:t>
+                </a:r>
+              </a:p>
+            </p:txBody>
+          </p:sp>
+        </mc:Fallback>
+      </mc:AlternateContent>
+      <p:sp>
+        <p:nvSpPr>
+          <p:cNvPr id="8" name="テキスト ボックス 7">
+            <a:extLst>
+              <a:ext uri="{FF2B5EF4-FFF2-40B4-BE49-F238E27FC236}">
+                <a16:creationId xmlns:a16="http://schemas.microsoft.com/office/drawing/2014/main" id="{F6784F62-6E75-788C-B90F-D11B2B603B6D}"/>
+              </a:ext>
+            </a:extLst>
+          </p:cNvPr>
+          <p:cNvSpPr txBox="1"/>
+          <p:nvPr/>
+        </p:nvSpPr>
+        <p:spPr>
+          <a:xfrm>
+            <a:off x="9075684" y="3410724"/>
+            <a:ext cx="1279517" cy="707886"/>
+          </a:xfrm>
+          <a:prstGeom prst="rect">
+            <a:avLst/>
+          </a:prstGeom>
+          <a:noFill/>
+        </p:spPr>
+        <p:txBody>
+          <a:bodyPr wrap="none" rtlCol="0">
+            <a:spAutoFit/>
+          </a:bodyPr>
+          <a:lstStyle/>
+          <a:p>
+            <a:pPr algn="l"/>
+            <a:r>
+              <a:rPr kumimoji="1" lang="en-US" altLang="ja-JP" sz="2000" dirty="0" err="1">
+                <a:latin typeface="メイリオ" panose="020B0604030504040204" pitchFamily="50" charset="-128"/>
+                <a:ea typeface="メイリオ" panose="020B0604030504040204" pitchFamily="50" charset="-128"/>
+              </a:rPr>
+              <a:t>BoW</a:t>
+            </a:r>
+            <a:r>
+              <a:rPr kumimoji="1" lang="ja-JP" altLang="en-US" sz="2000" dirty="0">
+                <a:latin typeface="メイリオ" panose="020B0604030504040204" pitchFamily="50" charset="-128"/>
+                <a:ea typeface="メイリオ" panose="020B0604030504040204" pitchFamily="50" charset="-128"/>
+              </a:rPr>
+              <a:t>総計</a:t>
+            </a:r>
+            <a:endParaRPr kumimoji="1" lang="en-US" altLang="ja-JP" sz="2000" dirty="0">
+              <a:latin typeface="メイリオ" panose="020B0604030504040204" pitchFamily="50" charset="-128"/>
+              <a:ea typeface="メイリオ" panose="020B0604030504040204" pitchFamily="50" charset="-128"/>
+            </a:endParaRPr>
+          </a:p>
+          <a:p>
+            <a:pPr algn="l"/>
+            <a:r>
+              <a:rPr kumimoji="1" lang="en-US" altLang="ja-JP" sz="2000" dirty="0">
+                <a:latin typeface="メイリオ" panose="020B0604030504040204" pitchFamily="50" charset="-128"/>
+                <a:ea typeface="メイリオ" panose="020B0604030504040204" pitchFamily="50" charset="-128"/>
+              </a:rPr>
+              <a:t>      60</a:t>
+            </a:r>
+            <a:endParaRPr kumimoji="1" lang="ja-JP" altLang="en-US" sz="2000" dirty="0">
+              <a:latin typeface="メイリオ" panose="020B0604030504040204" pitchFamily="50" charset="-128"/>
+              <a:ea typeface="メイリオ" panose="020B0604030504040204" pitchFamily="50" charset="-128"/>
+            </a:endParaRPr>
+          </a:p>
+        </p:txBody>
+      </p:sp>
+      <p:sp>
+        <p:nvSpPr>
+          <p:cNvPr id="9" name="矢印: 下 8">
+            <a:extLst>
+              <a:ext uri="{FF2B5EF4-FFF2-40B4-BE49-F238E27FC236}">
+                <a16:creationId xmlns:a16="http://schemas.microsoft.com/office/drawing/2014/main" id="{0C4A35E5-8D5B-6550-05FD-9672498C006C}"/>
+              </a:ext>
+            </a:extLst>
+          </p:cNvPr>
+          <p:cNvSpPr/>
+          <p:nvPr/>
+        </p:nvSpPr>
+        <p:spPr>
+          <a:xfrm>
+            <a:off x="2037334" y="4952121"/>
+            <a:ext cx="995680" cy="440794"/>
+          </a:xfrm>
+          <a:prstGeom prst="downArrow">
+            <a:avLst/>
+          </a:prstGeom>
+        </p:spPr>
+        <p:style>
+          <a:lnRef idx="2">
+            <a:schemeClr val="accent1">
+              <a:shade val="15000"/>
+            </a:schemeClr>
+          </a:lnRef>
+          <a:fillRef idx="1">
+            <a:schemeClr val="accent1"/>
+          </a:fillRef>
+          <a:effectRef idx="0">
+            <a:schemeClr val="accent1"/>
+          </a:effectRef>
+          <a:fontRef idx="minor">
+            <a:schemeClr val="lt1"/>
+          </a:fontRef>
+        </p:style>
+        <p:txBody>
+          <a:bodyPr rtlCol="0" anchor="ctr"/>
+          <a:lstStyle/>
+          <a:p>
+            <a:pPr algn="ctr"/>
+            <a:endParaRPr kumimoji="1" lang="ja-JP" altLang="en-US"/>
+          </a:p>
+        </p:txBody>
+      </p:sp>
+      <mc:AlternateContent xmlns:mc="http://schemas.openxmlformats.org/markup-compatibility/2006" xmlns:a14="http://schemas.microsoft.com/office/drawing/2010/main">
+        <mc:Choice Requires="a14">
+          <p:sp>
+            <p:nvSpPr>
+              <p:cNvPr id="13" name="テキスト ボックス 12">
+                <a:extLst>
+                  <a:ext uri="{FF2B5EF4-FFF2-40B4-BE49-F238E27FC236}">
+                    <a16:creationId xmlns:a16="http://schemas.microsoft.com/office/drawing/2014/main" id="{7C97905A-7631-BA67-3A1D-A1D6925CCE24}"/>
+                  </a:ext>
+                </a:extLst>
+              </p:cNvPr>
+              <p:cNvSpPr txBox="1"/>
+              <p:nvPr/>
+            </p:nvSpPr>
+            <p:spPr>
+              <a:xfrm>
+                <a:off x="60374" y="5202004"/>
+                <a:ext cx="5945281" cy="792396"/>
+              </a:xfrm>
+              <a:prstGeom prst="rect">
+                <a:avLst/>
+              </a:prstGeom>
+              <a:noFill/>
+            </p:spPr>
+            <p:txBody>
+              <a:bodyPr wrap="none" rtlCol="0">
+                <a:spAutoFit/>
+              </a:bodyPr>
+              <a:lstStyle/>
+              <a:p>
+                <a:pPr algn="l"/>
+                <a14:m>
+                  <m:oMathPara xmlns:m="http://schemas.openxmlformats.org/officeDocument/2006/math">
+                    <m:oMathParaPr>
+                      <m:jc m:val="centerGroup"/>
+                    </m:oMathParaPr>
+                    <m:oMath xmlns:m="http://schemas.openxmlformats.org/officeDocument/2006/math">
+                      <m:r>
+                        <a:rPr kumimoji="1" lang="en-US" altLang="ja-JP" sz="2400" b="0" i="1" smtClean="0">
+                          <a:latin typeface="Cambria Math" panose="02040503050406030204" pitchFamily="18" charset="0"/>
+                          <a:ea typeface="メイリオ" panose="020B0604030504040204" pitchFamily="50" charset="-128"/>
+                        </a:rPr>
+                        <m:t>𝑝</m:t>
+                      </m:r>
+                      <m:d>
+                        <m:dPr>
+                          <m:ctrlPr>
+                            <a:rPr kumimoji="1" lang="en-US" altLang="ja-JP" sz="2400" b="0" i="1" smtClean="0">
+                              <a:latin typeface="Cambria Math" panose="02040503050406030204" pitchFamily="18" charset="0"/>
+                              <a:ea typeface="メイリオ" panose="020B0604030504040204" pitchFamily="50" charset="-128"/>
+                            </a:rPr>
+                          </m:ctrlPr>
+                        </m:dPr>
+                        <m:e>
+                          <m:r>
+                            <a:rPr kumimoji="1" lang="en-US" altLang="ja-JP" sz="2400" b="0" i="1" smtClean="0">
+                              <a:latin typeface="Cambria Math" panose="02040503050406030204" pitchFamily="18" charset="0"/>
+                              <a:ea typeface="メイリオ" panose="020B0604030504040204" pitchFamily="50" charset="-128"/>
+                            </a:rPr>
+                            <m:t>𝑥</m:t>
+                          </m:r>
+                          <m:r>
+                            <a:rPr kumimoji="1" lang="en-US" altLang="ja-JP" sz="2400" b="0" i="1" smtClean="0">
+                              <a:latin typeface="Cambria Math" panose="02040503050406030204" pitchFamily="18" charset="0"/>
+                              <a:ea typeface="メイリオ" panose="020B0604030504040204" pitchFamily="50" charset="-128"/>
+                            </a:rPr>
+                            <m:t>=</m:t>
+                          </m:r>
+                          <m:r>
+                            <a:rPr kumimoji="1" lang="ja-JP" altLang="en-US" sz="2400" i="1">
+                              <a:latin typeface="Cambria Math" panose="02040503050406030204" pitchFamily="18" charset="0"/>
+                              <a:ea typeface="メイリオ" panose="020B0604030504040204" pitchFamily="50" charset="-128"/>
+                            </a:rPr>
+                            <m:t>生地</m:t>
+                          </m:r>
+                        </m:e>
+                        <m:e>
+                          <m:r>
+                            <a:rPr kumimoji="1" lang="en-US" altLang="ja-JP" sz="2400" b="0" i="1" smtClean="0">
+                              <a:latin typeface="Cambria Math" panose="02040503050406030204" pitchFamily="18" charset="0"/>
+                              <a:ea typeface="メイリオ" panose="020B0604030504040204" pitchFamily="50" charset="-128"/>
+                            </a:rPr>
+                            <m:t>𝐶</m:t>
+                          </m:r>
+                          <m:r>
+                            <a:rPr kumimoji="1" lang="en-US" altLang="ja-JP" sz="2400" b="0" i="1" smtClean="0">
+                              <a:latin typeface="Cambria Math" panose="02040503050406030204" pitchFamily="18" charset="0"/>
+                              <a:ea typeface="メイリオ" panose="020B0604030504040204" pitchFamily="50" charset="-128"/>
+                            </a:rPr>
+                            <m:t>=</m:t>
+                          </m:r>
+                          <m:r>
+                            <a:rPr kumimoji="1" lang="ja-JP" altLang="en-US" sz="2400" i="1">
+                              <a:latin typeface="Cambria Math" panose="02040503050406030204" pitchFamily="18" charset="0"/>
+                              <a:ea typeface="メイリオ" panose="020B0604030504040204" pitchFamily="50" charset="-128"/>
+                            </a:rPr>
+                            <m:t>シュー</m:t>
+                          </m:r>
+                        </m:e>
+                      </m:d>
+                      <m:r>
+                        <a:rPr kumimoji="1" lang="en-US" altLang="ja-JP" sz="2400" b="0" i="1" smtClean="0">
+                          <a:latin typeface="Cambria Math" panose="02040503050406030204" pitchFamily="18" charset="0"/>
+                          <a:ea typeface="メイリオ" panose="020B0604030504040204" pitchFamily="50" charset="-128"/>
+                        </a:rPr>
+                        <m:t>=</m:t>
+                      </m:r>
+                      <m:f>
+                        <m:fPr>
+                          <m:ctrlPr>
+                            <a:rPr kumimoji="1" lang="en-US" altLang="ja-JP" sz="2400" b="0" i="1" smtClean="0">
+                              <a:latin typeface="Cambria Math" panose="02040503050406030204" pitchFamily="18" charset="0"/>
+                              <a:ea typeface="メイリオ" panose="020B0604030504040204" pitchFamily="50" charset="-128"/>
+                            </a:rPr>
+                          </m:ctrlPr>
+                        </m:fPr>
+                        <m:num>
+                          <m:r>
+                            <a:rPr kumimoji="1" lang="en-US" altLang="ja-JP" sz="2400" b="0" i="1" smtClean="0">
+                              <a:latin typeface="Cambria Math" panose="02040503050406030204" pitchFamily="18" charset="0"/>
+                              <a:ea typeface="メイリオ" panose="020B0604030504040204" pitchFamily="50" charset="-128"/>
+                            </a:rPr>
+                            <m:t>10</m:t>
+                          </m:r>
+                          <m:r>
+                            <a:rPr kumimoji="1" lang="en-US" altLang="ja-JP" sz="2400" b="0" i="1" smtClean="0">
+                              <a:latin typeface="Cambria Math" panose="02040503050406030204" pitchFamily="18" charset="0"/>
+                              <a:ea typeface="メイリオ" panose="020B0604030504040204" pitchFamily="50" charset="-128"/>
+                            </a:rPr>
+                            <m:t>+</m:t>
+                          </m:r>
+                          <m:r>
+                            <a:rPr kumimoji="1" lang="en-US" altLang="ja-JP" sz="2400" b="0" i="1" smtClean="0">
+                              <a:latin typeface="Cambria Math" panose="02040503050406030204" pitchFamily="18" charset="0"/>
+                              <a:ea typeface="メイリオ" panose="020B0604030504040204" pitchFamily="50" charset="-128"/>
+                            </a:rPr>
+                            <m:t>1</m:t>
+                          </m:r>
+                        </m:num>
+                        <m:den>
+                          <m:r>
+                            <a:rPr kumimoji="1" lang="en-US" altLang="ja-JP" sz="2400" b="0" i="1" smtClean="0">
+                              <a:latin typeface="Cambria Math" panose="02040503050406030204" pitchFamily="18" charset="0"/>
+                              <a:ea typeface="メイリオ" panose="020B0604030504040204" pitchFamily="50" charset="-128"/>
+                            </a:rPr>
+                            <m:t>34</m:t>
+                          </m:r>
+                          <m:r>
+                            <a:rPr kumimoji="1" lang="en-US" altLang="ja-JP" sz="2400" b="0" i="1" smtClean="0">
+                              <a:latin typeface="Cambria Math" panose="02040503050406030204" pitchFamily="18" charset="0"/>
+                              <a:ea typeface="メイリオ" panose="020B0604030504040204" pitchFamily="50" charset="-128"/>
+                            </a:rPr>
+                            <m:t>+</m:t>
+                          </m:r>
+                          <m:r>
+                            <a:rPr kumimoji="1" lang="en-US" altLang="ja-JP" sz="2400" b="0" i="1" smtClean="0">
+                              <a:latin typeface="Cambria Math" panose="02040503050406030204" pitchFamily="18" charset="0"/>
+                              <a:ea typeface="メイリオ" panose="020B0604030504040204" pitchFamily="50" charset="-128"/>
+                            </a:rPr>
+                            <m:t>60</m:t>
+                          </m:r>
+                        </m:den>
+                      </m:f>
+                      <m:r>
+                        <a:rPr kumimoji="1" lang="en-US" altLang="ja-JP" sz="2400" b="0" i="1" smtClean="0">
+                          <a:latin typeface="Cambria Math" panose="02040503050406030204" pitchFamily="18" charset="0"/>
+                          <a:ea typeface="メイリオ" panose="020B0604030504040204" pitchFamily="50" charset="-128"/>
+                        </a:rPr>
+                        <m:t>=</m:t>
+                      </m:r>
+                      <m:r>
+                        <a:rPr kumimoji="1" lang="en-US" altLang="ja-JP" sz="2400" b="0" i="1" smtClean="0">
+                          <a:latin typeface="Cambria Math" panose="02040503050406030204" pitchFamily="18" charset="0"/>
+                          <a:ea typeface="メイリオ" panose="020B0604030504040204" pitchFamily="50" charset="-128"/>
+                        </a:rPr>
+                        <m:t>0</m:t>
+                      </m:r>
+                      <m:r>
+                        <a:rPr kumimoji="1" lang="en-US" altLang="ja-JP" sz="2400" b="0" i="1" smtClean="0">
+                          <a:latin typeface="Cambria Math" panose="02040503050406030204" pitchFamily="18" charset="0"/>
+                          <a:ea typeface="メイリオ" panose="020B0604030504040204" pitchFamily="50" charset="-128"/>
+                        </a:rPr>
+                        <m:t>.</m:t>
+                      </m:r>
+                      <m:r>
+                        <a:rPr kumimoji="1" lang="en-US" altLang="ja-JP" sz="2400" b="0" i="1" smtClean="0">
+                          <a:latin typeface="Cambria Math" panose="02040503050406030204" pitchFamily="18" charset="0"/>
+                          <a:ea typeface="メイリオ" panose="020B0604030504040204" pitchFamily="50" charset="-128"/>
+                        </a:rPr>
+                        <m:t>12</m:t>
+                      </m:r>
+                    </m:oMath>
+                  </m:oMathPara>
+                </a14:m>
+                <a:endParaRPr kumimoji="1" lang="ja-JP" altLang="en-US" sz="2400" dirty="0">
+                  <a:latin typeface="メイリオ" panose="020B0604030504040204" pitchFamily="50" charset="-128"/>
+                  <a:ea typeface="メイリオ" panose="020B0604030504040204" pitchFamily="50" charset="-128"/>
+                </a:endParaRPr>
+              </a:p>
+            </p:txBody>
+          </p:sp>
+        </mc:Choice>
+        <mc:Fallback xmlns="">
+          <p:sp>
+            <p:nvSpPr>
+              <p:cNvPr id="13" name="テキスト ボックス 12">
+                <a:extLst>
+                  <a:ext uri="{FF2B5EF4-FFF2-40B4-BE49-F238E27FC236}">
+                    <a16:creationId xmlns:a16="http://schemas.microsoft.com/office/drawing/2014/main" id="{7C97905A-7631-BA67-3A1D-A1D6925CCE24}"/>
+                  </a:ext>
+                </a:extLst>
+              </p:cNvPr>
+              <p:cNvSpPr txBox="1">
+                <a:spLocks noRot="1" noChangeAspect="1" noMove="1" noResize="1" noEditPoints="1" noAdjustHandles="1" noChangeArrowheads="1" noChangeShapeType="1" noTextEdit="1"/>
+              </p:cNvSpPr>
+              <p:nvPr/>
+            </p:nvSpPr>
+            <p:spPr>
+              <a:xfrm>
+                <a:off x="60374" y="5202004"/>
+                <a:ext cx="5945281" cy="792396"/>
+              </a:xfrm>
+              <a:prstGeom prst="rect">
+                <a:avLst/>
+              </a:prstGeom>
+              <a:blipFill>
+                <a:blip r:embed="rId4"/>
+                <a:stretch>
+                  <a:fillRect/>
+                </a:stretch>
+              </a:blipFill>
+            </p:spPr>
+            <p:txBody>
+              <a:bodyPr/>
+              <a:lstStyle/>
+              <a:p>
+                <a:r>
+                  <a:rPr lang="ja-JP" altLang="en-US">
+                    <a:noFill/>
+                  </a:rPr>
+                  <a:t> </a:t>
+                </a:r>
+              </a:p>
+            </p:txBody>
+          </p:sp>
+        </mc:Fallback>
+      </mc:AlternateContent>
+      <mc:AlternateContent xmlns:mc="http://schemas.openxmlformats.org/markup-compatibility/2006" xmlns:a14="http://schemas.microsoft.com/office/drawing/2010/main">
+        <mc:Choice Requires="a14">
+          <p:sp>
+            <p:nvSpPr>
+              <p:cNvPr id="14" name="テキスト ボックス 13">
+                <a:extLst>
+                  <a:ext uri="{FF2B5EF4-FFF2-40B4-BE49-F238E27FC236}">
+                    <a16:creationId xmlns:a16="http://schemas.microsoft.com/office/drawing/2014/main" id="{C8FC1BF4-1194-14E6-DD10-FB859C67A580}"/>
+                  </a:ext>
+                </a:extLst>
+              </p:cNvPr>
+              <p:cNvSpPr txBox="1"/>
+              <p:nvPr/>
+            </p:nvSpPr>
+            <p:spPr>
+              <a:xfrm>
+                <a:off x="6076775" y="4457509"/>
+                <a:ext cx="4712572" cy="461665"/>
+              </a:xfrm>
+              <a:prstGeom prst="rect">
+                <a:avLst/>
+              </a:prstGeom>
+              <a:noFill/>
+            </p:spPr>
+            <p:txBody>
+              <a:bodyPr wrap="none" rtlCol="0">
+                <a:spAutoFit/>
+              </a:bodyPr>
+              <a:lstStyle/>
+              <a:p>
+                <a:pPr algn="l"/>
+                <a14:m>
+                  <m:oMathPara xmlns:m="http://schemas.openxmlformats.org/officeDocument/2006/math">
+                    <m:oMathParaPr>
+                      <m:jc m:val="centerGroup"/>
+                    </m:oMathParaPr>
+                    <m:oMath xmlns:m="http://schemas.openxmlformats.org/officeDocument/2006/math">
+                      <m:r>
+                        <a:rPr kumimoji="1" lang="en-US" altLang="ja-JP" sz="2400" b="0" i="1" smtClean="0">
+                          <a:latin typeface="Cambria Math" panose="02040503050406030204" pitchFamily="18" charset="0"/>
+                          <a:ea typeface="メイリオ" panose="020B0604030504040204" pitchFamily="50" charset="-128"/>
+                        </a:rPr>
+                        <m:t>𝑝</m:t>
+                      </m:r>
+                      <m:d>
+                        <m:dPr>
+                          <m:ctrlPr>
+                            <a:rPr kumimoji="1" lang="en-US" altLang="ja-JP" sz="2400" b="0" i="1" smtClean="0">
+                              <a:latin typeface="Cambria Math" panose="02040503050406030204" pitchFamily="18" charset="0"/>
+                              <a:ea typeface="メイリオ" panose="020B0604030504040204" pitchFamily="50" charset="-128"/>
+                            </a:rPr>
+                          </m:ctrlPr>
+                        </m:dPr>
+                        <m:e>
+                          <m:r>
+                            <a:rPr kumimoji="1" lang="en-US" altLang="ja-JP" sz="2400" b="0" i="1" smtClean="0">
+                              <a:latin typeface="Cambria Math" panose="02040503050406030204" pitchFamily="18" charset="0"/>
+                              <a:ea typeface="メイリオ" panose="020B0604030504040204" pitchFamily="50" charset="-128"/>
+                            </a:rPr>
+                            <m:t>𝑥</m:t>
+                          </m:r>
+                          <m:r>
+                            <a:rPr kumimoji="1" lang="en-US" altLang="ja-JP" sz="2400" b="0" i="1" smtClean="0">
+                              <a:latin typeface="Cambria Math" panose="02040503050406030204" pitchFamily="18" charset="0"/>
+                              <a:ea typeface="メイリオ" panose="020B0604030504040204" pitchFamily="50" charset="-128"/>
+                            </a:rPr>
+                            <m:t>=</m:t>
+                          </m:r>
+                          <m:r>
+                            <a:rPr kumimoji="1" lang="ja-JP" altLang="en-US" sz="2400" i="1">
+                              <a:latin typeface="Cambria Math" panose="02040503050406030204" pitchFamily="18" charset="0"/>
+                              <a:ea typeface="メイリオ" panose="020B0604030504040204" pitchFamily="50" charset="-128"/>
+                            </a:rPr>
+                            <m:t>カラメル</m:t>
+                          </m:r>
+                        </m:e>
+                        <m:e>
+                          <m:r>
+                            <a:rPr kumimoji="1" lang="en-US" altLang="ja-JP" sz="2400" b="0" i="1" smtClean="0">
+                              <a:latin typeface="Cambria Math" panose="02040503050406030204" pitchFamily="18" charset="0"/>
+                              <a:ea typeface="メイリオ" panose="020B0604030504040204" pitchFamily="50" charset="-128"/>
+                            </a:rPr>
+                            <m:t>𝐶</m:t>
+                          </m:r>
+                          <m:r>
+                            <a:rPr kumimoji="1" lang="en-US" altLang="ja-JP" sz="2400" b="0" i="1" smtClean="0">
+                              <a:latin typeface="Cambria Math" panose="02040503050406030204" pitchFamily="18" charset="0"/>
+                              <a:ea typeface="メイリオ" panose="020B0604030504040204" pitchFamily="50" charset="-128"/>
+                            </a:rPr>
+                            <m:t>=</m:t>
+                          </m:r>
+                          <m:r>
+                            <a:rPr kumimoji="1" lang="ja-JP" altLang="en-US" sz="2400" i="1">
+                              <a:latin typeface="Cambria Math" panose="02040503050406030204" pitchFamily="18" charset="0"/>
+                              <a:ea typeface="メイリオ" panose="020B0604030504040204" pitchFamily="50" charset="-128"/>
+                            </a:rPr>
+                            <m:t>シュー</m:t>
+                          </m:r>
+                        </m:e>
+                      </m:d>
+                      <m:r>
+                        <a:rPr kumimoji="1" lang="en-US" altLang="ja-JP" sz="2400" b="0" i="1" smtClean="0">
+                          <a:latin typeface="Cambria Math" panose="02040503050406030204" pitchFamily="18" charset="0"/>
+                          <a:ea typeface="メイリオ" panose="020B0604030504040204" pitchFamily="50" charset="-128"/>
+                        </a:rPr>
+                        <m:t>=</m:t>
+                      </m:r>
+                      <m:r>
+                        <a:rPr kumimoji="1" lang="en-US" altLang="ja-JP" sz="2400" b="0" i="1" smtClean="0">
+                          <a:latin typeface="Cambria Math" panose="02040503050406030204" pitchFamily="18" charset="0"/>
+                          <a:ea typeface="メイリオ" panose="020B0604030504040204" pitchFamily="50" charset="-128"/>
+                        </a:rPr>
+                        <m:t>0</m:t>
+                      </m:r>
+                    </m:oMath>
+                  </m:oMathPara>
+                </a14:m>
+                <a:endParaRPr kumimoji="1" lang="ja-JP" altLang="en-US" sz="2400" dirty="0">
+                  <a:latin typeface="メイリオ" panose="020B0604030504040204" pitchFamily="50" charset="-128"/>
+                  <a:ea typeface="メイリオ" panose="020B0604030504040204" pitchFamily="50" charset="-128"/>
+                </a:endParaRPr>
+              </a:p>
+            </p:txBody>
+          </p:sp>
+        </mc:Choice>
+        <mc:Fallback xmlns="">
+          <p:sp>
+            <p:nvSpPr>
+              <p:cNvPr id="14" name="テキスト ボックス 13">
+                <a:extLst>
+                  <a:ext uri="{FF2B5EF4-FFF2-40B4-BE49-F238E27FC236}">
+                    <a16:creationId xmlns:a16="http://schemas.microsoft.com/office/drawing/2014/main" id="{C8FC1BF4-1194-14E6-DD10-FB859C67A580}"/>
+                  </a:ext>
+                </a:extLst>
+              </p:cNvPr>
+              <p:cNvSpPr txBox="1">
+                <a:spLocks noRot="1" noChangeAspect="1" noMove="1" noResize="1" noEditPoints="1" noAdjustHandles="1" noChangeArrowheads="1" noChangeShapeType="1" noTextEdit="1"/>
+              </p:cNvSpPr>
+              <p:nvPr/>
+            </p:nvSpPr>
+            <p:spPr>
+              <a:xfrm>
+                <a:off x="6076775" y="4457509"/>
+                <a:ext cx="4712572" cy="461665"/>
+              </a:xfrm>
+              <a:prstGeom prst="rect">
+                <a:avLst/>
+              </a:prstGeom>
+              <a:blipFill>
+                <a:blip r:embed="rId5"/>
+                <a:stretch>
+                  <a:fillRect b="-6579"/>
+                </a:stretch>
+              </a:blipFill>
+            </p:spPr>
+            <p:txBody>
+              <a:bodyPr/>
+              <a:lstStyle/>
+              <a:p>
+                <a:r>
+                  <a:rPr lang="ja-JP" altLang="en-US">
+                    <a:noFill/>
+                  </a:rPr>
+                  <a:t> </a:t>
+                </a:r>
+              </a:p>
+            </p:txBody>
+          </p:sp>
+        </mc:Fallback>
+      </mc:AlternateContent>
+      <mc:AlternateContent xmlns:mc="http://schemas.openxmlformats.org/markup-compatibility/2006" xmlns:a14="http://schemas.microsoft.com/office/drawing/2010/main">
+        <mc:Choice Requires="a14">
+          <p:sp>
+            <p:nvSpPr>
+              <p:cNvPr id="15" name="テキスト ボックス 14">
+                <a:extLst>
+                  <a:ext uri="{FF2B5EF4-FFF2-40B4-BE49-F238E27FC236}">
+                    <a16:creationId xmlns:a16="http://schemas.microsoft.com/office/drawing/2014/main" id="{093464DA-7F49-E94C-C420-49FB226B73EC}"/>
+                  </a:ext>
+                </a:extLst>
+              </p:cNvPr>
+              <p:cNvSpPr txBox="1"/>
+              <p:nvPr/>
+            </p:nvSpPr>
+            <p:spPr>
+              <a:xfrm>
+                <a:off x="6096000" y="5208223"/>
+                <a:ext cx="5854936" cy="786177"/>
+              </a:xfrm>
+              <a:prstGeom prst="rect">
+                <a:avLst/>
+              </a:prstGeom>
+              <a:noFill/>
+            </p:spPr>
+            <p:txBody>
+              <a:bodyPr wrap="none" rtlCol="0">
+                <a:spAutoFit/>
+              </a:bodyPr>
+              <a:lstStyle/>
+              <a:p>
+                <a:pPr algn="l"/>
+                <a14:m>
+                  <m:oMathPara xmlns:m="http://schemas.openxmlformats.org/officeDocument/2006/math">
+                    <m:oMathParaPr>
+                      <m:jc m:val="centerGroup"/>
+                    </m:oMathParaPr>
+                    <m:oMath xmlns:m="http://schemas.openxmlformats.org/officeDocument/2006/math">
+                      <m:r>
+                        <a:rPr kumimoji="1" lang="en-US" altLang="ja-JP" sz="2400" b="0" i="1" smtClean="0">
+                          <a:latin typeface="Cambria Math" panose="02040503050406030204" pitchFamily="18" charset="0"/>
+                          <a:ea typeface="メイリオ" panose="020B0604030504040204" pitchFamily="50" charset="-128"/>
+                        </a:rPr>
+                        <m:t>𝑝</m:t>
+                      </m:r>
+                      <m:d>
+                        <m:dPr>
+                          <m:ctrlPr>
+                            <a:rPr kumimoji="1" lang="en-US" altLang="ja-JP" sz="2400" b="0" i="1" smtClean="0">
+                              <a:latin typeface="Cambria Math" panose="02040503050406030204" pitchFamily="18" charset="0"/>
+                              <a:ea typeface="メイリオ" panose="020B0604030504040204" pitchFamily="50" charset="-128"/>
+                            </a:rPr>
+                          </m:ctrlPr>
+                        </m:dPr>
+                        <m:e>
+                          <m:r>
+                            <a:rPr kumimoji="1" lang="en-US" altLang="ja-JP" sz="2400" b="0" i="1" smtClean="0">
+                              <a:latin typeface="Cambria Math" panose="02040503050406030204" pitchFamily="18" charset="0"/>
+                              <a:ea typeface="メイリオ" panose="020B0604030504040204" pitchFamily="50" charset="-128"/>
+                            </a:rPr>
+                            <m:t>𝑥</m:t>
+                          </m:r>
+                          <m:r>
+                            <a:rPr kumimoji="1" lang="en-US" altLang="ja-JP" sz="2400" b="0" i="1" smtClean="0">
+                              <a:latin typeface="Cambria Math" panose="02040503050406030204" pitchFamily="18" charset="0"/>
+                              <a:ea typeface="メイリオ" panose="020B0604030504040204" pitchFamily="50" charset="-128"/>
+                            </a:rPr>
+                            <m:t>=</m:t>
+                          </m:r>
+                          <m:r>
+                            <a:rPr kumimoji="1" lang="ja-JP" altLang="en-US" sz="2400" i="1">
+                              <a:latin typeface="Cambria Math" panose="02040503050406030204" pitchFamily="18" charset="0"/>
+                              <a:ea typeface="メイリオ" panose="020B0604030504040204" pitchFamily="50" charset="-128"/>
+                            </a:rPr>
+                            <m:t>カラメル</m:t>
+                          </m:r>
+                        </m:e>
+                        <m:e>
+                          <m:r>
+                            <a:rPr kumimoji="1" lang="en-US" altLang="ja-JP" sz="2400" b="0" i="1" smtClean="0">
+                              <a:latin typeface="Cambria Math" panose="02040503050406030204" pitchFamily="18" charset="0"/>
+                              <a:ea typeface="メイリオ" panose="020B0604030504040204" pitchFamily="50" charset="-128"/>
+                            </a:rPr>
+                            <m:t>𝐶</m:t>
+                          </m:r>
+                          <m:r>
+                            <a:rPr kumimoji="1" lang="en-US" altLang="ja-JP" sz="2400" b="0" i="1" smtClean="0">
+                              <a:latin typeface="Cambria Math" panose="02040503050406030204" pitchFamily="18" charset="0"/>
+                              <a:ea typeface="メイリオ" panose="020B0604030504040204" pitchFamily="50" charset="-128"/>
+                            </a:rPr>
+                            <m:t>=</m:t>
+                          </m:r>
+                          <m:r>
+                            <a:rPr kumimoji="1" lang="ja-JP" altLang="en-US" sz="2400" i="1">
+                              <a:latin typeface="Cambria Math" panose="02040503050406030204" pitchFamily="18" charset="0"/>
+                              <a:ea typeface="メイリオ" panose="020B0604030504040204" pitchFamily="50" charset="-128"/>
+                            </a:rPr>
+                            <m:t>シュー</m:t>
+                          </m:r>
+                        </m:e>
+                      </m:d>
+                      <m:r>
+                        <a:rPr kumimoji="1" lang="en-US" altLang="ja-JP" sz="2400" b="0" i="1" smtClean="0">
+                          <a:latin typeface="Cambria Math" panose="02040503050406030204" pitchFamily="18" charset="0"/>
+                          <a:ea typeface="メイリオ" panose="020B0604030504040204" pitchFamily="50" charset="-128"/>
+                        </a:rPr>
+                        <m:t>=</m:t>
+                      </m:r>
+                      <m:f>
+                        <m:fPr>
+                          <m:ctrlPr>
+                            <a:rPr kumimoji="1" lang="en-US" altLang="ja-JP" sz="2400" b="0" i="1" smtClean="0">
+                              <a:latin typeface="Cambria Math" panose="02040503050406030204" pitchFamily="18" charset="0"/>
+                              <a:ea typeface="メイリオ" panose="020B0604030504040204" pitchFamily="50" charset="-128"/>
+                            </a:rPr>
+                          </m:ctrlPr>
+                        </m:fPr>
+                        <m:num>
+                          <m:r>
+                            <a:rPr kumimoji="1" lang="en-US" altLang="ja-JP" sz="2400" b="0" i="1" smtClean="0">
+                              <a:latin typeface="Cambria Math" panose="02040503050406030204" pitchFamily="18" charset="0"/>
+                              <a:ea typeface="メイリオ" panose="020B0604030504040204" pitchFamily="50" charset="-128"/>
+                            </a:rPr>
+                            <m:t>1</m:t>
+                          </m:r>
+                        </m:num>
+                        <m:den>
+                          <m:r>
+                            <a:rPr kumimoji="1" lang="en-US" altLang="ja-JP" sz="2400" b="0" i="1" smtClean="0">
+                              <a:latin typeface="Cambria Math" panose="02040503050406030204" pitchFamily="18" charset="0"/>
+                              <a:ea typeface="メイリオ" panose="020B0604030504040204" pitchFamily="50" charset="-128"/>
+                            </a:rPr>
+                            <m:t>60</m:t>
+                          </m:r>
+                        </m:den>
+                      </m:f>
+                      <m:r>
+                        <a:rPr kumimoji="1" lang="en-US" altLang="ja-JP" sz="2400" b="0" i="1" smtClean="0">
+                          <a:latin typeface="Cambria Math" panose="02040503050406030204" pitchFamily="18" charset="0"/>
+                          <a:ea typeface="メイリオ" panose="020B0604030504040204" pitchFamily="50" charset="-128"/>
+                        </a:rPr>
+                        <m:t>=</m:t>
+                      </m:r>
+                      <m:r>
+                        <a:rPr kumimoji="1" lang="en-US" altLang="ja-JP" sz="2400" b="0" i="1" smtClean="0">
+                          <a:latin typeface="Cambria Math" panose="02040503050406030204" pitchFamily="18" charset="0"/>
+                          <a:ea typeface="メイリオ" panose="020B0604030504040204" pitchFamily="50" charset="-128"/>
+                        </a:rPr>
+                        <m:t>0</m:t>
+                      </m:r>
+                      <m:r>
+                        <a:rPr kumimoji="1" lang="en-US" altLang="ja-JP" sz="2400" b="0" i="1" smtClean="0">
+                          <a:latin typeface="Cambria Math" panose="02040503050406030204" pitchFamily="18" charset="0"/>
+                          <a:ea typeface="メイリオ" panose="020B0604030504040204" pitchFamily="50" charset="-128"/>
+                        </a:rPr>
+                        <m:t>.</m:t>
+                      </m:r>
+                      <m:r>
+                        <a:rPr kumimoji="1" lang="en-US" altLang="ja-JP" sz="2400" b="0" i="1" smtClean="0">
+                          <a:latin typeface="Cambria Math" panose="02040503050406030204" pitchFamily="18" charset="0"/>
+                          <a:ea typeface="メイリオ" panose="020B0604030504040204" pitchFamily="50" charset="-128"/>
+                        </a:rPr>
+                        <m:t>02</m:t>
+                      </m:r>
+                    </m:oMath>
+                  </m:oMathPara>
+                </a14:m>
+                <a:endParaRPr kumimoji="1" lang="ja-JP" altLang="en-US" sz="2400" dirty="0">
+                  <a:latin typeface="メイリオ" panose="020B0604030504040204" pitchFamily="50" charset="-128"/>
+                  <a:ea typeface="メイリオ" panose="020B0604030504040204" pitchFamily="50" charset="-128"/>
+                </a:endParaRPr>
+              </a:p>
+            </p:txBody>
+          </p:sp>
+        </mc:Choice>
+        <mc:Fallback xmlns="">
+          <p:sp>
+            <p:nvSpPr>
+              <p:cNvPr id="15" name="テキスト ボックス 14">
+                <a:extLst>
+                  <a:ext uri="{FF2B5EF4-FFF2-40B4-BE49-F238E27FC236}">
+                    <a16:creationId xmlns:a16="http://schemas.microsoft.com/office/drawing/2014/main" id="{093464DA-7F49-E94C-C420-49FB226B73EC}"/>
+                  </a:ext>
+                </a:extLst>
+              </p:cNvPr>
+              <p:cNvSpPr txBox="1">
+                <a:spLocks noRot="1" noChangeAspect="1" noMove="1" noResize="1" noEditPoints="1" noAdjustHandles="1" noChangeArrowheads="1" noChangeShapeType="1" noTextEdit="1"/>
+              </p:cNvSpPr>
+              <p:nvPr/>
+            </p:nvSpPr>
+            <p:spPr>
+              <a:xfrm>
+                <a:off x="6096000" y="5208223"/>
+                <a:ext cx="5854936" cy="786177"/>
+              </a:xfrm>
+              <a:prstGeom prst="rect">
+                <a:avLst/>
+              </a:prstGeom>
+              <a:blipFill>
+                <a:blip r:embed="rId6"/>
+                <a:stretch>
+                  <a:fillRect/>
+                </a:stretch>
+              </a:blipFill>
+            </p:spPr>
+            <p:txBody>
+              <a:bodyPr/>
+              <a:lstStyle/>
+              <a:p>
+                <a:r>
+                  <a:rPr lang="ja-JP" altLang="en-US">
+                    <a:noFill/>
+                  </a:rPr>
+                  <a:t> </a:t>
+                </a:r>
+              </a:p>
+            </p:txBody>
+          </p:sp>
+        </mc:Fallback>
+      </mc:AlternateContent>
+      <p:sp>
+        <p:nvSpPr>
+          <p:cNvPr id="16" name="四角形: 角を丸くする 15">
+            <a:extLst>
+              <a:ext uri="{FF2B5EF4-FFF2-40B4-BE49-F238E27FC236}">
+                <a16:creationId xmlns:a16="http://schemas.microsoft.com/office/drawing/2014/main" id="{DE2874F4-C193-ECF0-B397-6AA3383C2815}"/>
+              </a:ext>
+            </a:extLst>
+          </p:cNvPr>
+          <p:cNvSpPr/>
+          <p:nvPr/>
+        </p:nvSpPr>
+        <p:spPr>
+          <a:xfrm>
+            <a:off x="5070935" y="1239520"/>
+            <a:ext cx="985520" cy="2879090"/>
+          </a:xfrm>
+          <a:prstGeom prst="roundRect">
+            <a:avLst/>
+          </a:prstGeom>
+          <a:noFill/>
+          <a:ln>
+            <a:solidFill>
+              <a:srgbClr val="FF0000"/>
+            </a:solidFill>
+          </a:ln>
+        </p:spPr>
+        <p:style>
+          <a:lnRef idx="2">
+            <a:schemeClr val="accent1">
+              <a:shade val="15000"/>
+            </a:schemeClr>
+          </a:lnRef>
+          <a:fillRef idx="1">
+            <a:schemeClr val="accent1"/>
+          </a:fillRef>
+          <a:effectRef idx="0">
+            <a:schemeClr val="accent1"/>
+          </a:effectRef>
+          <a:fontRef idx="minor">
+            <a:schemeClr val="lt1"/>
+          </a:fontRef>
+        </p:style>
+        <p:txBody>
+          <a:bodyPr rtlCol="0" anchor="ctr"/>
+          <a:lstStyle/>
+          <a:p>
+            <a:pPr algn="ctr"/>
+            <a:endParaRPr kumimoji="1" lang="ja-JP" altLang="en-US"/>
+          </a:p>
+        </p:txBody>
+      </p:sp>
+      <p:sp>
+        <p:nvSpPr>
+          <p:cNvPr id="17" name="矢印: 下 16">
+            <a:extLst>
+              <a:ext uri="{FF2B5EF4-FFF2-40B4-BE49-F238E27FC236}">
+                <a16:creationId xmlns:a16="http://schemas.microsoft.com/office/drawing/2014/main" id="{A2917CA7-4D7F-CC70-72D2-9CE5484DD86B}"/>
+              </a:ext>
+            </a:extLst>
+          </p:cNvPr>
+          <p:cNvSpPr/>
+          <p:nvPr/>
+        </p:nvSpPr>
+        <p:spPr>
+          <a:xfrm>
+            <a:off x="7799117" y="4968745"/>
+            <a:ext cx="995680" cy="440794"/>
+          </a:xfrm>
+          <a:prstGeom prst="downArrow">
+            <a:avLst/>
+          </a:prstGeom>
+        </p:spPr>
+        <p:style>
+          <a:lnRef idx="2">
+            <a:schemeClr val="accent1">
+              <a:shade val="15000"/>
+            </a:schemeClr>
+          </a:lnRef>
+          <a:fillRef idx="1">
+            <a:schemeClr val="accent1"/>
+          </a:fillRef>
+          <a:effectRef idx="0">
+            <a:schemeClr val="accent1"/>
+          </a:effectRef>
+          <a:fontRef idx="minor">
+            <a:schemeClr val="lt1"/>
+          </a:fontRef>
+        </p:style>
+        <p:txBody>
+          <a:bodyPr rtlCol="0" anchor="ctr"/>
+          <a:lstStyle/>
+          <a:p>
+            <a:pPr algn="ctr"/>
+            <a:endParaRPr kumimoji="1" lang="ja-JP" altLang="en-US"/>
+          </a:p>
+        </p:txBody>
+      </p:sp>
+      <mc:AlternateContent xmlns:mc="http://schemas.openxmlformats.org/markup-compatibility/2006" xmlns:a14="http://schemas.microsoft.com/office/drawing/2010/main">
+        <mc:Choice Requires="a14">
+          <p:sp>
+            <p:nvSpPr>
+              <p:cNvPr id="18" name="テキスト ボックス 17">
+                <a:extLst>
+                  <a:ext uri="{FF2B5EF4-FFF2-40B4-BE49-F238E27FC236}">
+                    <a16:creationId xmlns:a16="http://schemas.microsoft.com/office/drawing/2014/main" id="{5CE40AAB-CD93-F10E-47B4-30BF6A0D6242}"/>
+                  </a:ext>
+                </a:extLst>
+              </p:cNvPr>
+              <p:cNvSpPr txBox="1"/>
+              <p:nvPr/>
+            </p:nvSpPr>
+            <p:spPr>
+              <a:xfrm>
+                <a:off x="1344045" y="6203888"/>
+                <a:ext cx="4982646" cy="509178"/>
+              </a:xfrm>
+              <a:prstGeom prst="rect">
+                <a:avLst/>
+              </a:prstGeom>
+              <a:noFill/>
+            </p:spPr>
+            <p:txBody>
+              <a:bodyPr wrap="none" rtlCol="0">
+                <a:spAutoFit/>
+              </a:bodyPr>
+              <a:lstStyle/>
+              <a:p>
+                <a:pPr algn="l"/>
+                <a14:m>
+                  <m:oMath xmlns:m="http://schemas.openxmlformats.org/officeDocument/2006/math">
+                    <m:r>
+                      <a:rPr kumimoji="1" lang="en-US" altLang="ja-JP" sz="2400" b="0" i="1" smtClean="0">
+                        <a:latin typeface="Cambria Math" panose="02040503050406030204" pitchFamily="18" charset="0"/>
+                        <a:ea typeface="メイリオ" panose="020B0604030504040204" pitchFamily="50" charset="-128"/>
+                      </a:rPr>
+                      <m:t>𝑝</m:t>
+                    </m:r>
+                    <m:d>
+                      <m:dPr>
+                        <m:ctrlPr>
+                          <a:rPr kumimoji="1" lang="en-US" altLang="ja-JP" sz="2400" b="0" i="1" smtClean="0">
+                            <a:latin typeface="Cambria Math" panose="02040503050406030204" pitchFamily="18" charset="0"/>
+                            <a:ea typeface="メイリオ" panose="020B0604030504040204" pitchFamily="50" charset="-128"/>
+                          </a:rPr>
+                        </m:ctrlPr>
+                      </m:dPr>
+                      <m:e>
+                        <m:r>
+                          <a:rPr kumimoji="1" lang="en-US" altLang="ja-JP" sz="2400" b="0" i="1" smtClean="0">
+                            <a:latin typeface="Cambria Math" panose="02040503050406030204" pitchFamily="18" charset="0"/>
+                            <a:ea typeface="メイリオ" panose="020B0604030504040204" pitchFamily="50" charset="-128"/>
+                          </a:rPr>
+                          <m:t>𝑥</m:t>
+                        </m:r>
+                        <m:r>
+                          <a:rPr kumimoji="1" lang="en-US" altLang="ja-JP" sz="2400" b="0" i="1" smtClean="0">
+                            <a:latin typeface="Cambria Math" panose="02040503050406030204" pitchFamily="18" charset="0"/>
+                            <a:ea typeface="メイリオ" panose="020B0604030504040204" pitchFamily="50" charset="-128"/>
+                          </a:rPr>
+                          <m:t>=</m:t>
+                        </m:r>
+                        <m:r>
+                          <a:rPr kumimoji="1" lang="ja-JP" altLang="en-US" sz="2400" i="1">
+                            <a:latin typeface="Cambria Math" panose="02040503050406030204" pitchFamily="18" charset="0"/>
+                            <a:ea typeface="メイリオ" panose="020B0604030504040204" pitchFamily="50" charset="-128"/>
+                          </a:rPr>
+                          <m:t>生地</m:t>
+                        </m:r>
+                      </m:e>
+                      <m:e>
+                        <m:r>
+                          <a:rPr kumimoji="1" lang="en-US" altLang="ja-JP" sz="2400" b="0" i="1" smtClean="0">
+                            <a:latin typeface="Cambria Math" panose="02040503050406030204" pitchFamily="18" charset="0"/>
+                            <a:ea typeface="メイリオ" panose="020B0604030504040204" pitchFamily="50" charset="-128"/>
+                          </a:rPr>
+                          <m:t>𝐶</m:t>
+                        </m:r>
+                        <m:r>
+                          <a:rPr kumimoji="1" lang="en-US" altLang="ja-JP" sz="2400" b="0" i="1" smtClean="0">
+                            <a:latin typeface="Cambria Math" panose="02040503050406030204" pitchFamily="18" charset="0"/>
+                            <a:ea typeface="メイリオ" panose="020B0604030504040204" pitchFamily="50" charset="-128"/>
+                          </a:rPr>
+                          <m:t>=</m:t>
+                        </m:r>
+                        <m:r>
+                          <a:rPr kumimoji="1" lang="ja-JP" altLang="en-US" sz="2400" i="1">
+                            <a:latin typeface="Cambria Math" panose="02040503050406030204" pitchFamily="18" charset="0"/>
+                            <a:ea typeface="メイリオ" panose="020B0604030504040204" pitchFamily="50" charset="-128"/>
+                          </a:rPr>
+                          <m:t>プリン</m:t>
+                        </m:r>
+                      </m:e>
+                    </m:d>
+                  </m:oMath>
+                </a14:m>
+                <a:r>
+                  <a:rPr kumimoji="1" lang="ja-JP" altLang="en-US" sz="2400" dirty="0">
+                    <a:latin typeface="メイリオ" panose="020B0604030504040204" pitchFamily="50" charset="-128"/>
+                    <a:ea typeface="メイリオ" panose="020B0604030504040204" pitchFamily="50" charset="-128"/>
+                  </a:rPr>
+                  <a:t>を計算せよ</a:t>
+                </a:r>
+              </a:p>
+            </p:txBody>
+          </p:sp>
+        </mc:Choice>
+        <mc:Fallback xmlns="">
+          <p:sp>
+            <p:nvSpPr>
+              <p:cNvPr id="18" name="テキスト ボックス 17">
+                <a:extLst>
+                  <a:ext uri="{FF2B5EF4-FFF2-40B4-BE49-F238E27FC236}">
+                    <a16:creationId xmlns:a16="http://schemas.microsoft.com/office/drawing/2014/main" id="{5CE40AAB-CD93-F10E-47B4-30BF6A0D6242}"/>
+                  </a:ext>
+                </a:extLst>
+              </p:cNvPr>
+              <p:cNvSpPr txBox="1">
+                <a:spLocks noRot="1" noChangeAspect="1" noMove="1" noResize="1" noEditPoints="1" noAdjustHandles="1" noChangeArrowheads="1" noChangeShapeType="1" noTextEdit="1"/>
+              </p:cNvSpPr>
+              <p:nvPr/>
+            </p:nvSpPr>
+            <p:spPr>
+              <a:xfrm>
+                <a:off x="1344045" y="6203888"/>
+                <a:ext cx="4982646" cy="509178"/>
+              </a:xfrm>
+              <a:prstGeom prst="rect">
+                <a:avLst/>
+              </a:prstGeom>
+              <a:blipFill>
+                <a:blip r:embed="rId7"/>
+                <a:stretch>
+                  <a:fillRect l="-367" r="-856" b="-28916"/>
+                </a:stretch>
+              </a:blipFill>
+            </p:spPr>
+            <p:txBody>
+              <a:bodyPr/>
+              <a:lstStyle/>
+              <a:p>
+                <a:r>
+                  <a:rPr lang="ja-JP" altLang="en-US">
+                    <a:noFill/>
+                  </a:rPr>
+                  <a:t> </a:t>
+                </a:r>
+              </a:p>
+            </p:txBody>
+          </p:sp>
+        </mc:Fallback>
+      </mc:AlternateContent>
+      <p:sp>
+        <p:nvSpPr>
+          <p:cNvPr id="19" name="テキスト ボックス 18">
+            <a:extLst>
+              <a:ext uri="{FF2B5EF4-FFF2-40B4-BE49-F238E27FC236}">
+                <a16:creationId xmlns:a16="http://schemas.microsoft.com/office/drawing/2014/main" id="{C3DED859-DD34-7DED-4AF6-AB29DF2DAE5B}"/>
+              </a:ext>
+            </a:extLst>
+          </p:cNvPr>
+          <p:cNvSpPr txBox="1"/>
+          <p:nvPr/>
+        </p:nvSpPr>
+        <p:spPr>
+          <a:xfrm>
+            <a:off x="382361" y="6251401"/>
+            <a:ext cx="800219" cy="461665"/>
+          </a:xfrm>
+          <a:prstGeom prst="rect">
+            <a:avLst/>
+          </a:prstGeom>
+          <a:noFill/>
+        </p:spPr>
+        <p:txBody>
+          <a:bodyPr wrap="none" rtlCol="0">
+            <a:spAutoFit/>
+          </a:bodyPr>
+          <a:lstStyle/>
+          <a:p>
+            <a:pPr algn="l"/>
+            <a:r>
+              <a:rPr kumimoji="1" lang="ja-JP" altLang="en-US" sz="2400" dirty="0">
+                <a:latin typeface="メイリオ" panose="020B0604030504040204" pitchFamily="50" charset="-128"/>
+                <a:ea typeface="メイリオ" panose="020B0604030504040204" pitchFamily="50" charset="-128"/>
+              </a:rPr>
+              <a:t>問題</a:t>
+            </a:r>
+          </a:p>
+        </p:txBody>
+      </p:sp>
+    </p:spTree>
+    <p:extLst>
+      <p:ext uri="{BB962C8B-B14F-4D97-AF65-F5344CB8AC3E}">
+        <p14:creationId xmlns:p14="http://schemas.microsoft.com/office/powerpoint/2010/main" val="2035239708"/>
+      </p:ext>
+    </p:extLst>
+  </p:cSld>
+  <p:clrMapOvr>
+    <a:masterClrMapping/>
+  </p:clrMapOvr>
+</p:sld>
+</file>
+
+<file path=ppt/slides/slide11.xml><?xml version="1.0" encoding="utf-8"?>
+<p:sld xmlns:a="http://schemas.openxmlformats.org/drawingml/2006/main" xmlns:r="http://schemas.openxmlformats.org/officeDocument/2006/relationships" xmlns:p="http://schemas.openxmlformats.org/presentationml/2006/main">
+  <p:cSld>
+    <p:spTree>
+      <p:nvGrpSpPr>
+        <p:cNvPr id="1" name=""/>
+        <p:cNvGrpSpPr/>
+        <p:nvPr/>
+      </p:nvGrpSpPr>
+      <p:grpSpPr>
+        <a:xfrm>
+          <a:off x="0" y="0"/>
+          <a:ext cx="0" cy="0"/>
+          <a:chOff x="0" y="0"/>
+          <a:chExt cx="0" cy="0"/>
+        </a:xfrm>
+      </p:grpSpPr>
+      <p:sp>
+        <p:nvSpPr>
+          <p:cNvPr id="2" name="テキスト ボックス 1">
+            <a:extLst>
+              <a:ext uri="{FF2B5EF4-FFF2-40B4-BE49-F238E27FC236}">
                 <a16:creationId xmlns:a16="http://schemas.microsoft.com/office/drawing/2014/main" id="{5900C978-AEA1-F4A7-BC23-A226D8D56E9F}"/>
               </a:ext>
             </a:extLst>
@@ -4009,7 +5509,7 @@
 </p:sld>
 </file>
 
-<file path=ppt/slides/slide11.xml><?xml version="1.0" encoding="utf-8"?>
+<file path=ppt/slides/slide12.xml><?xml version="1.0" encoding="utf-8"?>
 <p:sld xmlns:a="http://schemas.openxmlformats.org/drawingml/2006/main" xmlns:r="http://schemas.openxmlformats.org/officeDocument/2006/relationships" xmlns:p="http://schemas.openxmlformats.org/presentationml/2006/main">
   <p:cSld>
     <p:spTree>
@@ -5324,7 +6824,7 @@
 </p:sld>
 </file>
 
-<file path=ppt/slides/slide12.xml><?xml version="1.0" encoding="utf-8"?>
+<file path=ppt/slides/slide13.xml><?xml version="1.0" encoding="utf-8"?>
 <p:sld xmlns:a="http://schemas.openxmlformats.org/drawingml/2006/main" xmlns:r="http://schemas.openxmlformats.org/officeDocument/2006/relationships" xmlns:p="http://schemas.openxmlformats.org/presentationml/2006/main">
   <p:cSld>
     <p:spTree>
@@ -6873,7 +8373,7 @@
 </p:sld>
 </file>
 
-<file path=ppt/slides/slide13.xml><?xml version="1.0" encoding="utf-8"?>
+<file path=ppt/slides/slide14.xml><?xml version="1.0" encoding="utf-8"?>
 <p:sld xmlns:a="http://schemas.openxmlformats.org/drawingml/2006/main" xmlns:r="http://schemas.openxmlformats.org/officeDocument/2006/relationships" xmlns:p="http://schemas.openxmlformats.org/presentationml/2006/main">
   <p:cSld>
     <p:spTree>
@@ -7666,7 +9166,28 @@
                         <a:latin typeface="Cambria Math" panose="02040503050406030204" pitchFamily="18" charset="0"/>
                         <a:ea typeface="メイリオ" panose="020B0604030504040204" pitchFamily="50" charset="-128"/>
                       </a:rPr>
-                      <m:t>=5/8</m:t>
+                      <m:t>=</m:t>
+                    </m:r>
+                    <m:r>
+                      <a:rPr kumimoji="1" lang="en-US" altLang="ja-JP" sz="2400" b="0" i="1" smtClean="0">
+                        <a:latin typeface="Cambria Math" panose="02040503050406030204" pitchFamily="18" charset="0"/>
+                        <a:ea typeface="メイリオ" panose="020B0604030504040204" pitchFamily="50" charset="-128"/>
+                      </a:rPr>
+                      <m:t>5</m:t>
+                    </m:r>
+                    <m:r>
+                      <a:rPr kumimoji="1" lang="en-US" altLang="ja-JP" sz="2400" b="0" i="1" smtClean="0">
+                        <a:latin typeface="Cambria Math" panose="02040503050406030204" pitchFamily="18" charset="0"/>
+                        <a:ea typeface="メイリオ" panose="020B0604030504040204" pitchFamily="50" charset="-128"/>
+                      </a:rPr>
+                      <m:t>/</m:t>
+                    </m:r>
+                    <m:r>
+                      <a:rPr kumimoji="1" lang="en-US" altLang="ja-JP" sz="2400" b="0" i="1" smtClean="0">
+                        <a:latin typeface="Cambria Math" panose="02040503050406030204" pitchFamily="18" charset="0"/>
+                        <a:ea typeface="メイリオ" panose="020B0604030504040204" pitchFamily="50" charset="-128"/>
+                      </a:rPr>
+                      <m:t>8</m:t>
                     </m:r>
                   </m:oMath>
                 </a14:m>
@@ -7754,7 +9275,28 @@
                         <a:latin typeface="Cambria Math" panose="02040503050406030204" pitchFamily="18" charset="0"/>
                         <a:ea typeface="メイリオ" panose="020B0604030504040204" pitchFamily="50" charset="-128"/>
                       </a:rPr>
-                      <m:t>=3/8</m:t>
+                      <m:t>=</m:t>
+                    </m:r>
+                    <m:r>
+                      <a:rPr kumimoji="1" lang="en-US" altLang="ja-JP" sz="2400" b="0" i="1" smtClean="0">
+                        <a:latin typeface="Cambria Math" panose="02040503050406030204" pitchFamily="18" charset="0"/>
+                        <a:ea typeface="メイリオ" panose="020B0604030504040204" pitchFamily="50" charset="-128"/>
+                      </a:rPr>
+                      <m:t>3</m:t>
+                    </m:r>
+                    <m:r>
+                      <a:rPr kumimoji="1" lang="en-US" altLang="ja-JP" sz="2400" b="0" i="1" smtClean="0">
+                        <a:latin typeface="Cambria Math" panose="02040503050406030204" pitchFamily="18" charset="0"/>
+                        <a:ea typeface="メイリオ" panose="020B0604030504040204" pitchFamily="50" charset="-128"/>
+                      </a:rPr>
+                      <m:t>/</m:t>
+                    </m:r>
+                    <m:r>
+                      <a:rPr kumimoji="1" lang="en-US" altLang="ja-JP" sz="2400" b="0" i="1" smtClean="0">
+                        <a:latin typeface="Cambria Math" panose="02040503050406030204" pitchFamily="18" charset="0"/>
+                        <a:ea typeface="メイリオ" panose="020B0604030504040204" pitchFamily="50" charset="-128"/>
+                      </a:rPr>
+                      <m:t>8</m:t>
                     </m:r>
                   </m:oMath>
                 </a14:m>
@@ -8144,7 +9686,7 @@
 </p:sld>
 </file>
 
-<file path=ppt/slides/slide14.xml><?xml version="1.0" encoding="utf-8"?>
+<file path=ppt/slides/slide15.xml><?xml version="1.0" encoding="utf-8"?>
 <p:sld xmlns:a="http://schemas.openxmlformats.org/drawingml/2006/main" xmlns:r="http://schemas.openxmlformats.org/officeDocument/2006/relationships" xmlns:p="http://schemas.openxmlformats.org/presentationml/2006/main">
   <p:cSld>
     <p:spTree>
@@ -10157,7 +11699,7 @@
 </p:sld>
 </file>
 
-<file path=ppt/slides/slide15.xml><?xml version="1.0" encoding="utf-8"?>
+<file path=ppt/slides/slide16.xml><?xml version="1.0" encoding="utf-8"?>
 <p:sld xmlns:a="http://schemas.openxmlformats.org/drawingml/2006/main" xmlns:r="http://schemas.openxmlformats.org/officeDocument/2006/relationships" xmlns:p="http://schemas.openxmlformats.org/presentationml/2006/main">
   <p:cSld>
     <p:spTree>
@@ -11794,7 +13336,7 @@
 </p:sld>
 </file>
 
-<file path=ppt/slides/slide16.xml><?xml version="1.0" encoding="utf-8"?>
+<file path=ppt/slides/slide17.xml><?xml version="1.0" encoding="utf-8"?>
 <p:sld xmlns:a="http://schemas.openxmlformats.org/drawingml/2006/main" xmlns:r="http://schemas.openxmlformats.org/officeDocument/2006/relationships" xmlns:p="http://schemas.openxmlformats.org/presentationml/2006/main">
   <p:cSld>
     <p:spTree>
@@ -13797,7 +15339,7 @@
 </p:sld>
 </file>
 
-<file path=ppt/slides/slide17.xml><?xml version="1.0" encoding="utf-8"?>
+<file path=ppt/slides/slide18.xml><?xml version="1.0" encoding="utf-8"?>
 <p:sld xmlns:a="http://schemas.openxmlformats.org/drawingml/2006/main" xmlns:r="http://schemas.openxmlformats.org/officeDocument/2006/relationships" xmlns:p="http://schemas.openxmlformats.org/presentationml/2006/main">
   <p:cSld>
     <p:spTree>
@@ -14997,7 +16539,7 @@
 </p:sld>
 </file>
 
-<file path=ppt/slides/slide18.xml><?xml version="1.0" encoding="utf-8"?>
+<file path=ppt/slides/slide19.xml><?xml version="1.0" encoding="utf-8"?>
 <p:sld xmlns:a="http://schemas.openxmlformats.org/drawingml/2006/main" xmlns:r="http://schemas.openxmlformats.org/officeDocument/2006/relationships" xmlns:p="http://schemas.openxmlformats.org/presentationml/2006/main">
   <p:cSld>
     <p:spTree>
@@ -16565,2325 +18107,6 @@
     <p:extLst>
       <p:ext uri="{BB962C8B-B14F-4D97-AF65-F5344CB8AC3E}">
         <p14:creationId xmlns:p14="http://schemas.microsoft.com/office/powerpoint/2010/main" val="913444291"/>
-      </p:ext>
-    </p:extLst>
-  </p:cSld>
-  <p:clrMapOvr>
-    <a:masterClrMapping/>
-  </p:clrMapOvr>
-</p:sld>
-</file>
-
-<file path=ppt/slides/slide19.xml><?xml version="1.0" encoding="utf-8"?>
-<p:sld xmlns:a="http://schemas.openxmlformats.org/drawingml/2006/main" xmlns:r="http://schemas.openxmlformats.org/officeDocument/2006/relationships" xmlns:p="http://schemas.openxmlformats.org/presentationml/2006/main">
-  <p:cSld>
-    <p:spTree>
-      <p:nvGrpSpPr>
-        <p:cNvPr id="1" name=""/>
-        <p:cNvGrpSpPr/>
-        <p:nvPr/>
-      </p:nvGrpSpPr>
-      <p:grpSpPr>
-        <a:xfrm>
-          <a:off x="0" y="0"/>
-          <a:ext cx="0" cy="0"/>
-          <a:chOff x="0" y="0"/>
-          <a:chExt cx="0" cy="0"/>
-        </a:xfrm>
-      </p:grpSpPr>
-      <p:sp>
-        <p:nvSpPr>
-          <p:cNvPr id="2" name="テキスト ボックス 1">
-            <a:extLst>
-              <a:ext uri="{FF2B5EF4-FFF2-40B4-BE49-F238E27FC236}">
-                <a16:creationId xmlns:a16="http://schemas.microsoft.com/office/drawing/2014/main" id="{45DA4EA9-DA1D-3AB6-FD0A-E2E96143190F}"/>
-              </a:ext>
-            </a:extLst>
-          </p:cNvPr>
-          <p:cNvSpPr txBox="1"/>
-          <p:nvPr/>
-        </p:nvSpPr>
-        <p:spPr>
-          <a:xfrm>
-            <a:off x="719216" y="2589162"/>
-            <a:ext cx="1561646" cy="461665"/>
-          </a:xfrm>
-          <a:prstGeom prst="rect">
-            <a:avLst/>
-          </a:prstGeom>
-          <a:noFill/>
-        </p:spPr>
-        <p:txBody>
-          <a:bodyPr wrap="none" rtlCol="0">
-            <a:spAutoFit/>
-          </a:bodyPr>
-          <a:lstStyle/>
-          <a:p>
-            <a:pPr algn="l"/>
-            <a:r>
-              <a:rPr kumimoji="1" lang="en-US" altLang="ja-JP" sz="2400" dirty="0">
-                <a:latin typeface="メイリオ" panose="020B0604030504040204" pitchFamily="50" charset="-128"/>
-                <a:ea typeface="メイリオ" panose="020B0604030504040204" pitchFamily="50" charset="-128"/>
-              </a:rPr>
-              <a:t>C=</a:t>
-            </a:r>
-            <a:r>
-              <a:rPr kumimoji="1" lang="ja-JP" altLang="en-US" sz="2400" dirty="0">
-                <a:latin typeface="メイリオ" panose="020B0604030504040204" pitchFamily="50" charset="-128"/>
-                <a:ea typeface="メイリオ" panose="020B0604030504040204" pitchFamily="50" charset="-128"/>
-              </a:rPr>
-              <a:t>シュー</a:t>
-            </a:r>
-          </a:p>
-        </p:txBody>
-      </p:sp>
-      <mc:AlternateContent xmlns:mc="http://schemas.openxmlformats.org/markup-compatibility/2006" xmlns:a14="http://schemas.microsoft.com/office/drawing/2010/main">
-        <mc:Choice Requires="a14">
-          <p:sp>
-            <p:nvSpPr>
-              <p:cNvPr id="3" name="テキスト ボックス 2">
-                <a:extLst>
-                  <a:ext uri="{FF2B5EF4-FFF2-40B4-BE49-F238E27FC236}">
-                    <a16:creationId xmlns:a16="http://schemas.microsoft.com/office/drawing/2014/main" id="{C85B774D-99AE-A6E7-15B9-100D0D8F87BC}"/>
-                  </a:ext>
-                </a:extLst>
-              </p:cNvPr>
-              <p:cNvSpPr txBox="1"/>
-              <p:nvPr/>
-            </p:nvSpPr>
-            <p:spPr>
-              <a:xfrm>
-                <a:off x="2202023" y="2390535"/>
-                <a:ext cx="7688425" cy="701346"/>
-              </a:xfrm>
-              <a:prstGeom prst="rect">
-                <a:avLst/>
-              </a:prstGeom>
-              <a:noFill/>
-            </p:spPr>
-            <p:txBody>
-              <a:bodyPr wrap="square" lIns="0" tIns="0" rIns="0" bIns="0" rtlCol="0">
-                <a:spAutoFit/>
-              </a:bodyPr>
-              <a:lstStyle/>
-              <a:p>
-                <a:pPr/>
-                <a14:m>
-                  <m:oMathPara xmlns:m="http://schemas.openxmlformats.org/officeDocument/2006/math">
-                    <m:oMathParaPr>
-                      <m:jc m:val="centerGroup"/>
-                    </m:oMathParaPr>
-                    <m:oMath xmlns:m="http://schemas.openxmlformats.org/officeDocument/2006/math">
-                      <m:func>
-                        <m:funcPr>
-                          <m:ctrlPr>
-                            <a:rPr kumimoji="1" lang="en-US" altLang="ja-JP" sz="2400" b="0" i="1" smtClean="0">
-                              <a:latin typeface="Cambria Math" panose="02040503050406030204" pitchFamily="18" charset="0"/>
-                              <a:ea typeface="Cambria Math" panose="02040503050406030204" pitchFamily="18" charset="0"/>
-                            </a:rPr>
-                          </m:ctrlPr>
-                        </m:funcPr>
-                        <m:fName>
-                          <m:r>
-                            <m:rPr>
-                              <m:sty m:val="p"/>
-                            </m:rPr>
-                            <a:rPr kumimoji="1" lang="en-US" altLang="ja-JP" sz="2400" b="0" i="0" smtClean="0">
-                              <a:latin typeface="Cambria Math" panose="02040503050406030204" pitchFamily="18" charset="0"/>
-                              <a:ea typeface="Cambria Math" panose="02040503050406030204" pitchFamily="18" charset="0"/>
-                            </a:rPr>
-                            <m:t>log</m:t>
-                          </m:r>
-                        </m:fName>
-                        <m:e>
-                          <m:r>
-                            <a:rPr kumimoji="1" lang="en-US" altLang="ja-JP" sz="2400" i="1">
-                              <a:latin typeface="Cambria Math" panose="02040503050406030204" pitchFamily="18" charset="0"/>
-                              <a:ea typeface="Cambria Math" panose="02040503050406030204" pitchFamily="18" charset="0"/>
-                            </a:rPr>
-                            <m:t>0</m:t>
-                          </m:r>
-                          <m:r>
-                            <a:rPr kumimoji="1" lang="en-US" altLang="ja-JP" sz="2400" i="1">
-                              <a:latin typeface="Cambria Math" panose="02040503050406030204" pitchFamily="18" charset="0"/>
-                              <a:ea typeface="Cambria Math" panose="02040503050406030204" pitchFamily="18" charset="0"/>
-                            </a:rPr>
-                            <m:t>.</m:t>
-                          </m:r>
-                          <m:r>
-                            <a:rPr kumimoji="1" lang="en-US" altLang="ja-JP" sz="2400" i="1">
-                              <a:latin typeface="Cambria Math" panose="02040503050406030204" pitchFamily="18" charset="0"/>
-                              <a:ea typeface="Cambria Math" panose="02040503050406030204" pitchFamily="18" charset="0"/>
-                            </a:rPr>
-                            <m:t>01</m:t>
-                          </m:r>
-                        </m:e>
-                      </m:func>
-                      <m:r>
-                        <a:rPr kumimoji="1" lang="en-US" altLang="ja-JP" sz="2400" b="0" i="1" smtClean="0">
-                          <a:latin typeface="Cambria Math" panose="02040503050406030204" pitchFamily="18" charset="0"/>
-                          <a:ea typeface="Cambria Math" panose="02040503050406030204" pitchFamily="18" charset="0"/>
-                        </a:rPr>
-                        <m:t>+</m:t>
-                      </m:r>
-                      <m:func>
-                        <m:funcPr>
-                          <m:ctrlPr>
-                            <a:rPr kumimoji="1" lang="en-US" altLang="ja-JP" sz="2400" b="0" i="1" smtClean="0">
-                              <a:latin typeface="Cambria Math" panose="02040503050406030204" pitchFamily="18" charset="0"/>
-                              <a:ea typeface="Cambria Math" panose="02040503050406030204" pitchFamily="18" charset="0"/>
-                            </a:rPr>
-                          </m:ctrlPr>
-                        </m:funcPr>
-                        <m:fName>
-                          <m:r>
-                            <m:rPr>
-                              <m:sty m:val="p"/>
-                            </m:rPr>
-                            <a:rPr kumimoji="1" lang="en-US" altLang="ja-JP" sz="2400" b="0" i="0" smtClean="0">
-                              <a:latin typeface="Cambria Math" panose="02040503050406030204" pitchFamily="18" charset="0"/>
-                              <a:ea typeface="Cambria Math" panose="02040503050406030204" pitchFamily="18" charset="0"/>
-                            </a:rPr>
-                            <m:t>log</m:t>
-                          </m:r>
-                        </m:fName>
-                        <m:e>
-                          <m:r>
-                            <a:rPr kumimoji="1" lang="en-US" altLang="ja-JP" sz="2400" i="1">
-                              <a:latin typeface="Cambria Math" panose="02040503050406030204" pitchFamily="18" charset="0"/>
-                              <a:ea typeface="Cambria Math" panose="02040503050406030204" pitchFamily="18" charset="0"/>
-                            </a:rPr>
-                            <m:t>0</m:t>
-                          </m:r>
-                          <m:r>
-                            <a:rPr kumimoji="1" lang="en-US" altLang="ja-JP" sz="2400" i="1">
-                              <a:latin typeface="Cambria Math" panose="02040503050406030204" pitchFamily="18" charset="0"/>
-                              <a:ea typeface="Cambria Math" panose="02040503050406030204" pitchFamily="18" charset="0"/>
-                            </a:rPr>
-                            <m:t>.</m:t>
-                          </m:r>
-                          <m:r>
-                            <a:rPr kumimoji="1" lang="en-US" altLang="ja-JP" sz="2400" i="1">
-                              <a:latin typeface="Cambria Math" panose="02040503050406030204" pitchFamily="18" charset="0"/>
-                              <a:ea typeface="Cambria Math" panose="02040503050406030204" pitchFamily="18" charset="0"/>
-                            </a:rPr>
-                            <m:t>01</m:t>
-                          </m:r>
-                        </m:e>
-                      </m:func>
-                      <m:r>
-                        <a:rPr kumimoji="1" lang="en-US" altLang="ja-JP" sz="2400" b="0" i="1" smtClean="0">
-                          <a:latin typeface="Cambria Math" panose="02040503050406030204" pitchFamily="18" charset="0"/>
-                          <a:ea typeface="Cambria Math" panose="02040503050406030204" pitchFamily="18" charset="0"/>
-                        </a:rPr>
-                        <m:t>+</m:t>
-                      </m:r>
-                      <m:func>
-                        <m:funcPr>
-                          <m:ctrlPr>
-                            <a:rPr kumimoji="1" lang="en-US" altLang="ja-JP" sz="2400" b="0" i="1" smtClean="0">
-                              <a:latin typeface="Cambria Math" panose="02040503050406030204" pitchFamily="18" charset="0"/>
-                              <a:ea typeface="Cambria Math" panose="02040503050406030204" pitchFamily="18" charset="0"/>
-                            </a:rPr>
-                          </m:ctrlPr>
-                        </m:funcPr>
-                        <m:fName>
-                          <m:r>
-                            <m:rPr>
-                              <m:sty m:val="p"/>
-                            </m:rPr>
-                            <a:rPr kumimoji="1" lang="en-US" altLang="ja-JP" sz="2400" b="0" i="0" smtClean="0">
-                              <a:latin typeface="Cambria Math" panose="02040503050406030204" pitchFamily="18" charset="0"/>
-                              <a:ea typeface="Cambria Math" panose="02040503050406030204" pitchFamily="18" charset="0"/>
-                            </a:rPr>
-                            <m:t>log</m:t>
-                          </m:r>
-                        </m:fName>
-                        <m:e>
-                          <m:r>
-                            <a:rPr kumimoji="1" lang="en-US" altLang="ja-JP" sz="2400" b="0" i="1" smtClean="0">
-                              <a:latin typeface="Cambria Math" panose="02040503050406030204" pitchFamily="18" charset="0"/>
-                              <a:ea typeface="Cambria Math" panose="02040503050406030204" pitchFamily="18" charset="0"/>
-                            </a:rPr>
-                            <m:t>0</m:t>
-                          </m:r>
-                          <m:r>
-                            <a:rPr kumimoji="1" lang="en-US" altLang="ja-JP" sz="2400" b="0" i="1" smtClean="0">
-                              <a:latin typeface="Cambria Math" panose="02040503050406030204" pitchFamily="18" charset="0"/>
-                              <a:ea typeface="Cambria Math" panose="02040503050406030204" pitchFamily="18" charset="0"/>
-                            </a:rPr>
-                            <m:t>.</m:t>
-                          </m:r>
-                          <m:r>
-                            <a:rPr kumimoji="1" lang="en-US" altLang="ja-JP" sz="2400" b="0" i="1" smtClean="0">
-                              <a:latin typeface="Cambria Math" panose="02040503050406030204" pitchFamily="18" charset="0"/>
-                              <a:ea typeface="Cambria Math" panose="02040503050406030204" pitchFamily="18" charset="0"/>
-                            </a:rPr>
-                            <m:t>06</m:t>
-                          </m:r>
-                        </m:e>
-                      </m:func>
-                      <m:r>
-                        <a:rPr kumimoji="1" lang="en-US" altLang="ja-JP" sz="2400" b="0" i="1" smtClean="0">
-                          <a:latin typeface="Cambria Math" panose="02040503050406030204" pitchFamily="18" charset="0"/>
-                          <a:ea typeface="Cambria Math" panose="02040503050406030204" pitchFamily="18" charset="0"/>
-                        </a:rPr>
-                        <m:t>+</m:t>
-                      </m:r>
-                      <m:func>
-                        <m:funcPr>
-                          <m:ctrlPr>
-                            <a:rPr kumimoji="1" lang="en-US" altLang="ja-JP" sz="2400" b="0" i="1" smtClean="0">
-                              <a:latin typeface="Cambria Math" panose="02040503050406030204" pitchFamily="18" charset="0"/>
-                              <a:ea typeface="Cambria Math" panose="02040503050406030204" pitchFamily="18" charset="0"/>
-                            </a:rPr>
-                          </m:ctrlPr>
-                        </m:funcPr>
-                        <m:fName>
-                          <m:r>
-                            <m:rPr>
-                              <m:sty m:val="p"/>
-                            </m:rPr>
-                            <a:rPr kumimoji="1" lang="en-US" altLang="ja-JP" sz="2400" b="0" i="0" smtClean="0">
-                              <a:latin typeface="Cambria Math" panose="02040503050406030204" pitchFamily="18" charset="0"/>
-                              <a:ea typeface="Cambria Math" panose="02040503050406030204" pitchFamily="18" charset="0"/>
-                            </a:rPr>
-                            <m:t>log</m:t>
-                          </m:r>
-                        </m:fName>
-                        <m:e>
-                          <m:r>
-                            <a:rPr kumimoji="1" lang="en-US" altLang="ja-JP" sz="2400" b="0" i="1" smtClean="0">
-                              <a:latin typeface="Cambria Math" panose="02040503050406030204" pitchFamily="18" charset="0"/>
-                              <a:ea typeface="Cambria Math" panose="02040503050406030204" pitchFamily="18" charset="0"/>
-                            </a:rPr>
-                            <m:t>0</m:t>
-                          </m:r>
-                          <m:r>
-                            <a:rPr kumimoji="1" lang="en-US" altLang="ja-JP" sz="2400" b="0" i="1" smtClean="0">
-                              <a:latin typeface="Cambria Math" panose="02040503050406030204" pitchFamily="18" charset="0"/>
-                              <a:ea typeface="Cambria Math" panose="02040503050406030204" pitchFamily="18" charset="0"/>
-                            </a:rPr>
-                            <m:t>.</m:t>
-                          </m:r>
-                          <m:r>
-                            <a:rPr kumimoji="1" lang="en-US" altLang="ja-JP" sz="2400" b="0" i="1" smtClean="0">
-                              <a:latin typeface="Cambria Math" panose="02040503050406030204" pitchFamily="18" charset="0"/>
-                              <a:ea typeface="Cambria Math" panose="02040503050406030204" pitchFamily="18" charset="0"/>
-                            </a:rPr>
-                            <m:t>05</m:t>
-                          </m:r>
-                        </m:e>
-                      </m:func>
-                      <m:r>
-                        <a:rPr kumimoji="1" lang="en-US" altLang="ja-JP" sz="2400" b="0" i="1" smtClean="0">
-                          <a:latin typeface="Cambria Math" panose="02040503050406030204" pitchFamily="18" charset="0"/>
-                          <a:ea typeface="Cambria Math" panose="02040503050406030204" pitchFamily="18" charset="0"/>
-                        </a:rPr>
-                        <m:t>+</m:t>
-                      </m:r>
-                      <m:func>
-                        <m:funcPr>
-                          <m:ctrlPr>
-                            <a:rPr kumimoji="1" lang="en-US" altLang="ja-JP" sz="2400" b="0" i="1" smtClean="0">
-                              <a:latin typeface="Cambria Math" panose="02040503050406030204" pitchFamily="18" charset="0"/>
-                              <a:ea typeface="Cambria Math" panose="02040503050406030204" pitchFamily="18" charset="0"/>
-                            </a:rPr>
-                          </m:ctrlPr>
-                        </m:funcPr>
-                        <m:fName>
-                          <m:r>
-                            <m:rPr>
-                              <m:sty m:val="p"/>
-                            </m:rPr>
-                            <a:rPr kumimoji="1" lang="en-US" altLang="ja-JP" sz="2400" b="0" i="0" smtClean="0">
-                              <a:latin typeface="Cambria Math" panose="02040503050406030204" pitchFamily="18" charset="0"/>
-                              <a:ea typeface="Cambria Math" panose="02040503050406030204" pitchFamily="18" charset="0"/>
-                            </a:rPr>
-                            <m:t>log</m:t>
-                          </m:r>
-                        </m:fName>
-                        <m:e>
-                          <m:f>
-                            <m:fPr>
-                              <m:ctrlPr>
-                                <a:rPr kumimoji="1" lang="en-US" altLang="ja-JP" sz="2400" i="1">
-                                  <a:latin typeface="Cambria Math" panose="02040503050406030204" pitchFamily="18" charset="0"/>
-                                  <a:ea typeface="Cambria Math" panose="02040503050406030204" pitchFamily="18" charset="0"/>
-                                </a:rPr>
-                              </m:ctrlPr>
-                            </m:fPr>
-                            <m:num>
-                              <m:r>
-                                <a:rPr kumimoji="1" lang="en-US" altLang="ja-JP" sz="2400" i="1">
-                                  <a:latin typeface="Cambria Math" panose="02040503050406030204" pitchFamily="18" charset="0"/>
-                                  <a:ea typeface="Cambria Math" panose="02040503050406030204" pitchFamily="18" charset="0"/>
-                                </a:rPr>
-                                <m:t>5</m:t>
-                              </m:r>
-                            </m:num>
-                            <m:den>
-                              <m:r>
-                                <a:rPr kumimoji="1" lang="en-US" altLang="ja-JP" sz="2400" i="1">
-                                  <a:latin typeface="Cambria Math" panose="02040503050406030204" pitchFamily="18" charset="0"/>
-                                  <a:ea typeface="Cambria Math" panose="02040503050406030204" pitchFamily="18" charset="0"/>
-                                </a:rPr>
-                                <m:t>8</m:t>
-                              </m:r>
-                            </m:den>
-                          </m:f>
-                        </m:e>
-                      </m:func>
-                      <m:r>
-                        <a:rPr kumimoji="1" lang="ar-AE" altLang="ja-JP" sz="2400" i="1">
-                          <a:latin typeface="Cambria Math" panose="02040503050406030204" pitchFamily="18" charset="0"/>
-                          <a:ea typeface="Cambria Math" panose="02040503050406030204" pitchFamily="18" charset="0"/>
-                        </a:rPr>
-                        <m:t>=</m:t>
-                      </m:r>
-                      <m:r>
-                        <a:rPr kumimoji="1" lang="en-US" altLang="ja-JP" sz="2400" b="0" i="1" smtClean="0">
-                          <a:latin typeface="Cambria Math" panose="02040503050406030204" pitchFamily="18" charset="0"/>
-                          <a:ea typeface="Cambria Math" panose="02040503050406030204" pitchFamily="18" charset="0"/>
-                        </a:rPr>
-                        <m:t>−</m:t>
-                      </m:r>
-                      <m:r>
-                        <a:rPr kumimoji="1" lang="en-US" altLang="ja-JP" sz="2400" b="0" i="1" smtClean="0">
-                          <a:latin typeface="Cambria Math" panose="02040503050406030204" pitchFamily="18" charset="0"/>
-                          <a:ea typeface="Cambria Math" panose="02040503050406030204" pitchFamily="18" charset="0"/>
-                        </a:rPr>
-                        <m:t>15</m:t>
-                      </m:r>
-                      <m:r>
-                        <a:rPr kumimoji="1" lang="en-US" altLang="ja-JP" sz="2400" b="0" i="1" smtClean="0">
-                          <a:latin typeface="Cambria Math" panose="02040503050406030204" pitchFamily="18" charset="0"/>
-                          <a:ea typeface="Cambria Math" panose="02040503050406030204" pitchFamily="18" charset="0"/>
-                        </a:rPr>
-                        <m:t>.</m:t>
-                      </m:r>
-                      <m:r>
-                        <a:rPr kumimoji="1" lang="en-US" altLang="ja-JP" sz="2400" b="0" i="1" smtClean="0">
-                          <a:latin typeface="Cambria Math" panose="02040503050406030204" pitchFamily="18" charset="0"/>
-                          <a:ea typeface="Cambria Math" panose="02040503050406030204" pitchFamily="18" charset="0"/>
-                        </a:rPr>
-                        <m:t>49</m:t>
-                      </m:r>
-                    </m:oMath>
-                  </m:oMathPara>
-                </a14:m>
-                <a:endParaRPr kumimoji="1" lang="ja-JP" altLang="en-US" sz="2400" dirty="0">
-                  <a:latin typeface="メイリオ" panose="020B0604030504040204" pitchFamily="50" charset="-128"/>
-                  <a:ea typeface="メイリオ" panose="020B0604030504040204" pitchFamily="50" charset="-128"/>
-                </a:endParaRPr>
-              </a:p>
-            </p:txBody>
-          </p:sp>
-        </mc:Choice>
-        <mc:Fallback xmlns="">
-          <p:sp>
-            <p:nvSpPr>
-              <p:cNvPr id="3" name="テキスト ボックス 2">
-                <a:extLst>
-                  <a:ext uri="{FF2B5EF4-FFF2-40B4-BE49-F238E27FC236}">
-                    <a16:creationId xmlns:a16="http://schemas.microsoft.com/office/drawing/2014/main" id="{C85B774D-99AE-A6E7-15B9-100D0D8F87BC}"/>
-                  </a:ext>
-                </a:extLst>
-              </p:cNvPr>
-              <p:cNvSpPr txBox="1">
-                <a:spLocks noRot="1" noChangeAspect="1" noMove="1" noResize="1" noEditPoints="1" noAdjustHandles="1" noChangeArrowheads="1" noChangeShapeType="1" noTextEdit="1"/>
-              </p:cNvSpPr>
-              <p:nvPr/>
-            </p:nvSpPr>
-            <p:spPr>
-              <a:xfrm>
-                <a:off x="2202023" y="2390535"/>
-                <a:ext cx="7688425" cy="701346"/>
-              </a:xfrm>
-              <a:prstGeom prst="rect">
-                <a:avLst/>
-              </a:prstGeom>
-              <a:blipFill>
-                <a:blip r:embed="rId2"/>
-                <a:stretch>
-                  <a:fillRect/>
-                </a:stretch>
-              </a:blipFill>
-            </p:spPr>
-            <p:txBody>
-              <a:bodyPr/>
-              <a:lstStyle/>
-              <a:p>
-                <a:r>
-                  <a:rPr lang="ja-JP" altLang="en-US">
-                    <a:noFill/>
-                  </a:rPr>
-                  <a:t> </a:t>
-                </a:r>
-              </a:p>
-            </p:txBody>
-          </p:sp>
-        </mc:Fallback>
-      </mc:AlternateContent>
-      <p:sp>
-        <p:nvSpPr>
-          <p:cNvPr id="4" name="テキスト ボックス 3">
-            <a:extLst>
-              <a:ext uri="{FF2B5EF4-FFF2-40B4-BE49-F238E27FC236}">
-                <a16:creationId xmlns:a16="http://schemas.microsoft.com/office/drawing/2014/main" id="{55FBCABC-3436-0C0E-8D49-7894D4600B5E}"/>
-              </a:ext>
-            </a:extLst>
-          </p:cNvPr>
-          <p:cNvSpPr txBox="1"/>
-          <p:nvPr/>
-        </p:nvSpPr>
-        <p:spPr>
-          <a:xfrm>
-            <a:off x="719216" y="3460295"/>
-            <a:ext cx="1561646" cy="461665"/>
-          </a:xfrm>
-          <a:prstGeom prst="rect">
-            <a:avLst/>
-          </a:prstGeom>
-          <a:noFill/>
-        </p:spPr>
-        <p:txBody>
-          <a:bodyPr wrap="none" rtlCol="0">
-            <a:spAutoFit/>
-          </a:bodyPr>
-          <a:lstStyle/>
-          <a:p>
-            <a:pPr algn="l"/>
-            <a:r>
-              <a:rPr kumimoji="1" lang="en-US" altLang="ja-JP" sz="2400" dirty="0">
-                <a:latin typeface="メイリオ" panose="020B0604030504040204" pitchFamily="50" charset="-128"/>
-                <a:ea typeface="メイリオ" panose="020B0604030504040204" pitchFamily="50" charset="-128"/>
-              </a:rPr>
-              <a:t>C=</a:t>
-            </a:r>
-            <a:r>
-              <a:rPr kumimoji="1" lang="ja-JP" altLang="en-US" sz="2400" dirty="0">
-                <a:latin typeface="メイリオ" panose="020B0604030504040204" pitchFamily="50" charset="-128"/>
-                <a:ea typeface="メイリオ" panose="020B0604030504040204" pitchFamily="50" charset="-128"/>
-              </a:rPr>
-              <a:t>プリン</a:t>
-            </a:r>
-          </a:p>
-        </p:txBody>
-      </p:sp>
-      <mc:AlternateContent xmlns:mc="http://schemas.openxmlformats.org/markup-compatibility/2006" xmlns:a14="http://schemas.microsoft.com/office/drawing/2010/main">
-        <mc:Choice Requires="a14">
-          <p:sp>
-            <p:nvSpPr>
-              <p:cNvPr id="6" name="テキスト ボックス 5">
-                <a:extLst>
-                  <a:ext uri="{FF2B5EF4-FFF2-40B4-BE49-F238E27FC236}">
-                    <a16:creationId xmlns:a16="http://schemas.microsoft.com/office/drawing/2014/main" id="{C9DE3A0C-A77E-A1F6-4C0F-F2BDF2785FCC}"/>
-                  </a:ext>
-                </a:extLst>
-              </p:cNvPr>
-              <p:cNvSpPr txBox="1"/>
-              <p:nvPr/>
-            </p:nvSpPr>
-            <p:spPr>
-              <a:xfrm>
-                <a:off x="676786" y="4602494"/>
-                <a:ext cx="11265841" cy="578685"/>
-              </a:xfrm>
-              <a:prstGeom prst="rect">
-                <a:avLst/>
-              </a:prstGeom>
-              <a:noFill/>
-            </p:spPr>
-            <p:txBody>
-              <a:bodyPr wrap="none" rtlCol="0">
-                <a:spAutoFit/>
-              </a:bodyPr>
-              <a:lstStyle/>
-              <a:p>
-                <a14:m>
-                  <m:oMath xmlns:m="http://schemas.openxmlformats.org/officeDocument/2006/math">
-                    <m:r>
-                      <a:rPr kumimoji="1" lang="en-US" altLang="ja-JP" sz="2800" b="1" i="1" smtClean="0">
-                        <a:latin typeface="Cambria Math" panose="02040503050406030204" pitchFamily="18" charset="0"/>
-                        <a:ea typeface="メイリオ" panose="020B0604030504040204" pitchFamily="50" charset="-128"/>
-                      </a:rPr>
-                      <m:t>𝒍𝒐𝒈</m:t>
-                    </m:r>
-                    <m:r>
-                      <a:rPr kumimoji="1" lang="en-US" altLang="ja-JP" sz="2800" b="1" i="1" smtClean="0">
-                        <a:latin typeface="Cambria Math" panose="02040503050406030204" pitchFamily="18" charset="0"/>
-                        <a:ea typeface="メイリオ" panose="020B0604030504040204" pitchFamily="50" charset="-128"/>
-                      </a:rPr>
-                      <m:t> </m:t>
-                    </m:r>
-                    <m:r>
-                      <a:rPr kumimoji="1" lang="en-US" altLang="ja-JP" sz="2800" b="1" i="1" smtClean="0">
-                        <a:latin typeface="Cambria Math" panose="02040503050406030204" pitchFamily="18" charset="0"/>
-                        <a:ea typeface="メイリオ" panose="020B0604030504040204" pitchFamily="50" charset="-128"/>
-                      </a:rPr>
-                      <m:t>𝒑</m:t>
-                    </m:r>
-                    <m:d>
-                      <m:dPr>
-                        <m:ctrlPr>
-                          <a:rPr kumimoji="1" lang="en-US" altLang="ja-JP" sz="2800" b="1" i="1">
-                            <a:latin typeface="Cambria Math" panose="02040503050406030204" pitchFamily="18" charset="0"/>
-                            <a:ea typeface="メイリオ" panose="020B0604030504040204" pitchFamily="50" charset="-128"/>
-                          </a:rPr>
-                        </m:ctrlPr>
-                      </m:dPr>
-                      <m:e>
-                        <m:r>
-                          <a:rPr kumimoji="1" lang="en-US" altLang="ja-JP" sz="2800" b="1" i="1">
-                            <a:latin typeface="Cambria Math" panose="02040503050406030204" pitchFamily="18" charset="0"/>
-                            <a:ea typeface="メイリオ" panose="020B0604030504040204" pitchFamily="50" charset="-128"/>
-                          </a:rPr>
-                          <m:t>𝒙</m:t>
-                        </m:r>
-                      </m:e>
-                      <m:e>
-                        <m:r>
-                          <a:rPr kumimoji="1" lang="ja-JP" altLang="en-US" sz="2800" b="1" i="1" smtClean="0">
-                            <a:latin typeface="Cambria Math" panose="02040503050406030204" pitchFamily="18" charset="0"/>
-                            <a:ea typeface="メイリオ" panose="020B0604030504040204" pitchFamily="50" charset="-128"/>
-                          </a:rPr>
-                          <m:t>プリン</m:t>
-                        </m:r>
-                      </m:e>
-                    </m:d>
-                    <m:r>
-                      <a:rPr kumimoji="1" lang="en-US" altLang="ja-JP" sz="2800" b="1" i="1" smtClean="0">
-                        <a:latin typeface="Cambria Math" panose="02040503050406030204" pitchFamily="18" charset="0"/>
-                        <a:ea typeface="メイリオ" panose="020B0604030504040204" pitchFamily="50" charset="-128"/>
-                      </a:rPr>
-                      <m:t>+</m:t>
-                    </m:r>
-                    <m:r>
-                      <a:rPr kumimoji="1" lang="en-US" altLang="ja-JP" sz="2800" b="1" i="1" smtClean="0">
-                        <a:latin typeface="Cambria Math" panose="02040503050406030204" pitchFamily="18" charset="0"/>
-                        <a:ea typeface="メイリオ" panose="020B0604030504040204" pitchFamily="50" charset="-128"/>
-                      </a:rPr>
-                      <m:t>𝒍𝒐𝒈</m:t>
-                    </m:r>
-                    <m:r>
-                      <a:rPr kumimoji="1" lang="en-US" altLang="ja-JP" sz="2800" b="1" i="1" smtClean="0">
-                        <a:latin typeface="Cambria Math" panose="02040503050406030204" pitchFamily="18" charset="0"/>
-                        <a:ea typeface="メイリオ" panose="020B0604030504040204" pitchFamily="50" charset="-128"/>
-                      </a:rPr>
-                      <m:t> </m:t>
-                    </m:r>
-                    <m:r>
-                      <a:rPr kumimoji="1" lang="en-US" altLang="ja-JP" sz="2800" b="1" i="1" smtClean="0">
-                        <a:latin typeface="Cambria Math" panose="02040503050406030204" pitchFamily="18" charset="0"/>
-                        <a:ea typeface="メイリオ" panose="020B0604030504040204" pitchFamily="50" charset="-128"/>
-                      </a:rPr>
-                      <m:t>𝒑</m:t>
-                    </m:r>
-                    <m:d>
-                      <m:dPr>
-                        <m:ctrlPr>
-                          <a:rPr kumimoji="1" lang="en-US" altLang="ja-JP" sz="2800" b="1" i="1" smtClean="0">
-                            <a:latin typeface="Cambria Math" panose="02040503050406030204" pitchFamily="18" charset="0"/>
-                            <a:ea typeface="メイリオ" panose="020B0604030504040204" pitchFamily="50" charset="-128"/>
-                          </a:rPr>
-                        </m:ctrlPr>
-                      </m:dPr>
-                      <m:e>
-                        <m:r>
-                          <a:rPr kumimoji="1" lang="ja-JP" altLang="en-US" sz="2800" b="1" i="1">
-                            <a:latin typeface="Cambria Math" panose="02040503050406030204" pitchFamily="18" charset="0"/>
-                            <a:ea typeface="メイリオ" panose="020B0604030504040204" pitchFamily="50" charset="-128"/>
-                          </a:rPr>
-                          <m:t>プリン</m:t>
-                        </m:r>
-                      </m:e>
-                    </m:d>
-                    <m:r>
-                      <a:rPr kumimoji="1" lang="en-US" altLang="ja-JP" sz="2800" b="1" i="1" smtClean="0">
-                        <a:latin typeface="Cambria Math" panose="02040503050406030204" pitchFamily="18" charset="0"/>
-                        <a:ea typeface="メイリオ" panose="020B0604030504040204" pitchFamily="50" charset="-128"/>
-                      </a:rPr>
-                      <m:t>&gt;</m:t>
-                    </m:r>
-                    <m:r>
-                      <a:rPr kumimoji="1" lang="en-US" altLang="ja-JP" sz="2800" b="1" i="1" smtClean="0">
-                        <a:latin typeface="Cambria Math" panose="02040503050406030204" pitchFamily="18" charset="0"/>
-                        <a:ea typeface="メイリオ" panose="020B0604030504040204" pitchFamily="50" charset="-128"/>
-                      </a:rPr>
-                      <m:t>𝒍𝒐𝒈</m:t>
-                    </m:r>
-                    <m:r>
-                      <a:rPr kumimoji="1" lang="en-US" altLang="ja-JP" sz="2800" b="1" i="1" smtClean="0">
-                        <a:latin typeface="Cambria Math" panose="02040503050406030204" pitchFamily="18" charset="0"/>
-                        <a:ea typeface="メイリオ" panose="020B0604030504040204" pitchFamily="50" charset="-128"/>
-                      </a:rPr>
-                      <m:t> </m:t>
-                    </m:r>
-                    <m:r>
-                      <a:rPr kumimoji="1" lang="en-US" altLang="ja-JP" sz="2800" b="1" i="1" smtClean="0">
-                        <a:latin typeface="Cambria Math" panose="02040503050406030204" pitchFamily="18" charset="0"/>
-                        <a:ea typeface="メイリオ" panose="020B0604030504040204" pitchFamily="50" charset="-128"/>
-                      </a:rPr>
-                      <m:t>𝒑</m:t>
-                    </m:r>
-                    <m:d>
-                      <m:dPr>
-                        <m:ctrlPr>
-                          <a:rPr kumimoji="1" lang="en-US" altLang="ja-JP" sz="2800" b="1" i="1" smtClean="0">
-                            <a:latin typeface="Cambria Math" panose="02040503050406030204" pitchFamily="18" charset="0"/>
-                            <a:ea typeface="メイリオ" panose="020B0604030504040204" pitchFamily="50" charset="-128"/>
-                          </a:rPr>
-                        </m:ctrlPr>
-                      </m:dPr>
-                      <m:e>
-                        <m:r>
-                          <a:rPr kumimoji="1" lang="en-US" altLang="ja-JP" sz="2800" b="1" i="1" smtClean="0">
-                            <a:latin typeface="Cambria Math" panose="02040503050406030204" pitchFamily="18" charset="0"/>
-                            <a:ea typeface="メイリオ" panose="020B0604030504040204" pitchFamily="50" charset="-128"/>
-                          </a:rPr>
-                          <m:t>𝒙</m:t>
-                        </m:r>
-                      </m:e>
-                      <m:e>
-                        <m:r>
-                          <a:rPr kumimoji="1" lang="ja-JP" altLang="en-US" sz="2800" b="1" i="1">
-                            <a:latin typeface="Cambria Math" panose="02040503050406030204" pitchFamily="18" charset="0"/>
-                            <a:ea typeface="メイリオ" panose="020B0604030504040204" pitchFamily="50" charset="-128"/>
-                          </a:rPr>
-                          <m:t>シュー</m:t>
-                        </m:r>
-                      </m:e>
-                    </m:d>
-                    <m:r>
-                      <a:rPr kumimoji="1" lang="en-US" altLang="ja-JP" sz="2800" b="1" i="1" smtClean="0">
-                        <a:latin typeface="Cambria Math" panose="02040503050406030204" pitchFamily="18" charset="0"/>
-                        <a:ea typeface="メイリオ" panose="020B0604030504040204" pitchFamily="50" charset="-128"/>
-                      </a:rPr>
-                      <m:t>+</m:t>
-                    </m:r>
-                    <m:r>
-                      <a:rPr kumimoji="1" lang="en-US" altLang="ja-JP" sz="2800" b="1" i="1" smtClean="0">
-                        <a:latin typeface="Cambria Math" panose="02040503050406030204" pitchFamily="18" charset="0"/>
-                        <a:ea typeface="メイリオ" panose="020B0604030504040204" pitchFamily="50" charset="-128"/>
-                      </a:rPr>
-                      <m:t>𝒍𝒐𝒈</m:t>
-                    </m:r>
-                    <m:r>
-                      <a:rPr kumimoji="1" lang="en-US" altLang="ja-JP" sz="2800" b="1" i="1" smtClean="0">
-                        <a:latin typeface="Cambria Math" panose="02040503050406030204" pitchFamily="18" charset="0"/>
-                        <a:ea typeface="メイリオ" panose="020B0604030504040204" pitchFamily="50" charset="-128"/>
-                      </a:rPr>
-                      <m:t> </m:t>
-                    </m:r>
-                    <m:r>
-                      <a:rPr kumimoji="1" lang="en-US" altLang="ja-JP" sz="2800" b="1" i="1" smtClean="0">
-                        <a:latin typeface="Cambria Math" panose="02040503050406030204" pitchFamily="18" charset="0"/>
-                        <a:ea typeface="メイリオ" panose="020B0604030504040204" pitchFamily="50" charset="-128"/>
-                      </a:rPr>
-                      <m:t>𝒑</m:t>
-                    </m:r>
-                    <m:r>
-                      <a:rPr kumimoji="1" lang="en-US" altLang="ja-JP" sz="2800" b="1" i="1" smtClean="0">
-                        <a:latin typeface="Cambria Math" panose="02040503050406030204" pitchFamily="18" charset="0"/>
-                        <a:ea typeface="メイリオ" panose="020B0604030504040204" pitchFamily="50" charset="-128"/>
-                      </a:rPr>
-                      <m:t>(</m:t>
-                    </m:r>
-                    <m:r>
-                      <a:rPr kumimoji="1" lang="ja-JP" altLang="en-US" sz="2800" b="1" i="1">
-                        <a:latin typeface="Cambria Math" panose="02040503050406030204" pitchFamily="18" charset="0"/>
-                        <a:ea typeface="メイリオ" panose="020B0604030504040204" pitchFamily="50" charset="-128"/>
-                      </a:rPr>
-                      <m:t>シュー</m:t>
-                    </m:r>
-                  </m:oMath>
-                </a14:m>
-                <a:r>
-                  <a:rPr kumimoji="1" lang="en-US" altLang="ja-JP" sz="2800" b="1" dirty="0">
-                    <a:latin typeface="メイリオ" panose="020B0604030504040204" pitchFamily="50" charset="-128"/>
-                    <a:ea typeface="メイリオ" panose="020B0604030504040204" pitchFamily="50" charset="-128"/>
-                  </a:rPr>
-                  <a:t>)</a:t>
-                </a:r>
-                <a:endParaRPr kumimoji="1" lang="ja-JP" altLang="en-US" sz="2800" b="1" dirty="0">
-                  <a:latin typeface="メイリオ" panose="020B0604030504040204" pitchFamily="50" charset="-128"/>
-                  <a:ea typeface="メイリオ" panose="020B0604030504040204" pitchFamily="50" charset="-128"/>
-                </a:endParaRPr>
-              </a:p>
-            </p:txBody>
-          </p:sp>
-        </mc:Choice>
-        <mc:Fallback xmlns="">
-          <p:sp>
-            <p:nvSpPr>
-              <p:cNvPr id="6" name="テキスト ボックス 5">
-                <a:extLst>
-                  <a:ext uri="{FF2B5EF4-FFF2-40B4-BE49-F238E27FC236}">
-                    <a16:creationId xmlns:a16="http://schemas.microsoft.com/office/drawing/2014/main" id="{C9DE3A0C-A77E-A1F6-4C0F-F2BDF2785FCC}"/>
-                  </a:ext>
-                </a:extLst>
-              </p:cNvPr>
-              <p:cNvSpPr txBox="1">
-                <a:spLocks noRot="1" noChangeAspect="1" noMove="1" noResize="1" noEditPoints="1" noAdjustHandles="1" noChangeArrowheads="1" noChangeShapeType="1" noTextEdit="1"/>
-              </p:cNvSpPr>
-              <p:nvPr/>
-            </p:nvSpPr>
-            <p:spPr>
-              <a:xfrm>
-                <a:off x="676786" y="4602494"/>
-                <a:ext cx="11265841" cy="578685"/>
-              </a:xfrm>
-              <a:prstGeom prst="rect">
-                <a:avLst/>
-              </a:prstGeom>
-              <a:blipFill>
-                <a:blip r:embed="rId3"/>
-                <a:stretch>
-                  <a:fillRect r="-216" b="-29474"/>
-                </a:stretch>
-              </a:blipFill>
-            </p:spPr>
-            <p:txBody>
-              <a:bodyPr/>
-              <a:lstStyle/>
-              <a:p>
-                <a:r>
-                  <a:rPr lang="ja-JP" altLang="en-US">
-                    <a:noFill/>
-                  </a:rPr>
-                  <a:t> </a:t>
-                </a:r>
-              </a:p>
-            </p:txBody>
-          </p:sp>
-        </mc:Fallback>
-      </mc:AlternateContent>
-      <p:sp>
-        <p:nvSpPr>
-          <p:cNvPr id="9" name="テキスト ボックス 8">
-            <a:extLst>
-              <a:ext uri="{FF2B5EF4-FFF2-40B4-BE49-F238E27FC236}">
-                <a16:creationId xmlns:a16="http://schemas.microsoft.com/office/drawing/2014/main" id="{9A41E5FA-98E4-3A55-624D-3C8FE6E9A36F}"/>
-              </a:ext>
-            </a:extLst>
-          </p:cNvPr>
-          <p:cNvSpPr txBox="1"/>
-          <p:nvPr/>
-        </p:nvSpPr>
-        <p:spPr>
-          <a:xfrm>
-            <a:off x="272137" y="467861"/>
-            <a:ext cx="10443885" cy="584775"/>
-          </a:xfrm>
-          <a:prstGeom prst="rect">
-            <a:avLst/>
-          </a:prstGeom>
-          <a:noFill/>
-        </p:spPr>
-        <p:txBody>
-          <a:bodyPr wrap="none" rtlCol="0">
-            <a:spAutoFit/>
-          </a:bodyPr>
-          <a:lstStyle/>
-          <a:p>
-            <a:pPr algn="l"/>
-            <a:r>
-              <a:rPr kumimoji="1" lang="ja-JP" altLang="en-US" sz="3200" dirty="0">
-                <a:latin typeface="メイリオ" panose="020B0604030504040204" pitchFamily="50" charset="-128"/>
-                <a:ea typeface="メイリオ" panose="020B0604030504040204" pitchFamily="50" charset="-128"/>
-              </a:rPr>
-              <a:t>掛け算を足し算にできればアンダーフローは回避できる</a:t>
-            </a:r>
-          </a:p>
-        </p:txBody>
-      </p:sp>
-      <mc:AlternateContent xmlns:mc="http://schemas.openxmlformats.org/markup-compatibility/2006" xmlns:a14="http://schemas.microsoft.com/office/drawing/2010/main">
-        <mc:Choice Requires="a14">
-          <p:sp>
-            <p:nvSpPr>
-              <p:cNvPr id="10" name="テキスト ボックス 9">
-                <a:extLst>
-                  <a:ext uri="{FF2B5EF4-FFF2-40B4-BE49-F238E27FC236}">
-                    <a16:creationId xmlns:a16="http://schemas.microsoft.com/office/drawing/2014/main" id="{707643ED-D11E-5FB9-A3E2-774065CE34B6}"/>
-                  </a:ext>
-                </a:extLst>
-              </p:cNvPr>
-              <p:cNvSpPr txBox="1"/>
-              <p:nvPr/>
-            </p:nvSpPr>
-            <p:spPr>
-              <a:xfrm>
-                <a:off x="272137" y="1098219"/>
-                <a:ext cx="8787983" cy="461665"/>
-              </a:xfrm>
-              <a:prstGeom prst="rect">
-                <a:avLst/>
-              </a:prstGeom>
-              <a:noFill/>
-            </p:spPr>
-            <p:txBody>
-              <a:bodyPr wrap="none" rtlCol="0">
-                <a:spAutoFit/>
-              </a:bodyPr>
-              <a:lstStyle/>
-              <a:p>
-                <a:pPr/>
-                <a14:m>
-                  <m:oMathPara xmlns:m="http://schemas.openxmlformats.org/officeDocument/2006/math">
-                    <m:oMathParaPr>
-                      <m:jc m:val="centerGroup"/>
-                    </m:oMathParaPr>
-                    <m:oMath xmlns:m="http://schemas.openxmlformats.org/officeDocument/2006/math">
-                      <m:func>
-                        <m:funcPr>
-                          <m:ctrlPr>
-                            <a:rPr kumimoji="1" lang="en-US" altLang="ja-JP" sz="2400" b="0" i="1" smtClean="0">
-                              <a:latin typeface="Cambria Math" panose="02040503050406030204" pitchFamily="18" charset="0"/>
-                              <a:ea typeface="メイリオ" panose="020B0604030504040204" pitchFamily="50" charset="-128"/>
-                            </a:rPr>
-                          </m:ctrlPr>
-                        </m:funcPr>
-                        <m:fName>
-                          <m:r>
-                            <m:rPr>
-                              <m:sty m:val="p"/>
-                            </m:rPr>
-                            <a:rPr kumimoji="1" lang="en-US" altLang="ja-JP" sz="2400" b="0" i="0" smtClean="0">
-                              <a:latin typeface="Cambria Math" panose="02040503050406030204" pitchFamily="18" charset="0"/>
-                              <a:ea typeface="メイリオ" panose="020B0604030504040204" pitchFamily="50" charset="-128"/>
-                            </a:rPr>
-                            <m:t>log</m:t>
-                          </m:r>
-                        </m:fName>
-                        <m:e>
-                          <m:r>
-                            <a:rPr kumimoji="1" lang="en-US" altLang="ja-JP" sz="2400" i="1">
-                              <a:latin typeface="Cambria Math" panose="02040503050406030204" pitchFamily="18" charset="0"/>
-                              <a:ea typeface="メイリオ" panose="020B0604030504040204" pitchFamily="50" charset="-128"/>
-                            </a:rPr>
-                            <m:t>𝑝</m:t>
-                          </m:r>
-                          <m:d>
-                            <m:dPr>
-                              <m:ctrlPr>
-                                <a:rPr kumimoji="1" lang="en-US" altLang="ja-JP" sz="2400" i="1">
-                                  <a:latin typeface="Cambria Math" panose="02040503050406030204" pitchFamily="18" charset="0"/>
-                                  <a:ea typeface="メイリオ" panose="020B0604030504040204" pitchFamily="50" charset="-128"/>
-                                </a:rPr>
-                              </m:ctrlPr>
-                            </m:dPr>
-                            <m:e>
-                              <m:r>
-                                <a:rPr kumimoji="1" lang="en-US" altLang="ja-JP" sz="2400" b="1" i="1">
-                                  <a:latin typeface="Cambria Math" panose="02040503050406030204" pitchFamily="18" charset="0"/>
-                                  <a:ea typeface="メイリオ" panose="020B0604030504040204" pitchFamily="50" charset="-128"/>
-                                </a:rPr>
-                                <m:t>𝒙</m:t>
-                              </m:r>
-                            </m:e>
-                            <m:e>
-                              <m:r>
-                                <a:rPr kumimoji="1" lang="en-US" altLang="ja-JP" sz="2400" i="1">
-                                  <a:latin typeface="Cambria Math" panose="02040503050406030204" pitchFamily="18" charset="0"/>
-                                  <a:ea typeface="メイリオ" panose="020B0604030504040204" pitchFamily="50" charset="-128"/>
-                                </a:rPr>
-                                <m:t>𝐶</m:t>
-                              </m:r>
-                            </m:e>
-                          </m:d>
-                          <m:r>
-                            <a:rPr kumimoji="1" lang="en-US" altLang="ja-JP" sz="2400" i="1">
-                              <a:latin typeface="Cambria Math" panose="02040503050406030204" pitchFamily="18" charset="0"/>
-                              <a:ea typeface="メイリオ" panose="020B0604030504040204" pitchFamily="50" charset="-128"/>
-                            </a:rPr>
-                            <m:t>𝑝</m:t>
-                          </m:r>
-                          <m:d>
-                            <m:dPr>
-                              <m:ctrlPr>
-                                <a:rPr kumimoji="1" lang="en-US" altLang="ja-JP" sz="2400" i="1">
-                                  <a:latin typeface="Cambria Math" panose="02040503050406030204" pitchFamily="18" charset="0"/>
-                                  <a:ea typeface="メイリオ" panose="020B0604030504040204" pitchFamily="50" charset="-128"/>
-                                </a:rPr>
-                              </m:ctrlPr>
-                            </m:dPr>
-                            <m:e>
-                              <m:r>
-                                <a:rPr kumimoji="1" lang="en-US" altLang="ja-JP" sz="2400" i="1">
-                                  <a:latin typeface="Cambria Math" panose="02040503050406030204" pitchFamily="18" charset="0"/>
-                                  <a:ea typeface="メイリオ" panose="020B0604030504040204" pitchFamily="50" charset="-128"/>
-                                </a:rPr>
-                                <m:t>𝐶</m:t>
-                              </m:r>
-                            </m:e>
-                          </m:d>
-                          <m:r>
-                            <a:rPr kumimoji="1" lang="en-US" altLang="ja-JP" sz="2400" i="1">
-                              <a:latin typeface="Cambria Math" panose="02040503050406030204" pitchFamily="18" charset="0"/>
-                              <a:ea typeface="メイリオ" panose="020B0604030504040204" pitchFamily="50" charset="-128"/>
-                            </a:rPr>
-                            <m:t>=</m:t>
-                          </m:r>
-                        </m:e>
-                      </m:func>
-                      <m:func>
-                        <m:funcPr>
-                          <m:ctrlPr>
-                            <a:rPr kumimoji="1" lang="en-US" altLang="ja-JP" sz="2400" b="0" i="1" smtClean="0">
-                              <a:latin typeface="Cambria Math" panose="02040503050406030204" pitchFamily="18" charset="0"/>
-                              <a:ea typeface="メイリオ" panose="020B0604030504040204" pitchFamily="50" charset="-128"/>
-                            </a:rPr>
-                          </m:ctrlPr>
-                        </m:funcPr>
-                        <m:fName>
-                          <m:r>
-                            <m:rPr>
-                              <m:sty m:val="p"/>
-                            </m:rPr>
-                            <a:rPr kumimoji="1" lang="en-US" altLang="ja-JP" sz="2400" b="0" i="0" smtClean="0">
-                              <a:latin typeface="Cambria Math" panose="02040503050406030204" pitchFamily="18" charset="0"/>
-                              <a:ea typeface="メイリオ" panose="020B0604030504040204" pitchFamily="50" charset="-128"/>
-                            </a:rPr>
-                            <m:t>log</m:t>
-                          </m:r>
-                        </m:fName>
-                        <m:e>
-                          <m:r>
-                            <a:rPr kumimoji="1" lang="en-US" altLang="ja-JP" sz="2400" i="1">
-                              <a:latin typeface="Cambria Math" panose="02040503050406030204" pitchFamily="18" charset="0"/>
-                              <a:ea typeface="メイリオ" panose="020B0604030504040204" pitchFamily="50" charset="-128"/>
-                            </a:rPr>
-                            <m:t>𝑝</m:t>
-                          </m:r>
-                          <m:r>
-                            <a:rPr kumimoji="1" lang="en-US" altLang="ja-JP" sz="2400" i="1">
-                              <a:latin typeface="Cambria Math" panose="02040503050406030204" pitchFamily="18" charset="0"/>
-                              <a:ea typeface="メイリオ" panose="020B0604030504040204" pitchFamily="50" charset="-128"/>
-                            </a:rPr>
-                            <m:t>(</m:t>
-                          </m:r>
-                          <m:r>
-                            <a:rPr kumimoji="1" lang="ja-JP" altLang="en-US" sz="2400" i="1">
-                              <a:latin typeface="Cambria Math" panose="02040503050406030204" pitchFamily="18" charset="0"/>
-                              <a:ea typeface="メイリオ" panose="020B0604030504040204" pitchFamily="50" charset="-128"/>
-                            </a:rPr>
-                            <m:t>カラメル</m:t>
-                          </m:r>
-                          <m:r>
-                            <a:rPr kumimoji="1" lang="en-US" altLang="ja-JP" sz="2400" i="1">
-                              <a:latin typeface="Cambria Math" panose="02040503050406030204" pitchFamily="18" charset="0"/>
-                              <a:ea typeface="メイリオ" panose="020B0604030504040204" pitchFamily="50" charset="-128"/>
-                            </a:rPr>
-                            <m:t>,</m:t>
-                          </m:r>
-                          <m:r>
-                            <a:rPr kumimoji="1" lang="ja-JP" altLang="en-US" sz="2400" i="1">
-                              <a:latin typeface="Cambria Math" panose="02040503050406030204" pitchFamily="18" charset="0"/>
-                              <a:ea typeface="メイリオ" panose="020B0604030504040204" pitchFamily="50" charset="-128"/>
-                            </a:rPr>
-                            <m:t>カラメル</m:t>
-                          </m:r>
-                          <m:r>
-                            <a:rPr kumimoji="1" lang="en-US" altLang="ja-JP" sz="2400" i="1">
-                              <a:latin typeface="Cambria Math" panose="02040503050406030204" pitchFamily="18" charset="0"/>
-                              <a:ea typeface="メイリオ" panose="020B0604030504040204" pitchFamily="50" charset="-128"/>
-                            </a:rPr>
-                            <m:t>,</m:t>
-                          </m:r>
-                          <m:r>
-                            <a:rPr kumimoji="1" lang="ja-JP" altLang="en-US" sz="2400" i="1">
-                              <a:latin typeface="Cambria Math" panose="02040503050406030204" pitchFamily="18" charset="0"/>
-                              <a:ea typeface="メイリオ" panose="020B0604030504040204" pitchFamily="50" charset="-128"/>
-                            </a:rPr>
-                            <m:t>ミルク</m:t>
-                          </m:r>
-                          <m:r>
-                            <a:rPr kumimoji="1" lang="en-US" altLang="ja-JP" sz="2400" i="1">
-                              <a:latin typeface="Cambria Math" panose="02040503050406030204" pitchFamily="18" charset="0"/>
-                              <a:ea typeface="メイリオ" panose="020B0604030504040204" pitchFamily="50" charset="-128"/>
-                            </a:rPr>
-                            <m:t>,</m:t>
-                          </m:r>
-                          <m:r>
-                            <a:rPr kumimoji="1" lang="ja-JP" altLang="en-US" sz="2400" i="1">
-                              <a:latin typeface="Cambria Math" panose="02040503050406030204" pitchFamily="18" charset="0"/>
-                              <a:ea typeface="メイリオ" panose="020B0604030504040204" pitchFamily="50" charset="-128"/>
-                            </a:rPr>
-                            <m:t>砂糖</m:t>
-                          </m:r>
-                          <m:r>
-                            <a:rPr kumimoji="1" lang="en-US" altLang="ja-JP" sz="2400" i="1">
-                              <a:latin typeface="Cambria Math" panose="02040503050406030204" pitchFamily="18" charset="0"/>
-                              <a:ea typeface="メイリオ" panose="020B0604030504040204" pitchFamily="50" charset="-128"/>
-                            </a:rPr>
-                            <m:t>|</m:t>
-                          </m:r>
-                          <m:r>
-                            <a:rPr kumimoji="1" lang="en-US" altLang="ja-JP" sz="2400" i="1">
-                              <a:latin typeface="Cambria Math" panose="02040503050406030204" pitchFamily="18" charset="0"/>
-                              <a:ea typeface="メイリオ" panose="020B0604030504040204" pitchFamily="50" charset="-128"/>
-                            </a:rPr>
-                            <m:t>𝐶</m:t>
-                          </m:r>
-                          <m:r>
-                            <a:rPr kumimoji="1" lang="en-US" altLang="ja-JP" sz="2400" i="1">
-                              <a:latin typeface="Cambria Math" panose="02040503050406030204" pitchFamily="18" charset="0"/>
-                              <a:ea typeface="メイリオ" panose="020B0604030504040204" pitchFamily="50" charset="-128"/>
-                            </a:rPr>
-                            <m:t>)</m:t>
-                          </m:r>
-                          <m:r>
-                            <a:rPr kumimoji="1" lang="en-US" altLang="ja-JP" sz="2400" i="1">
-                              <a:latin typeface="Cambria Math" panose="02040503050406030204" pitchFamily="18" charset="0"/>
-                              <a:ea typeface="メイリオ" panose="020B0604030504040204" pitchFamily="50" charset="-128"/>
-                            </a:rPr>
-                            <m:t>𝑝</m:t>
-                          </m:r>
-                          <m:r>
-                            <a:rPr kumimoji="1" lang="en-US" altLang="ja-JP" sz="2400" i="1">
-                              <a:latin typeface="Cambria Math" panose="02040503050406030204" pitchFamily="18" charset="0"/>
-                              <a:ea typeface="メイリオ" panose="020B0604030504040204" pitchFamily="50" charset="-128"/>
-                            </a:rPr>
-                            <m:t>(</m:t>
-                          </m:r>
-                          <m:r>
-                            <a:rPr kumimoji="1" lang="en-US" altLang="ja-JP" sz="2400" i="1">
-                              <a:latin typeface="Cambria Math" panose="02040503050406030204" pitchFamily="18" charset="0"/>
-                              <a:ea typeface="メイリオ" panose="020B0604030504040204" pitchFamily="50" charset="-128"/>
-                            </a:rPr>
-                            <m:t>𝐶</m:t>
-                          </m:r>
-                          <m:r>
-                            <a:rPr kumimoji="1" lang="en-US" altLang="ja-JP" sz="2400" i="1">
-                              <a:latin typeface="Cambria Math" panose="02040503050406030204" pitchFamily="18" charset="0"/>
-                              <a:ea typeface="メイリオ" panose="020B0604030504040204" pitchFamily="50" charset="-128"/>
-                            </a:rPr>
-                            <m:t>)</m:t>
-                          </m:r>
-                        </m:e>
-                      </m:func>
-                    </m:oMath>
-                  </m:oMathPara>
-                </a14:m>
-                <a:endParaRPr kumimoji="1" lang="ja-JP" altLang="en-US" sz="2400" dirty="0">
-                  <a:latin typeface="メイリオ" panose="020B0604030504040204" pitchFamily="50" charset="-128"/>
-                  <a:ea typeface="メイリオ" panose="020B0604030504040204" pitchFamily="50" charset="-128"/>
-                </a:endParaRPr>
-              </a:p>
-            </p:txBody>
-          </p:sp>
-        </mc:Choice>
-        <mc:Fallback xmlns="">
-          <p:sp>
-            <p:nvSpPr>
-              <p:cNvPr id="10" name="テキスト ボックス 9">
-                <a:extLst>
-                  <a:ext uri="{FF2B5EF4-FFF2-40B4-BE49-F238E27FC236}">
-                    <a16:creationId xmlns:a16="http://schemas.microsoft.com/office/drawing/2014/main" id="{707643ED-D11E-5FB9-A3E2-774065CE34B6}"/>
-                  </a:ext>
-                </a:extLst>
-              </p:cNvPr>
-              <p:cNvSpPr txBox="1">
-                <a:spLocks noRot="1" noChangeAspect="1" noMove="1" noResize="1" noEditPoints="1" noAdjustHandles="1" noChangeArrowheads="1" noChangeShapeType="1" noTextEdit="1"/>
-              </p:cNvSpPr>
-              <p:nvPr/>
-            </p:nvSpPr>
-            <p:spPr>
-              <a:xfrm>
-                <a:off x="272137" y="1098219"/>
-                <a:ext cx="8787983" cy="461665"/>
-              </a:xfrm>
-              <a:prstGeom prst="rect">
-                <a:avLst/>
-              </a:prstGeom>
-              <a:blipFill>
-                <a:blip r:embed="rId4"/>
-                <a:stretch>
-                  <a:fillRect t="-5263" b="-13158"/>
-                </a:stretch>
-              </a:blipFill>
-            </p:spPr>
-            <p:txBody>
-              <a:bodyPr/>
-              <a:lstStyle/>
-              <a:p>
-                <a:r>
-                  <a:rPr lang="ja-JP" altLang="en-US">
-                    <a:noFill/>
-                  </a:rPr>
-                  <a:t> </a:t>
-                </a:r>
-              </a:p>
-            </p:txBody>
-          </p:sp>
-        </mc:Fallback>
-      </mc:AlternateContent>
-      <mc:AlternateContent xmlns:mc="http://schemas.openxmlformats.org/markup-compatibility/2006" xmlns:a14="http://schemas.microsoft.com/office/drawing/2010/main">
-        <mc:Choice Requires="a14">
-          <p:sp>
-            <p:nvSpPr>
-              <p:cNvPr id="11" name="テキスト ボックス 10">
-                <a:extLst>
-                  <a:ext uri="{FF2B5EF4-FFF2-40B4-BE49-F238E27FC236}">
-                    <a16:creationId xmlns:a16="http://schemas.microsoft.com/office/drawing/2014/main" id="{7A9EFCB3-EDE6-28BC-203E-88573CD072D3}"/>
-                  </a:ext>
-                </a:extLst>
-              </p:cNvPr>
-              <p:cNvSpPr txBox="1"/>
-              <p:nvPr/>
-            </p:nvSpPr>
-            <p:spPr>
-              <a:xfrm>
-                <a:off x="111967" y="1635788"/>
-                <a:ext cx="11855425" cy="461665"/>
-              </a:xfrm>
-              <a:prstGeom prst="rect">
-                <a:avLst/>
-              </a:prstGeom>
-              <a:noFill/>
-            </p:spPr>
-            <p:txBody>
-              <a:bodyPr wrap="none" rtlCol="0">
-                <a:spAutoFit/>
-              </a:bodyPr>
-              <a:lstStyle/>
-              <a:p>
-                <a:pPr/>
-                <a14:m>
-                  <m:oMathPara xmlns:m="http://schemas.openxmlformats.org/officeDocument/2006/math">
-                    <m:oMathParaPr>
-                      <m:jc m:val="centerGroup"/>
-                    </m:oMathParaPr>
-                    <m:oMath xmlns:m="http://schemas.openxmlformats.org/officeDocument/2006/math">
-                      <m:r>
-                        <a:rPr kumimoji="1" lang="en-US" altLang="ja-JP" sz="2400" b="0" i="1" smtClean="0">
-                          <a:latin typeface="Cambria Math" panose="02040503050406030204" pitchFamily="18" charset="0"/>
-                          <a:ea typeface="メイリオ" panose="020B0604030504040204" pitchFamily="50" charset="-128"/>
-                        </a:rPr>
-                        <m:t>=</m:t>
-                      </m:r>
-                      <m:func>
-                        <m:funcPr>
-                          <m:ctrlPr>
-                            <a:rPr kumimoji="1" lang="en-US" altLang="ja-JP" sz="2400" b="0" i="1" smtClean="0">
-                              <a:latin typeface="Cambria Math" panose="02040503050406030204" pitchFamily="18" charset="0"/>
-                              <a:ea typeface="メイリオ" panose="020B0604030504040204" pitchFamily="50" charset="-128"/>
-                            </a:rPr>
-                          </m:ctrlPr>
-                        </m:funcPr>
-                        <m:fName>
-                          <m:r>
-                            <m:rPr>
-                              <m:sty m:val="p"/>
-                            </m:rPr>
-                            <a:rPr kumimoji="1" lang="en-US" altLang="ja-JP" sz="2400" b="0" i="0" smtClean="0">
-                              <a:latin typeface="Cambria Math" panose="02040503050406030204" pitchFamily="18" charset="0"/>
-                              <a:ea typeface="メイリオ" panose="020B0604030504040204" pitchFamily="50" charset="-128"/>
-                            </a:rPr>
-                            <m:t>log</m:t>
-                          </m:r>
-                        </m:fName>
-                        <m:e>
-                          <m:r>
-                            <a:rPr kumimoji="1" lang="en-US" altLang="ja-JP" sz="2400" i="1">
-                              <a:latin typeface="Cambria Math" panose="02040503050406030204" pitchFamily="18" charset="0"/>
-                              <a:ea typeface="メイリオ" panose="020B0604030504040204" pitchFamily="50" charset="-128"/>
-                            </a:rPr>
-                            <m:t>𝑝</m:t>
-                          </m:r>
-                          <m:d>
-                            <m:dPr>
-                              <m:ctrlPr>
-                                <a:rPr kumimoji="1" lang="en-US" altLang="ja-JP" sz="2400" i="1">
-                                  <a:latin typeface="Cambria Math" panose="02040503050406030204" pitchFamily="18" charset="0"/>
-                                  <a:ea typeface="メイリオ" panose="020B0604030504040204" pitchFamily="50" charset="-128"/>
-                                </a:rPr>
-                              </m:ctrlPr>
-                            </m:dPr>
-                            <m:e>
-                              <m:r>
-                                <a:rPr kumimoji="1" lang="ja-JP" altLang="en-US" sz="2400" i="1">
-                                  <a:latin typeface="Cambria Math" panose="02040503050406030204" pitchFamily="18" charset="0"/>
-                                  <a:ea typeface="メイリオ" panose="020B0604030504040204" pitchFamily="50" charset="-128"/>
-                                </a:rPr>
-                                <m:t>カラメル</m:t>
-                              </m:r>
-                              <m:r>
-                                <a:rPr kumimoji="1" lang="en-US" altLang="ja-JP" sz="2400" i="1">
-                                  <a:latin typeface="Cambria Math" panose="02040503050406030204" pitchFamily="18" charset="0"/>
-                                  <a:ea typeface="メイリオ" panose="020B0604030504040204" pitchFamily="50" charset="-128"/>
-                                </a:rPr>
-                                <m:t>|</m:t>
-                              </m:r>
-                              <m:r>
-                                <a:rPr kumimoji="1" lang="en-US" altLang="ja-JP" sz="2400" i="1">
-                                  <a:latin typeface="Cambria Math" panose="02040503050406030204" pitchFamily="18" charset="0"/>
-                                  <a:ea typeface="メイリオ" panose="020B0604030504040204" pitchFamily="50" charset="-128"/>
-                                </a:rPr>
-                                <m:t>𝐶</m:t>
-                              </m:r>
-                            </m:e>
-                          </m:d>
-                          <m:r>
-                            <a:rPr kumimoji="1" lang="en-US" altLang="ja-JP" sz="2400" b="0" i="1" smtClean="0">
-                              <a:latin typeface="Cambria Math" panose="02040503050406030204" pitchFamily="18" charset="0"/>
-                              <a:ea typeface="メイリオ" panose="020B0604030504040204" pitchFamily="50" charset="-128"/>
-                            </a:rPr>
-                            <m:t>+</m:t>
-                          </m:r>
-                          <m:func>
-                            <m:funcPr>
-                              <m:ctrlPr>
-                                <a:rPr kumimoji="1" lang="en-US" altLang="ja-JP" sz="2400" b="0" i="1" smtClean="0">
-                                  <a:latin typeface="Cambria Math" panose="02040503050406030204" pitchFamily="18" charset="0"/>
-                                  <a:ea typeface="メイリオ" panose="020B0604030504040204" pitchFamily="50" charset="-128"/>
-                                </a:rPr>
-                              </m:ctrlPr>
-                            </m:funcPr>
-                            <m:fName>
-                              <m:r>
-                                <m:rPr>
-                                  <m:sty m:val="p"/>
-                                </m:rPr>
-                                <a:rPr kumimoji="1" lang="en-US" altLang="ja-JP" sz="2400" b="0" i="0" smtClean="0">
-                                  <a:latin typeface="Cambria Math" panose="02040503050406030204" pitchFamily="18" charset="0"/>
-                                  <a:ea typeface="メイリオ" panose="020B0604030504040204" pitchFamily="50" charset="-128"/>
-                                </a:rPr>
-                                <m:t>log</m:t>
-                              </m:r>
-                            </m:fName>
-                            <m:e>
-                              <m:r>
-                                <a:rPr kumimoji="1" lang="en-US" altLang="ja-JP" sz="2400" i="1">
-                                  <a:latin typeface="Cambria Math" panose="02040503050406030204" pitchFamily="18" charset="0"/>
-                                  <a:ea typeface="メイリオ" panose="020B0604030504040204" pitchFamily="50" charset="-128"/>
-                                </a:rPr>
-                                <m:t>𝑝</m:t>
-                              </m:r>
-                              <m:d>
-                                <m:dPr>
-                                  <m:ctrlPr>
-                                    <a:rPr kumimoji="1" lang="en-US" altLang="ja-JP" sz="2400" i="1">
-                                      <a:latin typeface="Cambria Math" panose="02040503050406030204" pitchFamily="18" charset="0"/>
-                                      <a:ea typeface="メイリオ" panose="020B0604030504040204" pitchFamily="50" charset="-128"/>
-                                    </a:rPr>
-                                  </m:ctrlPr>
-                                </m:dPr>
-                                <m:e>
-                                  <m:r>
-                                    <a:rPr kumimoji="1" lang="ja-JP" altLang="en-US" sz="2400" i="1">
-                                      <a:latin typeface="Cambria Math" panose="02040503050406030204" pitchFamily="18" charset="0"/>
-                                      <a:ea typeface="メイリオ" panose="020B0604030504040204" pitchFamily="50" charset="-128"/>
-                                    </a:rPr>
-                                    <m:t>カラメル</m:t>
-                                  </m:r>
-                                  <m:r>
-                                    <a:rPr kumimoji="1" lang="en-US" altLang="ja-JP" sz="2400" i="1">
-                                      <a:latin typeface="Cambria Math" panose="02040503050406030204" pitchFamily="18" charset="0"/>
-                                      <a:ea typeface="メイリオ" panose="020B0604030504040204" pitchFamily="50" charset="-128"/>
-                                    </a:rPr>
-                                    <m:t>|</m:t>
-                                  </m:r>
-                                  <m:r>
-                                    <a:rPr kumimoji="1" lang="en-US" altLang="ja-JP" sz="2400" i="1">
-                                      <a:latin typeface="Cambria Math" panose="02040503050406030204" pitchFamily="18" charset="0"/>
-                                      <a:ea typeface="メイリオ" panose="020B0604030504040204" pitchFamily="50" charset="-128"/>
-                                    </a:rPr>
-                                    <m:t>𝐶</m:t>
-                                  </m:r>
-                                </m:e>
-                              </m:d>
-                              <m:r>
-                                <a:rPr kumimoji="1" lang="en-US" altLang="ja-JP" sz="2400" b="0" i="1" smtClean="0">
-                                  <a:latin typeface="Cambria Math" panose="02040503050406030204" pitchFamily="18" charset="0"/>
-                                  <a:ea typeface="メイリオ" panose="020B0604030504040204" pitchFamily="50" charset="-128"/>
-                                </a:rPr>
-                                <m:t>+</m:t>
-                              </m:r>
-                              <m:func>
-                                <m:funcPr>
-                                  <m:ctrlPr>
-                                    <a:rPr kumimoji="1" lang="en-US" altLang="ja-JP" sz="2400" b="0" i="1" smtClean="0">
-                                      <a:latin typeface="Cambria Math" panose="02040503050406030204" pitchFamily="18" charset="0"/>
-                                      <a:ea typeface="メイリオ" panose="020B0604030504040204" pitchFamily="50" charset="-128"/>
-                                    </a:rPr>
-                                  </m:ctrlPr>
-                                </m:funcPr>
-                                <m:fName>
-                                  <m:r>
-                                    <m:rPr>
-                                      <m:sty m:val="p"/>
-                                    </m:rPr>
-                                    <a:rPr kumimoji="1" lang="en-US" altLang="ja-JP" sz="2400" b="0" i="0" smtClean="0">
-                                      <a:latin typeface="Cambria Math" panose="02040503050406030204" pitchFamily="18" charset="0"/>
-                                      <a:ea typeface="メイリオ" panose="020B0604030504040204" pitchFamily="50" charset="-128"/>
-                                    </a:rPr>
-                                    <m:t>log</m:t>
-                                  </m:r>
-                                </m:fName>
-                                <m:e>
-                                  <m:r>
-                                    <a:rPr kumimoji="1" lang="en-US" altLang="ja-JP" sz="2400" i="1">
-                                      <a:latin typeface="Cambria Math" panose="02040503050406030204" pitchFamily="18" charset="0"/>
-                                      <a:ea typeface="メイリオ" panose="020B0604030504040204" pitchFamily="50" charset="-128"/>
-                                    </a:rPr>
-                                    <m:t>𝑝</m:t>
-                                  </m:r>
-                                  <m:d>
-                                    <m:dPr>
-                                      <m:ctrlPr>
-                                        <a:rPr kumimoji="1" lang="en-US" altLang="ja-JP" sz="2400" i="1">
-                                          <a:latin typeface="Cambria Math" panose="02040503050406030204" pitchFamily="18" charset="0"/>
-                                          <a:ea typeface="メイリオ" panose="020B0604030504040204" pitchFamily="50" charset="-128"/>
-                                        </a:rPr>
-                                      </m:ctrlPr>
-                                    </m:dPr>
-                                    <m:e>
-                                      <m:r>
-                                        <a:rPr kumimoji="1" lang="ja-JP" altLang="en-US" sz="2400" i="1">
-                                          <a:latin typeface="Cambria Math" panose="02040503050406030204" pitchFamily="18" charset="0"/>
-                                          <a:ea typeface="メイリオ" panose="020B0604030504040204" pitchFamily="50" charset="-128"/>
-                                        </a:rPr>
-                                        <m:t>ミルク</m:t>
-                                      </m:r>
-                                      <m:r>
-                                        <a:rPr kumimoji="1" lang="en-US" altLang="ja-JP" sz="2400" i="1">
-                                          <a:latin typeface="Cambria Math" panose="02040503050406030204" pitchFamily="18" charset="0"/>
-                                          <a:ea typeface="メイリオ" panose="020B0604030504040204" pitchFamily="50" charset="-128"/>
-                                        </a:rPr>
-                                        <m:t>|</m:t>
-                                      </m:r>
-                                      <m:r>
-                                        <a:rPr kumimoji="1" lang="en-US" altLang="ja-JP" sz="2400" i="1">
-                                          <a:latin typeface="Cambria Math" panose="02040503050406030204" pitchFamily="18" charset="0"/>
-                                          <a:ea typeface="メイリオ" panose="020B0604030504040204" pitchFamily="50" charset="-128"/>
-                                        </a:rPr>
-                                        <m:t>𝐶</m:t>
-                                      </m:r>
-                                    </m:e>
-                                  </m:d>
-                                  <m:r>
-                                    <a:rPr kumimoji="1" lang="en-US" altLang="ja-JP" sz="2400" b="0" i="1" smtClean="0">
-                                      <a:latin typeface="Cambria Math" panose="02040503050406030204" pitchFamily="18" charset="0"/>
-                                      <a:ea typeface="メイリオ" panose="020B0604030504040204" pitchFamily="50" charset="-128"/>
-                                    </a:rPr>
-                                    <m:t>+</m:t>
-                                  </m:r>
-                                  <m:func>
-                                    <m:funcPr>
-                                      <m:ctrlPr>
-                                        <a:rPr kumimoji="1" lang="en-US" altLang="ja-JP" sz="2400" b="0" i="1" smtClean="0">
-                                          <a:latin typeface="Cambria Math" panose="02040503050406030204" pitchFamily="18" charset="0"/>
-                                          <a:ea typeface="メイリオ" panose="020B0604030504040204" pitchFamily="50" charset="-128"/>
-                                        </a:rPr>
-                                      </m:ctrlPr>
-                                    </m:funcPr>
-                                    <m:fName>
-                                      <m:r>
-                                        <m:rPr>
-                                          <m:sty m:val="p"/>
-                                        </m:rPr>
-                                        <a:rPr kumimoji="1" lang="en-US" altLang="ja-JP" sz="2400" b="0" i="0" smtClean="0">
-                                          <a:latin typeface="Cambria Math" panose="02040503050406030204" pitchFamily="18" charset="0"/>
-                                          <a:ea typeface="メイリオ" panose="020B0604030504040204" pitchFamily="50" charset="-128"/>
-                                        </a:rPr>
-                                        <m:t>log</m:t>
-                                      </m:r>
-                                    </m:fName>
-                                    <m:e>
-                                      <m:r>
-                                        <a:rPr kumimoji="1" lang="en-US" altLang="ja-JP" sz="2400" i="1">
-                                          <a:latin typeface="Cambria Math" panose="02040503050406030204" pitchFamily="18" charset="0"/>
-                                          <a:ea typeface="メイリオ" panose="020B0604030504040204" pitchFamily="50" charset="-128"/>
-                                        </a:rPr>
-                                        <m:t>𝑝</m:t>
-                                      </m:r>
-                                      <m:d>
-                                        <m:dPr>
-                                          <m:ctrlPr>
-                                            <a:rPr kumimoji="1" lang="en-US" altLang="ja-JP" sz="2400" i="1">
-                                              <a:latin typeface="Cambria Math" panose="02040503050406030204" pitchFamily="18" charset="0"/>
-                                              <a:ea typeface="メイリオ" panose="020B0604030504040204" pitchFamily="50" charset="-128"/>
-                                            </a:rPr>
-                                          </m:ctrlPr>
-                                        </m:dPr>
-                                        <m:e>
-                                          <m:r>
-                                            <a:rPr kumimoji="1" lang="ja-JP" altLang="en-US" sz="2400" i="1">
-                                              <a:latin typeface="Cambria Math" panose="02040503050406030204" pitchFamily="18" charset="0"/>
-                                              <a:ea typeface="メイリオ" panose="020B0604030504040204" pitchFamily="50" charset="-128"/>
-                                            </a:rPr>
-                                            <m:t>砂糖</m:t>
-                                          </m:r>
-                                          <m:r>
-                                            <a:rPr kumimoji="1" lang="en-US" altLang="ja-JP" sz="2400" i="1">
-                                              <a:latin typeface="Cambria Math" panose="02040503050406030204" pitchFamily="18" charset="0"/>
-                                              <a:ea typeface="メイリオ" panose="020B0604030504040204" pitchFamily="50" charset="-128"/>
-                                            </a:rPr>
-                                            <m:t>|</m:t>
-                                          </m:r>
-                                          <m:r>
-                                            <a:rPr kumimoji="1" lang="en-US" altLang="ja-JP" sz="2400" i="1">
-                                              <a:latin typeface="Cambria Math" panose="02040503050406030204" pitchFamily="18" charset="0"/>
-                                              <a:ea typeface="メイリオ" panose="020B0604030504040204" pitchFamily="50" charset="-128"/>
-                                            </a:rPr>
-                                            <m:t>𝐶</m:t>
-                                          </m:r>
-                                        </m:e>
-                                      </m:d>
-                                      <m:r>
-                                        <a:rPr kumimoji="1" lang="en-US" altLang="ja-JP" sz="2400" b="0" i="1" smtClean="0">
-                                          <a:latin typeface="Cambria Math" panose="02040503050406030204" pitchFamily="18" charset="0"/>
-                                          <a:ea typeface="メイリオ" panose="020B0604030504040204" pitchFamily="50" charset="-128"/>
-                                        </a:rPr>
-                                        <m:t>+</m:t>
-                                      </m:r>
-                                      <m:func>
-                                        <m:funcPr>
-                                          <m:ctrlPr>
-                                            <a:rPr kumimoji="1" lang="en-US" altLang="ja-JP" sz="2400" b="0" i="1" smtClean="0">
-                                              <a:latin typeface="Cambria Math" panose="02040503050406030204" pitchFamily="18" charset="0"/>
-                                              <a:ea typeface="メイリオ" panose="020B0604030504040204" pitchFamily="50" charset="-128"/>
-                                            </a:rPr>
-                                          </m:ctrlPr>
-                                        </m:funcPr>
-                                        <m:fName>
-                                          <m:r>
-                                            <m:rPr>
-                                              <m:sty m:val="p"/>
-                                            </m:rPr>
-                                            <a:rPr kumimoji="1" lang="en-US" altLang="ja-JP" sz="2400" b="0" i="0" smtClean="0">
-                                              <a:latin typeface="Cambria Math" panose="02040503050406030204" pitchFamily="18" charset="0"/>
-                                              <a:ea typeface="メイリオ" panose="020B0604030504040204" pitchFamily="50" charset="-128"/>
-                                            </a:rPr>
-                                            <m:t>log</m:t>
-                                          </m:r>
-                                        </m:fName>
-                                        <m:e>
-                                          <m:r>
-                                            <a:rPr kumimoji="1" lang="en-US" altLang="ja-JP" sz="2400" i="1">
-                                              <a:latin typeface="Cambria Math" panose="02040503050406030204" pitchFamily="18" charset="0"/>
-                                              <a:ea typeface="メイリオ" panose="020B0604030504040204" pitchFamily="50" charset="-128"/>
-                                            </a:rPr>
-                                            <m:t>𝑝</m:t>
-                                          </m:r>
-                                          <m:d>
-                                            <m:dPr>
-                                              <m:ctrlPr>
-                                                <a:rPr kumimoji="1" lang="en-US" altLang="ja-JP" sz="2400" i="1">
-                                                  <a:latin typeface="Cambria Math" panose="02040503050406030204" pitchFamily="18" charset="0"/>
-                                                  <a:ea typeface="メイリオ" panose="020B0604030504040204" pitchFamily="50" charset="-128"/>
-                                                </a:rPr>
-                                              </m:ctrlPr>
-                                            </m:dPr>
-                                            <m:e>
-                                              <m:r>
-                                                <a:rPr kumimoji="1" lang="en-US" altLang="ja-JP" sz="2400" i="1">
-                                                  <a:latin typeface="Cambria Math" panose="02040503050406030204" pitchFamily="18" charset="0"/>
-                                                  <a:ea typeface="メイリオ" panose="020B0604030504040204" pitchFamily="50" charset="-128"/>
-                                                </a:rPr>
-                                                <m:t>𝐶</m:t>
-                                              </m:r>
-                                            </m:e>
-                                          </m:d>
-                                        </m:e>
-                                      </m:func>
-                                    </m:e>
-                                  </m:func>
-                                </m:e>
-                              </m:func>
-                            </m:e>
-                          </m:func>
-                        </m:e>
-                      </m:func>
-                    </m:oMath>
-                  </m:oMathPara>
-                </a14:m>
-                <a:endParaRPr kumimoji="1" lang="ja-JP" altLang="en-US" sz="2400" dirty="0">
-                  <a:latin typeface="メイリオ" panose="020B0604030504040204" pitchFamily="50" charset="-128"/>
-                  <a:ea typeface="メイリオ" panose="020B0604030504040204" pitchFamily="50" charset="-128"/>
-                </a:endParaRPr>
-              </a:p>
-            </p:txBody>
-          </p:sp>
-        </mc:Choice>
-        <mc:Fallback xmlns="">
-          <p:sp>
-            <p:nvSpPr>
-              <p:cNvPr id="11" name="テキスト ボックス 10">
-                <a:extLst>
-                  <a:ext uri="{FF2B5EF4-FFF2-40B4-BE49-F238E27FC236}">
-                    <a16:creationId xmlns:a16="http://schemas.microsoft.com/office/drawing/2014/main" id="{7A9EFCB3-EDE6-28BC-203E-88573CD072D3}"/>
-                  </a:ext>
-                </a:extLst>
-              </p:cNvPr>
-              <p:cNvSpPr txBox="1">
-                <a:spLocks noRot="1" noChangeAspect="1" noMove="1" noResize="1" noEditPoints="1" noAdjustHandles="1" noChangeArrowheads="1" noChangeShapeType="1" noTextEdit="1"/>
-              </p:cNvSpPr>
-              <p:nvPr/>
-            </p:nvSpPr>
-            <p:spPr>
-              <a:xfrm>
-                <a:off x="111967" y="1635788"/>
-                <a:ext cx="11855425" cy="461665"/>
-              </a:xfrm>
-              <a:prstGeom prst="rect">
-                <a:avLst/>
-              </a:prstGeom>
-              <a:blipFill>
-                <a:blip r:embed="rId5"/>
-                <a:stretch>
-                  <a:fillRect t="-3947" b="-13158"/>
-                </a:stretch>
-              </a:blipFill>
-            </p:spPr>
-            <p:txBody>
-              <a:bodyPr/>
-              <a:lstStyle/>
-              <a:p>
-                <a:r>
-                  <a:rPr lang="ja-JP" altLang="en-US">
-                    <a:noFill/>
-                  </a:rPr>
-                  <a:t> </a:t>
-                </a:r>
-              </a:p>
-            </p:txBody>
-          </p:sp>
-        </mc:Fallback>
-      </mc:AlternateContent>
-      <mc:AlternateContent xmlns:mc="http://schemas.openxmlformats.org/markup-compatibility/2006" xmlns:a14="http://schemas.microsoft.com/office/drawing/2010/main">
-        <mc:Choice Requires="a14">
-          <p:sp>
-            <p:nvSpPr>
-              <p:cNvPr id="12" name="テキスト ボックス 11">
-                <a:extLst>
-                  <a:ext uri="{FF2B5EF4-FFF2-40B4-BE49-F238E27FC236}">
-                    <a16:creationId xmlns:a16="http://schemas.microsoft.com/office/drawing/2014/main" id="{424364CB-B875-D66B-7B97-F3F8221938ED}"/>
-                  </a:ext>
-                </a:extLst>
-              </p:cNvPr>
-              <p:cNvSpPr txBox="1"/>
-              <p:nvPr/>
-            </p:nvSpPr>
-            <p:spPr>
-              <a:xfrm>
-                <a:off x="2038297" y="3265935"/>
-                <a:ext cx="8015875" cy="693844"/>
-              </a:xfrm>
-              <a:prstGeom prst="rect">
-                <a:avLst/>
-              </a:prstGeom>
-              <a:noFill/>
-            </p:spPr>
-            <p:txBody>
-              <a:bodyPr wrap="square" lIns="0" tIns="0" rIns="0" bIns="0" rtlCol="0">
-                <a:spAutoFit/>
-              </a:bodyPr>
-              <a:lstStyle/>
-              <a:p>
-                <a:pPr/>
-                <a14:m>
-                  <m:oMathPara xmlns:m="http://schemas.openxmlformats.org/officeDocument/2006/math">
-                    <m:oMathParaPr>
-                      <m:jc m:val="centerGroup"/>
-                    </m:oMathParaPr>
-                    <m:oMath xmlns:m="http://schemas.openxmlformats.org/officeDocument/2006/math">
-                      <m:func>
-                        <m:funcPr>
-                          <m:ctrlPr>
-                            <a:rPr kumimoji="1" lang="en-US" altLang="ja-JP" sz="2400" b="0" i="1" smtClean="0">
-                              <a:latin typeface="Cambria Math" panose="02040503050406030204" pitchFamily="18" charset="0"/>
-                              <a:ea typeface="Cambria Math" panose="02040503050406030204" pitchFamily="18" charset="0"/>
-                            </a:rPr>
-                          </m:ctrlPr>
-                        </m:funcPr>
-                        <m:fName>
-                          <m:r>
-                            <m:rPr>
-                              <m:sty m:val="p"/>
-                            </m:rPr>
-                            <a:rPr kumimoji="1" lang="en-US" altLang="ja-JP" sz="2400" b="0" i="0" smtClean="0">
-                              <a:latin typeface="Cambria Math" panose="02040503050406030204" pitchFamily="18" charset="0"/>
-                              <a:ea typeface="Cambria Math" panose="02040503050406030204" pitchFamily="18" charset="0"/>
-                            </a:rPr>
-                            <m:t>log</m:t>
-                          </m:r>
-                        </m:fName>
-                        <m:e>
-                          <m:r>
-                            <a:rPr kumimoji="1" lang="en-US" altLang="ja-JP" sz="2400" i="1">
-                              <a:latin typeface="Cambria Math" panose="02040503050406030204" pitchFamily="18" charset="0"/>
-                              <a:ea typeface="Cambria Math" panose="02040503050406030204" pitchFamily="18" charset="0"/>
-                            </a:rPr>
-                            <m:t>0</m:t>
-                          </m:r>
-                          <m:r>
-                            <a:rPr kumimoji="1" lang="en-US" altLang="ja-JP" sz="2400" i="1">
-                              <a:latin typeface="Cambria Math" panose="02040503050406030204" pitchFamily="18" charset="0"/>
-                              <a:ea typeface="Cambria Math" panose="02040503050406030204" pitchFamily="18" charset="0"/>
-                            </a:rPr>
-                            <m:t>.</m:t>
-                          </m:r>
-                          <m:r>
-                            <a:rPr kumimoji="1" lang="en-US" altLang="ja-JP" sz="2400" b="0" i="1" smtClean="0">
-                              <a:latin typeface="Cambria Math" panose="02040503050406030204" pitchFamily="18" charset="0"/>
-                              <a:ea typeface="Cambria Math" panose="02040503050406030204" pitchFamily="18" charset="0"/>
-                            </a:rPr>
-                            <m:t>16</m:t>
-                          </m:r>
-                        </m:e>
-                      </m:func>
-                      <m:r>
-                        <a:rPr kumimoji="1" lang="en-US" altLang="ja-JP" sz="2400" b="0" i="1" smtClean="0">
-                          <a:latin typeface="Cambria Math" panose="02040503050406030204" pitchFamily="18" charset="0"/>
-                          <a:ea typeface="Cambria Math" panose="02040503050406030204" pitchFamily="18" charset="0"/>
-                        </a:rPr>
-                        <m:t>+</m:t>
-                      </m:r>
-                      <m:func>
-                        <m:funcPr>
-                          <m:ctrlPr>
-                            <a:rPr kumimoji="1" lang="en-US" altLang="ja-JP" sz="2400" b="0" i="1" smtClean="0">
-                              <a:latin typeface="Cambria Math" panose="02040503050406030204" pitchFamily="18" charset="0"/>
-                              <a:ea typeface="Cambria Math" panose="02040503050406030204" pitchFamily="18" charset="0"/>
-                            </a:rPr>
-                          </m:ctrlPr>
-                        </m:funcPr>
-                        <m:fName>
-                          <m:r>
-                            <m:rPr>
-                              <m:sty m:val="p"/>
-                            </m:rPr>
-                            <a:rPr kumimoji="1" lang="en-US" altLang="ja-JP" sz="2400" b="0" i="0" smtClean="0">
-                              <a:latin typeface="Cambria Math" panose="02040503050406030204" pitchFamily="18" charset="0"/>
-                              <a:ea typeface="Cambria Math" panose="02040503050406030204" pitchFamily="18" charset="0"/>
-                            </a:rPr>
-                            <m:t>log</m:t>
-                          </m:r>
-                        </m:fName>
-                        <m:e>
-                          <m:r>
-                            <a:rPr kumimoji="1" lang="en-US" altLang="ja-JP" sz="2400" i="1">
-                              <a:latin typeface="Cambria Math" panose="02040503050406030204" pitchFamily="18" charset="0"/>
-                              <a:ea typeface="Cambria Math" panose="02040503050406030204" pitchFamily="18" charset="0"/>
-                            </a:rPr>
-                            <m:t>0</m:t>
-                          </m:r>
-                          <m:r>
-                            <a:rPr kumimoji="1" lang="en-US" altLang="ja-JP" sz="2400" i="1">
-                              <a:latin typeface="Cambria Math" panose="02040503050406030204" pitchFamily="18" charset="0"/>
-                              <a:ea typeface="Cambria Math" panose="02040503050406030204" pitchFamily="18" charset="0"/>
-                            </a:rPr>
-                            <m:t>.</m:t>
-                          </m:r>
-                          <m:r>
-                            <a:rPr kumimoji="1" lang="en-US" altLang="ja-JP" sz="2400" b="0" i="1" smtClean="0">
-                              <a:latin typeface="Cambria Math" panose="02040503050406030204" pitchFamily="18" charset="0"/>
-                              <a:ea typeface="Cambria Math" panose="02040503050406030204" pitchFamily="18" charset="0"/>
-                            </a:rPr>
-                            <m:t>16</m:t>
-                          </m:r>
-                        </m:e>
-                      </m:func>
-                      <m:r>
-                        <a:rPr kumimoji="1" lang="en-US" altLang="ja-JP" sz="2400" b="0" i="1" smtClean="0">
-                          <a:latin typeface="Cambria Math" panose="02040503050406030204" pitchFamily="18" charset="0"/>
-                          <a:ea typeface="Cambria Math" panose="02040503050406030204" pitchFamily="18" charset="0"/>
-                        </a:rPr>
-                        <m:t>+</m:t>
-                      </m:r>
-                      <m:func>
-                        <m:funcPr>
-                          <m:ctrlPr>
-                            <a:rPr kumimoji="1" lang="en-US" altLang="ja-JP" sz="2400" b="0" i="1" smtClean="0">
-                              <a:latin typeface="Cambria Math" panose="02040503050406030204" pitchFamily="18" charset="0"/>
-                              <a:ea typeface="Cambria Math" panose="02040503050406030204" pitchFamily="18" charset="0"/>
-                            </a:rPr>
-                          </m:ctrlPr>
-                        </m:funcPr>
-                        <m:fName>
-                          <m:r>
-                            <m:rPr>
-                              <m:sty m:val="p"/>
-                            </m:rPr>
-                            <a:rPr kumimoji="1" lang="en-US" altLang="ja-JP" sz="2400" b="0" i="0" smtClean="0">
-                              <a:latin typeface="Cambria Math" panose="02040503050406030204" pitchFamily="18" charset="0"/>
-                              <a:ea typeface="Cambria Math" panose="02040503050406030204" pitchFamily="18" charset="0"/>
-                            </a:rPr>
-                            <m:t>log</m:t>
-                          </m:r>
-                        </m:fName>
-                        <m:e>
-                          <m:r>
-                            <a:rPr kumimoji="1" lang="en-US" altLang="ja-JP" sz="2400" b="0" i="1" smtClean="0">
-                              <a:latin typeface="Cambria Math" panose="02040503050406030204" pitchFamily="18" charset="0"/>
-                              <a:ea typeface="Cambria Math" panose="02040503050406030204" pitchFamily="18" charset="0"/>
-                            </a:rPr>
-                            <m:t>0</m:t>
-                          </m:r>
-                          <m:r>
-                            <a:rPr kumimoji="1" lang="en-US" altLang="ja-JP" sz="2400" b="0" i="1" smtClean="0">
-                              <a:latin typeface="Cambria Math" panose="02040503050406030204" pitchFamily="18" charset="0"/>
-                              <a:ea typeface="Cambria Math" panose="02040503050406030204" pitchFamily="18" charset="0"/>
-                            </a:rPr>
-                            <m:t>.</m:t>
-                          </m:r>
-                          <m:r>
-                            <a:rPr kumimoji="1" lang="en-US" altLang="ja-JP" sz="2400" b="0" i="1" smtClean="0">
-                              <a:latin typeface="Cambria Math" panose="02040503050406030204" pitchFamily="18" charset="0"/>
-                              <a:ea typeface="Cambria Math" panose="02040503050406030204" pitchFamily="18" charset="0"/>
-                            </a:rPr>
-                            <m:t>13</m:t>
-                          </m:r>
-                        </m:e>
-                      </m:func>
-                      <m:r>
-                        <a:rPr kumimoji="1" lang="en-US" altLang="ja-JP" sz="2400" b="0" i="1" smtClean="0">
-                          <a:latin typeface="Cambria Math" panose="02040503050406030204" pitchFamily="18" charset="0"/>
-                          <a:ea typeface="Cambria Math" panose="02040503050406030204" pitchFamily="18" charset="0"/>
-                        </a:rPr>
-                        <m:t>+</m:t>
-                      </m:r>
-                      <m:func>
-                        <m:funcPr>
-                          <m:ctrlPr>
-                            <a:rPr kumimoji="1" lang="en-US" altLang="ja-JP" sz="2400" b="0" i="1" smtClean="0">
-                              <a:latin typeface="Cambria Math" panose="02040503050406030204" pitchFamily="18" charset="0"/>
-                              <a:ea typeface="Cambria Math" panose="02040503050406030204" pitchFamily="18" charset="0"/>
-                            </a:rPr>
-                          </m:ctrlPr>
-                        </m:funcPr>
-                        <m:fName>
-                          <m:r>
-                            <m:rPr>
-                              <m:sty m:val="p"/>
-                            </m:rPr>
-                            <a:rPr kumimoji="1" lang="en-US" altLang="ja-JP" sz="2400" b="0" i="0" smtClean="0">
-                              <a:latin typeface="Cambria Math" panose="02040503050406030204" pitchFamily="18" charset="0"/>
-                              <a:ea typeface="Cambria Math" panose="02040503050406030204" pitchFamily="18" charset="0"/>
-                            </a:rPr>
-                            <m:t>log</m:t>
-                          </m:r>
-                        </m:fName>
-                        <m:e>
-                          <m:r>
-                            <a:rPr kumimoji="1" lang="en-US" altLang="ja-JP" sz="2400" b="0" i="1" smtClean="0">
-                              <a:latin typeface="Cambria Math" panose="02040503050406030204" pitchFamily="18" charset="0"/>
-                              <a:ea typeface="Cambria Math" panose="02040503050406030204" pitchFamily="18" charset="0"/>
-                            </a:rPr>
-                            <m:t>0</m:t>
-                          </m:r>
-                          <m:r>
-                            <a:rPr kumimoji="1" lang="en-US" altLang="ja-JP" sz="2400" b="0" i="1" smtClean="0">
-                              <a:latin typeface="Cambria Math" panose="02040503050406030204" pitchFamily="18" charset="0"/>
-                              <a:ea typeface="Cambria Math" panose="02040503050406030204" pitchFamily="18" charset="0"/>
-                            </a:rPr>
-                            <m:t>.</m:t>
-                          </m:r>
-                          <m:r>
-                            <a:rPr kumimoji="1" lang="en-US" altLang="ja-JP" sz="2400" b="0" i="1" smtClean="0">
-                              <a:latin typeface="Cambria Math" panose="02040503050406030204" pitchFamily="18" charset="0"/>
-                              <a:ea typeface="Cambria Math" panose="02040503050406030204" pitchFamily="18" charset="0"/>
-                            </a:rPr>
-                            <m:t>01</m:t>
-                          </m:r>
-                        </m:e>
-                      </m:func>
-                      <m:r>
-                        <a:rPr kumimoji="1" lang="en-US" altLang="ja-JP" sz="2400" b="0" i="1" smtClean="0">
-                          <a:latin typeface="Cambria Math" panose="02040503050406030204" pitchFamily="18" charset="0"/>
-                          <a:ea typeface="Cambria Math" panose="02040503050406030204" pitchFamily="18" charset="0"/>
-                        </a:rPr>
-                        <m:t>+</m:t>
-                      </m:r>
-                      <m:func>
-                        <m:funcPr>
-                          <m:ctrlPr>
-                            <a:rPr kumimoji="1" lang="en-US" altLang="ja-JP" sz="2400" b="0" i="1" smtClean="0">
-                              <a:latin typeface="Cambria Math" panose="02040503050406030204" pitchFamily="18" charset="0"/>
-                              <a:ea typeface="Cambria Math" panose="02040503050406030204" pitchFamily="18" charset="0"/>
-                            </a:rPr>
-                          </m:ctrlPr>
-                        </m:funcPr>
-                        <m:fName>
-                          <m:r>
-                            <m:rPr>
-                              <m:sty m:val="p"/>
-                            </m:rPr>
-                            <a:rPr kumimoji="1" lang="en-US" altLang="ja-JP" sz="2400" b="0" i="0" smtClean="0">
-                              <a:latin typeface="Cambria Math" panose="02040503050406030204" pitchFamily="18" charset="0"/>
-                              <a:ea typeface="Cambria Math" panose="02040503050406030204" pitchFamily="18" charset="0"/>
-                            </a:rPr>
-                            <m:t>log</m:t>
-                          </m:r>
-                        </m:fName>
-                        <m:e>
-                          <m:f>
-                            <m:fPr>
-                              <m:ctrlPr>
-                                <a:rPr kumimoji="1" lang="en-US" altLang="ja-JP" sz="2400" i="1">
-                                  <a:latin typeface="Cambria Math" panose="02040503050406030204" pitchFamily="18" charset="0"/>
-                                  <a:ea typeface="Cambria Math" panose="02040503050406030204" pitchFamily="18" charset="0"/>
-                                </a:rPr>
-                              </m:ctrlPr>
-                            </m:fPr>
-                            <m:num>
-                              <m:r>
-                                <a:rPr kumimoji="1" lang="en-US" altLang="ja-JP" sz="2400" b="0" i="1" smtClean="0">
-                                  <a:latin typeface="Cambria Math" panose="02040503050406030204" pitchFamily="18" charset="0"/>
-                                  <a:ea typeface="Cambria Math" panose="02040503050406030204" pitchFamily="18" charset="0"/>
-                                </a:rPr>
-                                <m:t>3</m:t>
-                              </m:r>
-                            </m:num>
-                            <m:den>
-                              <m:r>
-                                <a:rPr kumimoji="1" lang="en-US" altLang="ja-JP" sz="2400" i="1">
-                                  <a:latin typeface="Cambria Math" panose="02040503050406030204" pitchFamily="18" charset="0"/>
-                                  <a:ea typeface="Cambria Math" panose="02040503050406030204" pitchFamily="18" charset="0"/>
-                                </a:rPr>
-                                <m:t>8</m:t>
-                              </m:r>
-                            </m:den>
-                          </m:f>
-                        </m:e>
-                      </m:func>
-                      <m:r>
-                        <a:rPr kumimoji="1" lang="ar-AE" altLang="ja-JP" sz="2400" i="1">
-                          <a:latin typeface="Cambria Math" panose="02040503050406030204" pitchFamily="18" charset="0"/>
-                          <a:ea typeface="Cambria Math" panose="02040503050406030204" pitchFamily="18" charset="0"/>
-                        </a:rPr>
-                        <m:t>=</m:t>
-                      </m:r>
-                      <m:r>
-                        <a:rPr kumimoji="1" lang="en-US" altLang="ja-JP" sz="2400" b="0" i="1" smtClean="0">
-                          <a:latin typeface="Cambria Math" panose="02040503050406030204" pitchFamily="18" charset="0"/>
-                          <a:ea typeface="Cambria Math" panose="02040503050406030204" pitchFamily="18" charset="0"/>
-                        </a:rPr>
-                        <m:t>−</m:t>
-                      </m:r>
-                      <m:r>
-                        <a:rPr kumimoji="1" lang="en-US" altLang="ja-JP" sz="2400" b="0" i="1" smtClean="0">
-                          <a:latin typeface="Cambria Math" panose="02040503050406030204" pitchFamily="18" charset="0"/>
-                          <a:ea typeface="Cambria Math" panose="02040503050406030204" pitchFamily="18" charset="0"/>
-                        </a:rPr>
-                        <m:t>11</m:t>
-                      </m:r>
-                      <m:r>
-                        <a:rPr kumimoji="1" lang="en-US" altLang="ja-JP" sz="2400" b="0" i="1" smtClean="0">
-                          <a:latin typeface="Cambria Math" panose="02040503050406030204" pitchFamily="18" charset="0"/>
-                          <a:ea typeface="Cambria Math" panose="02040503050406030204" pitchFamily="18" charset="0"/>
-                        </a:rPr>
-                        <m:t>.</m:t>
-                      </m:r>
-                      <m:r>
-                        <a:rPr kumimoji="1" lang="en-US" altLang="ja-JP" sz="2400" b="0" i="1" smtClean="0">
-                          <a:latin typeface="Cambria Math" panose="02040503050406030204" pitchFamily="18" charset="0"/>
-                          <a:ea typeface="Cambria Math" panose="02040503050406030204" pitchFamily="18" charset="0"/>
-                        </a:rPr>
-                        <m:t>29</m:t>
-                      </m:r>
-                    </m:oMath>
-                  </m:oMathPara>
-                </a14:m>
-                <a:endParaRPr kumimoji="1" lang="ja-JP" altLang="en-US" sz="2400" dirty="0">
-                  <a:latin typeface="メイリオ" panose="020B0604030504040204" pitchFamily="50" charset="-128"/>
-                  <a:ea typeface="メイリオ" panose="020B0604030504040204" pitchFamily="50" charset="-128"/>
-                </a:endParaRPr>
-              </a:p>
-            </p:txBody>
-          </p:sp>
-        </mc:Choice>
-        <mc:Fallback xmlns="">
-          <p:sp>
-            <p:nvSpPr>
-              <p:cNvPr id="12" name="テキスト ボックス 11">
-                <a:extLst>
-                  <a:ext uri="{FF2B5EF4-FFF2-40B4-BE49-F238E27FC236}">
-                    <a16:creationId xmlns:a16="http://schemas.microsoft.com/office/drawing/2014/main" id="{424364CB-B875-D66B-7B97-F3F8221938ED}"/>
-                  </a:ext>
-                </a:extLst>
-              </p:cNvPr>
-              <p:cNvSpPr txBox="1">
-                <a:spLocks noRot="1" noChangeAspect="1" noMove="1" noResize="1" noEditPoints="1" noAdjustHandles="1" noChangeArrowheads="1" noChangeShapeType="1" noTextEdit="1"/>
-              </p:cNvSpPr>
-              <p:nvPr/>
-            </p:nvSpPr>
-            <p:spPr>
-              <a:xfrm>
-                <a:off x="2038297" y="3265935"/>
-                <a:ext cx="8015875" cy="693844"/>
-              </a:xfrm>
-              <a:prstGeom prst="rect">
-                <a:avLst/>
-              </a:prstGeom>
-              <a:blipFill>
-                <a:blip r:embed="rId6"/>
-                <a:stretch>
-                  <a:fillRect/>
-                </a:stretch>
-              </a:blipFill>
-            </p:spPr>
-            <p:txBody>
-              <a:bodyPr/>
-              <a:lstStyle/>
-              <a:p>
-                <a:r>
-                  <a:rPr lang="ja-JP" altLang="en-US">
-                    <a:noFill/>
-                  </a:rPr>
-                  <a:t> </a:t>
-                </a:r>
-              </a:p>
-            </p:txBody>
-          </p:sp>
-        </mc:Fallback>
-      </mc:AlternateContent>
-      <mc:AlternateContent xmlns:mc="http://schemas.openxmlformats.org/markup-compatibility/2006" xmlns:a14="http://schemas.microsoft.com/office/drawing/2010/main">
-        <mc:Choice Requires="a14">
-          <p:sp>
-            <p:nvSpPr>
-              <p:cNvPr id="13" name="テキスト ボックス 12">
-                <a:extLst>
-                  <a:ext uri="{FF2B5EF4-FFF2-40B4-BE49-F238E27FC236}">
-                    <a16:creationId xmlns:a16="http://schemas.microsoft.com/office/drawing/2014/main" id="{F448E8C9-58A9-E5D8-940D-3DA6A4227E34}"/>
-                  </a:ext>
-                </a:extLst>
-              </p:cNvPr>
-              <p:cNvSpPr txBox="1"/>
-              <p:nvPr/>
-            </p:nvSpPr>
-            <p:spPr>
-              <a:xfrm>
-                <a:off x="3010052" y="5759735"/>
-                <a:ext cx="5138330" cy="602729"/>
-              </a:xfrm>
-              <a:prstGeom prst="rect">
-                <a:avLst/>
-              </a:prstGeom>
-              <a:noFill/>
-            </p:spPr>
-            <p:txBody>
-              <a:bodyPr wrap="none" rtlCol="0">
-                <a:spAutoFit/>
-              </a:bodyPr>
-              <a:lstStyle/>
-              <a:p>
-                <a14:m>
-                  <m:oMath xmlns:m="http://schemas.openxmlformats.org/officeDocument/2006/math">
-                    <m:r>
-                      <a:rPr kumimoji="1" lang="en-US" altLang="ja-JP" sz="3200" b="1" i="1" smtClean="0">
-                        <a:latin typeface="Cambria Math" panose="02040503050406030204" pitchFamily="18" charset="0"/>
-                        <a:ea typeface="メイリオ" panose="020B0604030504040204" pitchFamily="50" charset="-128"/>
-                      </a:rPr>
-                      <m:t>𝒑</m:t>
-                    </m:r>
-                    <m:r>
-                      <a:rPr kumimoji="1" lang="en-US" altLang="ja-JP" sz="3200" b="1" i="1" smtClean="0">
-                        <a:latin typeface="Cambria Math" panose="02040503050406030204" pitchFamily="18" charset="0"/>
-                        <a:ea typeface="メイリオ" panose="020B0604030504040204" pitchFamily="50" charset="-128"/>
-                      </a:rPr>
-                      <m:t>(</m:t>
-                    </m:r>
-                    <m:r>
-                      <a:rPr kumimoji="1" lang="ja-JP" altLang="en-US" sz="3200" b="1" i="1">
-                        <a:latin typeface="Cambria Math" panose="02040503050406030204" pitchFamily="18" charset="0"/>
-                        <a:ea typeface="メイリオ" panose="020B0604030504040204" pitchFamily="50" charset="-128"/>
-                      </a:rPr>
-                      <m:t>プリン</m:t>
-                    </m:r>
-                    <m:r>
-                      <a:rPr kumimoji="1" lang="en-US" altLang="ja-JP" sz="3200" b="1" i="1" smtClean="0">
-                        <a:latin typeface="Cambria Math" panose="02040503050406030204" pitchFamily="18" charset="0"/>
-                        <a:ea typeface="メイリオ" panose="020B0604030504040204" pitchFamily="50" charset="-128"/>
-                      </a:rPr>
-                      <m:t>|</m:t>
-                    </m:r>
-                    <m:r>
-                      <a:rPr kumimoji="1" lang="en-US" altLang="ja-JP" sz="3200" b="1" i="1">
-                        <a:latin typeface="Cambria Math" panose="02040503050406030204" pitchFamily="18" charset="0"/>
-                        <a:ea typeface="メイリオ" panose="020B0604030504040204" pitchFamily="50" charset="-128"/>
-                      </a:rPr>
-                      <m:t>𝒙</m:t>
-                    </m:r>
-                    <m:r>
-                      <a:rPr kumimoji="1" lang="en-US" altLang="ja-JP" sz="3200" b="1" i="1" smtClean="0">
-                        <a:latin typeface="Cambria Math" panose="02040503050406030204" pitchFamily="18" charset="0"/>
-                        <a:ea typeface="メイリオ" panose="020B0604030504040204" pitchFamily="50" charset="-128"/>
-                      </a:rPr>
-                      <m:t>)&gt;</m:t>
-                    </m:r>
-                    <m:r>
-                      <a:rPr kumimoji="1" lang="en-US" altLang="ja-JP" sz="3200" b="1" i="1" smtClean="0">
-                        <a:latin typeface="Cambria Math" panose="02040503050406030204" pitchFamily="18" charset="0"/>
-                        <a:ea typeface="メイリオ" panose="020B0604030504040204" pitchFamily="50" charset="-128"/>
-                      </a:rPr>
-                      <m:t>𝒑</m:t>
-                    </m:r>
-                    <m:r>
-                      <a:rPr kumimoji="1" lang="en-US" altLang="ja-JP" sz="3200" b="1" i="1" smtClean="0">
-                        <a:latin typeface="Cambria Math" panose="02040503050406030204" pitchFamily="18" charset="0"/>
-                        <a:ea typeface="メイリオ" panose="020B0604030504040204" pitchFamily="50" charset="-128"/>
-                      </a:rPr>
-                      <m:t>(</m:t>
-                    </m:r>
-                    <m:r>
-                      <a:rPr kumimoji="1" lang="ja-JP" altLang="en-US" sz="3200" b="1" i="1">
-                        <a:latin typeface="Cambria Math" panose="02040503050406030204" pitchFamily="18" charset="0"/>
-                        <a:ea typeface="メイリオ" panose="020B0604030504040204" pitchFamily="50" charset="-128"/>
-                      </a:rPr>
-                      <m:t>シュー</m:t>
-                    </m:r>
-                    <m:r>
-                      <a:rPr kumimoji="1" lang="en-US" altLang="ja-JP" sz="3200" b="1" i="1" smtClean="0">
-                        <a:latin typeface="Cambria Math" panose="02040503050406030204" pitchFamily="18" charset="0"/>
-                        <a:ea typeface="メイリオ" panose="020B0604030504040204" pitchFamily="50" charset="-128"/>
-                      </a:rPr>
-                      <m:t>|</m:t>
-                    </m:r>
-                    <m:r>
-                      <a:rPr kumimoji="1" lang="en-US" altLang="ja-JP" sz="3200" b="1" i="1">
-                        <a:latin typeface="Cambria Math" panose="02040503050406030204" pitchFamily="18" charset="0"/>
-                        <a:ea typeface="メイリオ" panose="020B0604030504040204" pitchFamily="50" charset="-128"/>
-                      </a:rPr>
-                      <m:t>𝒙</m:t>
-                    </m:r>
-                  </m:oMath>
-                </a14:m>
-                <a:r>
-                  <a:rPr kumimoji="1" lang="en-US" altLang="ja-JP" sz="3200" b="1" dirty="0">
-                    <a:latin typeface="メイリオ" panose="020B0604030504040204" pitchFamily="50" charset="-128"/>
-                    <a:ea typeface="メイリオ" panose="020B0604030504040204" pitchFamily="50" charset="-128"/>
-                  </a:rPr>
-                  <a:t>)</a:t>
-                </a:r>
-                <a:endParaRPr kumimoji="1" lang="ja-JP" altLang="en-US" sz="3200" b="1" dirty="0">
-                  <a:latin typeface="メイリオ" panose="020B0604030504040204" pitchFamily="50" charset="-128"/>
-                  <a:ea typeface="メイリオ" panose="020B0604030504040204" pitchFamily="50" charset="-128"/>
-                </a:endParaRPr>
-              </a:p>
-            </p:txBody>
-          </p:sp>
-        </mc:Choice>
-        <mc:Fallback xmlns="">
-          <p:sp>
-            <p:nvSpPr>
-              <p:cNvPr id="13" name="テキスト ボックス 12">
-                <a:extLst>
-                  <a:ext uri="{FF2B5EF4-FFF2-40B4-BE49-F238E27FC236}">
-                    <a16:creationId xmlns:a16="http://schemas.microsoft.com/office/drawing/2014/main" id="{F448E8C9-58A9-E5D8-940D-3DA6A4227E34}"/>
-                  </a:ext>
-                </a:extLst>
-              </p:cNvPr>
-              <p:cNvSpPr txBox="1">
-                <a:spLocks noRot="1" noChangeAspect="1" noMove="1" noResize="1" noEditPoints="1" noAdjustHandles="1" noChangeArrowheads="1" noChangeShapeType="1" noTextEdit="1"/>
-              </p:cNvSpPr>
-              <p:nvPr/>
-            </p:nvSpPr>
-            <p:spPr>
-              <a:xfrm>
-                <a:off x="3010052" y="5759735"/>
-                <a:ext cx="5138330" cy="602729"/>
-              </a:xfrm>
-              <a:prstGeom prst="rect">
-                <a:avLst/>
-              </a:prstGeom>
-              <a:blipFill>
-                <a:blip r:embed="rId7"/>
-                <a:stretch>
-                  <a:fillRect t="-8081" r="-2017" b="-34343"/>
-                </a:stretch>
-              </a:blipFill>
-            </p:spPr>
-            <p:txBody>
-              <a:bodyPr/>
-              <a:lstStyle/>
-              <a:p>
-                <a:r>
-                  <a:rPr lang="ja-JP" altLang="en-US">
-                    <a:noFill/>
-                  </a:rPr>
-                  <a:t> </a:t>
-                </a:r>
-              </a:p>
-            </p:txBody>
-          </p:sp>
-        </mc:Fallback>
-      </mc:AlternateContent>
-      <p:sp>
-        <p:nvSpPr>
-          <p:cNvPr id="14" name="矢印: 下 13">
-            <a:extLst>
-              <a:ext uri="{FF2B5EF4-FFF2-40B4-BE49-F238E27FC236}">
-                <a16:creationId xmlns:a16="http://schemas.microsoft.com/office/drawing/2014/main" id="{375DD343-6A83-2C20-DD8A-AB57F3CB9767}"/>
-              </a:ext>
-            </a:extLst>
-          </p:cNvPr>
-          <p:cNvSpPr/>
-          <p:nvPr/>
-        </p:nvSpPr>
-        <p:spPr>
-          <a:xfrm>
-            <a:off x="5001208" y="5239444"/>
-            <a:ext cx="842865" cy="376800"/>
-          </a:xfrm>
-          <a:prstGeom prst="downArrow">
-            <a:avLst/>
-          </a:prstGeom>
-        </p:spPr>
-        <p:style>
-          <a:lnRef idx="2">
-            <a:schemeClr val="accent1">
-              <a:shade val="15000"/>
-            </a:schemeClr>
-          </a:lnRef>
-          <a:fillRef idx="1">
-            <a:schemeClr val="accent1"/>
-          </a:fillRef>
-          <a:effectRef idx="0">
-            <a:schemeClr val="accent1"/>
-          </a:effectRef>
-          <a:fontRef idx="minor">
-            <a:schemeClr val="lt1"/>
-          </a:fontRef>
-        </p:style>
-        <p:txBody>
-          <a:bodyPr rtlCol="0" anchor="ctr"/>
-          <a:lstStyle/>
-          <a:p>
-            <a:pPr algn="ctr"/>
-            <a:endParaRPr kumimoji="1" lang="ja-JP" altLang="en-US"/>
-          </a:p>
-        </p:txBody>
-      </p:sp>
-      <p:sp>
-        <p:nvSpPr>
-          <p:cNvPr id="15" name="テキスト ボックス 14">
-            <a:extLst>
-              <a:ext uri="{FF2B5EF4-FFF2-40B4-BE49-F238E27FC236}">
-                <a16:creationId xmlns:a16="http://schemas.microsoft.com/office/drawing/2014/main" id="{548D0024-EFD6-9F76-772E-839930905B56}"/>
-              </a:ext>
-            </a:extLst>
-          </p:cNvPr>
-          <p:cNvSpPr txBox="1"/>
-          <p:nvPr/>
-        </p:nvSpPr>
-        <p:spPr>
-          <a:xfrm>
-            <a:off x="570807" y="4186369"/>
-            <a:ext cx="3262432" cy="461665"/>
-          </a:xfrm>
-          <a:prstGeom prst="rect">
-            <a:avLst/>
-          </a:prstGeom>
-          <a:noFill/>
-        </p:spPr>
-        <p:txBody>
-          <a:bodyPr wrap="none" rtlCol="0">
-            <a:spAutoFit/>
-          </a:bodyPr>
-          <a:lstStyle/>
-          <a:p>
-            <a:pPr algn="l"/>
-            <a:r>
-              <a:rPr kumimoji="1" lang="ja-JP" altLang="en-US" sz="2400" dirty="0">
-                <a:latin typeface="メイリオ" panose="020B0604030504040204" pitchFamily="50" charset="-128"/>
-                <a:ea typeface="メイリオ" panose="020B0604030504040204" pitchFamily="50" charset="-128"/>
-              </a:rPr>
-              <a:t>大小関係はかわらない</a:t>
-            </a:r>
-          </a:p>
-        </p:txBody>
-      </p:sp>
-      <p:sp>
-        <p:nvSpPr>
-          <p:cNvPr id="16" name="右中かっこ 15">
-            <a:extLst>
-              <a:ext uri="{FF2B5EF4-FFF2-40B4-BE49-F238E27FC236}">
-                <a16:creationId xmlns:a16="http://schemas.microsoft.com/office/drawing/2014/main" id="{3C18D0E5-4E06-6C8D-2303-B9AF7900012F}"/>
-              </a:ext>
-            </a:extLst>
-          </p:cNvPr>
-          <p:cNvSpPr/>
-          <p:nvPr/>
-        </p:nvSpPr>
-        <p:spPr>
-          <a:xfrm>
-            <a:off x="9890448" y="2589162"/>
-            <a:ext cx="263255" cy="1176958"/>
-          </a:xfrm>
-          <a:prstGeom prst="rightBrace">
-            <a:avLst/>
-          </a:prstGeom>
-        </p:spPr>
-        <p:style>
-          <a:lnRef idx="1">
-            <a:schemeClr val="accent1"/>
-          </a:lnRef>
-          <a:fillRef idx="0">
-            <a:schemeClr val="accent1"/>
-          </a:fillRef>
-          <a:effectRef idx="0">
-            <a:schemeClr val="accent1"/>
-          </a:effectRef>
-          <a:fontRef idx="minor">
-            <a:schemeClr val="tx1"/>
-          </a:fontRef>
-        </p:style>
-        <p:txBody>
-          <a:bodyPr rtlCol="0" anchor="ctr"/>
-          <a:lstStyle/>
-          <a:p>
-            <a:pPr algn="ctr"/>
-            <a:endParaRPr kumimoji="1" lang="ja-JP" altLang="en-US" dirty="0"/>
-          </a:p>
-        </p:txBody>
-      </p:sp>
-      <p:sp>
-        <p:nvSpPr>
-          <p:cNvPr id="17" name="テキスト ボックス 16">
-            <a:extLst>
-              <a:ext uri="{FF2B5EF4-FFF2-40B4-BE49-F238E27FC236}">
-                <a16:creationId xmlns:a16="http://schemas.microsoft.com/office/drawing/2014/main" id="{0A33E659-7E54-C4A1-992E-51A30ABBBA7A}"/>
-              </a:ext>
-            </a:extLst>
-          </p:cNvPr>
-          <p:cNvSpPr txBox="1"/>
-          <p:nvPr/>
-        </p:nvSpPr>
-        <p:spPr>
-          <a:xfrm>
-            <a:off x="10190856" y="2808249"/>
-            <a:ext cx="1909665" cy="1200329"/>
-          </a:xfrm>
-          <a:prstGeom prst="rect">
-            <a:avLst/>
-          </a:prstGeom>
-          <a:noFill/>
-        </p:spPr>
-        <p:txBody>
-          <a:bodyPr wrap="square" rtlCol="0">
-            <a:spAutoFit/>
-          </a:bodyPr>
-          <a:lstStyle/>
-          <a:p>
-            <a:pPr algn="l"/>
-            <a:r>
-              <a:rPr kumimoji="1" lang="ja-JP" altLang="en-US" sz="2400" dirty="0">
-                <a:latin typeface="メイリオ" panose="020B0604030504040204" pitchFamily="50" charset="-128"/>
-                <a:ea typeface="メイリオ" panose="020B0604030504040204" pitchFamily="50" charset="-128"/>
-              </a:rPr>
-              <a:t>小数の対数なのでマイナスになる</a:t>
-            </a:r>
-          </a:p>
-        </p:txBody>
-      </p:sp>
-    </p:spTree>
-    <p:extLst>
-      <p:ext uri="{BB962C8B-B14F-4D97-AF65-F5344CB8AC3E}">
-        <p14:creationId xmlns:p14="http://schemas.microsoft.com/office/powerpoint/2010/main" val="1710964985"/>
       </p:ext>
     </p:extLst>
   </p:cSld>
@@ -19732,6 +18955,2325 @@
 </file>
 
 <file path=ppt/slides/slide20.xml><?xml version="1.0" encoding="utf-8"?>
+<p:sld xmlns:a="http://schemas.openxmlformats.org/drawingml/2006/main" xmlns:r="http://schemas.openxmlformats.org/officeDocument/2006/relationships" xmlns:p="http://schemas.openxmlformats.org/presentationml/2006/main">
+  <p:cSld>
+    <p:spTree>
+      <p:nvGrpSpPr>
+        <p:cNvPr id="1" name=""/>
+        <p:cNvGrpSpPr/>
+        <p:nvPr/>
+      </p:nvGrpSpPr>
+      <p:grpSpPr>
+        <a:xfrm>
+          <a:off x="0" y="0"/>
+          <a:ext cx="0" cy="0"/>
+          <a:chOff x="0" y="0"/>
+          <a:chExt cx="0" cy="0"/>
+        </a:xfrm>
+      </p:grpSpPr>
+      <p:sp>
+        <p:nvSpPr>
+          <p:cNvPr id="2" name="テキスト ボックス 1">
+            <a:extLst>
+              <a:ext uri="{FF2B5EF4-FFF2-40B4-BE49-F238E27FC236}">
+                <a16:creationId xmlns:a16="http://schemas.microsoft.com/office/drawing/2014/main" id="{45DA4EA9-DA1D-3AB6-FD0A-E2E96143190F}"/>
+              </a:ext>
+            </a:extLst>
+          </p:cNvPr>
+          <p:cNvSpPr txBox="1"/>
+          <p:nvPr/>
+        </p:nvSpPr>
+        <p:spPr>
+          <a:xfrm>
+            <a:off x="719216" y="2589162"/>
+            <a:ext cx="1561646" cy="461665"/>
+          </a:xfrm>
+          <a:prstGeom prst="rect">
+            <a:avLst/>
+          </a:prstGeom>
+          <a:noFill/>
+        </p:spPr>
+        <p:txBody>
+          <a:bodyPr wrap="none" rtlCol="0">
+            <a:spAutoFit/>
+          </a:bodyPr>
+          <a:lstStyle/>
+          <a:p>
+            <a:pPr algn="l"/>
+            <a:r>
+              <a:rPr kumimoji="1" lang="en-US" altLang="ja-JP" sz="2400" dirty="0">
+                <a:latin typeface="メイリオ" panose="020B0604030504040204" pitchFamily="50" charset="-128"/>
+                <a:ea typeface="メイリオ" panose="020B0604030504040204" pitchFamily="50" charset="-128"/>
+              </a:rPr>
+              <a:t>C=</a:t>
+            </a:r>
+            <a:r>
+              <a:rPr kumimoji="1" lang="ja-JP" altLang="en-US" sz="2400" dirty="0">
+                <a:latin typeface="メイリオ" panose="020B0604030504040204" pitchFamily="50" charset="-128"/>
+                <a:ea typeface="メイリオ" panose="020B0604030504040204" pitchFamily="50" charset="-128"/>
+              </a:rPr>
+              <a:t>シュー</a:t>
+            </a:r>
+          </a:p>
+        </p:txBody>
+      </p:sp>
+      <mc:AlternateContent xmlns:mc="http://schemas.openxmlformats.org/markup-compatibility/2006" xmlns:a14="http://schemas.microsoft.com/office/drawing/2010/main">
+        <mc:Choice Requires="a14">
+          <p:sp>
+            <p:nvSpPr>
+              <p:cNvPr id="3" name="テキスト ボックス 2">
+                <a:extLst>
+                  <a:ext uri="{FF2B5EF4-FFF2-40B4-BE49-F238E27FC236}">
+                    <a16:creationId xmlns:a16="http://schemas.microsoft.com/office/drawing/2014/main" id="{C85B774D-99AE-A6E7-15B9-100D0D8F87BC}"/>
+                  </a:ext>
+                </a:extLst>
+              </p:cNvPr>
+              <p:cNvSpPr txBox="1"/>
+              <p:nvPr/>
+            </p:nvSpPr>
+            <p:spPr>
+              <a:xfrm>
+                <a:off x="2202023" y="2390535"/>
+                <a:ext cx="7688425" cy="701346"/>
+              </a:xfrm>
+              <a:prstGeom prst="rect">
+                <a:avLst/>
+              </a:prstGeom>
+              <a:noFill/>
+            </p:spPr>
+            <p:txBody>
+              <a:bodyPr wrap="square" lIns="0" tIns="0" rIns="0" bIns="0" rtlCol="0">
+                <a:spAutoFit/>
+              </a:bodyPr>
+              <a:lstStyle/>
+              <a:p>
+                <a:pPr/>
+                <a14:m>
+                  <m:oMathPara xmlns:m="http://schemas.openxmlformats.org/officeDocument/2006/math">
+                    <m:oMathParaPr>
+                      <m:jc m:val="centerGroup"/>
+                    </m:oMathParaPr>
+                    <m:oMath xmlns:m="http://schemas.openxmlformats.org/officeDocument/2006/math">
+                      <m:func>
+                        <m:funcPr>
+                          <m:ctrlPr>
+                            <a:rPr kumimoji="1" lang="en-US" altLang="ja-JP" sz="2400" b="0" i="1" smtClean="0">
+                              <a:latin typeface="Cambria Math" panose="02040503050406030204" pitchFamily="18" charset="0"/>
+                              <a:ea typeface="Cambria Math" panose="02040503050406030204" pitchFamily="18" charset="0"/>
+                            </a:rPr>
+                          </m:ctrlPr>
+                        </m:funcPr>
+                        <m:fName>
+                          <m:r>
+                            <m:rPr>
+                              <m:sty m:val="p"/>
+                            </m:rPr>
+                            <a:rPr kumimoji="1" lang="en-US" altLang="ja-JP" sz="2400" b="0" i="0" smtClean="0">
+                              <a:latin typeface="Cambria Math" panose="02040503050406030204" pitchFamily="18" charset="0"/>
+                              <a:ea typeface="Cambria Math" panose="02040503050406030204" pitchFamily="18" charset="0"/>
+                            </a:rPr>
+                            <m:t>log</m:t>
+                          </m:r>
+                        </m:fName>
+                        <m:e>
+                          <m:r>
+                            <a:rPr kumimoji="1" lang="en-US" altLang="ja-JP" sz="2400" i="1">
+                              <a:latin typeface="Cambria Math" panose="02040503050406030204" pitchFamily="18" charset="0"/>
+                              <a:ea typeface="Cambria Math" panose="02040503050406030204" pitchFamily="18" charset="0"/>
+                            </a:rPr>
+                            <m:t>0</m:t>
+                          </m:r>
+                          <m:r>
+                            <a:rPr kumimoji="1" lang="en-US" altLang="ja-JP" sz="2400" i="1">
+                              <a:latin typeface="Cambria Math" panose="02040503050406030204" pitchFamily="18" charset="0"/>
+                              <a:ea typeface="Cambria Math" panose="02040503050406030204" pitchFamily="18" charset="0"/>
+                            </a:rPr>
+                            <m:t>.</m:t>
+                          </m:r>
+                          <m:r>
+                            <a:rPr kumimoji="1" lang="en-US" altLang="ja-JP" sz="2400" i="1">
+                              <a:latin typeface="Cambria Math" panose="02040503050406030204" pitchFamily="18" charset="0"/>
+                              <a:ea typeface="Cambria Math" panose="02040503050406030204" pitchFamily="18" charset="0"/>
+                            </a:rPr>
+                            <m:t>01</m:t>
+                          </m:r>
+                        </m:e>
+                      </m:func>
+                      <m:r>
+                        <a:rPr kumimoji="1" lang="en-US" altLang="ja-JP" sz="2400" b="0" i="1" smtClean="0">
+                          <a:latin typeface="Cambria Math" panose="02040503050406030204" pitchFamily="18" charset="0"/>
+                          <a:ea typeface="Cambria Math" panose="02040503050406030204" pitchFamily="18" charset="0"/>
+                        </a:rPr>
+                        <m:t>+</m:t>
+                      </m:r>
+                      <m:func>
+                        <m:funcPr>
+                          <m:ctrlPr>
+                            <a:rPr kumimoji="1" lang="en-US" altLang="ja-JP" sz="2400" b="0" i="1" smtClean="0">
+                              <a:latin typeface="Cambria Math" panose="02040503050406030204" pitchFamily="18" charset="0"/>
+                              <a:ea typeface="Cambria Math" panose="02040503050406030204" pitchFamily="18" charset="0"/>
+                            </a:rPr>
+                          </m:ctrlPr>
+                        </m:funcPr>
+                        <m:fName>
+                          <m:r>
+                            <m:rPr>
+                              <m:sty m:val="p"/>
+                            </m:rPr>
+                            <a:rPr kumimoji="1" lang="en-US" altLang="ja-JP" sz="2400" b="0" i="0" smtClean="0">
+                              <a:latin typeface="Cambria Math" panose="02040503050406030204" pitchFamily="18" charset="0"/>
+                              <a:ea typeface="Cambria Math" panose="02040503050406030204" pitchFamily="18" charset="0"/>
+                            </a:rPr>
+                            <m:t>log</m:t>
+                          </m:r>
+                        </m:fName>
+                        <m:e>
+                          <m:r>
+                            <a:rPr kumimoji="1" lang="en-US" altLang="ja-JP" sz="2400" i="1">
+                              <a:latin typeface="Cambria Math" panose="02040503050406030204" pitchFamily="18" charset="0"/>
+                              <a:ea typeface="Cambria Math" panose="02040503050406030204" pitchFamily="18" charset="0"/>
+                            </a:rPr>
+                            <m:t>0</m:t>
+                          </m:r>
+                          <m:r>
+                            <a:rPr kumimoji="1" lang="en-US" altLang="ja-JP" sz="2400" i="1">
+                              <a:latin typeface="Cambria Math" panose="02040503050406030204" pitchFamily="18" charset="0"/>
+                              <a:ea typeface="Cambria Math" panose="02040503050406030204" pitchFamily="18" charset="0"/>
+                            </a:rPr>
+                            <m:t>.</m:t>
+                          </m:r>
+                          <m:r>
+                            <a:rPr kumimoji="1" lang="en-US" altLang="ja-JP" sz="2400" i="1">
+                              <a:latin typeface="Cambria Math" panose="02040503050406030204" pitchFamily="18" charset="0"/>
+                              <a:ea typeface="Cambria Math" panose="02040503050406030204" pitchFamily="18" charset="0"/>
+                            </a:rPr>
+                            <m:t>01</m:t>
+                          </m:r>
+                        </m:e>
+                      </m:func>
+                      <m:r>
+                        <a:rPr kumimoji="1" lang="en-US" altLang="ja-JP" sz="2400" b="0" i="1" smtClean="0">
+                          <a:latin typeface="Cambria Math" panose="02040503050406030204" pitchFamily="18" charset="0"/>
+                          <a:ea typeface="Cambria Math" panose="02040503050406030204" pitchFamily="18" charset="0"/>
+                        </a:rPr>
+                        <m:t>+</m:t>
+                      </m:r>
+                      <m:func>
+                        <m:funcPr>
+                          <m:ctrlPr>
+                            <a:rPr kumimoji="1" lang="en-US" altLang="ja-JP" sz="2400" b="0" i="1" smtClean="0">
+                              <a:latin typeface="Cambria Math" panose="02040503050406030204" pitchFamily="18" charset="0"/>
+                              <a:ea typeface="Cambria Math" panose="02040503050406030204" pitchFamily="18" charset="0"/>
+                            </a:rPr>
+                          </m:ctrlPr>
+                        </m:funcPr>
+                        <m:fName>
+                          <m:r>
+                            <m:rPr>
+                              <m:sty m:val="p"/>
+                            </m:rPr>
+                            <a:rPr kumimoji="1" lang="en-US" altLang="ja-JP" sz="2400" b="0" i="0" smtClean="0">
+                              <a:latin typeface="Cambria Math" panose="02040503050406030204" pitchFamily="18" charset="0"/>
+                              <a:ea typeface="Cambria Math" panose="02040503050406030204" pitchFamily="18" charset="0"/>
+                            </a:rPr>
+                            <m:t>log</m:t>
+                          </m:r>
+                        </m:fName>
+                        <m:e>
+                          <m:r>
+                            <a:rPr kumimoji="1" lang="en-US" altLang="ja-JP" sz="2400" b="0" i="1" smtClean="0">
+                              <a:latin typeface="Cambria Math" panose="02040503050406030204" pitchFamily="18" charset="0"/>
+                              <a:ea typeface="Cambria Math" panose="02040503050406030204" pitchFamily="18" charset="0"/>
+                            </a:rPr>
+                            <m:t>0</m:t>
+                          </m:r>
+                          <m:r>
+                            <a:rPr kumimoji="1" lang="en-US" altLang="ja-JP" sz="2400" b="0" i="1" smtClean="0">
+                              <a:latin typeface="Cambria Math" panose="02040503050406030204" pitchFamily="18" charset="0"/>
+                              <a:ea typeface="Cambria Math" panose="02040503050406030204" pitchFamily="18" charset="0"/>
+                            </a:rPr>
+                            <m:t>.</m:t>
+                          </m:r>
+                          <m:r>
+                            <a:rPr kumimoji="1" lang="en-US" altLang="ja-JP" sz="2400" b="0" i="1" smtClean="0">
+                              <a:latin typeface="Cambria Math" panose="02040503050406030204" pitchFamily="18" charset="0"/>
+                              <a:ea typeface="Cambria Math" panose="02040503050406030204" pitchFamily="18" charset="0"/>
+                            </a:rPr>
+                            <m:t>06</m:t>
+                          </m:r>
+                        </m:e>
+                      </m:func>
+                      <m:r>
+                        <a:rPr kumimoji="1" lang="en-US" altLang="ja-JP" sz="2400" b="0" i="1" smtClean="0">
+                          <a:latin typeface="Cambria Math" panose="02040503050406030204" pitchFamily="18" charset="0"/>
+                          <a:ea typeface="Cambria Math" panose="02040503050406030204" pitchFamily="18" charset="0"/>
+                        </a:rPr>
+                        <m:t>+</m:t>
+                      </m:r>
+                      <m:func>
+                        <m:funcPr>
+                          <m:ctrlPr>
+                            <a:rPr kumimoji="1" lang="en-US" altLang="ja-JP" sz="2400" b="0" i="1" smtClean="0">
+                              <a:latin typeface="Cambria Math" panose="02040503050406030204" pitchFamily="18" charset="0"/>
+                              <a:ea typeface="Cambria Math" panose="02040503050406030204" pitchFamily="18" charset="0"/>
+                            </a:rPr>
+                          </m:ctrlPr>
+                        </m:funcPr>
+                        <m:fName>
+                          <m:r>
+                            <m:rPr>
+                              <m:sty m:val="p"/>
+                            </m:rPr>
+                            <a:rPr kumimoji="1" lang="en-US" altLang="ja-JP" sz="2400" b="0" i="0" smtClean="0">
+                              <a:latin typeface="Cambria Math" panose="02040503050406030204" pitchFamily="18" charset="0"/>
+                              <a:ea typeface="Cambria Math" panose="02040503050406030204" pitchFamily="18" charset="0"/>
+                            </a:rPr>
+                            <m:t>log</m:t>
+                          </m:r>
+                        </m:fName>
+                        <m:e>
+                          <m:r>
+                            <a:rPr kumimoji="1" lang="en-US" altLang="ja-JP" sz="2400" b="0" i="1" smtClean="0">
+                              <a:latin typeface="Cambria Math" panose="02040503050406030204" pitchFamily="18" charset="0"/>
+                              <a:ea typeface="Cambria Math" panose="02040503050406030204" pitchFamily="18" charset="0"/>
+                            </a:rPr>
+                            <m:t>0</m:t>
+                          </m:r>
+                          <m:r>
+                            <a:rPr kumimoji="1" lang="en-US" altLang="ja-JP" sz="2400" b="0" i="1" smtClean="0">
+                              <a:latin typeface="Cambria Math" panose="02040503050406030204" pitchFamily="18" charset="0"/>
+                              <a:ea typeface="Cambria Math" panose="02040503050406030204" pitchFamily="18" charset="0"/>
+                            </a:rPr>
+                            <m:t>.</m:t>
+                          </m:r>
+                          <m:r>
+                            <a:rPr kumimoji="1" lang="en-US" altLang="ja-JP" sz="2400" b="0" i="1" smtClean="0">
+                              <a:latin typeface="Cambria Math" panose="02040503050406030204" pitchFamily="18" charset="0"/>
+                              <a:ea typeface="Cambria Math" panose="02040503050406030204" pitchFamily="18" charset="0"/>
+                            </a:rPr>
+                            <m:t>05</m:t>
+                          </m:r>
+                        </m:e>
+                      </m:func>
+                      <m:r>
+                        <a:rPr kumimoji="1" lang="en-US" altLang="ja-JP" sz="2400" b="0" i="1" smtClean="0">
+                          <a:latin typeface="Cambria Math" panose="02040503050406030204" pitchFamily="18" charset="0"/>
+                          <a:ea typeface="Cambria Math" panose="02040503050406030204" pitchFamily="18" charset="0"/>
+                        </a:rPr>
+                        <m:t>+</m:t>
+                      </m:r>
+                      <m:func>
+                        <m:funcPr>
+                          <m:ctrlPr>
+                            <a:rPr kumimoji="1" lang="en-US" altLang="ja-JP" sz="2400" b="0" i="1" smtClean="0">
+                              <a:latin typeface="Cambria Math" panose="02040503050406030204" pitchFamily="18" charset="0"/>
+                              <a:ea typeface="Cambria Math" panose="02040503050406030204" pitchFamily="18" charset="0"/>
+                            </a:rPr>
+                          </m:ctrlPr>
+                        </m:funcPr>
+                        <m:fName>
+                          <m:r>
+                            <m:rPr>
+                              <m:sty m:val="p"/>
+                            </m:rPr>
+                            <a:rPr kumimoji="1" lang="en-US" altLang="ja-JP" sz="2400" b="0" i="0" smtClean="0">
+                              <a:latin typeface="Cambria Math" panose="02040503050406030204" pitchFamily="18" charset="0"/>
+                              <a:ea typeface="Cambria Math" panose="02040503050406030204" pitchFamily="18" charset="0"/>
+                            </a:rPr>
+                            <m:t>log</m:t>
+                          </m:r>
+                        </m:fName>
+                        <m:e>
+                          <m:f>
+                            <m:fPr>
+                              <m:ctrlPr>
+                                <a:rPr kumimoji="1" lang="en-US" altLang="ja-JP" sz="2400" i="1">
+                                  <a:latin typeface="Cambria Math" panose="02040503050406030204" pitchFamily="18" charset="0"/>
+                                  <a:ea typeface="Cambria Math" panose="02040503050406030204" pitchFamily="18" charset="0"/>
+                                </a:rPr>
+                              </m:ctrlPr>
+                            </m:fPr>
+                            <m:num>
+                              <m:r>
+                                <a:rPr kumimoji="1" lang="en-US" altLang="ja-JP" sz="2400" i="1">
+                                  <a:latin typeface="Cambria Math" panose="02040503050406030204" pitchFamily="18" charset="0"/>
+                                  <a:ea typeface="Cambria Math" panose="02040503050406030204" pitchFamily="18" charset="0"/>
+                                </a:rPr>
+                                <m:t>5</m:t>
+                              </m:r>
+                            </m:num>
+                            <m:den>
+                              <m:r>
+                                <a:rPr kumimoji="1" lang="en-US" altLang="ja-JP" sz="2400" i="1">
+                                  <a:latin typeface="Cambria Math" panose="02040503050406030204" pitchFamily="18" charset="0"/>
+                                  <a:ea typeface="Cambria Math" panose="02040503050406030204" pitchFamily="18" charset="0"/>
+                                </a:rPr>
+                                <m:t>8</m:t>
+                              </m:r>
+                            </m:den>
+                          </m:f>
+                        </m:e>
+                      </m:func>
+                      <m:r>
+                        <a:rPr kumimoji="1" lang="ar-AE" altLang="ja-JP" sz="2400" i="1">
+                          <a:latin typeface="Cambria Math" panose="02040503050406030204" pitchFamily="18" charset="0"/>
+                          <a:ea typeface="Cambria Math" panose="02040503050406030204" pitchFamily="18" charset="0"/>
+                        </a:rPr>
+                        <m:t>=</m:t>
+                      </m:r>
+                      <m:r>
+                        <a:rPr kumimoji="1" lang="en-US" altLang="ja-JP" sz="2400" b="0" i="1" smtClean="0">
+                          <a:latin typeface="Cambria Math" panose="02040503050406030204" pitchFamily="18" charset="0"/>
+                          <a:ea typeface="Cambria Math" panose="02040503050406030204" pitchFamily="18" charset="0"/>
+                        </a:rPr>
+                        <m:t>−</m:t>
+                      </m:r>
+                      <m:r>
+                        <a:rPr kumimoji="1" lang="en-US" altLang="ja-JP" sz="2400" b="0" i="1" smtClean="0">
+                          <a:latin typeface="Cambria Math" panose="02040503050406030204" pitchFamily="18" charset="0"/>
+                          <a:ea typeface="Cambria Math" panose="02040503050406030204" pitchFamily="18" charset="0"/>
+                        </a:rPr>
+                        <m:t>15</m:t>
+                      </m:r>
+                      <m:r>
+                        <a:rPr kumimoji="1" lang="en-US" altLang="ja-JP" sz="2400" b="0" i="1" smtClean="0">
+                          <a:latin typeface="Cambria Math" panose="02040503050406030204" pitchFamily="18" charset="0"/>
+                          <a:ea typeface="Cambria Math" panose="02040503050406030204" pitchFamily="18" charset="0"/>
+                        </a:rPr>
+                        <m:t>.</m:t>
+                      </m:r>
+                      <m:r>
+                        <a:rPr kumimoji="1" lang="en-US" altLang="ja-JP" sz="2400" b="0" i="1" smtClean="0">
+                          <a:latin typeface="Cambria Math" panose="02040503050406030204" pitchFamily="18" charset="0"/>
+                          <a:ea typeface="Cambria Math" panose="02040503050406030204" pitchFamily="18" charset="0"/>
+                        </a:rPr>
+                        <m:t>49</m:t>
+                      </m:r>
+                    </m:oMath>
+                  </m:oMathPara>
+                </a14:m>
+                <a:endParaRPr kumimoji="1" lang="ja-JP" altLang="en-US" sz="2400" dirty="0">
+                  <a:latin typeface="メイリオ" panose="020B0604030504040204" pitchFamily="50" charset="-128"/>
+                  <a:ea typeface="メイリオ" panose="020B0604030504040204" pitchFamily="50" charset="-128"/>
+                </a:endParaRPr>
+              </a:p>
+            </p:txBody>
+          </p:sp>
+        </mc:Choice>
+        <mc:Fallback xmlns="">
+          <p:sp>
+            <p:nvSpPr>
+              <p:cNvPr id="3" name="テキスト ボックス 2">
+                <a:extLst>
+                  <a:ext uri="{FF2B5EF4-FFF2-40B4-BE49-F238E27FC236}">
+                    <a16:creationId xmlns:a16="http://schemas.microsoft.com/office/drawing/2014/main" id="{C85B774D-99AE-A6E7-15B9-100D0D8F87BC}"/>
+                  </a:ext>
+                </a:extLst>
+              </p:cNvPr>
+              <p:cNvSpPr txBox="1">
+                <a:spLocks noRot="1" noChangeAspect="1" noMove="1" noResize="1" noEditPoints="1" noAdjustHandles="1" noChangeArrowheads="1" noChangeShapeType="1" noTextEdit="1"/>
+              </p:cNvSpPr>
+              <p:nvPr/>
+            </p:nvSpPr>
+            <p:spPr>
+              <a:xfrm>
+                <a:off x="2202023" y="2390535"/>
+                <a:ext cx="7688425" cy="701346"/>
+              </a:xfrm>
+              <a:prstGeom prst="rect">
+                <a:avLst/>
+              </a:prstGeom>
+              <a:blipFill>
+                <a:blip r:embed="rId2"/>
+                <a:stretch>
+                  <a:fillRect/>
+                </a:stretch>
+              </a:blipFill>
+            </p:spPr>
+            <p:txBody>
+              <a:bodyPr/>
+              <a:lstStyle/>
+              <a:p>
+                <a:r>
+                  <a:rPr lang="ja-JP" altLang="en-US">
+                    <a:noFill/>
+                  </a:rPr>
+                  <a:t> </a:t>
+                </a:r>
+              </a:p>
+            </p:txBody>
+          </p:sp>
+        </mc:Fallback>
+      </mc:AlternateContent>
+      <p:sp>
+        <p:nvSpPr>
+          <p:cNvPr id="4" name="テキスト ボックス 3">
+            <a:extLst>
+              <a:ext uri="{FF2B5EF4-FFF2-40B4-BE49-F238E27FC236}">
+                <a16:creationId xmlns:a16="http://schemas.microsoft.com/office/drawing/2014/main" id="{55FBCABC-3436-0C0E-8D49-7894D4600B5E}"/>
+              </a:ext>
+            </a:extLst>
+          </p:cNvPr>
+          <p:cNvSpPr txBox="1"/>
+          <p:nvPr/>
+        </p:nvSpPr>
+        <p:spPr>
+          <a:xfrm>
+            <a:off x="719216" y="3460295"/>
+            <a:ext cx="1561646" cy="461665"/>
+          </a:xfrm>
+          <a:prstGeom prst="rect">
+            <a:avLst/>
+          </a:prstGeom>
+          <a:noFill/>
+        </p:spPr>
+        <p:txBody>
+          <a:bodyPr wrap="none" rtlCol="0">
+            <a:spAutoFit/>
+          </a:bodyPr>
+          <a:lstStyle/>
+          <a:p>
+            <a:pPr algn="l"/>
+            <a:r>
+              <a:rPr kumimoji="1" lang="en-US" altLang="ja-JP" sz="2400" dirty="0">
+                <a:latin typeface="メイリオ" panose="020B0604030504040204" pitchFamily="50" charset="-128"/>
+                <a:ea typeface="メイリオ" panose="020B0604030504040204" pitchFamily="50" charset="-128"/>
+              </a:rPr>
+              <a:t>C=</a:t>
+            </a:r>
+            <a:r>
+              <a:rPr kumimoji="1" lang="ja-JP" altLang="en-US" sz="2400" dirty="0">
+                <a:latin typeface="メイリオ" panose="020B0604030504040204" pitchFamily="50" charset="-128"/>
+                <a:ea typeface="メイリオ" panose="020B0604030504040204" pitchFamily="50" charset="-128"/>
+              </a:rPr>
+              <a:t>プリン</a:t>
+            </a:r>
+          </a:p>
+        </p:txBody>
+      </p:sp>
+      <mc:AlternateContent xmlns:mc="http://schemas.openxmlformats.org/markup-compatibility/2006" xmlns:a14="http://schemas.microsoft.com/office/drawing/2010/main">
+        <mc:Choice Requires="a14">
+          <p:sp>
+            <p:nvSpPr>
+              <p:cNvPr id="6" name="テキスト ボックス 5">
+                <a:extLst>
+                  <a:ext uri="{FF2B5EF4-FFF2-40B4-BE49-F238E27FC236}">
+                    <a16:creationId xmlns:a16="http://schemas.microsoft.com/office/drawing/2014/main" id="{C9DE3A0C-A77E-A1F6-4C0F-F2BDF2785FCC}"/>
+                  </a:ext>
+                </a:extLst>
+              </p:cNvPr>
+              <p:cNvSpPr txBox="1"/>
+              <p:nvPr/>
+            </p:nvSpPr>
+            <p:spPr>
+              <a:xfrm>
+                <a:off x="676786" y="4602494"/>
+                <a:ext cx="11265841" cy="578685"/>
+              </a:xfrm>
+              <a:prstGeom prst="rect">
+                <a:avLst/>
+              </a:prstGeom>
+              <a:noFill/>
+            </p:spPr>
+            <p:txBody>
+              <a:bodyPr wrap="none" rtlCol="0">
+                <a:spAutoFit/>
+              </a:bodyPr>
+              <a:lstStyle/>
+              <a:p>
+                <a14:m>
+                  <m:oMath xmlns:m="http://schemas.openxmlformats.org/officeDocument/2006/math">
+                    <m:r>
+                      <a:rPr kumimoji="1" lang="en-US" altLang="ja-JP" sz="2800" b="1" i="1" smtClean="0">
+                        <a:latin typeface="Cambria Math" panose="02040503050406030204" pitchFamily="18" charset="0"/>
+                        <a:ea typeface="メイリオ" panose="020B0604030504040204" pitchFamily="50" charset="-128"/>
+                      </a:rPr>
+                      <m:t>𝒍𝒐𝒈</m:t>
+                    </m:r>
+                    <m:r>
+                      <a:rPr kumimoji="1" lang="en-US" altLang="ja-JP" sz="2800" b="1" i="1" smtClean="0">
+                        <a:latin typeface="Cambria Math" panose="02040503050406030204" pitchFamily="18" charset="0"/>
+                        <a:ea typeface="メイリオ" panose="020B0604030504040204" pitchFamily="50" charset="-128"/>
+                      </a:rPr>
+                      <m:t> </m:t>
+                    </m:r>
+                    <m:r>
+                      <a:rPr kumimoji="1" lang="en-US" altLang="ja-JP" sz="2800" b="1" i="1" smtClean="0">
+                        <a:latin typeface="Cambria Math" panose="02040503050406030204" pitchFamily="18" charset="0"/>
+                        <a:ea typeface="メイリオ" panose="020B0604030504040204" pitchFamily="50" charset="-128"/>
+                      </a:rPr>
+                      <m:t>𝒑</m:t>
+                    </m:r>
+                    <m:d>
+                      <m:dPr>
+                        <m:ctrlPr>
+                          <a:rPr kumimoji="1" lang="en-US" altLang="ja-JP" sz="2800" b="1" i="1">
+                            <a:latin typeface="Cambria Math" panose="02040503050406030204" pitchFamily="18" charset="0"/>
+                            <a:ea typeface="メイリオ" panose="020B0604030504040204" pitchFamily="50" charset="-128"/>
+                          </a:rPr>
+                        </m:ctrlPr>
+                      </m:dPr>
+                      <m:e>
+                        <m:r>
+                          <a:rPr kumimoji="1" lang="en-US" altLang="ja-JP" sz="2800" b="1" i="1">
+                            <a:latin typeface="Cambria Math" panose="02040503050406030204" pitchFamily="18" charset="0"/>
+                            <a:ea typeface="メイリオ" panose="020B0604030504040204" pitchFamily="50" charset="-128"/>
+                          </a:rPr>
+                          <m:t>𝒙</m:t>
+                        </m:r>
+                      </m:e>
+                      <m:e>
+                        <m:r>
+                          <a:rPr kumimoji="1" lang="ja-JP" altLang="en-US" sz="2800" b="1" i="1" smtClean="0">
+                            <a:latin typeface="Cambria Math" panose="02040503050406030204" pitchFamily="18" charset="0"/>
+                            <a:ea typeface="メイリオ" panose="020B0604030504040204" pitchFamily="50" charset="-128"/>
+                          </a:rPr>
+                          <m:t>プリン</m:t>
+                        </m:r>
+                      </m:e>
+                    </m:d>
+                    <m:r>
+                      <a:rPr kumimoji="1" lang="en-US" altLang="ja-JP" sz="2800" b="1" i="1" smtClean="0">
+                        <a:latin typeface="Cambria Math" panose="02040503050406030204" pitchFamily="18" charset="0"/>
+                        <a:ea typeface="メイリオ" panose="020B0604030504040204" pitchFamily="50" charset="-128"/>
+                      </a:rPr>
+                      <m:t>+</m:t>
+                    </m:r>
+                    <m:r>
+                      <a:rPr kumimoji="1" lang="en-US" altLang="ja-JP" sz="2800" b="1" i="1" smtClean="0">
+                        <a:latin typeface="Cambria Math" panose="02040503050406030204" pitchFamily="18" charset="0"/>
+                        <a:ea typeface="メイリオ" panose="020B0604030504040204" pitchFamily="50" charset="-128"/>
+                      </a:rPr>
+                      <m:t>𝒍𝒐𝒈</m:t>
+                    </m:r>
+                    <m:r>
+                      <a:rPr kumimoji="1" lang="en-US" altLang="ja-JP" sz="2800" b="1" i="1" smtClean="0">
+                        <a:latin typeface="Cambria Math" panose="02040503050406030204" pitchFamily="18" charset="0"/>
+                        <a:ea typeface="メイリオ" panose="020B0604030504040204" pitchFamily="50" charset="-128"/>
+                      </a:rPr>
+                      <m:t> </m:t>
+                    </m:r>
+                    <m:r>
+                      <a:rPr kumimoji="1" lang="en-US" altLang="ja-JP" sz="2800" b="1" i="1" smtClean="0">
+                        <a:latin typeface="Cambria Math" panose="02040503050406030204" pitchFamily="18" charset="0"/>
+                        <a:ea typeface="メイリオ" panose="020B0604030504040204" pitchFamily="50" charset="-128"/>
+                      </a:rPr>
+                      <m:t>𝒑</m:t>
+                    </m:r>
+                    <m:d>
+                      <m:dPr>
+                        <m:ctrlPr>
+                          <a:rPr kumimoji="1" lang="en-US" altLang="ja-JP" sz="2800" b="1" i="1" smtClean="0">
+                            <a:latin typeface="Cambria Math" panose="02040503050406030204" pitchFamily="18" charset="0"/>
+                            <a:ea typeface="メイリオ" panose="020B0604030504040204" pitchFamily="50" charset="-128"/>
+                          </a:rPr>
+                        </m:ctrlPr>
+                      </m:dPr>
+                      <m:e>
+                        <m:r>
+                          <a:rPr kumimoji="1" lang="ja-JP" altLang="en-US" sz="2800" b="1" i="1">
+                            <a:latin typeface="Cambria Math" panose="02040503050406030204" pitchFamily="18" charset="0"/>
+                            <a:ea typeface="メイリオ" panose="020B0604030504040204" pitchFamily="50" charset="-128"/>
+                          </a:rPr>
+                          <m:t>プリン</m:t>
+                        </m:r>
+                      </m:e>
+                    </m:d>
+                    <m:r>
+                      <a:rPr kumimoji="1" lang="en-US" altLang="ja-JP" sz="2800" b="1" i="1" smtClean="0">
+                        <a:latin typeface="Cambria Math" panose="02040503050406030204" pitchFamily="18" charset="0"/>
+                        <a:ea typeface="メイリオ" panose="020B0604030504040204" pitchFamily="50" charset="-128"/>
+                      </a:rPr>
+                      <m:t>&gt;</m:t>
+                    </m:r>
+                    <m:r>
+                      <a:rPr kumimoji="1" lang="en-US" altLang="ja-JP" sz="2800" b="1" i="1" smtClean="0">
+                        <a:latin typeface="Cambria Math" panose="02040503050406030204" pitchFamily="18" charset="0"/>
+                        <a:ea typeface="メイリオ" panose="020B0604030504040204" pitchFamily="50" charset="-128"/>
+                      </a:rPr>
+                      <m:t>𝒍𝒐𝒈</m:t>
+                    </m:r>
+                    <m:r>
+                      <a:rPr kumimoji="1" lang="en-US" altLang="ja-JP" sz="2800" b="1" i="1" smtClean="0">
+                        <a:latin typeface="Cambria Math" panose="02040503050406030204" pitchFamily="18" charset="0"/>
+                        <a:ea typeface="メイリオ" panose="020B0604030504040204" pitchFamily="50" charset="-128"/>
+                      </a:rPr>
+                      <m:t> </m:t>
+                    </m:r>
+                    <m:r>
+                      <a:rPr kumimoji="1" lang="en-US" altLang="ja-JP" sz="2800" b="1" i="1" smtClean="0">
+                        <a:latin typeface="Cambria Math" panose="02040503050406030204" pitchFamily="18" charset="0"/>
+                        <a:ea typeface="メイリオ" panose="020B0604030504040204" pitchFamily="50" charset="-128"/>
+                      </a:rPr>
+                      <m:t>𝒑</m:t>
+                    </m:r>
+                    <m:d>
+                      <m:dPr>
+                        <m:ctrlPr>
+                          <a:rPr kumimoji="1" lang="en-US" altLang="ja-JP" sz="2800" b="1" i="1" smtClean="0">
+                            <a:latin typeface="Cambria Math" panose="02040503050406030204" pitchFamily="18" charset="0"/>
+                            <a:ea typeface="メイリオ" panose="020B0604030504040204" pitchFamily="50" charset="-128"/>
+                          </a:rPr>
+                        </m:ctrlPr>
+                      </m:dPr>
+                      <m:e>
+                        <m:r>
+                          <a:rPr kumimoji="1" lang="en-US" altLang="ja-JP" sz="2800" b="1" i="1" smtClean="0">
+                            <a:latin typeface="Cambria Math" panose="02040503050406030204" pitchFamily="18" charset="0"/>
+                            <a:ea typeface="メイリオ" panose="020B0604030504040204" pitchFamily="50" charset="-128"/>
+                          </a:rPr>
+                          <m:t>𝒙</m:t>
+                        </m:r>
+                      </m:e>
+                      <m:e>
+                        <m:r>
+                          <a:rPr kumimoji="1" lang="ja-JP" altLang="en-US" sz="2800" b="1" i="1">
+                            <a:latin typeface="Cambria Math" panose="02040503050406030204" pitchFamily="18" charset="0"/>
+                            <a:ea typeface="メイリオ" panose="020B0604030504040204" pitchFamily="50" charset="-128"/>
+                          </a:rPr>
+                          <m:t>シュー</m:t>
+                        </m:r>
+                      </m:e>
+                    </m:d>
+                    <m:r>
+                      <a:rPr kumimoji="1" lang="en-US" altLang="ja-JP" sz="2800" b="1" i="1" smtClean="0">
+                        <a:latin typeface="Cambria Math" panose="02040503050406030204" pitchFamily="18" charset="0"/>
+                        <a:ea typeface="メイリオ" panose="020B0604030504040204" pitchFamily="50" charset="-128"/>
+                      </a:rPr>
+                      <m:t>+</m:t>
+                    </m:r>
+                    <m:r>
+                      <a:rPr kumimoji="1" lang="en-US" altLang="ja-JP" sz="2800" b="1" i="1" smtClean="0">
+                        <a:latin typeface="Cambria Math" panose="02040503050406030204" pitchFamily="18" charset="0"/>
+                        <a:ea typeface="メイリオ" panose="020B0604030504040204" pitchFamily="50" charset="-128"/>
+                      </a:rPr>
+                      <m:t>𝒍𝒐𝒈</m:t>
+                    </m:r>
+                    <m:r>
+                      <a:rPr kumimoji="1" lang="en-US" altLang="ja-JP" sz="2800" b="1" i="1" smtClean="0">
+                        <a:latin typeface="Cambria Math" panose="02040503050406030204" pitchFamily="18" charset="0"/>
+                        <a:ea typeface="メイリオ" panose="020B0604030504040204" pitchFamily="50" charset="-128"/>
+                      </a:rPr>
+                      <m:t> </m:t>
+                    </m:r>
+                    <m:r>
+                      <a:rPr kumimoji="1" lang="en-US" altLang="ja-JP" sz="2800" b="1" i="1" smtClean="0">
+                        <a:latin typeface="Cambria Math" panose="02040503050406030204" pitchFamily="18" charset="0"/>
+                        <a:ea typeface="メイリオ" panose="020B0604030504040204" pitchFamily="50" charset="-128"/>
+                      </a:rPr>
+                      <m:t>𝒑</m:t>
+                    </m:r>
+                    <m:r>
+                      <a:rPr kumimoji="1" lang="en-US" altLang="ja-JP" sz="2800" b="1" i="1" smtClean="0">
+                        <a:latin typeface="Cambria Math" panose="02040503050406030204" pitchFamily="18" charset="0"/>
+                        <a:ea typeface="メイリオ" panose="020B0604030504040204" pitchFamily="50" charset="-128"/>
+                      </a:rPr>
+                      <m:t>(</m:t>
+                    </m:r>
+                    <m:r>
+                      <a:rPr kumimoji="1" lang="ja-JP" altLang="en-US" sz="2800" b="1" i="1">
+                        <a:latin typeface="Cambria Math" panose="02040503050406030204" pitchFamily="18" charset="0"/>
+                        <a:ea typeface="メイリオ" panose="020B0604030504040204" pitchFamily="50" charset="-128"/>
+                      </a:rPr>
+                      <m:t>シュー</m:t>
+                    </m:r>
+                  </m:oMath>
+                </a14:m>
+                <a:r>
+                  <a:rPr kumimoji="1" lang="en-US" altLang="ja-JP" sz="2800" b="1" dirty="0">
+                    <a:latin typeface="メイリオ" panose="020B0604030504040204" pitchFamily="50" charset="-128"/>
+                    <a:ea typeface="メイリオ" panose="020B0604030504040204" pitchFamily="50" charset="-128"/>
+                  </a:rPr>
+                  <a:t>)</a:t>
+                </a:r>
+                <a:endParaRPr kumimoji="1" lang="ja-JP" altLang="en-US" sz="2800" b="1" dirty="0">
+                  <a:latin typeface="メイリオ" panose="020B0604030504040204" pitchFamily="50" charset="-128"/>
+                  <a:ea typeface="メイリオ" panose="020B0604030504040204" pitchFamily="50" charset="-128"/>
+                </a:endParaRPr>
+              </a:p>
+            </p:txBody>
+          </p:sp>
+        </mc:Choice>
+        <mc:Fallback xmlns="">
+          <p:sp>
+            <p:nvSpPr>
+              <p:cNvPr id="6" name="テキスト ボックス 5">
+                <a:extLst>
+                  <a:ext uri="{FF2B5EF4-FFF2-40B4-BE49-F238E27FC236}">
+                    <a16:creationId xmlns:a16="http://schemas.microsoft.com/office/drawing/2014/main" id="{C9DE3A0C-A77E-A1F6-4C0F-F2BDF2785FCC}"/>
+                  </a:ext>
+                </a:extLst>
+              </p:cNvPr>
+              <p:cNvSpPr txBox="1">
+                <a:spLocks noRot="1" noChangeAspect="1" noMove="1" noResize="1" noEditPoints="1" noAdjustHandles="1" noChangeArrowheads="1" noChangeShapeType="1" noTextEdit="1"/>
+              </p:cNvSpPr>
+              <p:nvPr/>
+            </p:nvSpPr>
+            <p:spPr>
+              <a:xfrm>
+                <a:off x="676786" y="4602494"/>
+                <a:ext cx="11265841" cy="578685"/>
+              </a:xfrm>
+              <a:prstGeom prst="rect">
+                <a:avLst/>
+              </a:prstGeom>
+              <a:blipFill>
+                <a:blip r:embed="rId3"/>
+                <a:stretch>
+                  <a:fillRect r="-216" b="-29474"/>
+                </a:stretch>
+              </a:blipFill>
+            </p:spPr>
+            <p:txBody>
+              <a:bodyPr/>
+              <a:lstStyle/>
+              <a:p>
+                <a:r>
+                  <a:rPr lang="ja-JP" altLang="en-US">
+                    <a:noFill/>
+                  </a:rPr>
+                  <a:t> </a:t>
+                </a:r>
+              </a:p>
+            </p:txBody>
+          </p:sp>
+        </mc:Fallback>
+      </mc:AlternateContent>
+      <p:sp>
+        <p:nvSpPr>
+          <p:cNvPr id="9" name="テキスト ボックス 8">
+            <a:extLst>
+              <a:ext uri="{FF2B5EF4-FFF2-40B4-BE49-F238E27FC236}">
+                <a16:creationId xmlns:a16="http://schemas.microsoft.com/office/drawing/2014/main" id="{9A41E5FA-98E4-3A55-624D-3C8FE6E9A36F}"/>
+              </a:ext>
+            </a:extLst>
+          </p:cNvPr>
+          <p:cNvSpPr txBox="1"/>
+          <p:nvPr/>
+        </p:nvSpPr>
+        <p:spPr>
+          <a:xfrm>
+            <a:off x="272137" y="467861"/>
+            <a:ext cx="10443885" cy="584775"/>
+          </a:xfrm>
+          <a:prstGeom prst="rect">
+            <a:avLst/>
+          </a:prstGeom>
+          <a:noFill/>
+        </p:spPr>
+        <p:txBody>
+          <a:bodyPr wrap="none" rtlCol="0">
+            <a:spAutoFit/>
+          </a:bodyPr>
+          <a:lstStyle/>
+          <a:p>
+            <a:pPr algn="l"/>
+            <a:r>
+              <a:rPr kumimoji="1" lang="ja-JP" altLang="en-US" sz="3200" dirty="0">
+                <a:latin typeface="メイリオ" panose="020B0604030504040204" pitchFamily="50" charset="-128"/>
+                <a:ea typeface="メイリオ" panose="020B0604030504040204" pitchFamily="50" charset="-128"/>
+              </a:rPr>
+              <a:t>掛け算を足し算にできればアンダーフローは回避できる</a:t>
+            </a:r>
+          </a:p>
+        </p:txBody>
+      </p:sp>
+      <mc:AlternateContent xmlns:mc="http://schemas.openxmlformats.org/markup-compatibility/2006" xmlns:a14="http://schemas.microsoft.com/office/drawing/2010/main">
+        <mc:Choice Requires="a14">
+          <p:sp>
+            <p:nvSpPr>
+              <p:cNvPr id="10" name="テキスト ボックス 9">
+                <a:extLst>
+                  <a:ext uri="{FF2B5EF4-FFF2-40B4-BE49-F238E27FC236}">
+                    <a16:creationId xmlns:a16="http://schemas.microsoft.com/office/drawing/2014/main" id="{707643ED-D11E-5FB9-A3E2-774065CE34B6}"/>
+                  </a:ext>
+                </a:extLst>
+              </p:cNvPr>
+              <p:cNvSpPr txBox="1"/>
+              <p:nvPr/>
+            </p:nvSpPr>
+            <p:spPr>
+              <a:xfrm>
+                <a:off x="272137" y="1098219"/>
+                <a:ext cx="8787983" cy="461665"/>
+              </a:xfrm>
+              <a:prstGeom prst="rect">
+                <a:avLst/>
+              </a:prstGeom>
+              <a:noFill/>
+            </p:spPr>
+            <p:txBody>
+              <a:bodyPr wrap="none" rtlCol="0">
+                <a:spAutoFit/>
+              </a:bodyPr>
+              <a:lstStyle/>
+              <a:p>
+                <a:pPr/>
+                <a14:m>
+                  <m:oMathPara xmlns:m="http://schemas.openxmlformats.org/officeDocument/2006/math">
+                    <m:oMathParaPr>
+                      <m:jc m:val="centerGroup"/>
+                    </m:oMathParaPr>
+                    <m:oMath xmlns:m="http://schemas.openxmlformats.org/officeDocument/2006/math">
+                      <m:func>
+                        <m:funcPr>
+                          <m:ctrlPr>
+                            <a:rPr kumimoji="1" lang="en-US" altLang="ja-JP" sz="2400" b="0" i="1" smtClean="0">
+                              <a:latin typeface="Cambria Math" panose="02040503050406030204" pitchFamily="18" charset="0"/>
+                              <a:ea typeface="メイリオ" panose="020B0604030504040204" pitchFamily="50" charset="-128"/>
+                            </a:rPr>
+                          </m:ctrlPr>
+                        </m:funcPr>
+                        <m:fName>
+                          <m:r>
+                            <m:rPr>
+                              <m:sty m:val="p"/>
+                            </m:rPr>
+                            <a:rPr kumimoji="1" lang="en-US" altLang="ja-JP" sz="2400" b="0" i="0" smtClean="0">
+                              <a:latin typeface="Cambria Math" panose="02040503050406030204" pitchFamily="18" charset="0"/>
+                              <a:ea typeface="メイリオ" panose="020B0604030504040204" pitchFamily="50" charset="-128"/>
+                            </a:rPr>
+                            <m:t>log</m:t>
+                          </m:r>
+                        </m:fName>
+                        <m:e>
+                          <m:r>
+                            <a:rPr kumimoji="1" lang="en-US" altLang="ja-JP" sz="2400" i="1">
+                              <a:latin typeface="Cambria Math" panose="02040503050406030204" pitchFamily="18" charset="0"/>
+                              <a:ea typeface="メイリオ" panose="020B0604030504040204" pitchFamily="50" charset="-128"/>
+                            </a:rPr>
+                            <m:t>𝑝</m:t>
+                          </m:r>
+                          <m:d>
+                            <m:dPr>
+                              <m:ctrlPr>
+                                <a:rPr kumimoji="1" lang="en-US" altLang="ja-JP" sz="2400" i="1">
+                                  <a:latin typeface="Cambria Math" panose="02040503050406030204" pitchFamily="18" charset="0"/>
+                                  <a:ea typeface="メイリオ" panose="020B0604030504040204" pitchFamily="50" charset="-128"/>
+                                </a:rPr>
+                              </m:ctrlPr>
+                            </m:dPr>
+                            <m:e>
+                              <m:r>
+                                <a:rPr kumimoji="1" lang="en-US" altLang="ja-JP" sz="2400" b="1" i="1">
+                                  <a:latin typeface="Cambria Math" panose="02040503050406030204" pitchFamily="18" charset="0"/>
+                                  <a:ea typeface="メイリオ" panose="020B0604030504040204" pitchFamily="50" charset="-128"/>
+                                </a:rPr>
+                                <m:t>𝒙</m:t>
+                              </m:r>
+                            </m:e>
+                            <m:e>
+                              <m:r>
+                                <a:rPr kumimoji="1" lang="en-US" altLang="ja-JP" sz="2400" i="1">
+                                  <a:latin typeface="Cambria Math" panose="02040503050406030204" pitchFamily="18" charset="0"/>
+                                  <a:ea typeface="メイリオ" panose="020B0604030504040204" pitchFamily="50" charset="-128"/>
+                                </a:rPr>
+                                <m:t>𝐶</m:t>
+                              </m:r>
+                            </m:e>
+                          </m:d>
+                          <m:r>
+                            <a:rPr kumimoji="1" lang="en-US" altLang="ja-JP" sz="2400" i="1">
+                              <a:latin typeface="Cambria Math" panose="02040503050406030204" pitchFamily="18" charset="0"/>
+                              <a:ea typeface="メイリオ" panose="020B0604030504040204" pitchFamily="50" charset="-128"/>
+                            </a:rPr>
+                            <m:t>𝑝</m:t>
+                          </m:r>
+                          <m:d>
+                            <m:dPr>
+                              <m:ctrlPr>
+                                <a:rPr kumimoji="1" lang="en-US" altLang="ja-JP" sz="2400" i="1">
+                                  <a:latin typeface="Cambria Math" panose="02040503050406030204" pitchFamily="18" charset="0"/>
+                                  <a:ea typeface="メイリオ" panose="020B0604030504040204" pitchFamily="50" charset="-128"/>
+                                </a:rPr>
+                              </m:ctrlPr>
+                            </m:dPr>
+                            <m:e>
+                              <m:r>
+                                <a:rPr kumimoji="1" lang="en-US" altLang="ja-JP" sz="2400" i="1">
+                                  <a:latin typeface="Cambria Math" panose="02040503050406030204" pitchFamily="18" charset="0"/>
+                                  <a:ea typeface="メイリオ" panose="020B0604030504040204" pitchFamily="50" charset="-128"/>
+                                </a:rPr>
+                                <m:t>𝐶</m:t>
+                              </m:r>
+                            </m:e>
+                          </m:d>
+                          <m:r>
+                            <a:rPr kumimoji="1" lang="en-US" altLang="ja-JP" sz="2400" i="1">
+                              <a:latin typeface="Cambria Math" panose="02040503050406030204" pitchFamily="18" charset="0"/>
+                              <a:ea typeface="メイリオ" panose="020B0604030504040204" pitchFamily="50" charset="-128"/>
+                            </a:rPr>
+                            <m:t>=</m:t>
+                          </m:r>
+                        </m:e>
+                      </m:func>
+                      <m:func>
+                        <m:funcPr>
+                          <m:ctrlPr>
+                            <a:rPr kumimoji="1" lang="en-US" altLang="ja-JP" sz="2400" b="0" i="1" smtClean="0">
+                              <a:latin typeface="Cambria Math" panose="02040503050406030204" pitchFamily="18" charset="0"/>
+                              <a:ea typeface="メイリオ" panose="020B0604030504040204" pitchFamily="50" charset="-128"/>
+                            </a:rPr>
+                          </m:ctrlPr>
+                        </m:funcPr>
+                        <m:fName>
+                          <m:r>
+                            <m:rPr>
+                              <m:sty m:val="p"/>
+                            </m:rPr>
+                            <a:rPr kumimoji="1" lang="en-US" altLang="ja-JP" sz="2400" b="0" i="0" smtClean="0">
+                              <a:latin typeface="Cambria Math" panose="02040503050406030204" pitchFamily="18" charset="0"/>
+                              <a:ea typeface="メイリオ" panose="020B0604030504040204" pitchFamily="50" charset="-128"/>
+                            </a:rPr>
+                            <m:t>log</m:t>
+                          </m:r>
+                        </m:fName>
+                        <m:e>
+                          <m:r>
+                            <a:rPr kumimoji="1" lang="en-US" altLang="ja-JP" sz="2400" i="1">
+                              <a:latin typeface="Cambria Math" panose="02040503050406030204" pitchFamily="18" charset="0"/>
+                              <a:ea typeface="メイリオ" panose="020B0604030504040204" pitchFamily="50" charset="-128"/>
+                            </a:rPr>
+                            <m:t>𝑝</m:t>
+                          </m:r>
+                          <m:r>
+                            <a:rPr kumimoji="1" lang="en-US" altLang="ja-JP" sz="2400" i="1">
+                              <a:latin typeface="Cambria Math" panose="02040503050406030204" pitchFamily="18" charset="0"/>
+                              <a:ea typeface="メイリオ" panose="020B0604030504040204" pitchFamily="50" charset="-128"/>
+                            </a:rPr>
+                            <m:t>(</m:t>
+                          </m:r>
+                          <m:r>
+                            <a:rPr kumimoji="1" lang="ja-JP" altLang="en-US" sz="2400" i="1">
+                              <a:latin typeface="Cambria Math" panose="02040503050406030204" pitchFamily="18" charset="0"/>
+                              <a:ea typeface="メイリオ" panose="020B0604030504040204" pitchFamily="50" charset="-128"/>
+                            </a:rPr>
+                            <m:t>カラメル</m:t>
+                          </m:r>
+                          <m:r>
+                            <a:rPr kumimoji="1" lang="en-US" altLang="ja-JP" sz="2400" i="1">
+                              <a:latin typeface="Cambria Math" panose="02040503050406030204" pitchFamily="18" charset="0"/>
+                              <a:ea typeface="メイリオ" panose="020B0604030504040204" pitchFamily="50" charset="-128"/>
+                            </a:rPr>
+                            <m:t>,</m:t>
+                          </m:r>
+                          <m:r>
+                            <a:rPr kumimoji="1" lang="ja-JP" altLang="en-US" sz="2400" i="1">
+                              <a:latin typeface="Cambria Math" panose="02040503050406030204" pitchFamily="18" charset="0"/>
+                              <a:ea typeface="メイリオ" panose="020B0604030504040204" pitchFamily="50" charset="-128"/>
+                            </a:rPr>
+                            <m:t>カラメル</m:t>
+                          </m:r>
+                          <m:r>
+                            <a:rPr kumimoji="1" lang="en-US" altLang="ja-JP" sz="2400" i="1">
+                              <a:latin typeface="Cambria Math" panose="02040503050406030204" pitchFamily="18" charset="0"/>
+                              <a:ea typeface="メイリオ" panose="020B0604030504040204" pitchFamily="50" charset="-128"/>
+                            </a:rPr>
+                            <m:t>,</m:t>
+                          </m:r>
+                          <m:r>
+                            <a:rPr kumimoji="1" lang="ja-JP" altLang="en-US" sz="2400" i="1">
+                              <a:latin typeface="Cambria Math" panose="02040503050406030204" pitchFamily="18" charset="0"/>
+                              <a:ea typeface="メイリオ" panose="020B0604030504040204" pitchFamily="50" charset="-128"/>
+                            </a:rPr>
+                            <m:t>ミルク</m:t>
+                          </m:r>
+                          <m:r>
+                            <a:rPr kumimoji="1" lang="en-US" altLang="ja-JP" sz="2400" i="1">
+                              <a:latin typeface="Cambria Math" panose="02040503050406030204" pitchFamily="18" charset="0"/>
+                              <a:ea typeface="メイリオ" panose="020B0604030504040204" pitchFamily="50" charset="-128"/>
+                            </a:rPr>
+                            <m:t>,</m:t>
+                          </m:r>
+                          <m:r>
+                            <a:rPr kumimoji="1" lang="ja-JP" altLang="en-US" sz="2400" i="1">
+                              <a:latin typeface="Cambria Math" panose="02040503050406030204" pitchFamily="18" charset="0"/>
+                              <a:ea typeface="メイリオ" panose="020B0604030504040204" pitchFamily="50" charset="-128"/>
+                            </a:rPr>
+                            <m:t>砂糖</m:t>
+                          </m:r>
+                          <m:r>
+                            <a:rPr kumimoji="1" lang="en-US" altLang="ja-JP" sz="2400" i="1">
+                              <a:latin typeface="Cambria Math" panose="02040503050406030204" pitchFamily="18" charset="0"/>
+                              <a:ea typeface="メイリオ" panose="020B0604030504040204" pitchFamily="50" charset="-128"/>
+                            </a:rPr>
+                            <m:t>|</m:t>
+                          </m:r>
+                          <m:r>
+                            <a:rPr kumimoji="1" lang="en-US" altLang="ja-JP" sz="2400" i="1">
+                              <a:latin typeface="Cambria Math" panose="02040503050406030204" pitchFamily="18" charset="0"/>
+                              <a:ea typeface="メイリオ" panose="020B0604030504040204" pitchFamily="50" charset="-128"/>
+                            </a:rPr>
+                            <m:t>𝐶</m:t>
+                          </m:r>
+                          <m:r>
+                            <a:rPr kumimoji="1" lang="en-US" altLang="ja-JP" sz="2400" i="1">
+                              <a:latin typeface="Cambria Math" panose="02040503050406030204" pitchFamily="18" charset="0"/>
+                              <a:ea typeface="メイリオ" panose="020B0604030504040204" pitchFamily="50" charset="-128"/>
+                            </a:rPr>
+                            <m:t>)</m:t>
+                          </m:r>
+                          <m:r>
+                            <a:rPr kumimoji="1" lang="en-US" altLang="ja-JP" sz="2400" i="1">
+                              <a:latin typeface="Cambria Math" panose="02040503050406030204" pitchFamily="18" charset="0"/>
+                              <a:ea typeface="メイリオ" panose="020B0604030504040204" pitchFamily="50" charset="-128"/>
+                            </a:rPr>
+                            <m:t>𝑝</m:t>
+                          </m:r>
+                          <m:r>
+                            <a:rPr kumimoji="1" lang="en-US" altLang="ja-JP" sz="2400" i="1">
+                              <a:latin typeface="Cambria Math" panose="02040503050406030204" pitchFamily="18" charset="0"/>
+                              <a:ea typeface="メイリオ" panose="020B0604030504040204" pitchFamily="50" charset="-128"/>
+                            </a:rPr>
+                            <m:t>(</m:t>
+                          </m:r>
+                          <m:r>
+                            <a:rPr kumimoji="1" lang="en-US" altLang="ja-JP" sz="2400" i="1">
+                              <a:latin typeface="Cambria Math" panose="02040503050406030204" pitchFamily="18" charset="0"/>
+                              <a:ea typeface="メイリオ" panose="020B0604030504040204" pitchFamily="50" charset="-128"/>
+                            </a:rPr>
+                            <m:t>𝐶</m:t>
+                          </m:r>
+                          <m:r>
+                            <a:rPr kumimoji="1" lang="en-US" altLang="ja-JP" sz="2400" i="1">
+                              <a:latin typeface="Cambria Math" panose="02040503050406030204" pitchFamily="18" charset="0"/>
+                              <a:ea typeface="メイリオ" panose="020B0604030504040204" pitchFamily="50" charset="-128"/>
+                            </a:rPr>
+                            <m:t>)</m:t>
+                          </m:r>
+                        </m:e>
+                      </m:func>
+                    </m:oMath>
+                  </m:oMathPara>
+                </a14:m>
+                <a:endParaRPr kumimoji="1" lang="ja-JP" altLang="en-US" sz="2400" dirty="0">
+                  <a:latin typeface="メイリオ" panose="020B0604030504040204" pitchFamily="50" charset="-128"/>
+                  <a:ea typeface="メイリオ" panose="020B0604030504040204" pitchFamily="50" charset="-128"/>
+                </a:endParaRPr>
+              </a:p>
+            </p:txBody>
+          </p:sp>
+        </mc:Choice>
+        <mc:Fallback xmlns="">
+          <p:sp>
+            <p:nvSpPr>
+              <p:cNvPr id="10" name="テキスト ボックス 9">
+                <a:extLst>
+                  <a:ext uri="{FF2B5EF4-FFF2-40B4-BE49-F238E27FC236}">
+                    <a16:creationId xmlns:a16="http://schemas.microsoft.com/office/drawing/2014/main" id="{707643ED-D11E-5FB9-A3E2-774065CE34B6}"/>
+                  </a:ext>
+                </a:extLst>
+              </p:cNvPr>
+              <p:cNvSpPr txBox="1">
+                <a:spLocks noRot="1" noChangeAspect="1" noMove="1" noResize="1" noEditPoints="1" noAdjustHandles="1" noChangeArrowheads="1" noChangeShapeType="1" noTextEdit="1"/>
+              </p:cNvSpPr>
+              <p:nvPr/>
+            </p:nvSpPr>
+            <p:spPr>
+              <a:xfrm>
+                <a:off x="272137" y="1098219"/>
+                <a:ext cx="8787983" cy="461665"/>
+              </a:xfrm>
+              <a:prstGeom prst="rect">
+                <a:avLst/>
+              </a:prstGeom>
+              <a:blipFill>
+                <a:blip r:embed="rId4"/>
+                <a:stretch>
+                  <a:fillRect t="-5263" b="-13158"/>
+                </a:stretch>
+              </a:blipFill>
+            </p:spPr>
+            <p:txBody>
+              <a:bodyPr/>
+              <a:lstStyle/>
+              <a:p>
+                <a:r>
+                  <a:rPr lang="ja-JP" altLang="en-US">
+                    <a:noFill/>
+                  </a:rPr>
+                  <a:t> </a:t>
+                </a:r>
+              </a:p>
+            </p:txBody>
+          </p:sp>
+        </mc:Fallback>
+      </mc:AlternateContent>
+      <mc:AlternateContent xmlns:mc="http://schemas.openxmlformats.org/markup-compatibility/2006" xmlns:a14="http://schemas.microsoft.com/office/drawing/2010/main">
+        <mc:Choice Requires="a14">
+          <p:sp>
+            <p:nvSpPr>
+              <p:cNvPr id="11" name="テキスト ボックス 10">
+                <a:extLst>
+                  <a:ext uri="{FF2B5EF4-FFF2-40B4-BE49-F238E27FC236}">
+                    <a16:creationId xmlns:a16="http://schemas.microsoft.com/office/drawing/2014/main" id="{7A9EFCB3-EDE6-28BC-203E-88573CD072D3}"/>
+                  </a:ext>
+                </a:extLst>
+              </p:cNvPr>
+              <p:cNvSpPr txBox="1"/>
+              <p:nvPr/>
+            </p:nvSpPr>
+            <p:spPr>
+              <a:xfrm>
+                <a:off x="111967" y="1635788"/>
+                <a:ext cx="11855425" cy="461665"/>
+              </a:xfrm>
+              <a:prstGeom prst="rect">
+                <a:avLst/>
+              </a:prstGeom>
+              <a:noFill/>
+            </p:spPr>
+            <p:txBody>
+              <a:bodyPr wrap="none" rtlCol="0">
+                <a:spAutoFit/>
+              </a:bodyPr>
+              <a:lstStyle/>
+              <a:p>
+                <a:pPr/>
+                <a14:m>
+                  <m:oMathPara xmlns:m="http://schemas.openxmlformats.org/officeDocument/2006/math">
+                    <m:oMathParaPr>
+                      <m:jc m:val="centerGroup"/>
+                    </m:oMathParaPr>
+                    <m:oMath xmlns:m="http://schemas.openxmlformats.org/officeDocument/2006/math">
+                      <m:r>
+                        <a:rPr kumimoji="1" lang="en-US" altLang="ja-JP" sz="2400" b="0" i="1" smtClean="0">
+                          <a:latin typeface="Cambria Math" panose="02040503050406030204" pitchFamily="18" charset="0"/>
+                          <a:ea typeface="メイリオ" panose="020B0604030504040204" pitchFamily="50" charset="-128"/>
+                        </a:rPr>
+                        <m:t>=</m:t>
+                      </m:r>
+                      <m:func>
+                        <m:funcPr>
+                          <m:ctrlPr>
+                            <a:rPr kumimoji="1" lang="en-US" altLang="ja-JP" sz="2400" b="0" i="1" smtClean="0">
+                              <a:latin typeface="Cambria Math" panose="02040503050406030204" pitchFamily="18" charset="0"/>
+                              <a:ea typeface="メイリオ" panose="020B0604030504040204" pitchFamily="50" charset="-128"/>
+                            </a:rPr>
+                          </m:ctrlPr>
+                        </m:funcPr>
+                        <m:fName>
+                          <m:r>
+                            <m:rPr>
+                              <m:sty m:val="p"/>
+                            </m:rPr>
+                            <a:rPr kumimoji="1" lang="en-US" altLang="ja-JP" sz="2400" b="0" i="0" smtClean="0">
+                              <a:latin typeface="Cambria Math" panose="02040503050406030204" pitchFamily="18" charset="0"/>
+                              <a:ea typeface="メイリオ" panose="020B0604030504040204" pitchFamily="50" charset="-128"/>
+                            </a:rPr>
+                            <m:t>log</m:t>
+                          </m:r>
+                        </m:fName>
+                        <m:e>
+                          <m:r>
+                            <a:rPr kumimoji="1" lang="en-US" altLang="ja-JP" sz="2400" i="1">
+                              <a:latin typeface="Cambria Math" panose="02040503050406030204" pitchFamily="18" charset="0"/>
+                              <a:ea typeface="メイリオ" panose="020B0604030504040204" pitchFamily="50" charset="-128"/>
+                            </a:rPr>
+                            <m:t>𝑝</m:t>
+                          </m:r>
+                          <m:d>
+                            <m:dPr>
+                              <m:ctrlPr>
+                                <a:rPr kumimoji="1" lang="en-US" altLang="ja-JP" sz="2400" i="1">
+                                  <a:latin typeface="Cambria Math" panose="02040503050406030204" pitchFamily="18" charset="0"/>
+                                  <a:ea typeface="メイリオ" panose="020B0604030504040204" pitchFamily="50" charset="-128"/>
+                                </a:rPr>
+                              </m:ctrlPr>
+                            </m:dPr>
+                            <m:e>
+                              <m:r>
+                                <a:rPr kumimoji="1" lang="ja-JP" altLang="en-US" sz="2400" i="1">
+                                  <a:latin typeface="Cambria Math" panose="02040503050406030204" pitchFamily="18" charset="0"/>
+                                  <a:ea typeface="メイリオ" panose="020B0604030504040204" pitchFamily="50" charset="-128"/>
+                                </a:rPr>
+                                <m:t>カラメル</m:t>
+                              </m:r>
+                              <m:r>
+                                <a:rPr kumimoji="1" lang="en-US" altLang="ja-JP" sz="2400" i="1">
+                                  <a:latin typeface="Cambria Math" panose="02040503050406030204" pitchFamily="18" charset="0"/>
+                                  <a:ea typeface="メイリオ" panose="020B0604030504040204" pitchFamily="50" charset="-128"/>
+                                </a:rPr>
+                                <m:t>|</m:t>
+                              </m:r>
+                              <m:r>
+                                <a:rPr kumimoji="1" lang="en-US" altLang="ja-JP" sz="2400" i="1">
+                                  <a:latin typeface="Cambria Math" panose="02040503050406030204" pitchFamily="18" charset="0"/>
+                                  <a:ea typeface="メイリオ" panose="020B0604030504040204" pitchFamily="50" charset="-128"/>
+                                </a:rPr>
+                                <m:t>𝐶</m:t>
+                              </m:r>
+                            </m:e>
+                          </m:d>
+                          <m:r>
+                            <a:rPr kumimoji="1" lang="en-US" altLang="ja-JP" sz="2400" b="0" i="1" smtClean="0">
+                              <a:latin typeface="Cambria Math" panose="02040503050406030204" pitchFamily="18" charset="0"/>
+                              <a:ea typeface="メイリオ" panose="020B0604030504040204" pitchFamily="50" charset="-128"/>
+                            </a:rPr>
+                            <m:t>+</m:t>
+                          </m:r>
+                          <m:func>
+                            <m:funcPr>
+                              <m:ctrlPr>
+                                <a:rPr kumimoji="1" lang="en-US" altLang="ja-JP" sz="2400" b="0" i="1" smtClean="0">
+                                  <a:latin typeface="Cambria Math" panose="02040503050406030204" pitchFamily="18" charset="0"/>
+                                  <a:ea typeface="メイリオ" panose="020B0604030504040204" pitchFamily="50" charset="-128"/>
+                                </a:rPr>
+                              </m:ctrlPr>
+                            </m:funcPr>
+                            <m:fName>
+                              <m:r>
+                                <m:rPr>
+                                  <m:sty m:val="p"/>
+                                </m:rPr>
+                                <a:rPr kumimoji="1" lang="en-US" altLang="ja-JP" sz="2400" b="0" i="0" smtClean="0">
+                                  <a:latin typeface="Cambria Math" panose="02040503050406030204" pitchFamily="18" charset="0"/>
+                                  <a:ea typeface="メイリオ" panose="020B0604030504040204" pitchFamily="50" charset="-128"/>
+                                </a:rPr>
+                                <m:t>log</m:t>
+                              </m:r>
+                            </m:fName>
+                            <m:e>
+                              <m:r>
+                                <a:rPr kumimoji="1" lang="en-US" altLang="ja-JP" sz="2400" i="1">
+                                  <a:latin typeface="Cambria Math" panose="02040503050406030204" pitchFamily="18" charset="0"/>
+                                  <a:ea typeface="メイリオ" panose="020B0604030504040204" pitchFamily="50" charset="-128"/>
+                                </a:rPr>
+                                <m:t>𝑝</m:t>
+                              </m:r>
+                              <m:d>
+                                <m:dPr>
+                                  <m:ctrlPr>
+                                    <a:rPr kumimoji="1" lang="en-US" altLang="ja-JP" sz="2400" i="1">
+                                      <a:latin typeface="Cambria Math" panose="02040503050406030204" pitchFamily="18" charset="0"/>
+                                      <a:ea typeface="メイリオ" panose="020B0604030504040204" pitchFamily="50" charset="-128"/>
+                                    </a:rPr>
+                                  </m:ctrlPr>
+                                </m:dPr>
+                                <m:e>
+                                  <m:r>
+                                    <a:rPr kumimoji="1" lang="ja-JP" altLang="en-US" sz="2400" i="1">
+                                      <a:latin typeface="Cambria Math" panose="02040503050406030204" pitchFamily="18" charset="0"/>
+                                      <a:ea typeface="メイリオ" panose="020B0604030504040204" pitchFamily="50" charset="-128"/>
+                                    </a:rPr>
+                                    <m:t>カラメル</m:t>
+                                  </m:r>
+                                  <m:r>
+                                    <a:rPr kumimoji="1" lang="en-US" altLang="ja-JP" sz="2400" i="1">
+                                      <a:latin typeface="Cambria Math" panose="02040503050406030204" pitchFamily="18" charset="0"/>
+                                      <a:ea typeface="メイリオ" panose="020B0604030504040204" pitchFamily="50" charset="-128"/>
+                                    </a:rPr>
+                                    <m:t>|</m:t>
+                                  </m:r>
+                                  <m:r>
+                                    <a:rPr kumimoji="1" lang="en-US" altLang="ja-JP" sz="2400" i="1">
+                                      <a:latin typeface="Cambria Math" panose="02040503050406030204" pitchFamily="18" charset="0"/>
+                                      <a:ea typeface="メイリオ" panose="020B0604030504040204" pitchFamily="50" charset="-128"/>
+                                    </a:rPr>
+                                    <m:t>𝐶</m:t>
+                                  </m:r>
+                                </m:e>
+                              </m:d>
+                              <m:r>
+                                <a:rPr kumimoji="1" lang="en-US" altLang="ja-JP" sz="2400" b="0" i="1" smtClean="0">
+                                  <a:latin typeface="Cambria Math" panose="02040503050406030204" pitchFamily="18" charset="0"/>
+                                  <a:ea typeface="メイリオ" panose="020B0604030504040204" pitchFamily="50" charset="-128"/>
+                                </a:rPr>
+                                <m:t>+</m:t>
+                              </m:r>
+                              <m:func>
+                                <m:funcPr>
+                                  <m:ctrlPr>
+                                    <a:rPr kumimoji="1" lang="en-US" altLang="ja-JP" sz="2400" b="0" i="1" smtClean="0">
+                                      <a:latin typeface="Cambria Math" panose="02040503050406030204" pitchFamily="18" charset="0"/>
+                                      <a:ea typeface="メイリオ" panose="020B0604030504040204" pitchFamily="50" charset="-128"/>
+                                    </a:rPr>
+                                  </m:ctrlPr>
+                                </m:funcPr>
+                                <m:fName>
+                                  <m:r>
+                                    <m:rPr>
+                                      <m:sty m:val="p"/>
+                                    </m:rPr>
+                                    <a:rPr kumimoji="1" lang="en-US" altLang="ja-JP" sz="2400" b="0" i="0" smtClean="0">
+                                      <a:latin typeface="Cambria Math" panose="02040503050406030204" pitchFamily="18" charset="0"/>
+                                      <a:ea typeface="メイリオ" panose="020B0604030504040204" pitchFamily="50" charset="-128"/>
+                                    </a:rPr>
+                                    <m:t>log</m:t>
+                                  </m:r>
+                                </m:fName>
+                                <m:e>
+                                  <m:r>
+                                    <a:rPr kumimoji="1" lang="en-US" altLang="ja-JP" sz="2400" i="1">
+                                      <a:latin typeface="Cambria Math" panose="02040503050406030204" pitchFamily="18" charset="0"/>
+                                      <a:ea typeface="メイリオ" panose="020B0604030504040204" pitchFamily="50" charset="-128"/>
+                                    </a:rPr>
+                                    <m:t>𝑝</m:t>
+                                  </m:r>
+                                  <m:d>
+                                    <m:dPr>
+                                      <m:ctrlPr>
+                                        <a:rPr kumimoji="1" lang="en-US" altLang="ja-JP" sz="2400" i="1">
+                                          <a:latin typeface="Cambria Math" panose="02040503050406030204" pitchFamily="18" charset="0"/>
+                                          <a:ea typeface="メイリオ" panose="020B0604030504040204" pitchFamily="50" charset="-128"/>
+                                        </a:rPr>
+                                      </m:ctrlPr>
+                                    </m:dPr>
+                                    <m:e>
+                                      <m:r>
+                                        <a:rPr kumimoji="1" lang="ja-JP" altLang="en-US" sz="2400" i="1">
+                                          <a:latin typeface="Cambria Math" panose="02040503050406030204" pitchFamily="18" charset="0"/>
+                                          <a:ea typeface="メイリオ" panose="020B0604030504040204" pitchFamily="50" charset="-128"/>
+                                        </a:rPr>
+                                        <m:t>ミルク</m:t>
+                                      </m:r>
+                                      <m:r>
+                                        <a:rPr kumimoji="1" lang="en-US" altLang="ja-JP" sz="2400" i="1">
+                                          <a:latin typeface="Cambria Math" panose="02040503050406030204" pitchFamily="18" charset="0"/>
+                                          <a:ea typeface="メイリオ" panose="020B0604030504040204" pitchFamily="50" charset="-128"/>
+                                        </a:rPr>
+                                        <m:t>|</m:t>
+                                      </m:r>
+                                      <m:r>
+                                        <a:rPr kumimoji="1" lang="en-US" altLang="ja-JP" sz="2400" i="1">
+                                          <a:latin typeface="Cambria Math" panose="02040503050406030204" pitchFamily="18" charset="0"/>
+                                          <a:ea typeface="メイリオ" panose="020B0604030504040204" pitchFamily="50" charset="-128"/>
+                                        </a:rPr>
+                                        <m:t>𝐶</m:t>
+                                      </m:r>
+                                    </m:e>
+                                  </m:d>
+                                  <m:r>
+                                    <a:rPr kumimoji="1" lang="en-US" altLang="ja-JP" sz="2400" b="0" i="1" smtClean="0">
+                                      <a:latin typeface="Cambria Math" panose="02040503050406030204" pitchFamily="18" charset="0"/>
+                                      <a:ea typeface="メイリオ" panose="020B0604030504040204" pitchFamily="50" charset="-128"/>
+                                    </a:rPr>
+                                    <m:t>+</m:t>
+                                  </m:r>
+                                  <m:func>
+                                    <m:funcPr>
+                                      <m:ctrlPr>
+                                        <a:rPr kumimoji="1" lang="en-US" altLang="ja-JP" sz="2400" b="0" i="1" smtClean="0">
+                                          <a:latin typeface="Cambria Math" panose="02040503050406030204" pitchFamily="18" charset="0"/>
+                                          <a:ea typeface="メイリオ" panose="020B0604030504040204" pitchFamily="50" charset="-128"/>
+                                        </a:rPr>
+                                      </m:ctrlPr>
+                                    </m:funcPr>
+                                    <m:fName>
+                                      <m:r>
+                                        <m:rPr>
+                                          <m:sty m:val="p"/>
+                                        </m:rPr>
+                                        <a:rPr kumimoji="1" lang="en-US" altLang="ja-JP" sz="2400" b="0" i="0" smtClean="0">
+                                          <a:latin typeface="Cambria Math" panose="02040503050406030204" pitchFamily="18" charset="0"/>
+                                          <a:ea typeface="メイリオ" panose="020B0604030504040204" pitchFamily="50" charset="-128"/>
+                                        </a:rPr>
+                                        <m:t>log</m:t>
+                                      </m:r>
+                                    </m:fName>
+                                    <m:e>
+                                      <m:r>
+                                        <a:rPr kumimoji="1" lang="en-US" altLang="ja-JP" sz="2400" i="1">
+                                          <a:latin typeface="Cambria Math" panose="02040503050406030204" pitchFamily="18" charset="0"/>
+                                          <a:ea typeface="メイリオ" panose="020B0604030504040204" pitchFamily="50" charset="-128"/>
+                                        </a:rPr>
+                                        <m:t>𝑝</m:t>
+                                      </m:r>
+                                      <m:d>
+                                        <m:dPr>
+                                          <m:ctrlPr>
+                                            <a:rPr kumimoji="1" lang="en-US" altLang="ja-JP" sz="2400" i="1">
+                                              <a:latin typeface="Cambria Math" panose="02040503050406030204" pitchFamily="18" charset="0"/>
+                                              <a:ea typeface="メイリオ" panose="020B0604030504040204" pitchFamily="50" charset="-128"/>
+                                            </a:rPr>
+                                          </m:ctrlPr>
+                                        </m:dPr>
+                                        <m:e>
+                                          <m:r>
+                                            <a:rPr kumimoji="1" lang="ja-JP" altLang="en-US" sz="2400" i="1">
+                                              <a:latin typeface="Cambria Math" panose="02040503050406030204" pitchFamily="18" charset="0"/>
+                                              <a:ea typeface="メイリオ" panose="020B0604030504040204" pitchFamily="50" charset="-128"/>
+                                            </a:rPr>
+                                            <m:t>砂糖</m:t>
+                                          </m:r>
+                                          <m:r>
+                                            <a:rPr kumimoji="1" lang="en-US" altLang="ja-JP" sz="2400" i="1">
+                                              <a:latin typeface="Cambria Math" panose="02040503050406030204" pitchFamily="18" charset="0"/>
+                                              <a:ea typeface="メイリオ" panose="020B0604030504040204" pitchFamily="50" charset="-128"/>
+                                            </a:rPr>
+                                            <m:t>|</m:t>
+                                          </m:r>
+                                          <m:r>
+                                            <a:rPr kumimoji="1" lang="en-US" altLang="ja-JP" sz="2400" i="1">
+                                              <a:latin typeface="Cambria Math" panose="02040503050406030204" pitchFamily="18" charset="0"/>
+                                              <a:ea typeface="メイリオ" panose="020B0604030504040204" pitchFamily="50" charset="-128"/>
+                                            </a:rPr>
+                                            <m:t>𝐶</m:t>
+                                          </m:r>
+                                        </m:e>
+                                      </m:d>
+                                      <m:r>
+                                        <a:rPr kumimoji="1" lang="en-US" altLang="ja-JP" sz="2400" b="0" i="1" smtClean="0">
+                                          <a:latin typeface="Cambria Math" panose="02040503050406030204" pitchFamily="18" charset="0"/>
+                                          <a:ea typeface="メイリオ" panose="020B0604030504040204" pitchFamily="50" charset="-128"/>
+                                        </a:rPr>
+                                        <m:t>+</m:t>
+                                      </m:r>
+                                      <m:func>
+                                        <m:funcPr>
+                                          <m:ctrlPr>
+                                            <a:rPr kumimoji="1" lang="en-US" altLang="ja-JP" sz="2400" b="0" i="1" smtClean="0">
+                                              <a:latin typeface="Cambria Math" panose="02040503050406030204" pitchFamily="18" charset="0"/>
+                                              <a:ea typeface="メイリオ" panose="020B0604030504040204" pitchFamily="50" charset="-128"/>
+                                            </a:rPr>
+                                          </m:ctrlPr>
+                                        </m:funcPr>
+                                        <m:fName>
+                                          <m:r>
+                                            <m:rPr>
+                                              <m:sty m:val="p"/>
+                                            </m:rPr>
+                                            <a:rPr kumimoji="1" lang="en-US" altLang="ja-JP" sz="2400" b="0" i="0" smtClean="0">
+                                              <a:latin typeface="Cambria Math" panose="02040503050406030204" pitchFamily="18" charset="0"/>
+                                              <a:ea typeface="メイリオ" panose="020B0604030504040204" pitchFamily="50" charset="-128"/>
+                                            </a:rPr>
+                                            <m:t>log</m:t>
+                                          </m:r>
+                                        </m:fName>
+                                        <m:e>
+                                          <m:r>
+                                            <a:rPr kumimoji="1" lang="en-US" altLang="ja-JP" sz="2400" i="1">
+                                              <a:latin typeface="Cambria Math" panose="02040503050406030204" pitchFamily="18" charset="0"/>
+                                              <a:ea typeface="メイリオ" panose="020B0604030504040204" pitchFamily="50" charset="-128"/>
+                                            </a:rPr>
+                                            <m:t>𝑝</m:t>
+                                          </m:r>
+                                          <m:d>
+                                            <m:dPr>
+                                              <m:ctrlPr>
+                                                <a:rPr kumimoji="1" lang="en-US" altLang="ja-JP" sz="2400" i="1">
+                                                  <a:latin typeface="Cambria Math" panose="02040503050406030204" pitchFamily="18" charset="0"/>
+                                                  <a:ea typeface="メイリオ" panose="020B0604030504040204" pitchFamily="50" charset="-128"/>
+                                                </a:rPr>
+                                              </m:ctrlPr>
+                                            </m:dPr>
+                                            <m:e>
+                                              <m:r>
+                                                <a:rPr kumimoji="1" lang="en-US" altLang="ja-JP" sz="2400" i="1">
+                                                  <a:latin typeface="Cambria Math" panose="02040503050406030204" pitchFamily="18" charset="0"/>
+                                                  <a:ea typeface="メイリオ" panose="020B0604030504040204" pitchFamily="50" charset="-128"/>
+                                                </a:rPr>
+                                                <m:t>𝐶</m:t>
+                                              </m:r>
+                                            </m:e>
+                                          </m:d>
+                                        </m:e>
+                                      </m:func>
+                                    </m:e>
+                                  </m:func>
+                                </m:e>
+                              </m:func>
+                            </m:e>
+                          </m:func>
+                        </m:e>
+                      </m:func>
+                    </m:oMath>
+                  </m:oMathPara>
+                </a14:m>
+                <a:endParaRPr kumimoji="1" lang="ja-JP" altLang="en-US" sz="2400" dirty="0">
+                  <a:latin typeface="メイリオ" panose="020B0604030504040204" pitchFamily="50" charset="-128"/>
+                  <a:ea typeface="メイリオ" panose="020B0604030504040204" pitchFamily="50" charset="-128"/>
+                </a:endParaRPr>
+              </a:p>
+            </p:txBody>
+          </p:sp>
+        </mc:Choice>
+        <mc:Fallback xmlns="">
+          <p:sp>
+            <p:nvSpPr>
+              <p:cNvPr id="11" name="テキスト ボックス 10">
+                <a:extLst>
+                  <a:ext uri="{FF2B5EF4-FFF2-40B4-BE49-F238E27FC236}">
+                    <a16:creationId xmlns:a16="http://schemas.microsoft.com/office/drawing/2014/main" id="{7A9EFCB3-EDE6-28BC-203E-88573CD072D3}"/>
+                  </a:ext>
+                </a:extLst>
+              </p:cNvPr>
+              <p:cNvSpPr txBox="1">
+                <a:spLocks noRot="1" noChangeAspect="1" noMove="1" noResize="1" noEditPoints="1" noAdjustHandles="1" noChangeArrowheads="1" noChangeShapeType="1" noTextEdit="1"/>
+              </p:cNvSpPr>
+              <p:nvPr/>
+            </p:nvSpPr>
+            <p:spPr>
+              <a:xfrm>
+                <a:off x="111967" y="1635788"/>
+                <a:ext cx="11855425" cy="461665"/>
+              </a:xfrm>
+              <a:prstGeom prst="rect">
+                <a:avLst/>
+              </a:prstGeom>
+              <a:blipFill>
+                <a:blip r:embed="rId5"/>
+                <a:stretch>
+                  <a:fillRect t="-3947" b="-13158"/>
+                </a:stretch>
+              </a:blipFill>
+            </p:spPr>
+            <p:txBody>
+              <a:bodyPr/>
+              <a:lstStyle/>
+              <a:p>
+                <a:r>
+                  <a:rPr lang="ja-JP" altLang="en-US">
+                    <a:noFill/>
+                  </a:rPr>
+                  <a:t> </a:t>
+                </a:r>
+              </a:p>
+            </p:txBody>
+          </p:sp>
+        </mc:Fallback>
+      </mc:AlternateContent>
+      <mc:AlternateContent xmlns:mc="http://schemas.openxmlformats.org/markup-compatibility/2006" xmlns:a14="http://schemas.microsoft.com/office/drawing/2010/main">
+        <mc:Choice Requires="a14">
+          <p:sp>
+            <p:nvSpPr>
+              <p:cNvPr id="12" name="テキスト ボックス 11">
+                <a:extLst>
+                  <a:ext uri="{FF2B5EF4-FFF2-40B4-BE49-F238E27FC236}">
+                    <a16:creationId xmlns:a16="http://schemas.microsoft.com/office/drawing/2014/main" id="{424364CB-B875-D66B-7B97-F3F8221938ED}"/>
+                  </a:ext>
+                </a:extLst>
+              </p:cNvPr>
+              <p:cNvSpPr txBox="1"/>
+              <p:nvPr/>
+            </p:nvSpPr>
+            <p:spPr>
+              <a:xfrm>
+                <a:off x="2038297" y="3265935"/>
+                <a:ext cx="8015875" cy="693844"/>
+              </a:xfrm>
+              <a:prstGeom prst="rect">
+                <a:avLst/>
+              </a:prstGeom>
+              <a:noFill/>
+            </p:spPr>
+            <p:txBody>
+              <a:bodyPr wrap="square" lIns="0" tIns="0" rIns="0" bIns="0" rtlCol="0">
+                <a:spAutoFit/>
+              </a:bodyPr>
+              <a:lstStyle/>
+              <a:p>
+                <a:pPr/>
+                <a14:m>
+                  <m:oMathPara xmlns:m="http://schemas.openxmlformats.org/officeDocument/2006/math">
+                    <m:oMathParaPr>
+                      <m:jc m:val="centerGroup"/>
+                    </m:oMathParaPr>
+                    <m:oMath xmlns:m="http://schemas.openxmlformats.org/officeDocument/2006/math">
+                      <m:func>
+                        <m:funcPr>
+                          <m:ctrlPr>
+                            <a:rPr kumimoji="1" lang="en-US" altLang="ja-JP" sz="2400" b="0" i="1" smtClean="0">
+                              <a:latin typeface="Cambria Math" panose="02040503050406030204" pitchFamily="18" charset="0"/>
+                              <a:ea typeface="Cambria Math" panose="02040503050406030204" pitchFamily="18" charset="0"/>
+                            </a:rPr>
+                          </m:ctrlPr>
+                        </m:funcPr>
+                        <m:fName>
+                          <m:r>
+                            <m:rPr>
+                              <m:sty m:val="p"/>
+                            </m:rPr>
+                            <a:rPr kumimoji="1" lang="en-US" altLang="ja-JP" sz="2400" b="0" i="0" smtClean="0">
+                              <a:latin typeface="Cambria Math" panose="02040503050406030204" pitchFamily="18" charset="0"/>
+                              <a:ea typeface="Cambria Math" panose="02040503050406030204" pitchFamily="18" charset="0"/>
+                            </a:rPr>
+                            <m:t>log</m:t>
+                          </m:r>
+                        </m:fName>
+                        <m:e>
+                          <m:r>
+                            <a:rPr kumimoji="1" lang="en-US" altLang="ja-JP" sz="2400" i="1">
+                              <a:latin typeface="Cambria Math" panose="02040503050406030204" pitchFamily="18" charset="0"/>
+                              <a:ea typeface="Cambria Math" panose="02040503050406030204" pitchFamily="18" charset="0"/>
+                            </a:rPr>
+                            <m:t>0</m:t>
+                          </m:r>
+                          <m:r>
+                            <a:rPr kumimoji="1" lang="en-US" altLang="ja-JP" sz="2400" i="1">
+                              <a:latin typeface="Cambria Math" panose="02040503050406030204" pitchFamily="18" charset="0"/>
+                              <a:ea typeface="Cambria Math" panose="02040503050406030204" pitchFamily="18" charset="0"/>
+                            </a:rPr>
+                            <m:t>.</m:t>
+                          </m:r>
+                          <m:r>
+                            <a:rPr kumimoji="1" lang="en-US" altLang="ja-JP" sz="2400" b="0" i="1" smtClean="0">
+                              <a:latin typeface="Cambria Math" panose="02040503050406030204" pitchFamily="18" charset="0"/>
+                              <a:ea typeface="Cambria Math" panose="02040503050406030204" pitchFamily="18" charset="0"/>
+                            </a:rPr>
+                            <m:t>16</m:t>
+                          </m:r>
+                        </m:e>
+                      </m:func>
+                      <m:r>
+                        <a:rPr kumimoji="1" lang="en-US" altLang="ja-JP" sz="2400" b="0" i="1" smtClean="0">
+                          <a:latin typeface="Cambria Math" panose="02040503050406030204" pitchFamily="18" charset="0"/>
+                          <a:ea typeface="Cambria Math" panose="02040503050406030204" pitchFamily="18" charset="0"/>
+                        </a:rPr>
+                        <m:t>+</m:t>
+                      </m:r>
+                      <m:func>
+                        <m:funcPr>
+                          <m:ctrlPr>
+                            <a:rPr kumimoji="1" lang="en-US" altLang="ja-JP" sz="2400" b="0" i="1" smtClean="0">
+                              <a:latin typeface="Cambria Math" panose="02040503050406030204" pitchFamily="18" charset="0"/>
+                              <a:ea typeface="Cambria Math" panose="02040503050406030204" pitchFamily="18" charset="0"/>
+                            </a:rPr>
+                          </m:ctrlPr>
+                        </m:funcPr>
+                        <m:fName>
+                          <m:r>
+                            <m:rPr>
+                              <m:sty m:val="p"/>
+                            </m:rPr>
+                            <a:rPr kumimoji="1" lang="en-US" altLang="ja-JP" sz="2400" b="0" i="0" smtClean="0">
+                              <a:latin typeface="Cambria Math" panose="02040503050406030204" pitchFamily="18" charset="0"/>
+                              <a:ea typeface="Cambria Math" panose="02040503050406030204" pitchFamily="18" charset="0"/>
+                            </a:rPr>
+                            <m:t>log</m:t>
+                          </m:r>
+                        </m:fName>
+                        <m:e>
+                          <m:r>
+                            <a:rPr kumimoji="1" lang="en-US" altLang="ja-JP" sz="2400" i="1">
+                              <a:latin typeface="Cambria Math" panose="02040503050406030204" pitchFamily="18" charset="0"/>
+                              <a:ea typeface="Cambria Math" panose="02040503050406030204" pitchFamily="18" charset="0"/>
+                            </a:rPr>
+                            <m:t>0</m:t>
+                          </m:r>
+                          <m:r>
+                            <a:rPr kumimoji="1" lang="en-US" altLang="ja-JP" sz="2400" i="1">
+                              <a:latin typeface="Cambria Math" panose="02040503050406030204" pitchFamily="18" charset="0"/>
+                              <a:ea typeface="Cambria Math" panose="02040503050406030204" pitchFamily="18" charset="0"/>
+                            </a:rPr>
+                            <m:t>.</m:t>
+                          </m:r>
+                          <m:r>
+                            <a:rPr kumimoji="1" lang="en-US" altLang="ja-JP" sz="2400" b="0" i="1" smtClean="0">
+                              <a:latin typeface="Cambria Math" panose="02040503050406030204" pitchFamily="18" charset="0"/>
+                              <a:ea typeface="Cambria Math" panose="02040503050406030204" pitchFamily="18" charset="0"/>
+                            </a:rPr>
+                            <m:t>16</m:t>
+                          </m:r>
+                        </m:e>
+                      </m:func>
+                      <m:r>
+                        <a:rPr kumimoji="1" lang="en-US" altLang="ja-JP" sz="2400" b="0" i="1" smtClean="0">
+                          <a:latin typeface="Cambria Math" panose="02040503050406030204" pitchFamily="18" charset="0"/>
+                          <a:ea typeface="Cambria Math" panose="02040503050406030204" pitchFamily="18" charset="0"/>
+                        </a:rPr>
+                        <m:t>+</m:t>
+                      </m:r>
+                      <m:func>
+                        <m:funcPr>
+                          <m:ctrlPr>
+                            <a:rPr kumimoji="1" lang="en-US" altLang="ja-JP" sz="2400" b="0" i="1" smtClean="0">
+                              <a:latin typeface="Cambria Math" panose="02040503050406030204" pitchFamily="18" charset="0"/>
+                              <a:ea typeface="Cambria Math" panose="02040503050406030204" pitchFamily="18" charset="0"/>
+                            </a:rPr>
+                          </m:ctrlPr>
+                        </m:funcPr>
+                        <m:fName>
+                          <m:r>
+                            <m:rPr>
+                              <m:sty m:val="p"/>
+                            </m:rPr>
+                            <a:rPr kumimoji="1" lang="en-US" altLang="ja-JP" sz="2400" b="0" i="0" smtClean="0">
+                              <a:latin typeface="Cambria Math" panose="02040503050406030204" pitchFamily="18" charset="0"/>
+                              <a:ea typeface="Cambria Math" panose="02040503050406030204" pitchFamily="18" charset="0"/>
+                            </a:rPr>
+                            <m:t>log</m:t>
+                          </m:r>
+                        </m:fName>
+                        <m:e>
+                          <m:r>
+                            <a:rPr kumimoji="1" lang="en-US" altLang="ja-JP" sz="2400" b="0" i="1" smtClean="0">
+                              <a:latin typeface="Cambria Math" panose="02040503050406030204" pitchFamily="18" charset="0"/>
+                              <a:ea typeface="Cambria Math" panose="02040503050406030204" pitchFamily="18" charset="0"/>
+                            </a:rPr>
+                            <m:t>0</m:t>
+                          </m:r>
+                          <m:r>
+                            <a:rPr kumimoji="1" lang="en-US" altLang="ja-JP" sz="2400" b="0" i="1" smtClean="0">
+                              <a:latin typeface="Cambria Math" panose="02040503050406030204" pitchFamily="18" charset="0"/>
+                              <a:ea typeface="Cambria Math" panose="02040503050406030204" pitchFamily="18" charset="0"/>
+                            </a:rPr>
+                            <m:t>.</m:t>
+                          </m:r>
+                          <m:r>
+                            <a:rPr kumimoji="1" lang="en-US" altLang="ja-JP" sz="2400" b="0" i="1" smtClean="0">
+                              <a:latin typeface="Cambria Math" panose="02040503050406030204" pitchFamily="18" charset="0"/>
+                              <a:ea typeface="Cambria Math" panose="02040503050406030204" pitchFamily="18" charset="0"/>
+                            </a:rPr>
+                            <m:t>13</m:t>
+                          </m:r>
+                        </m:e>
+                      </m:func>
+                      <m:r>
+                        <a:rPr kumimoji="1" lang="en-US" altLang="ja-JP" sz="2400" b="0" i="1" smtClean="0">
+                          <a:latin typeface="Cambria Math" panose="02040503050406030204" pitchFamily="18" charset="0"/>
+                          <a:ea typeface="Cambria Math" panose="02040503050406030204" pitchFamily="18" charset="0"/>
+                        </a:rPr>
+                        <m:t>+</m:t>
+                      </m:r>
+                      <m:func>
+                        <m:funcPr>
+                          <m:ctrlPr>
+                            <a:rPr kumimoji="1" lang="en-US" altLang="ja-JP" sz="2400" b="0" i="1" smtClean="0">
+                              <a:latin typeface="Cambria Math" panose="02040503050406030204" pitchFamily="18" charset="0"/>
+                              <a:ea typeface="Cambria Math" panose="02040503050406030204" pitchFamily="18" charset="0"/>
+                            </a:rPr>
+                          </m:ctrlPr>
+                        </m:funcPr>
+                        <m:fName>
+                          <m:r>
+                            <m:rPr>
+                              <m:sty m:val="p"/>
+                            </m:rPr>
+                            <a:rPr kumimoji="1" lang="en-US" altLang="ja-JP" sz="2400" b="0" i="0" smtClean="0">
+                              <a:latin typeface="Cambria Math" panose="02040503050406030204" pitchFamily="18" charset="0"/>
+                              <a:ea typeface="Cambria Math" panose="02040503050406030204" pitchFamily="18" charset="0"/>
+                            </a:rPr>
+                            <m:t>log</m:t>
+                          </m:r>
+                        </m:fName>
+                        <m:e>
+                          <m:r>
+                            <a:rPr kumimoji="1" lang="en-US" altLang="ja-JP" sz="2400" b="0" i="1" smtClean="0">
+                              <a:latin typeface="Cambria Math" panose="02040503050406030204" pitchFamily="18" charset="0"/>
+                              <a:ea typeface="Cambria Math" panose="02040503050406030204" pitchFamily="18" charset="0"/>
+                            </a:rPr>
+                            <m:t>0</m:t>
+                          </m:r>
+                          <m:r>
+                            <a:rPr kumimoji="1" lang="en-US" altLang="ja-JP" sz="2400" b="0" i="1" smtClean="0">
+                              <a:latin typeface="Cambria Math" panose="02040503050406030204" pitchFamily="18" charset="0"/>
+                              <a:ea typeface="Cambria Math" panose="02040503050406030204" pitchFamily="18" charset="0"/>
+                            </a:rPr>
+                            <m:t>.</m:t>
+                          </m:r>
+                          <m:r>
+                            <a:rPr kumimoji="1" lang="en-US" altLang="ja-JP" sz="2400" b="0" i="1" smtClean="0">
+                              <a:latin typeface="Cambria Math" panose="02040503050406030204" pitchFamily="18" charset="0"/>
+                              <a:ea typeface="Cambria Math" panose="02040503050406030204" pitchFamily="18" charset="0"/>
+                            </a:rPr>
+                            <m:t>01</m:t>
+                          </m:r>
+                        </m:e>
+                      </m:func>
+                      <m:r>
+                        <a:rPr kumimoji="1" lang="en-US" altLang="ja-JP" sz="2400" b="0" i="1" smtClean="0">
+                          <a:latin typeface="Cambria Math" panose="02040503050406030204" pitchFamily="18" charset="0"/>
+                          <a:ea typeface="Cambria Math" panose="02040503050406030204" pitchFamily="18" charset="0"/>
+                        </a:rPr>
+                        <m:t>+</m:t>
+                      </m:r>
+                      <m:func>
+                        <m:funcPr>
+                          <m:ctrlPr>
+                            <a:rPr kumimoji="1" lang="en-US" altLang="ja-JP" sz="2400" b="0" i="1" smtClean="0">
+                              <a:latin typeface="Cambria Math" panose="02040503050406030204" pitchFamily="18" charset="0"/>
+                              <a:ea typeface="Cambria Math" panose="02040503050406030204" pitchFamily="18" charset="0"/>
+                            </a:rPr>
+                          </m:ctrlPr>
+                        </m:funcPr>
+                        <m:fName>
+                          <m:r>
+                            <m:rPr>
+                              <m:sty m:val="p"/>
+                            </m:rPr>
+                            <a:rPr kumimoji="1" lang="en-US" altLang="ja-JP" sz="2400" b="0" i="0" smtClean="0">
+                              <a:latin typeface="Cambria Math" panose="02040503050406030204" pitchFamily="18" charset="0"/>
+                              <a:ea typeface="Cambria Math" panose="02040503050406030204" pitchFamily="18" charset="0"/>
+                            </a:rPr>
+                            <m:t>log</m:t>
+                          </m:r>
+                        </m:fName>
+                        <m:e>
+                          <m:f>
+                            <m:fPr>
+                              <m:ctrlPr>
+                                <a:rPr kumimoji="1" lang="en-US" altLang="ja-JP" sz="2400" i="1">
+                                  <a:latin typeface="Cambria Math" panose="02040503050406030204" pitchFamily="18" charset="0"/>
+                                  <a:ea typeface="Cambria Math" panose="02040503050406030204" pitchFamily="18" charset="0"/>
+                                </a:rPr>
+                              </m:ctrlPr>
+                            </m:fPr>
+                            <m:num>
+                              <m:r>
+                                <a:rPr kumimoji="1" lang="en-US" altLang="ja-JP" sz="2400" b="0" i="1" smtClean="0">
+                                  <a:latin typeface="Cambria Math" panose="02040503050406030204" pitchFamily="18" charset="0"/>
+                                  <a:ea typeface="Cambria Math" panose="02040503050406030204" pitchFamily="18" charset="0"/>
+                                </a:rPr>
+                                <m:t>3</m:t>
+                              </m:r>
+                            </m:num>
+                            <m:den>
+                              <m:r>
+                                <a:rPr kumimoji="1" lang="en-US" altLang="ja-JP" sz="2400" i="1">
+                                  <a:latin typeface="Cambria Math" panose="02040503050406030204" pitchFamily="18" charset="0"/>
+                                  <a:ea typeface="Cambria Math" panose="02040503050406030204" pitchFamily="18" charset="0"/>
+                                </a:rPr>
+                                <m:t>8</m:t>
+                              </m:r>
+                            </m:den>
+                          </m:f>
+                        </m:e>
+                      </m:func>
+                      <m:r>
+                        <a:rPr kumimoji="1" lang="ar-AE" altLang="ja-JP" sz="2400" i="1">
+                          <a:latin typeface="Cambria Math" panose="02040503050406030204" pitchFamily="18" charset="0"/>
+                          <a:ea typeface="Cambria Math" panose="02040503050406030204" pitchFamily="18" charset="0"/>
+                        </a:rPr>
+                        <m:t>=</m:t>
+                      </m:r>
+                      <m:r>
+                        <a:rPr kumimoji="1" lang="en-US" altLang="ja-JP" sz="2400" b="0" i="1" smtClean="0">
+                          <a:latin typeface="Cambria Math" panose="02040503050406030204" pitchFamily="18" charset="0"/>
+                          <a:ea typeface="Cambria Math" panose="02040503050406030204" pitchFamily="18" charset="0"/>
+                        </a:rPr>
+                        <m:t>−</m:t>
+                      </m:r>
+                      <m:r>
+                        <a:rPr kumimoji="1" lang="en-US" altLang="ja-JP" sz="2400" b="0" i="1" smtClean="0">
+                          <a:latin typeface="Cambria Math" panose="02040503050406030204" pitchFamily="18" charset="0"/>
+                          <a:ea typeface="Cambria Math" panose="02040503050406030204" pitchFamily="18" charset="0"/>
+                        </a:rPr>
+                        <m:t>11</m:t>
+                      </m:r>
+                      <m:r>
+                        <a:rPr kumimoji="1" lang="en-US" altLang="ja-JP" sz="2400" b="0" i="1" smtClean="0">
+                          <a:latin typeface="Cambria Math" panose="02040503050406030204" pitchFamily="18" charset="0"/>
+                          <a:ea typeface="Cambria Math" panose="02040503050406030204" pitchFamily="18" charset="0"/>
+                        </a:rPr>
+                        <m:t>.</m:t>
+                      </m:r>
+                      <m:r>
+                        <a:rPr kumimoji="1" lang="en-US" altLang="ja-JP" sz="2400" b="0" i="1" smtClean="0">
+                          <a:latin typeface="Cambria Math" panose="02040503050406030204" pitchFamily="18" charset="0"/>
+                          <a:ea typeface="Cambria Math" panose="02040503050406030204" pitchFamily="18" charset="0"/>
+                        </a:rPr>
+                        <m:t>29</m:t>
+                      </m:r>
+                    </m:oMath>
+                  </m:oMathPara>
+                </a14:m>
+                <a:endParaRPr kumimoji="1" lang="ja-JP" altLang="en-US" sz="2400" dirty="0">
+                  <a:latin typeface="メイリオ" panose="020B0604030504040204" pitchFamily="50" charset="-128"/>
+                  <a:ea typeface="メイリオ" panose="020B0604030504040204" pitchFamily="50" charset="-128"/>
+                </a:endParaRPr>
+              </a:p>
+            </p:txBody>
+          </p:sp>
+        </mc:Choice>
+        <mc:Fallback xmlns="">
+          <p:sp>
+            <p:nvSpPr>
+              <p:cNvPr id="12" name="テキスト ボックス 11">
+                <a:extLst>
+                  <a:ext uri="{FF2B5EF4-FFF2-40B4-BE49-F238E27FC236}">
+                    <a16:creationId xmlns:a16="http://schemas.microsoft.com/office/drawing/2014/main" id="{424364CB-B875-D66B-7B97-F3F8221938ED}"/>
+                  </a:ext>
+                </a:extLst>
+              </p:cNvPr>
+              <p:cNvSpPr txBox="1">
+                <a:spLocks noRot="1" noChangeAspect="1" noMove="1" noResize="1" noEditPoints="1" noAdjustHandles="1" noChangeArrowheads="1" noChangeShapeType="1" noTextEdit="1"/>
+              </p:cNvSpPr>
+              <p:nvPr/>
+            </p:nvSpPr>
+            <p:spPr>
+              <a:xfrm>
+                <a:off x="2038297" y="3265935"/>
+                <a:ext cx="8015875" cy="693844"/>
+              </a:xfrm>
+              <a:prstGeom prst="rect">
+                <a:avLst/>
+              </a:prstGeom>
+              <a:blipFill>
+                <a:blip r:embed="rId6"/>
+                <a:stretch>
+                  <a:fillRect/>
+                </a:stretch>
+              </a:blipFill>
+            </p:spPr>
+            <p:txBody>
+              <a:bodyPr/>
+              <a:lstStyle/>
+              <a:p>
+                <a:r>
+                  <a:rPr lang="ja-JP" altLang="en-US">
+                    <a:noFill/>
+                  </a:rPr>
+                  <a:t> </a:t>
+                </a:r>
+              </a:p>
+            </p:txBody>
+          </p:sp>
+        </mc:Fallback>
+      </mc:AlternateContent>
+      <mc:AlternateContent xmlns:mc="http://schemas.openxmlformats.org/markup-compatibility/2006" xmlns:a14="http://schemas.microsoft.com/office/drawing/2010/main">
+        <mc:Choice Requires="a14">
+          <p:sp>
+            <p:nvSpPr>
+              <p:cNvPr id="13" name="テキスト ボックス 12">
+                <a:extLst>
+                  <a:ext uri="{FF2B5EF4-FFF2-40B4-BE49-F238E27FC236}">
+                    <a16:creationId xmlns:a16="http://schemas.microsoft.com/office/drawing/2014/main" id="{F448E8C9-58A9-E5D8-940D-3DA6A4227E34}"/>
+                  </a:ext>
+                </a:extLst>
+              </p:cNvPr>
+              <p:cNvSpPr txBox="1"/>
+              <p:nvPr/>
+            </p:nvSpPr>
+            <p:spPr>
+              <a:xfrm>
+                <a:off x="3010052" y="5759735"/>
+                <a:ext cx="5138330" cy="602729"/>
+              </a:xfrm>
+              <a:prstGeom prst="rect">
+                <a:avLst/>
+              </a:prstGeom>
+              <a:noFill/>
+            </p:spPr>
+            <p:txBody>
+              <a:bodyPr wrap="none" rtlCol="0">
+                <a:spAutoFit/>
+              </a:bodyPr>
+              <a:lstStyle/>
+              <a:p>
+                <a14:m>
+                  <m:oMath xmlns:m="http://schemas.openxmlformats.org/officeDocument/2006/math">
+                    <m:r>
+                      <a:rPr kumimoji="1" lang="en-US" altLang="ja-JP" sz="3200" b="1" i="1" smtClean="0">
+                        <a:latin typeface="Cambria Math" panose="02040503050406030204" pitchFamily="18" charset="0"/>
+                        <a:ea typeface="メイリオ" panose="020B0604030504040204" pitchFamily="50" charset="-128"/>
+                      </a:rPr>
+                      <m:t>𝒑</m:t>
+                    </m:r>
+                    <m:r>
+                      <a:rPr kumimoji="1" lang="en-US" altLang="ja-JP" sz="3200" b="1" i="1" smtClean="0">
+                        <a:latin typeface="Cambria Math" panose="02040503050406030204" pitchFamily="18" charset="0"/>
+                        <a:ea typeface="メイリオ" panose="020B0604030504040204" pitchFamily="50" charset="-128"/>
+                      </a:rPr>
+                      <m:t>(</m:t>
+                    </m:r>
+                    <m:r>
+                      <a:rPr kumimoji="1" lang="ja-JP" altLang="en-US" sz="3200" b="1" i="1">
+                        <a:latin typeface="Cambria Math" panose="02040503050406030204" pitchFamily="18" charset="0"/>
+                        <a:ea typeface="メイリオ" panose="020B0604030504040204" pitchFamily="50" charset="-128"/>
+                      </a:rPr>
+                      <m:t>プリン</m:t>
+                    </m:r>
+                    <m:r>
+                      <a:rPr kumimoji="1" lang="en-US" altLang="ja-JP" sz="3200" b="1" i="1" smtClean="0">
+                        <a:latin typeface="Cambria Math" panose="02040503050406030204" pitchFamily="18" charset="0"/>
+                        <a:ea typeface="メイリオ" panose="020B0604030504040204" pitchFamily="50" charset="-128"/>
+                      </a:rPr>
+                      <m:t>|</m:t>
+                    </m:r>
+                    <m:r>
+                      <a:rPr kumimoji="1" lang="en-US" altLang="ja-JP" sz="3200" b="1" i="1">
+                        <a:latin typeface="Cambria Math" panose="02040503050406030204" pitchFamily="18" charset="0"/>
+                        <a:ea typeface="メイリオ" panose="020B0604030504040204" pitchFamily="50" charset="-128"/>
+                      </a:rPr>
+                      <m:t>𝒙</m:t>
+                    </m:r>
+                    <m:r>
+                      <a:rPr kumimoji="1" lang="en-US" altLang="ja-JP" sz="3200" b="1" i="1" smtClean="0">
+                        <a:latin typeface="Cambria Math" panose="02040503050406030204" pitchFamily="18" charset="0"/>
+                        <a:ea typeface="メイリオ" panose="020B0604030504040204" pitchFamily="50" charset="-128"/>
+                      </a:rPr>
+                      <m:t>)&gt;</m:t>
+                    </m:r>
+                    <m:r>
+                      <a:rPr kumimoji="1" lang="en-US" altLang="ja-JP" sz="3200" b="1" i="1" smtClean="0">
+                        <a:latin typeface="Cambria Math" panose="02040503050406030204" pitchFamily="18" charset="0"/>
+                        <a:ea typeface="メイリオ" panose="020B0604030504040204" pitchFamily="50" charset="-128"/>
+                      </a:rPr>
+                      <m:t>𝒑</m:t>
+                    </m:r>
+                    <m:r>
+                      <a:rPr kumimoji="1" lang="en-US" altLang="ja-JP" sz="3200" b="1" i="1" smtClean="0">
+                        <a:latin typeface="Cambria Math" panose="02040503050406030204" pitchFamily="18" charset="0"/>
+                        <a:ea typeface="メイリオ" panose="020B0604030504040204" pitchFamily="50" charset="-128"/>
+                      </a:rPr>
+                      <m:t>(</m:t>
+                    </m:r>
+                    <m:r>
+                      <a:rPr kumimoji="1" lang="ja-JP" altLang="en-US" sz="3200" b="1" i="1">
+                        <a:latin typeface="Cambria Math" panose="02040503050406030204" pitchFamily="18" charset="0"/>
+                        <a:ea typeface="メイリオ" panose="020B0604030504040204" pitchFamily="50" charset="-128"/>
+                      </a:rPr>
+                      <m:t>シュー</m:t>
+                    </m:r>
+                    <m:r>
+                      <a:rPr kumimoji="1" lang="en-US" altLang="ja-JP" sz="3200" b="1" i="1" smtClean="0">
+                        <a:latin typeface="Cambria Math" panose="02040503050406030204" pitchFamily="18" charset="0"/>
+                        <a:ea typeface="メイリオ" panose="020B0604030504040204" pitchFamily="50" charset="-128"/>
+                      </a:rPr>
+                      <m:t>|</m:t>
+                    </m:r>
+                    <m:r>
+                      <a:rPr kumimoji="1" lang="en-US" altLang="ja-JP" sz="3200" b="1" i="1">
+                        <a:latin typeface="Cambria Math" panose="02040503050406030204" pitchFamily="18" charset="0"/>
+                        <a:ea typeface="メイリオ" panose="020B0604030504040204" pitchFamily="50" charset="-128"/>
+                      </a:rPr>
+                      <m:t>𝒙</m:t>
+                    </m:r>
+                  </m:oMath>
+                </a14:m>
+                <a:r>
+                  <a:rPr kumimoji="1" lang="en-US" altLang="ja-JP" sz="3200" b="1" dirty="0">
+                    <a:latin typeface="メイリオ" panose="020B0604030504040204" pitchFamily="50" charset="-128"/>
+                    <a:ea typeface="メイリオ" panose="020B0604030504040204" pitchFamily="50" charset="-128"/>
+                  </a:rPr>
+                  <a:t>)</a:t>
+                </a:r>
+                <a:endParaRPr kumimoji="1" lang="ja-JP" altLang="en-US" sz="3200" b="1" dirty="0">
+                  <a:latin typeface="メイリオ" panose="020B0604030504040204" pitchFamily="50" charset="-128"/>
+                  <a:ea typeface="メイリオ" panose="020B0604030504040204" pitchFamily="50" charset="-128"/>
+                </a:endParaRPr>
+              </a:p>
+            </p:txBody>
+          </p:sp>
+        </mc:Choice>
+        <mc:Fallback xmlns="">
+          <p:sp>
+            <p:nvSpPr>
+              <p:cNvPr id="13" name="テキスト ボックス 12">
+                <a:extLst>
+                  <a:ext uri="{FF2B5EF4-FFF2-40B4-BE49-F238E27FC236}">
+                    <a16:creationId xmlns:a16="http://schemas.microsoft.com/office/drawing/2014/main" id="{F448E8C9-58A9-E5D8-940D-3DA6A4227E34}"/>
+                  </a:ext>
+                </a:extLst>
+              </p:cNvPr>
+              <p:cNvSpPr txBox="1">
+                <a:spLocks noRot="1" noChangeAspect="1" noMove="1" noResize="1" noEditPoints="1" noAdjustHandles="1" noChangeArrowheads="1" noChangeShapeType="1" noTextEdit="1"/>
+              </p:cNvSpPr>
+              <p:nvPr/>
+            </p:nvSpPr>
+            <p:spPr>
+              <a:xfrm>
+                <a:off x="3010052" y="5759735"/>
+                <a:ext cx="5138330" cy="602729"/>
+              </a:xfrm>
+              <a:prstGeom prst="rect">
+                <a:avLst/>
+              </a:prstGeom>
+              <a:blipFill>
+                <a:blip r:embed="rId7"/>
+                <a:stretch>
+                  <a:fillRect t="-8081" r="-2017" b="-34343"/>
+                </a:stretch>
+              </a:blipFill>
+            </p:spPr>
+            <p:txBody>
+              <a:bodyPr/>
+              <a:lstStyle/>
+              <a:p>
+                <a:r>
+                  <a:rPr lang="ja-JP" altLang="en-US">
+                    <a:noFill/>
+                  </a:rPr>
+                  <a:t> </a:t>
+                </a:r>
+              </a:p>
+            </p:txBody>
+          </p:sp>
+        </mc:Fallback>
+      </mc:AlternateContent>
+      <p:sp>
+        <p:nvSpPr>
+          <p:cNvPr id="14" name="矢印: 下 13">
+            <a:extLst>
+              <a:ext uri="{FF2B5EF4-FFF2-40B4-BE49-F238E27FC236}">
+                <a16:creationId xmlns:a16="http://schemas.microsoft.com/office/drawing/2014/main" id="{375DD343-6A83-2C20-DD8A-AB57F3CB9767}"/>
+              </a:ext>
+            </a:extLst>
+          </p:cNvPr>
+          <p:cNvSpPr/>
+          <p:nvPr/>
+        </p:nvSpPr>
+        <p:spPr>
+          <a:xfrm>
+            <a:off x="5001208" y="5239444"/>
+            <a:ext cx="842865" cy="376800"/>
+          </a:xfrm>
+          <a:prstGeom prst="downArrow">
+            <a:avLst/>
+          </a:prstGeom>
+        </p:spPr>
+        <p:style>
+          <a:lnRef idx="2">
+            <a:schemeClr val="accent1">
+              <a:shade val="15000"/>
+            </a:schemeClr>
+          </a:lnRef>
+          <a:fillRef idx="1">
+            <a:schemeClr val="accent1"/>
+          </a:fillRef>
+          <a:effectRef idx="0">
+            <a:schemeClr val="accent1"/>
+          </a:effectRef>
+          <a:fontRef idx="minor">
+            <a:schemeClr val="lt1"/>
+          </a:fontRef>
+        </p:style>
+        <p:txBody>
+          <a:bodyPr rtlCol="0" anchor="ctr"/>
+          <a:lstStyle/>
+          <a:p>
+            <a:pPr algn="ctr"/>
+            <a:endParaRPr kumimoji="1" lang="ja-JP" altLang="en-US"/>
+          </a:p>
+        </p:txBody>
+      </p:sp>
+      <p:sp>
+        <p:nvSpPr>
+          <p:cNvPr id="15" name="テキスト ボックス 14">
+            <a:extLst>
+              <a:ext uri="{FF2B5EF4-FFF2-40B4-BE49-F238E27FC236}">
+                <a16:creationId xmlns:a16="http://schemas.microsoft.com/office/drawing/2014/main" id="{548D0024-EFD6-9F76-772E-839930905B56}"/>
+              </a:ext>
+            </a:extLst>
+          </p:cNvPr>
+          <p:cNvSpPr txBox="1"/>
+          <p:nvPr/>
+        </p:nvSpPr>
+        <p:spPr>
+          <a:xfrm>
+            <a:off x="570807" y="4186369"/>
+            <a:ext cx="3262432" cy="461665"/>
+          </a:xfrm>
+          <a:prstGeom prst="rect">
+            <a:avLst/>
+          </a:prstGeom>
+          <a:noFill/>
+        </p:spPr>
+        <p:txBody>
+          <a:bodyPr wrap="none" rtlCol="0">
+            <a:spAutoFit/>
+          </a:bodyPr>
+          <a:lstStyle/>
+          <a:p>
+            <a:pPr algn="l"/>
+            <a:r>
+              <a:rPr kumimoji="1" lang="ja-JP" altLang="en-US" sz="2400" dirty="0">
+                <a:latin typeface="メイリオ" panose="020B0604030504040204" pitchFamily="50" charset="-128"/>
+                <a:ea typeface="メイリオ" panose="020B0604030504040204" pitchFamily="50" charset="-128"/>
+              </a:rPr>
+              <a:t>大小関係はかわらない</a:t>
+            </a:r>
+          </a:p>
+        </p:txBody>
+      </p:sp>
+      <p:sp>
+        <p:nvSpPr>
+          <p:cNvPr id="16" name="右中かっこ 15">
+            <a:extLst>
+              <a:ext uri="{FF2B5EF4-FFF2-40B4-BE49-F238E27FC236}">
+                <a16:creationId xmlns:a16="http://schemas.microsoft.com/office/drawing/2014/main" id="{3C18D0E5-4E06-6C8D-2303-B9AF7900012F}"/>
+              </a:ext>
+            </a:extLst>
+          </p:cNvPr>
+          <p:cNvSpPr/>
+          <p:nvPr/>
+        </p:nvSpPr>
+        <p:spPr>
+          <a:xfrm>
+            <a:off x="9890448" y="2589162"/>
+            <a:ext cx="263255" cy="1176958"/>
+          </a:xfrm>
+          <a:prstGeom prst="rightBrace">
+            <a:avLst/>
+          </a:prstGeom>
+        </p:spPr>
+        <p:style>
+          <a:lnRef idx="1">
+            <a:schemeClr val="accent1"/>
+          </a:lnRef>
+          <a:fillRef idx="0">
+            <a:schemeClr val="accent1"/>
+          </a:fillRef>
+          <a:effectRef idx="0">
+            <a:schemeClr val="accent1"/>
+          </a:effectRef>
+          <a:fontRef idx="minor">
+            <a:schemeClr val="tx1"/>
+          </a:fontRef>
+        </p:style>
+        <p:txBody>
+          <a:bodyPr rtlCol="0" anchor="ctr"/>
+          <a:lstStyle/>
+          <a:p>
+            <a:pPr algn="ctr"/>
+            <a:endParaRPr kumimoji="1" lang="ja-JP" altLang="en-US" dirty="0"/>
+          </a:p>
+        </p:txBody>
+      </p:sp>
+      <p:sp>
+        <p:nvSpPr>
+          <p:cNvPr id="17" name="テキスト ボックス 16">
+            <a:extLst>
+              <a:ext uri="{FF2B5EF4-FFF2-40B4-BE49-F238E27FC236}">
+                <a16:creationId xmlns:a16="http://schemas.microsoft.com/office/drawing/2014/main" id="{0A33E659-7E54-C4A1-992E-51A30ABBBA7A}"/>
+              </a:ext>
+            </a:extLst>
+          </p:cNvPr>
+          <p:cNvSpPr txBox="1"/>
+          <p:nvPr/>
+        </p:nvSpPr>
+        <p:spPr>
+          <a:xfrm>
+            <a:off x="10190856" y="2808249"/>
+            <a:ext cx="1909665" cy="1200329"/>
+          </a:xfrm>
+          <a:prstGeom prst="rect">
+            <a:avLst/>
+          </a:prstGeom>
+          <a:noFill/>
+        </p:spPr>
+        <p:txBody>
+          <a:bodyPr wrap="square" rtlCol="0">
+            <a:spAutoFit/>
+          </a:bodyPr>
+          <a:lstStyle/>
+          <a:p>
+            <a:pPr algn="l"/>
+            <a:r>
+              <a:rPr kumimoji="1" lang="ja-JP" altLang="en-US" sz="2400" dirty="0">
+                <a:latin typeface="メイリオ" panose="020B0604030504040204" pitchFamily="50" charset="-128"/>
+                <a:ea typeface="メイリオ" panose="020B0604030504040204" pitchFamily="50" charset="-128"/>
+              </a:rPr>
+              <a:t>小数の対数なのでマイナスになる</a:t>
+            </a:r>
+          </a:p>
+        </p:txBody>
+      </p:sp>
+    </p:spTree>
+    <p:extLst>
+      <p:ext uri="{BB962C8B-B14F-4D97-AF65-F5344CB8AC3E}">
+        <p14:creationId xmlns:p14="http://schemas.microsoft.com/office/powerpoint/2010/main" val="1710964985"/>
+      </p:ext>
+    </p:extLst>
+  </p:cSld>
+  <p:clrMapOvr>
+    <a:masterClrMapping/>
+  </p:clrMapOvr>
+</p:sld>
+</file>
+
+<file path=ppt/slides/slide21.xml><?xml version="1.0" encoding="utf-8"?>
 <p:sld xmlns:a="http://schemas.openxmlformats.org/drawingml/2006/main" xmlns:r="http://schemas.openxmlformats.org/officeDocument/2006/relationships" xmlns:p="http://schemas.openxmlformats.org/presentationml/2006/main">
   <p:cSld>
     <p:spTree>
@@ -22894,7 +24436,7 @@
 </p:sld>
 </file>
 
-<file path=ppt/slides/slide21.xml><?xml version="1.0" encoding="utf-8"?>
+<file path=ppt/slides/slide22.xml><?xml version="1.0" encoding="utf-8"?>
 <p:sld xmlns:a="http://schemas.openxmlformats.org/drawingml/2006/main" xmlns:r="http://schemas.openxmlformats.org/officeDocument/2006/relationships" xmlns:p="http://schemas.openxmlformats.org/presentationml/2006/main">
   <p:cSld>
     <p:spTree>
@@ -23312,7 +24854,7 @@
 </p:sld>
 </file>
 
-<file path=ppt/slides/slide22.xml><?xml version="1.0" encoding="utf-8"?>
+<file path=ppt/slides/slide23.xml><?xml version="1.0" encoding="utf-8"?>
 <p:sld xmlns:a="http://schemas.openxmlformats.org/drawingml/2006/main" xmlns:r="http://schemas.openxmlformats.org/officeDocument/2006/relationships" xmlns:p="http://schemas.openxmlformats.org/presentationml/2006/main">
   <p:cSld>
     <p:spTree>
@@ -23471,7 +25013,7 @@
 </p:sld>
 </file>
 
-<file path=ppt/slides/slide23.xml><?xml version="1.0" encoding="utf-8"?>
+<file path=ppt/slides/slide24.xml><?xml version="1.0" encoding="utf-8"?>
 <p:sld xmlns:a="http://schemas.openxmlformats.org/drawingml/2006/main" xmlns:r="http://schemas.openxmlformats.org/officeDocument/2006/relationships" xmlns:p="http://schemas.openxmlformats.org/presentationml/2006/main">
   <p:cSld>
     <p:spTree>
@@ -23744,7 +25286,7 @@
 </p:sld>
 </file>
 
-<file path=ppt/slides/slide24.xml><?xml version="1.0" encoding="utf-8"?>
+<file path=ppt/slides/slide25.xml><?xml version="1.0" encoding="utf-8"?>
 <p:sld xmlns:a="http://schemas.openxmlformats.org/drawingml/2006/main" xmlns:r="http://schemas.openxmlformats.org/officeDocument/2006/relationships" xmlns:p="http://schemas.openxmlformats.org/presentationml/2006/main">
   <p:cSld>
     <p:spTree>
@@ -25173,7 +26715,28 @@
                           <a:latin typeface="Cambria Math" panose="02040503050406030204" pitchFamily="18" charset="0"/>
                           <a:ea typeface="メイリオ" panose="020B0604030504040204" pitchFamily="50" charset="-128"/>
                         </a:rPr>
-                        <m:t>=0.29</m:t>
+                        <m:t>=</m:t>
+                      </m:r>
+                      <m:r>
+                        <a:rPr kumimoji="1" lang="en-US" altLang="ja-JP" sz="2400" b="0" i="1" smtClean="0">
+                          <a:latin typeface="Cambria Math" panose="02040503050406030204" pitchFamily="18" charset="0"/>
+                          <a:ea typeface="メイリオ" panose="020B0604030504040204" pitchFamily="50" charset="-128"/>
+                        </a:rPr>
+                        <m:t>0</m:t>
+                      </m:r>
+                      <m:r>
+                        <a:rPr kumimoji="1" lang="en-US" altLang="ja-JP" sz="2400" b="0" i="1" smtClean="0">
+                          <a:latin typeface="Cambria Math" panose="02040503050406030204" pitchFamily="18" charset="0"/>
+                          <a:ea typeface="メイリオ" panose="020B0604030504040204" pitchFamily="50" charset="-128"/>
+                        </a:rPr>
+                        <m:t>.</m:t>
+                      </m:r>
+                      <m:r>
+                        <a:rPr kumimoji="1" lang="en-US" altLang="ja-JP" sz="2400" b="0" i="1" smtClean="0">
+                          <a:latin typeface="Cambria Math" panose="02040503050406030204" pitchFamily="18" charset="0"/>
+                          <a:ea typeface="メイリオ" panose="020B0604030504040204" pitchFamily="50" charset="-128"/>
+                        </a:rPr>
+                        <m:t>29</m:t>
                       </m:r>
                     </m:oMath>
                   </m:oMathPara>
@@ -27008,6 +28571,1007 @@
       </p:grpSpPr>
       <p:sp>
         <p:nvSpPr>
+          <p:cNvPr id="2" name="テキスト ボックス 1">
+            <a:extLst>
+              <a:ext uri="{FF2B5EF4-FFF2-40B4-BE49-F238E27FC236}">
+                <a16:creationId xmlns:a16="http://schemas.microsoft.com/office/drawing/2014/main" id="{7BE4F248-0EFF-C8AD-E82D-638D7349DB78}"/>
+              </a:ext>
+            </a:extLst>
+          </p:cNvPr>
+          <p:cNvSpPr txBox="1"/>
+          <p:nvPr/>
+        </p:nvSpPr>
+        <p:spPr>
+          <a:xfrm>
+            <a:off x="681644" y="448887"/>
+            <a:ext cx="6340197" cy="584775"/>
+          </a:xfrm>
+          <a:prstGeom prst="rect">
+            <a:avLst/>
+          </a:prstGeom>
+          <a:noFill/>
+        </p:spPr>
+        <p:txBody>
+          <a:bodyPr wrap="none" rtlCol="0">
+            <a:spAutoFit/>
+          </a:bodyPr>
+          <a:lstStyle/>
+          <a:p>
+            <a:pPr algn="l"/>
+            <a:r>
+              <a:rPr kumimoji="1" lang="ja-JP" altLang="en-US" sz="3200" dirty="0">
+                <a:latin typeface="メイリオ" panose="020B0604030504040204" pitchFamily="50" charset="-128"/>
+                <a:ea typeface="メイリオ" panose="020B0604030504040204" pitchFamily="50" charset="-128"/>
+              </a:rPr>
+              <a:t>分布は歪んだサイコロとみなせる</a:t>
+            </a:r>
+          </a:p>
+        </p:txBody>
+      </p:sp>
+      <p:sp>
+        <p:nvSpPr>
+          <p:cNvPr id="3" name="正方形/長方形 2">
+            <a:extLst>
+              <a:ext uri="{FF2B5EF4-FFF2-40B4-BE49-F238E27FC236}">
+                <a16:creationId xmlns:a16="http://schemas.microsoft.com/office/drawing/2014/main" id="{3F404C18-374F-BD60-4388-9B4996889398}"/>
+              </a:ext>
+            </a:extLst>
+          </p:cNvPr>
+          <p:cNvSpPr/>
+          <p:nvPr/>
+        </p:nvSpPr>
+        <p:spPr>
+          <a:xfrm>
+            <a:off x="967435" y="2483586"/>
+            <a:ext cx="721360" cy="482592"/>
+          </a:xfrm>
+          <a:prstGeom prst="rect">
+            <a:avLst/>
+          </a:prstGeom>
+          <a:ln>
+            <a:noFill/>
+          </a:ln>
+        </p:spPr>
+        <p:style>
+          <a:lnRef idx="2">
+            <a:schemeClr val="accent1">
+              <a:shade val="15000"/>
+            </a:schemeClr>
+          </a:lnRef>
+          <a:fillRef idx="1">
+            <a:schemeClr val="accent1"/>
+          </a:fillRef>
+          <a:effectRef idx="0">
+            <a:schemeClr val="accent1"/>
+          </a:effectRef>
+          <a:fontRef idx="minor">
+            <a:schemeClr val="lt1"/>
+          </a:fontRef>
+        </p:style>
+        <p:txBody>
+          <a:bodyPr rtlCol="0" anchor="ctr"/>
+          <a:lstStyle/>
+          <a:p>
+            <a:pPr algn="ctr"/>
+            <a:r>
+              <a:rPr kumimoji="1" lang="en-US" altLang="ja-JP" dirty="0"/>
+              <a:t>0.15</a:t>
+            </a:r>
+            <a:endParaRPr kumimoji="1" lang="ja-JP" altLang="en-US" dirty="0"/>
+          </a:p>
+        </p:txBody>
+      </p:sp>
+      <p:sp>
+        <p:nvSpPr>
+          <p:cNvPr id="4" name="正方形/長方形 3">
+            <a:extLst>
+              <a:ext uri="{FF2B5EF4-FFF2-40B4-BE49-F238E27FC236}">
+                <a16:creationId xmlns:a16="http://schemas.microsoft.com/office/drawing/2014/main" id="{5EC80A52-1C8F-274B-3382-DCC9AB8DEFD7}"/>
+              </a:ext>
+            </a:extLst>
+          </p:cNvPr>
+          <p:cNvSpPr/>
+          <p:nvPr/>
+        </p:nvSpPr>
+        <p:spPr>
+          <a:xfrm>
+            <a:off x="3821125" y="1701274"/>
+            <a:ext cx="721360" cy="1254752"/>
+          </a:xfrm>
+          <a:prstGeom prst="rect">
+            <a:avLst/>
+          </a:prstGeom>
+          <a:ln>
+            <a:noFill/>
+          </a:ln>
+        </p:spPr>
+        <p:style>
+          <a:lnRef idx="2">
+            <a:schemeClr val="accent1">
+              <a:shade val="15000"/>
+            </a:schemeClr>
+          </a:lnRef>
+          <a:fillRef idx="1">
+            <a:schemeClr val="accent1"/>
+          </a:fillRef>
+          <a:effectRef idx="0">
+            <a:schemeClr val="accent1"/>
+          </a:effectRef>
+          <a:fontRef idx="minor">
+            <a:schemeClr val="lt1"/>
+          </a:fontRef>
+        </p:style>
+        <p:txBody>
+          <a:bodyPr rtlCol="0" anchor="ctr"/>
+          <a:lstStyle/>
+          <a:p>
+            <a:pPr algn="ctr"/>
+            <a:r>
+              <a:rPr kumimoji="1" lang="en-US" altLang="ja-JP" dirty="0"/>
+              <a:t>0.44</a:t>
+            </a:r>
+            <a:endParaRPr kumimoji="1" lang="ja-JP" altLang="en-US" dirty="0"/>
+          </a:p>
+        </p:txBody>
+      </p:sp>
+      <p:sp>
+        <p:nvSpPr>
+          <p:cNvPr id="5" name="正方形/長方形 4">
+            <a:extLst>
+              <a:ext uri="{FF2B5EF4-FFF2-40B4-BE49-F238E27FC236}">
+                <a16:creationId xmlns:a16="http://schemas.microsoft.com/office/drawing/2014/main" id="{8A04FCAB-83BA-D2FE-0A20-06C30658E263}"/>
+              </a:ext>
+            </a:extLst>
+          </p:cNvPr>
+          <p:cNvSpPr/>
+          <p:nvPr/>
+        </p:nvSpPr>
+        <p:spPr>
+          <a:xfrm>
+            <a:off x="1894535" y="2056874"/>
+            <a:ext cx="721360" cy="899152"/>
+          </a:xfrm>
+          <a:prstGeom prst="rect">
+            <a:avLst/>
+          </a:prstGeom>
+          <a:ln>
+            <a:noFill/>
+          </a:ln>
+        </p:spPr>
+        <p:style>
+          <a:lnRef idx="2">
+            <a:schemeClr val="accent1">
+              <a:shade val="15000"/>
+            </a:schemeClr>
+          </a:lnRef>
+          <a:fillRef idx="1">
+            <a:schemeClr val="accent1"/>
+          </a:fillRef>
+          <a:effectRef idx="0">
+            <a:schemeClr val="accent1"/>
+          </a:effectRef>
+          <a:fontRef idx="minor">
+            <a:schemeClr val="lt1"/>
+          </a:fontRef>
+        </p:style>
+        <p:txBody>
+          <a:bodyPr rtlCol="0" anchor="ctr"/>
+          <a:lstStyle/>
+          <a:p>
+            <a:pPr algn="ctr"/>
+            <a:r>
+              <a:rPr kumimoji="1" lang="en-US" altLang="ja-JP" dirty="0"/>
+              <a:t>0.29</a:t>
+            </a:r>
+            <a:endParaRPr kumimoji="1" lang="ja-JP" altLang="en-US" dirty="0"/>
+          </a:p>
+        </p:txBody>
+      </p:sp>
+      <p:sp>
+        <p:nvSpPr>
+          <p:cNvPr id="6" name="正方形/長方形 5">
+            <a:extLst>
+              <a:ext uri="{FF2B5EF4-FFF2-40B4-BE49-F238E27FC236}">
+                <a16:creationId xmlns:a16="http://schemas.microsoft.com/office/drawing/2014/main" id="{53D0F7EF-B7C5-BE1A-7A14-D6877D3A9CC1}"/>
+              </a:ext>
+            </a:extLst>
+          </p:cNvPr>
+          <p:cNvSpPr/>
+          <p:nvPr/>
+        </p:nvSpPr>
+        <p:spPr>
+          <a:xfrm>
+            <a:off x="4767612" y="2660288"/>
+            <a:ext cx="721360" cy="299712"/>
+          </a:xfrm>
+          <a:prstGeom prst="rect">
+            <a:avLst/>
+          </a:prstGeom>
+          <a:ln>
+            <a:noFill/>
+          </a:ln>
+        </p:spPr>
+        <p:style>
+          <a:lnRef idx="2">
+            <a:schemeClr val="accent1">
+              <a:shade val="15000"/>
+            </a:schemeClr>
+          </a:lnRef>
+          <a:fillRef idx="1">
+            <a:schemeClr val="accent1"/>
+          </a:fillRef>
+          <a:effectRef idx="0">
+            <a:schemeClr val="accent1"/>
+          </a:effectRef>
+          <a:fontRef idx="minor">
+            <a:schemeClr val="lt1"/>
+          </a:fontRef>
+        </p:style>
+        <p:txBody>
+          <a:bodyPr rtlCol="0" anchor="ctr"/>
+          <a:lstStyle/>
+          <a:p>
+            <a:pPr algn="ctr"/>
+            <a:r>
+              <a:rPr kumimoji="1" lang="en-US" altLang="ja-JP" dirty="0"/>
+              <a:t>0.12</a:t>
+            </a:r>
+            <a:endParaRPr kumimoji="1" lang="ja-JP" altLang="en-US" dirty="0"/>
+          </a:p>
+        </p:txBody>
+      </p:sp>
+      <p:sp>
+        <p:nvSpPr>
+          <p:cNvPr id="7" name="テキスト ボックス 6">
+            <a:extLst>
+              <a:ext uri="{FF2B5EF4-FFF2-40B4-BE49-F238E27FC236}">
+                <a16:creationId xmlns:a16="http://schemas.microsoft.com/office/drawing/2014/main" id="{7208394E-8669-FAC1-374E-C5E8EA77797D}"/>
+              </a:ext>
+            </a:extLst>
+          </p:cNvPr>
+          <p:cNvSpPr txBox="1"/>
+          <p:nvPr/>
+        </p:nvSpPr>
+        <p:spPr>
+          <a:xfrm>
+            <a:off x="1982898" y="1285968"/>
+            <a:ext cx="1980029" cy="400110"/>
+          </a:xfrm>
+          <a:prstGeom prst="rect">
+            <a:avLst/>
+          </a:prstGeom>
+          <a:noFill/>
+        </p:spPr>
+        <p:txBody>
+          <a:bodyPr wrap="none" rtlCol="0">
+            <a:spAutoFit/>
+          </a:bodyPr>
+          <a:lstStyle/>
+          <a:p>
+            <a:pPr algn="l"/>
+            <a:r>
+              <a:rPr kumimoji="1" lang="ja-JP" altLang="en-US" sz="2000" dirty="0">
+                <a:latin typeface="メイリオ" panose="020B0604030504040204" pitchFamily="50" charset="-128"/>
+                <a:ea typeface="メイリオ" panose="020B0604030504040204" pitchFamily="50" charset="-128"/>
+              </a:rPr>
+              <a:t>シュークリーム</a:t>
+            </a:r>
+          </a:p>
+        </p:txBody>
+      </p:sp>
+      <p:cxnSp>
+        <p:nvCxnSpPr>
+          <p:cNvPr id="8" name="直線コネクタ 7">
+            <a:extLst>
+              <a:ext uri="{FF2B5EF4-FFF2-40B4-BE49-F238E27FC236}">
+                <a16:creationId xmlns:a16="http://schemas.microsoft.com/office/drawing/2014/main" id="{C2C77E5D-6AEE-57C4-11E6-46DA73FD7ABA}"/>
+              </a:ext>
+            </a:extLst>
+          </p:cNvPr>
+          <p:cNvCxnSpPr>
+            <a:cxnSpLocks/>
+          </p:cNvCxnSpPr>
+          <p:nvPr/>
+        </p:nvCxnSpPr>
+        <p:spPr>
+          <a:xfrm flipV="1">
+            <a:off x="681644" y="2963974"/>
+            <a:ext cx="4941611" cy="10152"/>
+          </a:xfrm>
+          <a:prstGeom prst="line">
+            <a:avLst/>
+          </a:prstGeom>
+        </p:spPr>
+        <p:style>
+          <a:lnRef idx="1">
+            <a:schemeClr val="dk1"/>
+          </a:lnRef>
+          <a:fillRef idx="0">
+            <a:schemeClr val="dk1"/>
+          </a:fillRef>
+          <a:effectRef idx="0">
+            <a:schemeClr val="dk1"/>
+          </a:effectRef>
+          <a:fontRef idx="minor">
+            <a:schemeClr val="tx1"/>
+          </a:fontRef>
+        </p:style>
+      </p:cxnSp>
+      <mc:AlternateContent xmlns:mc="http://schemas.openxmlformats.org/markup-compatibility/2006">
+        <mc:Choice xmlns:a14="http://schemas.microsoft.com/office/drawing/2010/main" Requires="a14">
+          <p:sp>
+            <p:nvSpPr>
+              <p:cNvPr id="9" name="テキスト ボックス 8">
+                <a:extLst>
+                  <a:ext uri="{FF2B5EF4-FFF2-40B4-BE49-F238E27FC236}">
+                    <a16:creationId xmlns:a16="http://schemas.microsoft.com/office/drawing/2014/main" id="{E3604E67-0E01-6CB7-E9BE-7AAA17BD3B21}"/>
+                  </a:ext>
+                </a:extLst>
+              </p:cNvPr>
+              <p:cNvSpPr txBox="1"/>
+              <p:nvPr/>
+            </p:nvSpPr>
+            <p:spPr>
+              <a:xfrm>
+                <a:off x="1668178" y="3786748"/>
+                <a:ext cx="3460114" cy="894347"/>
+              </a:xfrm>
+              <a:prstGeom prst="rect">
+                <a:avLst/>
+              </a:prstGeom>
+              <a:noFill/>
+            </p:spPr>
+            <p:txBody>
+              <a:bodyPr wrap="none" lIns="0" tIns="0" rIns="0" bIns="0" rtlCol="0">
+                <a:spAutoFit/>
+              </a:bodyPr>
+              <a:lstStyle/>
+              <a:p>
+                <a:pPr/>
+                <a14:m>
+                  <m:oMathPara xmlns:m="http://schemas.openxmlformats.org/officeDocument/2006/math">
+                    <m:oMathParaPr>
+                      <m:jc m:val="centerGroup"/>
+                    </m:oMathParaPr>
+                    <m:oMath xmlns:m="http://schemas.openxmlformats.org/officeDocument/2006/math">
+                      <m:nary>
+                        <m:naryPr>
+                          <m:chr m:val="∑"/>
+                          <m:subHide m:val="on"/>
+                          <m:supHide m:val="on"/>
+                          <m:ctrlPr>
+                            <a:rPr kumimoji="1" lang="ja-JP" altLang="en-US" sz="2400" i="1" smtClean="0">
+                              <a:latin typeface="Cambria Math" panose="02040503050406030204" pitchFamily="18" charset="0"/>
+                              <a:ea typeface="メイリオ" panose="020B0604030504040204" pitchFamily="50" charset="-128"/>
+                            </a:rPr>
+                          </m:ctrlPr>
+                        </m:naryPr>
+                        <m:sub/>
+                        <m:sup/>
+                        <m:e>
+                          <m:r>
+                            <a:rPr kumimoji="1" lang="en-US" altLang="ja-JP" sz="2400" i="1">
+                              <a:latin typeface="Cambria Math" panose="02040503050406030204" pitchFamily="18" charset="0"/>
+                              <a:ea typeface="メイリオ" panose="020B0604030504040204" pitchFamily="50" charset="-128"/>
+                            </a:rPr>
+                            <m:t>𝑝</m:t>
+                          </m:r>
+                          <m:d>
+                            <m:dPr>
+                              <m:ctrlPr>
+                                <a:rPr kumimoji="1" lang="en-US" altLang="ja-JP" sz="2400" i="1">
+                                  <a:latin typeface="Cambria Math" panose="02040503050406030204" pitchFamily="18" charset="0"/>
+                                  <a:ea typeface="メイリオ" panose="020B0604030504040204" pitchFamily="50" charset="-128"/>
+                                </a:rPr>
+                              </m:ctrlPr>
+                            </m:dPr>
+                            <m:e>
+                              <m:r>
+                                <a:rPr kumimoji="1" lang="en-US" altLang="ja-JP" sz="2400" i="1">
+                                  <a:latin typeface="Cambria Math" panose="02040503050406030204" pitchFamily="18" charset="0"/>
+                                  <a:ea typeface="メイリオ" panose="020B0604030504040204" pitchFamily="50" charset="-128"/>
+                                </a:rPr>
+                                <m:t>𝑥</m:t>
+                              </m:r>
+                            </m:e>
+                            <m:e>
+                              <m:r>
+                                <a:rPr kumimoji="1" lang="en-US" altLang="ja-JP" sz="2400" i="1">
+                                  <a:latin typeface="Cambria Math" panose="02040503050406030204" pitchFamily="18" charset="0"/>
+                                  <a:ea typeface="メイリオ" panose="020B0604030504040204" pitchFamily="50" charset="-128"/>
+                                </a:rPr>
+                                <m:t>𝐶</m:t>
+                              </m:r>
+                              <m:r>
+                                <a:rPr kumimoji="1" lang="en-US" altLang="ja-JP" sz="2400" i="1">
+                                  <a:latin typeface="Cambria Math" panose="02040503050406030204" pitchFamily="18" charset="0"/>
+                                  <a:ea typeface="メイリオ" panose="020B0604030504040204" pitchFamily="50" charset="-128"/>
+                                </a:rPr>
+                                <m:t>=</m:t>
+                              </m:r>
+                              <m:r>
+                                <a:rPr kumimoji="1" lang="ja-JP" altLang="en-US" sz="2400" i="1">
+                                  <a:latin typeface="Cambria Math" panose="02040503050406030204" pitchFamily="18" charset="0"/>
+                                  <a:ea typeface="メイリオ" panose="020B0604030504040204" pitchFamily="50" charset="-128"/>
+                                </a:rPr>
+                                <m:t>シュ</m:t>
+                              </m:r>
+                              <m:r>
+                                <a:rPr kumimoji="1" lang="ja-JP" altLang="en-US" sz="2400" i="1">
+                                  <a:latin typeface="Cambria Math" panose="02040503050406030204" pitchFamily="18" charset="0"/>
+                                  <a:ea typeface="メイリオ" panose="020B0604030504040204" pitchFamily="50" charset="-128"/>
+                                </a:rPr>
+                                <m:t>－</m:t>
+                              </m:r>
+                            </m:e>
+                          </m:d>
+                          <m:r>
+                            <m:rPr>
+                              <m:nor/>
+                            </m:rPr>
+                            <a:rPr kumimoji="1" lang="ja-JP" altLang="en-US" sz="2400" dirty="0">
+                              <a:latin typeface="メイリオ" panose="020B0604030504040204" pitchFamily="50" charset="-128"/>
+                              <a:ea typeface="メイリオ" panose="020B0604030504040204" pitchFamily="50" charset="-128"/>
+                            </a:rPr>
+                            <m:t> </m:t>
+                          </m:r>
+                          <m:r>
+                            <a:rPr kumimoji="1" lang="en-US" altLang="ja-JP" sz="2400" b="0" i="1" dirty="0" smtClean="0">
+                              <a:latin typeface="Cambria Math" panose="02040503050406030204" pitchFamily="18" charset="0"/>
+                              <a:ea typeface="メイリオ" panose="020B0604030504040204" pitchFamily="50" charset="-128"/>
+                            </a:rPr>
+                            <m:t>=</m:t>
+                          </m:r>
+                          <m:r>
+                            <a:rPr kumimoji="1" lang="en-US" altLang="ja-JP" sz="2400" b="0" i="1" dirty="0" smtClean="0">
+                              <a:latin typeface="Cambria Math" panose="02040503050406030204" pitchFamily="18" charset="0"/>
+                              <a:ea typeface="メイリオ" panose="020B0604030504040204" pitchFamily="50" charset="-128"/>
+                            </a:rPr>
+                            <m:t>1</m:t>
+                          </m:r>
+                        </m:e>
+                      </m:nary>
+                    </m:oMath>
+                  </m:oMathPara>
+                </a14:m>
+                <a:endParaRPr kumimoji="1" lang="ja-JP" altLang="en-US" sz="2400" dirty="0">
+                  <a:latin typeface="メイリオ" panose="020B0604030504040204" pitchFamily="50" charset="-128"/>
+                  <a:ea typeface="メイリオ" panose="020B0604030504040204" pitchFamily="50" charset="-128"/>
+                </a:endParaRPr>
+              </a:p>
+            </p:txBody>
+          </p:sp>
+        </mc:Choice>
+        <mc:Fallback>
+          <p:sp>
+            <p:nvSpPr>
+              <p:cNvPr id="9" name="テキスト ボックス 8">
+                <a:extLst>
+                  <a:ext uri="{FF2B5EF4-FFF2-40B4-BE49-F238E27FC236}">
+                    <a16:creationId xmlns:a16="http://schemas.microsoft.com/office/drawing/2014/main" id="{E3604E67-0E01-6CB7-E9BE-7AAA17BD3B21}"/>
+                  </a:ext>
+                </a:extLst>
+              </p:cNvPr>
+              <p:cNvSpPr txBox="1">
+                <a:spLocks noRot="1" noChangeAspect="1" noMove="1" noResize="1" noEditPoints="1" noAdjustHandles="1" noChangeArrowheads="1" noChangeShapeType="1" noTextEdit="1"/>
+              </p:cNvSpPr>
+              <p:nvPr/>
+            </p:nvSpPr>
+            <p:spPr>
+              <a:xfrm>
+                <a:off x="1668178" y="3786748"/>
+                <a:ext cx="3460114" cy="894347"/>
+              </a:xfrm>
+              <a:prstGeom prst="rect">
+                <a:avLst/>
+              </a:prstGeom>
+              <a:blipFill>
+                <a:blip r:embed="rId2"/>
+                <a:stretch>
+                  <a:fillRect/>
+                </a:stretch>
+              </a:blipFill>
+            </p:spPr>
+            <p:txBody>
+              <a:bodyPr/>
+              <a:lstStyle/>
+              <a:p>
+                <a:r>
+                  <a:rPr lang="ja-JP" altLang="en-US">
+                    <a:noFill/>
+                  </a:rPr>
+                  <a:t> </a:t>
+                </a:r>
+              </a:p>
+            </p:txBody>
+          </p:sp>
+        </mc:Fallback>
+      </mc:AlternateContent>
+      <p:pic>
+        <p:nvPicPr>
+          <p:cNvPr id="1026" name="Picture 2" descr="ビザ ハンディ コック 世界 の サイコロ - others.jp">
+            <a:extLst>
+              <a:ext uri="{FF2B5EF4-FFF2-40B4-BE49-F238E27FC236}">
+                <a16:creationId xmlns:a16="http://schemas.microsoft.com/office/drawing/2014/main" id="{1E7830F1-D472-0D76-4AAF-5E84FC91DFA8}"/>
+              </a:ext>
+            </a:extLst>
+          </p:cNvPr>
+          <p:cNvPicPr>
+            <a:picLocks noChangeAspect="1" noChangeArrowheads="1"/>
+          </p:cNvPicPr>
+          <p:nvPr/>
+        </p:nvPicPr>
+        <p:blipFill>
+          <a:blip r:embed="rId3">
+            <a:extLst>
+              <a:ext uri="{28A0092B-C50C-407E-A947-70E740481C1C}">
+                <a14:useLocalDpi xmlns:a14="http://schemas.microsoft.com/office/drawing/2010/main" val="0"/>
+              </a:ext>
+            </a:extLst>
+          </a:blip>
+          <a:srcRect/>
+          <a:stretch>
+            <a:fillRect/>
+          </a:stretch>
+        </p:blipFill>
+        <p:spPr bwMode="auto">
+          <a:xfrm>
+            <a:off x="7507004" y="1643878"/>
+            <a:ext cx="2732284" cy="2032819"/>
+          </a:xfrm>
+          <a:prstGeom prst="rect">
+            <a:avLst/>
+          </a:prstGeom>
+          <a:noFill/>
+          <a:extLst>
+            <a:ext uri="{909E8E84-426E-40DD-AFC4-6F175D3DCCD1}">
+              <a14:hiddenFill xmlns:a14="http://schemas.microsoft.com/office/drawing/2010/main">
+                <a:solidFill>
+                  <a:srgbClr val="FFFFFF"/>
+                </a:solidFill>
+              </a14:hiddenFill>
+            </a:ext>
+          </a:extLst>
+        </p:spPr>
+      </p:pic>
+      <p:sp>
+        <p:nvSpPr>
+          <p:cNvPr id="10" name="矢印: 右 9">
+            <a:extLst>
+              <a:ext uri="{FF2B5EF4-FFF2-40B4-BE49-F238E27FC236}">
+                <a16:creationId xmlns:a16="http://schemas.microsoft.com/office/drawing/2014/main" id="{82866A6C-BCF9-E2DE-F95A-583543DF4824}"/>
+              </a:ext>
+            </a:extLst>
+          </p:cNvPr>
+          <p:cNvSpPr/>
+          <p:nvPr/>
+        </p:nvSpPr>
+        <p:spPr>
+          <a:xfrm>
+            <a:off x="6375363" y="2397690"/>
+            <a:ext cx="566569" cy="761466"/>
+          </a:xfrm>
+          <a:prstGeom prst="rightArrow">
+            <a:avLst/>
+          </a:prstGeom>
+        </p:spPr>
+        <p:style>
+          <a:lnRef idx="2">
+            <a:schemeClr val="accent1">
+              <a:shade val="15000"/>
+            </a:schemeClr>
+          </a:lnRef>
+          <a:fillRef idx="1">
+            <a:schemeClr val="accent1"/>
+          </a:fillRef>
+          <a:effectRef idx="0">
+            <a:schemeClr val="accent1"/>
+          </a:effectRef>
+          <a:fontRef idx="minor">
+            <a:schemeClr val="lt1"/>
+          </a:fontRef>
+        </p:style>
+        <p:txBody>
+          <a:bodyPr rtlCol="0" anchor="ctr"/>
+          <a:lstStyle/>
+          <a:p>
+            <a:pPr algn="ctr"/>
+            <a:endParaRPr kumimoji="1" lang="ja-JP" altLang="en-US"/>
+          </a:p>
+        </p:txBody>
+      </p:sp>
+      <p:sp>
+        <p:nvSpPr>
+          <p:cNvPr id="11" name="テキスト ボックス 10">
+            <a:extLst>
+              <a:ext uri="{FF2B5EF4-FFF2-40B4-BE49-F238E27FC236}">
+                <a16:creationId xmlns:a16="http://schemas.microsoft.com/office/drawing/2014/main" id="{340A08A4-FE3D-25F3-CCA3-B05BCC5D9D16}"/>
+              </a:ext>
+            </a:extLst>
+          </p:cNvPr>
+          <p:cNvSpPr txBox="1"/>
+          <p:nvPr/>
+        </p:nvSpPr>
+        <p:spPr>
+          <a:xfrm>
+            <a:off x="7257010" y="1182213"/>
+            <a:ext cx="3570208" cy="461665"/>
+          </a:xfrm>
+          <a:prstGeom prst="rect">
+            <a:avLst/>
+          </a:prstGeom>
+          <a:noFill/>
+        </p:spPr>
+        <p:txBody>
+          <a:bodyPr wrap="none" rtlCol="0">
+            <a:spAutoFit/>
+          </a:bodyPr>
+          <a:lstStyle/>
+          <a:p>
+            <a:pPr algn="l"/>
+            <a:r>
+              <a:rPr kumimoji="1" lang="ja-JP" altLang="en-US" sz="2400" dirty="0">
+                <a:latin typeface="メイリオ" panose="020B0604030504040204" pitchFamily="50" charset="-128"/>
+                <a:ea typeface="メイリオ" panose="020B0604030504040204" pitchFamily="50" charset="-128"/>
+              </a:rPr>
+              <a:t>シュークリームサイコロ</a:t>
+            </a:r>
+          </a:p>
+        </p:txBody>
+      </p:sp>
+      <p:sp>
+        <p:nvSpPr>
+          <p:cNvPr id="12" name="テキスト ボックス 11">
+            <a:extLst>
+              <a:ext uri="{FF2B5EF4-FFF2-40B4-BE49-F238E27FC236}">
+                <a16:creationId xmlns:a16="http://schemas.microsoft.com/office/drawing/2014/main" id="{89FD11F2-4565-B3B3-5CA3-A97780745129}"/>
+              </a:ext>
+            </a:extLst>
+          </p:cNvPr>
+          <p:cNvSpPr txBox="1"/>
+          <p:nvPr/>
+        </p:nvSpPr>
+        <p:spPr>
+          <a:xfrm>
+            <a:off x="888576" y="3037392"/>
+            <a:ext cx="800219" cy="338554"/>
+          </a:xfrm>
+          <a:prstGeom prst="rect">
+            <a:avLst/>
+          </a:prstGeom>
+          <a:noFill/>
+        </p:spPr>
+        <p:txBody>
+          <a:bodyPr wrap="none" rtlCol="0">
+            <a:spAutoFit/>
+          </a:bodyPr>
+          <a:lstStyle/>
+          <a:p>
+            <a:pPr algn="l"/>
+            <a:r>
+              <a:rPr kumimoji="1" lang="ja-JP" altLang="en-US" sz="1600" dirty="0">
+                <a:latin typeface="メイリオ" panose="020B0604030504040204" pitchFamily="50" charset="-128"/>
+                <a:ea typeface="メイリオ" panose="020B0604030504040204" pitchFamily="50" charset="-128"/>
+              </a:rPr>
+              <a:t>ミルク</a:t>
+            </a:r>
+          </a:p>
+        </p:txBody>
+      </p:sp>
+      <p:sp>
+        <p:nvSpPr>
+          <p:cNvPr id="13" name="テキスト ボックス 12">
+            <a:extLst>
+              <a:ext uri="{FF2B5EF4-FFF2-40B4-BE49-F238E27FC236}">
+                <a16:creationId xmlns:a16="http://schemas.microsoft.com/office/drawing/2014/main" id="{86FB7175-33AF-D840-7DFE-1899C15A9E34}"/>
+              </a:ext>
+            </a:extLst>
+          </p:cNvPr>
+          <p:cNvSpPr txBox="1"/>
+          <p:nvPr/>
+        </p:nvSpPr>
+        <p:spPr>
+          <a:xfrm>
+            <a:off x="2708924" y="3037392"/>
+            <a:ext cx="1005403" cy="338554"/>
+          </a:xfrm>
+          <a:prstGeom prst="rect">
+            <a:avLst/>
+          </a:prstGeom>
+          <a:noFill/>
+        </p:spPr>
+        <p:txBody>
+          <a:bodyPr wrap="none" rtlCol="0">
+            <a:spAutoFit/>
+          </a:bodyPr>
+          <a:lstStyle/>
+          <a:p>
+            <a:pPr algn="l"/>
+            <a:r>
+              <a:rPr kumimoji="1" lang="ja-JP" altLang="en-US" sz="1600" dirty="0">
+                <a:latin typeface="メイリオ" panose="020B0604030504040204" pitchFamily="50" charset="-128"/>
+                <a:ea typeface="メイリオ" panose="020B0604030504040204" pitchFamily="50" charset="-128"/>
+              </a:rPr>
+              <a:t>カラメル</a:t>
+            </a:r>
+          </a:p>
+        </p:txBody>
+      </p:sp>
+      <p:sp>
+        <p:nvSpPr>
+          <p:cNvPr id="14" name="テキスト ボックス 13">
+            <a:extLst>
+              <a:ext uri="{FF2B5EF4-FFF2-40B4-BE49-F238E27FC236}">
+                <a16:creationId xmlns:a16="http://schemas.microsoft.com/office/drawing/2014/main" id="{FAD67238-9BD9-0B0D-0D90-6DF5148E5D4F}"/>
+              </a:ext>
+            </a:extLst>
+          </p:cNvPr>
+          <p:cNvSpPr txBox="1"/>
+          <p:nvPr/>
+        </p:nvSpPr>
+        <p:spPr>
+          <a:xfrm>
+            <a:off x="4893937" y="2989879"/>
+            <a:ext cx="595035" cy="338554"/>
+          </a:xfrm>
+          <a:prstGeom prst="rect">
+            <a:avLst/>
+          </a:prstGeom>
+          <a:noFill/>
+        </p:spPr>
+        <p:txBody>
+          <a:bodyPr wrap="none" rtlCol="0">
+            <a:spAutoFit/>
+          </a:bodyPr>
+          <a:lstStyle/>
+          <a:p>
+            <a:pPr algn="l"/>
+            <a:r>
+              <a:rPr kumimoji="1" lang="ja-JP" altLang="en-US" sz="1600" dirty="0">
+                <a:latin typeface="メイリオ" panose="020B0604030504040204" pitchFamily="50" charset="-128"/>
+                <a:ea typeface="メイリオ" panose="020B0604030504040204" pitchFamily="50" charset="-128"/>
+              </a:rPr>
+              <a:t>砂糖</a:t>
+            </a:r>
+          </a:p>
+        </p:txBody>
+      </p:sp>
+      <p:sp>
+        <p:nvSpPr>
+          <p:cNvPr id="15" name="テキスト ボックス 14">
+            <a:extLst>
+              <a:ext uri="{FF2B5EF4-FFF2-40B4-BE49-F238E27FC236}">
+                <a16:creationId xmlns:a16="http://schemas.microsoft.com/office/drawing/2014/main" id="{18A7BF61-8616-2667-D550-7F58EE9B71A5}"/>
+              </a:ext>
+            </a:extLst>
+          </p:cNvPr>
+          <p:cNvSpPr txBox="1"/>
+          <p:nvPr/>
+        </p:nvSpPr>
+        <p:spPr>
+          <a:xfrm>
+            <a:off x="3659061" y="3020876"/>
+            <a:ext cx="1210588" cy="338554"/>
+          </a:xfrm>
+          <a:prstGeom prst="rect">
+            <a:avLst/>
+          </a:prstGeom>
+          <a:noFill/>
+        </p:spPr>
+        <p:txBody>
+          <a:bodyPr wrap="none" rtlCol="0">
+            <a:spAutoFit/>
+          </a:bodyPr>
+          <a:lstStyle/>
+          <a:p>
+            <a:pPr algn="l"/>
+            <a:r>
+              <a:rPr kumimoji="1" lang="ja-JP" altLang="en-US" sz="1600" dirty="0">
+                <a:latin typeface="メイリオ" panose="020B0604030504040204" pitchFamily="50" charset="-128"/>
+                <a:ea typeface="メイリオ" panose="020B0604030504040204" pitchFamily="50" charset="-128"/>
+              </a:rPr>
+              <a:t>カスタード</a:t>
+            </a:r>
+          </a:p>
+        </p:txBody>
+      </p:sp>
+      <p:sp>
+        <p:nvSpPr>
+          <p:cNvPr id="16" name="テキスト ボックス 15">
+            <a:extLst>
+              <a:ext uri="{FF2B5EF4-FFF2-40B4-BE49-F238E27FC236}">
+                <a16:creationId xmlns:a16="http://schemas.microsoft.com/office/drawing/2014/main" id="{50D2BF24-8628-256E-1B99-C11B740BA107}"/>
+              </a:ext>
+            </a:extLst>
+          </p:cNvPr>
+          <p:cNvSpPr txBox="1"/>
+          <p:nvPr/>
+        </p:nvSpPr>
+        <p:spPr>
+          <a:xfrm>
+            <a:off x="1867917" y="3037392"/>
+            <a:ext cx="595035" cy="338554"/>
+          </a:xfrm>
+          <a:prstGeom prst="rect">
+            <a:avLst/>
+          </a:prstGeom>
+          <a:noFill/>
+        </p:spPr>
+        <p:txBody>
+          <a:bodyPr wrap="none" rtlCol="0">
+            <a:spAutoFit/>
+          </a:bodyPr>
+          <a:lstStyle/>
+          <a:p>
+            <a:pPr algn="l"/>
+            <a:r>
+              <a:rPr kumimoji="1" lang="ja-JP" altLang="en-US" sz="1600" dirty="0">
+                <a:latin typeface="メイリオ" panose="020B0604030504040204" pitchFamily="50" charset="-128"/>
+                <a:ea typeface="メイリオ" panose="020B0604030504040204" pitchFamily="50" charset="-128"/>
+              </a:rPr>
+              <a:t>生地</a:t>
+            </a:r>
+          </a:p>
+        </p:txBody>
+      </p:sp>
+      <p:sp>
+        <p:nvSpPr>
+          <p:cNvPr id="17" name="テキスト ボックス 16">
+            <a:extLst>
+              <a:ext uri="{FF2B5EF4-FFF2-40B4-BE49-F238E27FC236}">
+                <a16:creationId xmlns:a16="http://schemas.microsoft.com/office/drawing/2014/main" id="{1F577A99-21CC-BDC4-9249-C275B8D5DEF7}"/>
+              </a:ext>
+            </a:extLst>
+          </p:cNvPr>
+          <p:cNvSpPr txBox="1"/>
+          <p:nvPr/>
+        </p:nvSpPr>
+        <p:spPr>
+          <a:xfrm>
+            <a:off x="7507004" y="3719368"/>
+            <a:ext cx="3108543" cy="1200329"/>
+          </a:xfrm>
+          <a:prstGeom prst="rect">
+            <a:avLst/>
+          </a:prstGeom>
+          <a:noFill/>
+        </p:spPr>
+        <p:txBody>
+          <a:bodyPr wrap="none" rtlCol="0">
+            <a:spAutoFit/>
+          </a:bodyPr>
+          <a:lstStyle/>
+          <a:p>
+            <a:pPr marL="457200" indent="-457200" algn="l">
+              <a:buFont typeface="+mj-lt"/>
+              <a:buAutoNum type="arabicPeriod"/>
+            </a:pPr>
+            <a:r>
+              <a:rPr kumimoji="1" lang="ja-JP" altLang="en-US" sz="2400" dirty="0">
+                <a:latin typeface="メイリオ" panose="020B0604030504040204" pitchFamily="50" charset="-128"/>
+                <a:ea typeface="メイリオ" panose="020B0604030504040204" pitchFamily="50" charset="-128"/>
+              </a:rPr>
+              <a:t>各面は素材名</a:t>
+            </a:r>
+            <a:endParaRPr kumimoji="1" lang="en-US" altLang="ja-JP" sz="2400" dirty="0">
+              <a:latin typeface="メイリオ" panose="020B0604030504040204" pitchFamily="50" charset="-128"/>
+              <a:ea typeface="メイリオ" panose="020B0604030504040204" pitchFamily="50" charset="-128"/>
+            </a:endParaRPr>
+          </a:p>
+          <a:p>
+            <a:pPr marL="457200" indent="-457200" algn="l">
+              <a:buFont typeface="+mj-lt"/>
+              <a:buAutoNum type="arabicPeriod"/>
+            </a:pPr>
+            <a:r>
+              <a:rPr kumimoji="1" lang="ja-JP" altLang="en-US" sz="2400" dirty="0">
+                <a:latin typeface="メイリオ" panose="020B0604030504040204" pitchFamily="50" charset="-128"/>
+                <a:ea typeface="メイリオ" panose="020B0604030504040204" pitchFamily="50" charset="-128"/>
+              </a:rPr>
+              <a:t>各面の面積は確率</a:t>
+            </a:r>
+            <a:endParaRPr kumimoji="1" lang="en-US" altLang="ja-JP" sz="2400" dirty="0">
+              <a:latin typeface="メイリオ" panose="020B0604030504040204" pitchFamily="50" charset="-128"/>
+              <a:ea typeface="メイリオ" panose="020B0604030504040204" pitchFamily="50" charset="-128"/>
+            </a:endParaRPr>
+          </a:p>
+          <a:p>
+            <a:pPr marL="457200" indent="-457200" algn="l">
+              <a:buFont typeface="+mj-lt"/>
+              <a:buAutoNum type="arabicPeriod"/>
+            </a:pPr>
+            <a:r>
+              <a:rPr kumimoji="1" lang="ja-JP" altLang="en-US" sz="2400" dirty="0">
+                <a:latin typeface="メイリオ" panose="020B0604030504040204" pitchFamily="50" charset="-128"/>
+                <a:ea typeface="メイリオ" panose="020B0604030504040204" pitchFamily="50" charset="-128"/>
+              </a:rPr>
+              <a:t>面の合計面積</a:t>
+            </a:r>
+            <a:r>
+              <a:rPr kumimoji="1" lang="en-US" altLang="ja-JP" sz="2400" dirty="0">
+                <a:latin typeface="メイリオ" panose="020B0604030504040204" pitchFamily="50" charset="-128"/>
+                <a:ea typeface="メイリオ" panose="020B0604030504040204" pitchFamily="50" charset="-128"/>
+              </a:rPr>
+              <a:t>=1</a:t>
+            </a:r>
+            <a:endParaRPr kumimoji="1" lang="ja-JP" altLang="en-US" sz="2400" dirty="0">
+              <a:latin typeface="メイリオ" panose="020B0604030504040204" pitchFamily="50" charset="-128"/>
+              <a:ea typeface="メイリオ" panose="020B0604030504040204" pitchFamily="50" charset="-128"/>
+            </a:endParaRPr>
+          </a:p>
+        </p:txBody>
+      </p:sp>
+      <p:sp>
+        <p:nvSpPr>
+          <p:cNvPr id="18" name="テキスト ボックス 17">
+            <a:extLst>
+              <a:ext uri="{FF2B5EF4-FFF2-40B4-BE49-F238E27FC236}">
+                <a16:creationId xmlns:a16="http://schemas.microsoft.com/office/drawing/2014/main" id="{05E3CA87-F8B5-50BA-3703-EA3BC3CFD31D}"/>
+              </a:ext>
+            </a:extLst>
+          </p:cNvPr>
+          <p:cNvSpPr txBox="1"/>
+          <p:nvPr/>
+        </p:nvSpPr>
+        <p:spPr>
+          <a:xfrm>
+            <a:off x="1288685" y="5493717"/>
+            <a:ext cx="8802410" cy="461665"/>
+          </a:xfrm>
+          <a:prstGeom prst="rect">
+            <a:avLst/>
+          </a:prstGeom>
+          <a:noFill/>
+        </p:spPr>
+        <p:txBody>
+          <a:bodyPr wrap="none" rtlCol="0">
+            <a:spAutoFit/>
+          </a:bodyPr>
+          <a:lstStyle/>
+          <a:p>
+            <a:pPr algn="l"/>
+            <a:r>
+              <a:rPr kumimoji="1" lang="ja-JP" altLang="en-US" sz="2400" dirty="0">
+                <a:latin typeface="メイリオ" panose="020B0604030504040204" pitchFamily="50" charset="-128"/>
+                <a:ea typeface="メイリオ" panose="020B0604030504040204" pitchFamily="50" charset="-128"/>
+              </a:rPr>
+              <a:t>プリンサイコロも歪み方がその確率分布に従うようなサイコロ</a:t>
+            </a:r>
+          </a:p>
+        </p:txBody>
+      </p:sp>
+    </p:spTree>
+    <p:extLst>
+      <p:ext uri="{BB962C8B-B14F-4D97-AF65-F5344CB8AC3E}">
+        <p14:creationId xmlns:p14="http://schemas.microsoft.com/office/powerpoint/2010/main" val="2928675443"/>
+      </p:ext>
+    </p:extLst>
+  </p:cSld>
+  <p:clrMapOvr>
+    <a:masterClrMapping/>
+  </p:clrMapOvr>
+</p:sld>
+</file>
+
+<file path=ppt/slides/slide7.xml><?xml version="1.0" encoding="utf-8"?>
+<p:sld xmlns:a="http://schemas.openxmlformats.org/drawingml/2006/main" xmlns:r="http://schemas.openxmlformats.org/officeDocument/2006/relationships" xmlns:p="http://schemas.openxmlformats.org/presentationml/2006/main">
+  <p:cSld>
+    <p:spTree>
+      <p:nvGrpSpPr>
+        <p:cNvPr id="1" name=""/>
+        <p:cNvGrpSpPr/>
+        <p:nvPr/>
+      </p:nvGrpSpPr>
+      <p:grpSpPr>
+        <a:xfrm>
+          <a:off x="0" y="0"/>
+          <a:ext cx="0" cy="0"/>
+          <a:chOff x="0" y="0"/>
+          <a:chExt cx="0" cy="0"/>
+        </a:xfrm>
+      </p:grpSpPr>
+      <p:sp>
+        <p:nvSpPr>
           <p:cNvPr id="2" name="正方形/長方形 1">
             <a:extLst>
               <a:ext uri="{FF2B5EF4-FFF2-40B4-BE49-F238E27FC236}">
@@ -27831,7 +30395,7 @@
 </p:sld>
 </file>
 
-<file path=ppt/slides/slide7.xml><?xml version="1.0" encoding="utf-8"?>
+<file path=ppt/slides/slide8.xml><?xml version="1.0" encoding="utf-8"?>
 <p:sld xmlns:a="http://schemas.openxmlformats.org/drawingml/2006/main" xmlns:r="http://schemas.openxmlformats.org/officeDocument/2006/relationships" xmlns:p="http://schemas.openxmlformats.org/presentationml/2006/main">
   <p:cSld>
     <p:spTree>
@@ -27902,7 +30466,7 @@
         <p:spPr>
           <a:xfrm>
             <a:off x="466018" y="1571227"/>
-            <a:ext cx="5109091" cy="461665"/>
+            <a:ext cx="6955750" cy="461665"/>
           </a:xfrm>
           <a:prstGeom prst="rect">
             <a:avLst/>
@@ -27921,7 +30485,24 @@
                 <a:latin typeface="メイリオ" panose="020B0604030504040204" pitchFamily="50" charset="-128"/>
                 <a:ea typeface="メイリオ" panose="020B0604030504040204" pitchFamily="50" charset="-128"/>
               </a:rPr>
-              <a:t>出現した語彙の同時確率を計算する</a:t>
+              <a:t>出現した語彙の同時確率（</a:t>
+            </a:r>
+            <a:r>
+              <a:rPr kumimoji="1" lang="ja-JP" altLang="en-US" sz="2400" b="1" u="sng" dirty="0">
+                <a:solidFill>
+                  <a:srgbClr val="FF0000"/>
+                </a:solidFill>
+                <a:latin typeface="メイリオ" panose="020B0604030504040204" pitchFamily="50" charset="-128"/>
+                <a:ea typeface="メイリオ" panose="020B0604030504040204" pitchFamily="50" charset="-128"/>
+              </a:rPr>
+              <a:t>独立事象</a:t>
+            </a:r>
+            <a:r>
+              <a:rPr kumimoji="1" lang="ja-JP" altLang="en-US" sz="2400" u="sng" dirty="0">
+                <a:latin typeface="メイリオ" panose="020B0604030504040204" pitchFamily="50" charset="-128"/>
+                <a:ea typeface="メイリオ" panose="020B0604030504040204" pitchFamily="50" charset="-128"/>
+              </a:rPr>
+              <a:t>）を計算する</a:t>
             </a:r>
           </a:p>
         </p:txBody>
@@ -28581,7 +31162,21 @@
                               <a:latin typeface="Cambria Math" panose="02040503050406030204" pitchFamily="18" charset="0"/>
                               <a:ea typeface="メイリオ" panose="020B0604030504040204" pitchFamily="50" charset="-128"/>
                             </a:rPr>
-                            <m:t>0.0</m:t>
+                            <m:t>0</m:t>
+                          </m:r>
+                          <m:r>
+                            <a:rPr kumimoji="1" lang="en-US" altLang="ja-JP" sz="2400" b="0" i="1" smtClean="0">
+                              <a:latin typeface="Cambria Math" panose="02040503050406030204" pitchFamily="18" charset="0"/>
+                              <a:ea typeface="メイリオ" panose="020B0604030504040204" pitchFamily="50" charset="-128"/>
+                            </a:rPr>
+                            <m:t>.</m:t>
+                          </m:r>
+                          <m:r>
+                            <a:rPr kumimoji="1" lang="en-US" altLang="ja-JP" sz="2400" b="0" i="1" smtClean="0">
+                              <a:latin typeface="Cambria Math" panose="02040503050406030204" pitchFamily="18" charset="0"/>
+                              <a:ea typeface="メイリオ" panose="020B0604030504040204" pitchFamily="50" charset="-128"/>
+                            </a:rPr>
+                            <m:t>0</m:t>
                           </m:r>
                         </m:e>
                         <m:sup>
@@ -28606,7 +31201,77 @@
                           <a:latin typeface="Cambria Math" panose="02040503050406030204" pitchFamily="18" charset="0"/>
                           <a:ea typeface="Cambria Math" panose="02040503050406030204" pitchFamily="18" charset="0"/>
                         </a:rPr>
-                        <m:t>0.15×0.12=0.0</m:t>
+                        <m:t>0</m:t>
+                      </m:r>
+                      <m:r>
+                        <a:rPr kumimoji="1" lang="en-US" altLang="ja-JP" sz="2400" b="0" i="1" smtClean="0">
+                          <a:latin typeface="Cambria Math" panose="02040503050406030204" pitchFamily="18" charset="0"/>
+                          <a:ea typeface="Cambria Math" panose="02040503050406030204" pitchFamily="18" charset="0"/>
+                        </a:rPr>
+                        <m:t>.</m:t>
+                      </m:r>
+                      <m:r>
+                        <a:rPr kumimoji="1" lang="en-US" altLang="ja-JP" sz="2400" b="0" i="1" smtClean="0">
+                          <a:latin typeface="Cambria Math" panose="02040503050406030204" pitchFamily="18" charset="0"/>
+                          <a:ea typeface="Cambria Math" panose="02040503050406030204" pitchFamily="18" charset="0"/>
+                        </a:rPr>
+                        <m:t>15</m:t>
+                      </m:r>
+                      <m:r>
+                        <a:rPr kumimoji="1" lang="en-US" altLang="ja-JP" sz="2400" b="0" i="1" smtClean="0">
+                          <a:latin typeface="Cambria Math" panose="02040503050406030204" pitchFamily="18" charset="0"/>
+                          <a:ea typeface="Cambria Math" panose="02040503050406030204" pitchFamily="18" charset="0"/>
+                        </a:rPr>
+                        <m:t>×</m:t>
+                      </m:r>
+                      <m:r>
+                        <a:rPr kumimoji="1" lang="en-US" altLang="ja-JP" sz="2400" b="0" i="1" smtClean="0">
+                          <a:latin typeface="Cambria Math" panose="02040503050406030204" pitchFamily="18" charset="0"/>
+                          <a:ea typeface="Cambria Math" panose="02040503050406030204" pitchFamily="18" charset="0"/>
+                        </a:rPr>
+                        <m:t>0</m:t>
+                      </m:r>
+                      <m:r>
+                        <a:rPr kumimoji="1" lang="en-US" altLang="ja-JP" sz="2400" b="0" i="1" smtClean="0">
+                          <a:latin typeface="Cambria Math" panose="02040503050406030204" pitchFamily="18" charset="0"/>
+                          <a:ea typeface="Cambria Math" panose="02040503050406030204" pitchFamily="18" charset="0"/>
+                        </a:rPr>
+                        <m:t>.</m:t>
+                      </m:r>
+                      <m:r>
+                        <a:rPr kumimoji="1" lang="en-US" altLang="ja-JP" sz="2400" b="0" i="1" smtClean="0">
+                          <a:latin typeface="Cambria Math" panose="02040503050406030204" pitchFamily="18" charset="0"/>
+                          <a:ea typeface="Cambria Math" panose="02040503050406030204" pitchFamily="18" charset="0"/>
+                        </a:rPr>
+                        <m:t>12</m:t>
+                      </m:r>
+                      <m:r>
+                        <a:rPr kumimoji="1" lang="en-US" altLang="ja-JP" sz="2400" b="0" i="1" smtClean="0">
+                          <a:latin typeface="Cambria Math" panose="02040503050406030204" pitchFamily="18" charset="0"/>
+                          <a:ea typeface="Cambria Math" panose="02040503050406030204" pitchFamily="18" charset="0"/>
+                        </a:rPr>
+                        <m:t>=</m:t>
+                      </m:r>
+                      <m:r>
+                        <a:rPr kumimoji="1" lang="en-US" altLang="ja-JP" sz="2400" b="0" i="1" smtClean="0">
+                          <a:latin typeface="Cambria Math" panose="02040503050406030204" pitchFamily="18" charset="0"/>
+                          <a:ea typeface="Cambria Math" panose="02040503050406030204" pitchFamily="18" charset="0"/>
+                        </a:rPr>
+                        <m:t>0</m:t>
+                      </m:r>
+                      <m:r>
+                        <a:rPr kumimoji="1" lang="en-US" altLang="ja-JP" sz="2400" b="0" i="1" smtClean="0">
+                          <a:latin typeface="Cambria Math" panose="02040503050406030204" pitchFamily="18" charset="0"/>
+                          <a:ea typeface="Cambria Math" panose="02040503050406030204" pitchFamily="18" charset="0"/>
+                        </a:rPr>
+                        <m:t>.</m:t>
+                      </m:r>
+                      <m:r>
+                        <a:rPr kumimoji="1" lang="en-US" altLang="ja-JP" sz="2400" b="0" i="1" smtClean="0">
+                          <a:latin typeface="Cambria Math" panose="02040503050406030204" pitchFamily="18" charset="0"/>
+                          <a:ea typeface="Cambria Math" panose="02040503050406030204" pitchFamily="18" charset="0"/>
+                        </a:rPr>
+                        <m:t>0</m:t>
                       </m:r>
                     </m:oMath>
                   </m:oMathPara>
@@ -28710,8 +31375,8 @@
           </a:p>
         </p:txBody>
       </p:sp>
-      <mc:AlternateContent xmlns:mc="http://schemas.openxmlformats.org/markup-compatibility/2006" xmlns:a14="http://schemas.microsoft.com/office/drawing/2010/main">
-        <mc:Choice Requires="a14">
+      <mc:AlternateContent xmlns:mc="http://schemas.openxmlformats.org/markup-compatibility/2006">
+        <mc:Choice xmlns:a14="http://schemas.microsoft.com/office/drawing/2010/main" Requires="a14">
           <p:sp>
             <p:nvSpPr>
               <p:cNvPr id="47" name="テキスト ボックス 46">
@@ -28726,7 +31391,7 @@
             </p:nvSpPr>
             <p:spPr>
               <a:xfrm>
-                <a:off x="3336270" y="5195356"/>
+                <a:off x="3368114" y="5202438"/>
                 <a:ext cx="3139193" cy="369332"/>
               </a:xfrm>
               <a:prstGeom prst="rect">
@@ -28762,7 +31427,21 @@
                               <a:latin typeface="Cambria Math" panose="02040503050406030204" pitchFamily="18" charset="0"/>
                               <a:ea typeface="メイリオ" panose="020B0604030504040204" pitchFamily="50" charset="-128"/>
                             </a:rPr>
-                            <m:t>0.5</m:t>
+                            <m:t>0</m:t>
+                          </m:r>
+                          <m:r>
+                            <a:rPr kumimoji="1" lang="en-US" altLang="ja-JP" sz="2400" b="0" i="1" smtClean="0">
+                              <a:latin typeface="Cambria Math" panose="02040503050406030204" pitchFamily="18" charset="0"/>
+                              <a:ea typeface="メイリオ" panose="020B0604030504040204" pitchFamily="50" charset="-128"/>
+                            </a:rPr>
+                            <m:t>.</m:t>
+                          </m:r>
+                          <m:r>
+                            <a:rPr kumimoji="1" lang="en-US" altLang="ja-JP" sz="2400" b="0" i="1" smtClean="0">
+                              <a:latin typeface="Cambria Math" panose="02040503050406030204" pitchFamily="18" charset="0"/>
+                              <a:ea typeface="メイリオ" panose="020B0604030504040204" pitchFamily="50" charset="-128"/>
+                            </a:rPr>
+                            <m:t>5</m:t>
                           </m:r>
                         </m:e>
                         <m:sup>
@@ -28787,7 +31466,77 @@
                           <a:latin typeface="Cambria Math" panose="02040503050406030204" pitchFamily="18" charset="0"/>
                           <a:ea typeface="Cambria Math" panose="02040503050406030204" pitchFamily="18" charset="0"/>
                         </a:rPr>
-                        <m:t>0.38×0.0=0.0</m:t>
+                        <m:t>0</m:t>
+                      </m:r>
+                      <m:r>
+                        <a:rPr kumimoji="1" lang="en-US" altLang="ja-JP" sz="2400" b="0" i="1" smtClean="0">
+                          <a:latin typeface="Cambria Math" panose="02040503050406030204" pitchFamily="18" charset="0"/>
+                          <a:ea typeface="Cambria Math" panose="02040503050406030204" pitchFamily="18" charset="0"/>
+                        </a:rPr>
+                        <m:t>.</m:t>
+                      </m:r>
+                      <m:r>
+                        <a:rPr kumimoji="1" lang="en-US" altLang="ja-JP" sz="2400" b="0" i="1" smtClean="0">
+                          <a:latin typeface="Cambria Math" panose="02040503050406030204" pitchFamily="18" charset="0"/>
+                          <a:ea typeface="Cambria Math" panose="02040503050406030204" pitchFamily="18" charset="0"/>
+                        </a:rPr>
+                        <m:t>38</m:t>
+                      </m:r>
+                      <m:r>
+                        <a:rPr kumimoji="1" lang="en-US" altLang="ja-JP" sz="2400" b="0" i="1" smtClean="0">
+                          <a:latin typeface="Cambria Math" panose="02040503050406030204" pitchFamily="18" charset="0"/>
+                          <a:ea typeface="Cambria Math" panose="02040503050406030204" pitchFamily="18" charset="0"/>
+                        </a:rPr>
+                        <m:t>×</m:t>
+                      </m:r>
+                      <m:r>
+                        <a:rPr kumimoji="1" lang="en-US" altLang="ja-JP" sz="2400" b="0" i="1" smtClean="0">
+                          <a:latin typeface="Cambria Math" panose="02040503050406030204" pitchFamily="18" charset="0"/>
+                          <a:ea typeface="Cambria Math" panose="02040503050406030204" pitchFamily="18" charset="0"/>
+                        </a:rPr>
+                        <m:t>0</m:t>
+                      </m:r>
+                      <m:r>
+                        <a:rPr kumimoji="1" lang="en-US" altLang="ja-JP" sz="2400" b="0" i="1" smtClean="0">
+                          <a:latin typeface="Cambria Math" panose="02040503050406030204" pitchFamily="18" charset="0"/>
+                          <a:ea typeface="Cambria Math" panose="02040503050406030204" pitchFamily="18" charset="0"/>
+                        </a:rPr>
+                        <m:t>.</m:t>
+                      </m:r>
+                      <m:r>
+                        <a:rPr kumimoji="1" lang="en-US" altLang="ja-JP" sz="2400" b="0" i="1" smtClean="0">
+                          <a:latin typeface="Cambria Math" panose="02040503050406030204" pitchFamily="18" charset="0"/>
+                          <a:ea typeface="Cambria Math" panose="02040503050406030204" pitchFamily="18" charset="0"/>
+                        </a:rPr>
+                        <m:t>0</m:t>
+                      </m:r>
+                      <m:r>
+                        <a:rPr kumimoji="1" lang="en-US" altLang="ja-JP" sz="2400" b="0" i="1" smtClean="0">
+                          <a:latin typeface="Cambria Math" panose="02040503050406030204" pitchFamily="18" charset="0"/>
+                          <a:ea typeface="Cambria Math" panose="02040503050406030204" pitchFamily="18" charset="0"/>
+                        </a:rPr>
+                        <m:t>=</m:t>
+                      </m:r>
+                      <m:r>
+                        <a:rPr kumimoji="1" lang="en-US" altLang="ja-JP" sz="2400" b="0" i="1" smtClean="0">
+                          <a:latin typeface="Cambria Math" panose="02040503050406030204" pitchFamily="18" charset="0"/>
+                          <a:ea typeface="Cambria Math" panose="02040503050406030204" pitchFamily="18" charset="0"/>
+                        </a:rPr>
+                        <m:t>0</m:t>
+                      </m:r>
+                      <m:r>
+                        <a:rPr kumimoji="1" lang="en-US" altLang="ja-JP" sz="2400" b="0" i="1" smtClean="0">
+                          <a:latin typeface="Cambria Math" panose="02040503050406030204" pitchFamily="18" charset="0"/>
+                          <a:ea typeface="Cambria Math" panose="02040503050406030204" pitchFamily="18" charset="0"/>
+                        </a:rPr>
+                        <m:t>.</m:t>
+                      </m:r>
+                      <m:r>
+                        <a:rPr kumimoji="1" lang="en-US" altLang="ja-JP" sz="2400" b="0" i="1" smtClean="0">
+                          <a:latin typeface="Cambria Math" panose="02040503050406030204" pitchFamily="18" charset="0"/>
+                          <a:ea typeface="Cambria Math" panose="02040503050406030204" pitchFamily="18" charset="0"/>
+                        </a:rPr>
+                        <m:t>0</m:t>
                       </m:r>
                     </m:oMath>
                   </m:oMathPara>
@@ -28800,7 +31549,7 @@
             </p:txBody>
           </p:sp>
         </mc:Choice>
-        <mc:Fallback xmlns="">
+        <mc:Fallback>
           <p:sp>
             <p:nvSpPr>
               <p:cNvPr id="47" name="テキスト ボックス 46">
@@ -28817,7 +31566,7 @@
             </p:nvSpPr>
             <p:spPr>
               <a:xfrm>
-                <a:off x="3336270" y="5195356"/>
+                <a:off x="3368114" y="5202438"/>
                 <a:ext cx="3139193" cy="369332"/>
               </a:xfrm>
               <a:prstGeom prst="rect">
@@ -28826,7 +31575,7 @@
               <a:blipFill>
                 <a:blip r:embed="rId5"/>
                 <a:stretch>
-                  <a:fillRect l="-1165" t="-4918" r="-1553" b="-3279"/>
+                  <a:fillRect l="-1362" t="-4918" r="-1556" b="-3279"/>
                 </a:stretch>
               </a:blipFill>
             </p:spPr>
@@ -28987,7 +31736,7 @@
 </p:sld>
 </file>
 
-<file path=ppt/slides/slide8.xml><?xml version="1.0" encoding="utf-8"?>
+<file path=ppt/slides/slide9.xml><?xml version="1.0" encoding="utf-8"?>
 <p:sld xmlns:a="http://schemas.openxmlformats.org/drawingml/2006/main" xmlns:r="http://schemas.openxmlformats.org/officeDocument/2006/relationships" xmlns:p="http://schemas.openxmlformats.org/presentationml/2006/main">
   <p:cSld>
     <p:spTree>
@@ -29018,7 +31767,7 @@
         </p:nvSpPr>
         <p:spPr>
           <a:xfrm>
-            <a:off x="549724" y="759567"/>
+            <a:off x="1530210" y="1125759"/>
             <a:ext cx="2792752" cy="461665"/>
           </a:xfrm>
           <a:prstGeom prst="rect">
@@ -29064,7 +31813,7 @@
         </p:nvSpPr>
         <p:spPr>
           <a:xfrm>
-            <a:off x="549724" y="1767809"/>
+            <a:off x="1530210" y="2134001"/>
             <a:ext cx="1561646" cy="461665"/>
           </a:xfrm>
           <a:prstGeom prst="rect">
@@ -29111,7 +31860,7 @@
         <p:spPr>
           <a:xfrm>
             <a:off x="307500" y="185060"/>
-            <a:ext cx="10543271" cy="584775"/>
+            <a:ext cx="10543271" cy="954107"/>
           </a:xfrm>
           <a:prstGeom prst="rect">
             <a:avLst/>
@@ -29152,6 +31901,20 @@
                 <a:ea typeface="メイリオ" panose="020B0604030504040204" pitchFamily="50" charset="-128"/>
               </a:rPr>
               <a:t>の語彙があるとまともに確率計算できない</a:t>
+            </a:r>
+            <a:endParaRPr kumimoji="1" lang="en-US" altLang="ja-JP" sz="3200" dirty="0">
+              <a:latin typeface="メイリオ" panose="020B0604030504040204" pitchFamily="50" charset="-128"/>
+              <a:ea typeface="メイリオ" panose="020B0604030504040204" pitchFamily="50" charset="-128"/>
+            </a:endParaRPr>
+          </a:p>
+          <a:p>
+            <a:pPr algn="l"/>
+            <a:r>
+              <a:rPr kumimoji="1" lang="ja-JP" altLang="en-US" sz="2400" dirty="0">
+                <a:latin typeface="メイリオ" panose="020B0604030504040204" pitchFamily="50" charset="-128"/>
+                <a:ea typeface="メイリオ" panose="020B0604030504040204" pitchFamily="50" charset="-128"/>
+              </a:rPr>
+              <a:t>（面積が０のようなサイコロはありえない）</a:t>
             </a:r>
           </a:p>
         </p:txBody>
@@ -29170,7 +31933,7 @@
         </p:nvSpPr>
         <p:spPr>
           <a:xfrm>
-            <a:off x="388146" y="3163071"/>
+            <a:off x="307500" y="3334146"/>
             <a:ext cx="3656695" cy="707886"/>
           </a:xfrm>
           <a:prstGeom prst="rect">
@@ -29212,8 +31975,8 @@
           </a:p>
         </p:txBody>
       </p:sp>
-      <mc:AlternateContent xmlns:mc="http://schemas.openxmlformats.org/markup-compatibility/2006" xmlns:a14="http://schemas.microsoft.com/office/drawing/2010/main">
-        <mc:Choice Requires="a14">
+      <mc:AlternateContent xmlns:mc="http://schemas.openxmlformats.org/markup-compatibility/2006">
+        <mc:Choice xmlns:a14="http://schemas.microsoft.com/office/drawing/2010/main" Requires="a14">
           <p:sp>
             <p:nvSpPr>
               <p:cNvPr id="19" name="テキスト ボックス 18">
@@ -29228,7 +31991,7 @@
             </p:nvSpPr>
             <p:spPr>
               <a:xfrm>
-                <a:off x="1341229" y="1225543"/>
+                <a:off x="2321715" y="1591735"/>
                 <a:ext cx="2969274" cy="369332"/>
               </a:xfrm>
               <a:prstGeom prst="rect">
@@ -29386,7 +32149,7 @@
             </p:txBody>
           </p:sp>
         </mc:Choice>
-        <mc:Fallback xmlns="">
+        <mc:Fallback>
           <p:sp>
             <p:nvSpPr>
               <p:cNvPr id="19" name="テキスト ボックス 18">
@@ -29403,7 +32166,7 @@
             </p:nvSpPr>
             <p:spPr>
               <a:xfrm>
-                <a:off x="1341229" y="1225543"/>
+                <a:off x="2321715" y="1591735"/>
                 <a:ext cx="2969274" cy="369332"/>
               </a:xfrm>
               <a:prstGeom prst="rect">
@@ -29412,7 +32175,7 @@
               <a:blipFill>
                 <a:blip r:embed="rId2"/>
                 <a:stretch>
-                  <a:fillRect l="-1232" t="-4918" r="-1643" b="-1639"/>
+                  <a:fillRect l="-1437" t="-4918" r="-1437" b="-1639"/>
                 </a:stretch>
               </a:blipFill>
             </p:spPr>
@@ -29431,8 +32194,8 @@
           </p:sp>
         </mc:Fallback>
       </mc:AlternateContent>
-      <mc:AlternateContent xmlns:mc="http://schemas.openxmlformats.org/markup-compatibility/2006" xmlns:a14="http://schemas.microsoft.com/office/drawing/2010/main">
-        <mc:Choice Requires="a14">
+      <mc:AlternateContent xmlns:mc="http://schemas.openxmlformats.org/markup-compatibility/2006">
+        <mc:Choice xmlns:a14="http://schemas.microsoft.com/office/drawing/2010/main" Requires="a14">
           <p:sp>
             <p:nvSpPr>
               <p:cNvPr id="20" name="テキスト ボックス 19">
@@ -29447,7 +32210,7 @@
             </p:nvSpPr>
             <p:spPr>
               <a:xfrm>
-                <a:off x="1341229" y="2255676"/>
+                <a:off x="2321715" y="2621868"/>
                 <a:ext cx="2969274" cy="369332"/>
               </a:xfrm>
               <a:prstGeom prst="rect">
@@ -29605,7 +32368,7 @@
             </p:txBody>
           </p:sp>
         </mc:Choice>
-        <mc:Fallback xmlns="">
+        <mc:Fallback>
           <p:sp>
             <p:nvSpPr>
               <p:cNvPr id="20" name="テキスト ボックス 19">
@@ -29622,7 +32385,7 @@
             </p:nvSpPr>
             <p:spPr>
               <a:xfrm>
-                <a:off x="1341229" y="2255676"/>
+                <a:off x="2321715" y="2621868"/>
                 <a:ext cx="2969274" cy="369332"/>
               </a:xfrm>
               <a:prstGeom prst="rect">
@@ -29631,7 +32394,7 @@
               <a:blipFill>
                 <a:blip r:embed="rId3"/>
                 <a:stretch>
-                  <a:fillRect l="-1232" t="-4918" r="-1643" b="-3279"/>
+                  <a:fillRect l="-1437" t="-4918" r="-1437" b="-3279"/>
                 </a:stretch>
               </a:blipFill>
             </p:spPr>
@@ -29672,7 +32435,7 @@
         </p:blipFill>
         <p:spPr>
           <a:xfrm>
-            <a:off x="4709994" y="649920"/>
+            <a:off x="5948073" y="921600"/>
             <a:ext cx="2792752" cy="2150111"/>
           </a:xfrm>
           <a:prstGeom prst="rect">
@@ -30560,1505 +33323,6 @@
     <p:extLst>
       <p:ext uri="{BB962C8B-B14F-4D97-AF65-F5344CB8AC3E}">
         <p14:creationId xmlns:p14="http://schemas.microsoft.com/office/powerpoint/2010/main" val="1254594329"/>
-      </p:ext>
-    </p:extLst>
-  </p:cSld>
-  <p:clrMapOvr>
-    <a:masterClrMapping/>
-  </p:clrMapOvr>
-</p:sld>
-</file>
-
-<file path=ppt/slides/slide9.xml><?xml version="1.0" encoding="utf-8"?>
-<p:sld xmlns:a="http://schemas.openxmlformats.org/drawingml/2006/main" xmlns:r="http://schemas.openxmlformats.org/officeDocument/2006/relationships" xmlns:p="http://schemas.openxmlformats.org/presentationml/2006/main">
-  <p:cSld>
-    <p:spTree>
-      <p:nvGrpSpPr>
-        <p:cNvPr id="1" name=""/>
-        <p:cNvGrpSpPr/>
-        <p:nvPr/>
-      </p:nvGrpSpPr>
-      <p:grpSpPr>
-        <a:xfrm>
-          <a:off x="0" y="0"/>
-          <a:ext cx="0" cy="0"/>
-          <a:chOff x="0" y="0"/>
-          <a:chExt cx="0" cy="0"/>
-        </a:xfrm>
-      </p:grpSpPr>
-      <p:sp>
-        <p:nvSpPr>
-          <p:cNvPr id="2" name="テキスト ボックス 1">
-            <a:extLst>
-              <a:ext uri="{FF2B5EF4-FFF2-40B4-BE49-F238E27FC236}">
-                <a16:creationId xmlns:a16="http://schemas.microsoft.com/office/drawing/2014/main" id="{BC235000-A095-73BF-AFBB-C5DD8B206E3D}"/>
-              </a:ext>
-            </a:extLst>
-          </p:cNvPr>
-          <p:cNvSpPr txBox="1"/>
-          <p:nvPr/>
-        </p:nvSpPr>
-        <p:spPr>
-          <a:xfrm>
-            <a:off x="590375" y="254000"/>
-            <a:ext cx="3467616" cy="584775"/>
-          </a:xfrm>
-          <a:prstGeom prst="rect">
-            <a:avLst/>
-          </a:prstGeom>
-          <a:noFill/>
-        </p:spPr>
-        <p:txBody>
-          <a:bodyPr wrap="none" rtlCol="0">
-            <a:spAutoFit/>
-          </a:bodyPr>
-          <a:lstStyle/>
-          <a:p>
-            <a:pPr algn="l"/>
-            <a:r>
-              <a:rPr kumimoji="1" lang="ja-JP" altLang="en-US" sz="3200" dirty="0">
-                <a:latin typeface="メイリオ" panose="020B0604030504040204" pitchFamily="50" charset="-128"/>
-                <a:ea typeface="メイリオ" panose="020B0604030504040204" pitchFamily="50" charset="-128"/>
-              </a:rPr>
-              <a:t>加算スムージング</a:t>
-            </a:r>
-          </a:p>
-        </p:txBody>
-      </p:sp>
-      <p:sp>
-        <p:nvSpPr>
-          <p:cNvPr id="4" name="テキスト ボックス 3">
-            <a:extLst>
-              <a:ext uri="{FF2B5EF4-FFF2-40B4-BE49-F238E27FC236}">
-                <a16:creationId xmlns:a16="http://schemas.microsoft.com/office/drawing/2014/main" id="{E1771FEA-111E-D0BD-0C23-F74B06125EA2}"/>
-              </a:ext>
-            </a:extLst>
-          </p:cNvPr>
-          <p:cNvSpPr txBox="1"/>
-          <p:nvPr/>
-        </p:nvSpPr>
-        <p:spPr>
-          <a:xfrm>
-            <a:off x="590375" y="776428"/>
-            <a:ext cx="8815234" cy="461665"/>
-          </a:xfrm>
-          <a:prstGeom prst="rect">
-            <a:avLst/>
-          </a:prstGeom>
-          <a:noFill/>
-        </p:spPr>
-        <p:txBody>
-          <a:bodyPr wrap="none" rtlCol="0">
-            <a:spAutoFit/>
-          </a:bodyPr>
-          <a:lstStyle/>
-          <a:p>
-            <a:pPr algn="l"/>
-            <a:r>
-              <a:rPr kumimoji="1" lang="en-US" altLang="ja-JP" sz="2400" dirty="0">
-                <a:latin typeface="メイリオ" panose="020B0604030504040204" pitchFamily="50" charset="-128"/>
-                <a:ea typeface="メイリオ" panose="020B0604030504040204" pitchFamily="50" charset="-128"/>
-              </a:rPr>
-              <a:t>(</a:t>
-            </a:r>
-            <a:r>
-              <a:rPr kumimoji="1" lang="ja-JP" altLang="en-US" sz="2400" dirty="0">
-                <a:latin typeface="メイリオ" panose="020B0604030504040204" pitchFamily="50" charset="-128"/>
-                <a:ea typeface="メイリオ" panose="020B0604030504040204" pitchFamily="50" charset="-128"/>
-              </a:rPr>
-              <a:t>語彙の頻度合計</a:t>
-            </a:r>
-            <a:r>
-              <a:rPr kumimoji="1" lang="en-US" altLang="ja-JP" sz="2400" dirty="0">
-                <a:latin typeface="メイリオ" panose="020B0604030504040204" pitchFamily="50" charset="-128"/>
-                <a:ea typeface="メイリオ" panose="020B0604030504040204" pitchFamily="50" charset="-128"/>
-              </a:rPr>
-              <a:t>+1) / (</a:t>
-            </a:r>
-            <a:r>
-              <a:rPr kumimoji="1" lang="ja-JP" altLang="en-US" sz="2400" dirty="0">
-                <a:latin typeface="メイリオ" panose="020B0604030504040204" pitchFamily="50" charset="-128"/>
-                <a:ea typeface="メイリオ" panose="020B0604030504040204" pitchFamily="50" charset="-128"/>
-              </a:rPr>
-              <a:t>クラスの総語彙数 </a:t>
-            </a:r>
-            <a:r>
-              <a:rPr kumimoji="1" lang="en-US" altLang="ja-JP" sz="2400" dirty="0">
-                <a:latin typeface="メイリオ" panose="020B0604030504040204" pitchFamily="50" charset="-128"/>
-                <a:ea typeface="メイリオ" panose="020B0604030504040204" pitchFamily="50" charset="-128"/>
-              </a:rPr>
-              <a:t>+ </a:t>
-            </a:r>
-            <a:r>
-              <a:rPr kumimoji="1" lang="en-US" altLang="ja-JP" sz="2400" dirty="0" err="1">
-                <a:latin typeface="メイリオ" panose="020B0604030504040204" pitchFamily="50" charset="-128"/>
-                <a:ea typeface="メイリオ" panose="020B0604030504040204" pitchFamily="50" charset="-128"/>
-              </a:rPr>
-              <a:t>BoW</a:t>
-            </a:r>
-            <a:r>
-              <a:rPr kumimoji="1" lang="ja-JP" altLang="en-US" sz="2400" dirty="0">
-                <a:latin typeface="メイリオ" panose="020B0604030504040204" pitchFamily="50" charset="-128"/>
-                <a:ea typeface="メイリオ" panose="020B0604030504040204" pitchFamily="50" charset="-128"/>
-              </a:rPr>
-              <a:t>の総語彙数</a:t>
-            </a:r>
-            <a:r>
-              <a:rPr kumimoji="1" lang="en-US" altLang="ja-JP" sz="2400" dirty="0">
-                <a:latin typeface="メイリオ" panose="020B0604030504040204" pitchFamily="50" charset="-128"/>
-                <a:ea typeface="メイリオ" panose="020B0604030504040204" pitchFamily="50" charset="-128"/>
-              </a:rPr>
-              <a:t>)</a:t>
-            </a:r>
-            <a:endParaRPr kumimoji="1" lang="ja-JP" altLang="en-US" sz="2400" dirty="0">
-              <a:latin typeface="メイリオ" panose="020B0604030504040204" pitchFamily="50" charset="-128"/>
-              <a:ea typeface="メイリオ" panose="020B0604030504040204" pitchFamily="50" charset="-128"/>
-            </a:endParaRPr>
-          </a:p>
-        </p:txBody>
-      </p:sp>
-      <p:pic>
-        <p:nvPicPr>
-          <p:cNvPr id="5" name="図 4">
-            <a:extLst>
-              <a:ext uri="{FF2B5EF4-FFF2-40B4-BE49-F238E27FC236}">
-                <a16:creationId xmlns:a16="http://schemas.microsoft.com/office/drawing/2014/main" id="{119D079D-077C-6110-B1D5-27CAF356EB8D}"/>
-              </a:ext>
-            </a:extLst>
-          </p:cNvPr>
-          <p:cNvPicPr>
-            <a:picLocks noChangeAspect="1"/>
-          </p:cNvPicPr>
-          <p:nvPr/>
-        </p:nvPicPr>
-        <p:blipFill>
-          <a:blip r:embed="rId2"/>
-          <a:stretch>
-            <a:fillRect/>
-          </a:stretch>
-        </p:blipFill>
-        <p:spPr>
-          <a:xfrm>
-            <a:off x="1182580" y="1416164"/>
-            <a:ext cx="7631045" cy="2702446"/>
-          </a:xfrm>
-          <a:prstGeom prst="rect">
-            <a:avLst/>
-          </a:prstGeom>
-        </p:spPr>
-      </p:pic>
-      <p:sp>
-        <p:nvSpPr>
-          <p:cNvPr id="6" name="四角形: 角を丸くする 5">
-            <a:extLst>
-              <a:ext uri="{FF2B5EF4-FFF2-40B4-BE49-F238E27FC236}">
-                <a16:creationId xmlns:a16="http://schemas.microsoft.com/office/drawing/2014/main" id="{06DD4C50-12E5-6273-B462-730782AA1817}"/>
-              </a:ext>
-            </a:extLst>
-          </p:cNvPr>
-          <p:cNvSpPr/>
-          <p:nvPr/>
-        </p:nvSpPr>
-        <p:spPr>
-          <a:xfrm>
-            <a:off x="3973655" y="1239520"/>
-            <a:ext cx="985520" cy="2879090"/>
-          </a:xfrm>
-          <a:prstGeom prst="roundRect">
-            <a:avLst/>
-          </a:prstGeom>
-          <a:noFill/>
-          <a:ln>
-            <a:solidFill>
-              <a:srgbClr val="FF0000"/>
-            </a:solidFill>
-          </a:ln>
-        </p:spPr>
-        <p:style>
-          <a:lnRef idx="2">
-            <a:schemeClr val="accent1">
-              <a:shade val="15000"/>
-            </a:schemeClr>
-          </a:lnRef>
-          <a:fillRef idx="1">
-            <a:schemeClr val="accent1"/>
-          </a:fillRef>
-          <a:effectRef idx="0">
-            <a:schemeClr val="accent1"/>
-          </a:effectRef>
-          <a:fontRef idx="minor">
-            <a:schemeClr val="lt1"/>
-          </a:fontRef>
-        </p:style>
-        <p:txBody>
-          <a:bodyPr rtlCol="0" anchor="ctr"/>
-          <a:lstStyle/>
-          <a:p>
-            <a:pPr algn="ctr"/>
-            <a:endParaRPr kumimoji="1" lang="ja-JP" altLang="en-US"/>
-          </a:p>
-        </p:txBody>
-      </p:sp>
-      <mc:AlternateContent xmlns:mc="http://schemas.openxmlformats.org/markup-compatibility/2006" xmlns:a14="http://schemas.microsoft.com/office/drawing/2010/main">
-        <mc:Choice Requires="a14">
-          <p:sp>
-            <p:nvSpPr>
-              <p:cNvPr id="7" name="テキスト ボックス 6">
-                <a:extLst>
-                  <a:ext uri="{FF2B5EF4-FFF2-40B4-BE49-F238E27FC236}">
-                    <a16:creationId xmlns:a16="http://schemas.microsoft.com/office/drawing/2014/main" id="{2CEC603E-B4F8-2D4C-EF87-0D8BBAB008D2}"/>
-                  </a:ext>
-                </a:extLst>
-              </p:cNvPr>
-              <p:cNvSpPr txBox="1"/>
-              <p:nvPr/>
-            </p:nvSpPr>
-            <p:spPr>
-              <a:xfrm>
-                <a:off x="84933" y="4206339"/>
-                <a:ext cx="5239383" cy="786177"/>
-              </a:xfrm>
-              <a:prstGeom prst="rect">
-                <a:avLst/>
-              </a:prstGeom>
-              <a:noFill/>
-            </p:spPr>
-            <p:txBody>
-              <a:bodyPr wrap="none" rtlCol="0">
-                <a:spAutoFit/>
-              </a:bodyPr>
-              <a:lstStyle/>
-              <a:p>
-                <a:pPr algn="l"/>
-                <a14:m>
-                  <m:oMathPara xmlns:m="http://schemas.openxmlformats.org/officeDocument/2006/math">
-                    <m:oMathParaPr>
-                      <m:jc m:val="centerGroup"/>
-                    </m:oMathParaPr>
-                    <m:oMath xmlns:m="http://schemas.openxmlformats.org/officeDocument/2006/math">
-                      <m:r>
-                        <a:rPr kumimoji="1" lang="en-US" altLang="ja-JP" sz="2400" b="0" i="1" smtClean="0">
-                          <a:latin typeface="Cambria Math" panose="02040503050406030204" pitchFamily="18" charset="0"/>
-                          <a:ea typeface="メイリオ" panose="020B0604030504040204" pitchFamily="50" charset="-128"/>
-                        </a:rPr>
-                        <m:t>𝑝</m:t>
-                      </m:r>
-                      <m:d>
-                        <m:dPr>
-                          <m:ctrlPr>
-                            <a:rPr kumimoji="1" lang="en-US" altLang="ja-JP" sz="2400" b="0" i="1" smtClean="0">
-                              <a:latin typeface="Cambria Math" panose="02040503050406030204" pitchFamily="18" charset="0"/>
-                              <a:ea typeface="メイリオ" panose="020B0604030504040204" pitchFamily="50" charset="-128"/>
-                            </a:rPr>
-                          </m:ctrlPr>
-                        </m:dPr>
-                        <m:e>
-                          <m:r>
-                            <a:rPr kumimoji="1" lang="en-US" altLang="ja-JP" sz="2400" b="0" i="1" smtClean="0">
-                              <a:latin typeface="Cambria Math" panose="02040503050406030204" pitchFamily="18" charset="0"/>
-                              <a:ea typeface="メイリオ" panose="020B0604030504040204" pitchFamily="50" charset="-128"/>
-                            </a:rPr>
-                            <m:t>𝑥</m:t>
-                          </m:r>
-                          <m:r>
-                            <a:rPr kumimoji="1" lang="en-US" altLang="ja-JP" sz="2400" b="0" i="1" smtClean="0">
-                              <a:latin typeface="Cambria Math" panose="02040503050406030204" pitchFamily="18" charset="0"/>
-                              <a:ea typeface="メイリオ" panose="020B0604030504040204" pitchFamily="50" charset="-128"/>
-                            </a:rPr>
-                            <m:t>=</m:t>
-                          </m:r>
-                          <m:r>
-                            <a:rPr kumimoji="1" lang="ja-JP" altLang="en-US" sz="2400" i="1">
-                              <a:latin typeface="Cambria Math" panose="02040503050406030204" pitchFamily="18" charset="0"/>
-                              <a:ea typeface="メイリオ" panose="020B0604030504040204" pitchFamily="50" charset="-128"/>
-                            </a:rPr>
-                            <m:t>生地</m:t>
-                          </m:r>
-                        </m:e>
-                        <m:e>
-                          <m:r>
-                            <a:rPr kumimoji="1" lang="en-US" altLang="ja-JP" sz="2400" b="0" i="1" smtClean="0">
-                              <a:latin typeface="Cambria Math" panose="02040503050406030204" pitchFamily="18" charset="0"/>
-                              <a:ea typeface="メイリオ" panose="020B0604030504040204" pitchFamily="50" charset="-128"/>
-                            </a:rPr>
-                            <m:t>𝐶</m:t>
-                          </m:r>
-                          <m:r>
-                            <a:rPr kumimoji="1" lang="en-US" altLang="ja-JP" sz="2400" b="0" i="1" smtClean="0">
-                              <a:latin typeface="Cambria Math" panose="02040503050406030204" pitchFamily="18" charset="0"/>
-                              <a:ea typeface="メイリオ" panose="020B0604030504040204" pitchFamily="50" charset="-128"/>
-                            </a:rPr>
-                            <m:t>=</m:t>
-                          </m:r>
-                          <m:r>
-                            <a:rPr kumimoji="1" lang="ja-JP" altLang="en-US" sz="2400" i="1">
-                              <a:latin typeface="Cambria Math" panose="02040503050406030204" pitchFamily="18" charset="0"/>
-                              <a:ea typeface="メイリオ" panose="020B0604030504040204" pitchFamily="50" charset="-128"/>
-                            </a:rPr>
-                            <m:t>シュー</m:t>
-                          </m:r>
-                        </m:e>
-                      </m:d>
-                      <m:r>
-                        <a:rPr kumimoji="1" lang="en-US" altLang="ja-JP" sz="2400" b="0" i="1" smtClean="0">
-                          <a:latin typeface="Cambria Math" panose="02040503050406030204" pitchFamily="18" charset="0"/>
-                          <a:ea typeface="メイリオ" panose="020B0604030504040204" pitchFamily="50" charset="-128"/>
-                        </a:rPr>
-                        <m:t>=</m:t>
-                      </m:r>
-                      <m:f>
-                        <m:fPr>
-                          <m:ctrlPr>
-                            <a:rPr kumimoji="1" lang="en-US" altLang="ja-JP" sz="2400" b="0" i="1" smtClean="0">
-                              <a:latin typeface="Cambria Math" panose="02040503050406030204" pitchFamily="18" charset="0"/>
-                              <a:ea typeface="メイリオ" panose="020B0604030504040204" pitchFamily="50" charset="-128"/>
-                            </a:rPr>
-                          </m:ctrlPr>
-                        </m:fPr>
-                        <m:num>
-                          <m:r>
-                            <a:rPr kumimoji="1" lang="en-US" altLang="ja-JP" sz="2400" b="0" i="1" smtClean="0">
-                              <a:latin typeface="Cambria Math" panose="02040503050406030204" pitchFamily="18" charset="0"/>
-                              <a:ea typeface="メイリオ" panose="020B0604030504040204" pitchFamily="50" charset="-128"/>
-                            </a:rPr>
-                            <m:t>10</m:t>
-                          </m:r>
-                        </m:num>
-                        <m:den>
-                          <m:r>
-                            <a:rPr kumimoji="1" lang="en-US" altLang="ja-JP" sz="2400" b="0" i="1" smtClean="0">
-                              <a:latin typeface="Cambria Math" panose="02040503050406030204" pitchFamily="18" charset="0"/>
-                              <a:ea typeface="メイリオ" panose="020B0604030504040204" pitchFamily="50" charset="-128"/>
-                            </a:rPr>
-                            <m:t>34</m:t>
-                          </m:r>
-                        </m:den>
-                      </m:f>
-                      <m:r>
-                        <a:rPr kumimoji="1" lang="en-US" altLang="ja-JP" sz="2400" b="0" i="1" smtClean="0">
-                          <a:latin typeface="Cambria Math" panose="02040503050406030204" pitchFamily="18" charset="0"/>
-                          <a:ea typeface="メイリオ" panose="020B0604030504040204" pitchFamily="50" charset="-128"/>
-                        </a:rPr>
-                        <m:t>=</m:t>
-                      </m:r>
-                      <m:r>
-                        <a:rPr kumimoji="1" lang="en-US" altLang="ja-JP" sz="2400" b="0" i="1" smtClean="0">
-                          <a:latin typeface="Cambria Math" panose="02040503050406030204" pitchFamily="18" charset="0"/>
-                          <a:ea typeface="メイリオ" panose="020B0604030504040204" pitchFamily="50" charset="-128"/>
-                        </a:rPr>
-                        <m:t>0</m:t>
-                      </m:r>
-                      <m:r>
-                        <a:rPr kumimoji="1" lang="en-US" altLang="ja-JP" sz="2400" b="0" i="1" smtClean="0">
-                          <a:latin typeface="Cambria Math" panose="02040503050406030204" pitchFamily="18" charset="0"/>
-                          <a:ea typeface="メイリオ" panose="020B0604030504040204" pitchFamily="50" charset="-128"/>
-                        </a:rPr>
-                        <m:t>.</m:t>
-                      </m:r>
-                      <m:r>
-                        <a:rPr kumimoji="1" lang="en-US" altLang="ja-JP" sz="2400" b="0" i="1" smtClean="0">
-                          <a:latin typeface="Cambria Math" panose="02040503050406030204" pitchFamily="18" charset="0"/>
-                          <a:ea typeface="メイリオ" panose="020B0604030504040204" pitchFamily="50" charset="-128"/>
-                        </a:rPr>
-                        <m:t>29</m:t>
-                      </m:r>
-                    </m:oMath>
-                  </m:oMathPara>
-                </a14:m>
-                <a:endParaRPr kumimoji="1" lang="ja-JP" altLang="en-US" sz="2400" dirty="0">
-                  <a:latin typeface="メイリオ" panose="020B0604030504040204" pitchFamily="50" charset="-128"/>
-                  <a:ea typeface="メイリオ" panose="020B0604030504040204" pitchFamily="50" charset="-128"/>
-                </a:endParaRPr>
-              </a:p>
-            </p:txBody>
-          </p:sp>
-        </mc:Choice>
-        <mc:Fallback xmlns="">
-          <p:sp>
-            <p:nvSpPr>
-              <p:cNvPr id="7" name="テキスト ボックス 6">
-                <a:extLst>
-                  <a:ext uri="{FF2B5EF4-FFF2-40B4-BE49-F238E27FC236}">
-                    <a16:creationId xmlns:a16="http://schemas.microsoft.com/office/drawing/2014/main" id="{2CEC603E-B4F8-2D4C-EF87-0D8BBAB008D2}"/>
-                  </a:ext>
-                </a:extLst>
-              </p:cNvPr>
-              <p:cNvSpPr txBox="1">
-                <a:spLocks noRot="1" noChangeAspect="1" noMove="1" noResize="1" noEditPoints="1" noAdjustHandles="1" noChangeArrowheads="1" noChangeShapeType="1" noTextEdit="1"/>
-              </p:cNvSpPr>
-              <p:nvPr/>
-            </p:nvSpPr>
-            <p:spPr>
-              <a:xfrm>
-                <a:off x="84933" y="4206339"/>
-                <a:ext cx="5239383" cy="786177"/>
-              </a:xfrm>
-              <a:prstGeom prst="rect">
-                <a:avLst/>
-              </a:prstGeom>
-              <a:blipFill>
-                <a:blip r:embed="rId3"/>
-                <a:stretch>
-                  <a:fillRect/>
-                </a:stretch>
-              </a:blipFill>
-            </p:spPr>
-            <p:txBody>
-              <a:bodyPr/>
-              <a:lstStyle/>
-              <a:p>
-                <a:r>
-                  <a:rPr lang="ja-JP" altLang="en-US">
-                    <a:noFill/>
-                  </a:rPr>
-                  <a:t> </a:t>
-                </a:r>
-              </a:p>
-            </p:txBody>
-          </p:sp>
-        </mc:Fallback>
-      </mc:AlternateContent>
-      <p:sp>
-        <p:nvSpPr>
-          <p:cNvPr id="8" name="テキスト ボックス 7">
-            <a:extLst>
-              <a:ext uri="{FF2B5EF4-FFF2-40B4-BE49-F238E27FC236}">
-                <a16:creationId xmlns:a16="http://schemas.microsoft.com/office/drawing/2014/main" id="{F6784F62-6E75-788C-B90F-D11B2B603B6D}"/>
-              </a:ext>
-            </a:extLst>
-          </p:cNvPr>
-          <p:cNvSpPr txBox="1"/>
-          <p:nvPr/>
-        </p:nvSpPr>
-        <p:spPr>
-          <a:xfrm>
-            <a:off x="9075684" y="3410724"/>
-            <a:ext cx="1279517" cy="707886"/>
-          </a:xfrm>
-          <a:prstGeom prst="rect">
-            <a:avLst/>
-          </a:prstGeom>
-          <a:noFill/>
-        </p:spPr>
-        <p:txBody>
-          <a:bodyPr wrap="none" rtlCol="0">
-            <a:spAutoFit/>
-          </a:bodyPr>
-          <a:lstStyle/>
-          <a:p>
-            <a:pPr algn="l"/>
-            <a:r>
-              <a:rPr kumimoji="1" lang="en-US" altLang="ja-JP" sz="2000" dirty="0" err="1">
-                <a:latin typeface="メイリオ" panose="020B0604030504040204" pitchFamily="50" charset="-128"/>
-                <a:ea typeface="メイリオ" panose="020B0604030504040204" pitchFamily="50" charset="-128"/>
-              </a:rPr>
-              <a:t>BoW</a:t>
-            </a:r>
-            <a:r>
-              <a:rPr kumimoji="1" lang="ja-JP" altLang="en-US" sz="2000" dirty="0">
-                <a:latin typeface="メイリオ" panose="020B0604030504040204" pitchFamily="50" charset="-128"/>
-                <a:ea typeface="メイリオ" panose="020B0604030504040204" pitchFamily="50" charset="-128"/>
-              </a:rPr>
-              <a:t>総計</a:t>
-            </a:r>
-            <a:endParaRPr kumimoji="1" lang="en-US" altLang="ja-JP" sz="2000" dirty="0">
-              <a:latin typeface="メイリオ" panose="020B0604030504040204" pitchFamily="50" charset="-128"/>
-              <a:ea typeface="メイリオ" panose="020B0604030504040204" pitchFamily="50" charset="-128"/>
-            </a:endParaRPr>
-          </a:p>
-          <a:p>
-            <a:pPr algn="l"/>
-            <a:r>
-              <a:rPr kumimoji="1" lang="en-US" altLang="ja-JP" sz="2000" dirty="0">
-                <a:latin typeface="メイリオ" panose="020B0604030504040204" pitchFamily="50" charset="-128"/>
-                <a:ea typeface="メイリオ" panose="020B0604030504040204" pitchFamily="50" charset="-128"/>
-              </a:rPr>
-              <a:t>      60</a:t>
-            </a:r>
-            <a:endParaRPr kumimoji="1" lang="ja-JP" altLang="en-US" sz="2000" dirty="0">
-              <a:latin typeface="メイリオ" panose="020B0604030504040204" pitchFamily="50" charset="-128"/>
-              <a:ea typeface="メイリオ" panose="020B0604030504040204" pitchFamily="50" charset="-128"/>
-            </a:endParaRPr>
-          </a:p>
-        </p:txBody>
-      </p:sp>
-      <p:sp>
-        <p:nvSpPr>
-          <p:cNvPr id="9" name="矢印: 下 8">
-            <a:extLst>
-              <a:ext uri="{FF2B5EF4-FFF2-40B4-BE49-F238E27FC236}">
-                <a16:creationId xmlns:a16="http://schemas.microsoft.com/office/drawing/2014/main" id="{0C4A35E5-8D5B-6550-05FD-9672498C006C}"/>
-              </a:ext>
-            </a:extLst>
-          </p:cNvPr>
-          <p:cNvSpPr/>
-          <p:nvPr/>
-        </p:nvSpPr>
-        <p:spPr>
-          <a:xfrm>
-            <a:off x="2037334" y="4952121"/>
-            <a:ext cx="995680" cy="440794"/>
-          </a:xfrm>
-          <a:prstGeom prst="downArrow">
-            <a:avLst/>
-          </a:prstGeom>
-        </p:spPr>
-        <p:style>
-          <a:lnRef idx="2">
-            <a:schemeClr val="accent1">
-              <a:shade val="15000"/>
-            </a:schemeClr>
-          </a:lnRef>
-          <a:fillRef idx="1">
-            <a:schemeClr val="accent1"/>
-          </a:fillRef>
-          <a:effectRef idx="0">
-            <a:schemeClr val="accent1"/>
-          </a:effectRef>
-          <a:fontRef idx="minor">
-            <a:schemeClr val="lt1"/>
-          </a:fontRef>
-        </p:style>
-        <p:txBody>
-          <a:bodyPr rtlCol="0" anchor="ctr"/>
-          <a:lstStyle/>
-          <a:p>
-            <a:pPr algn="ctr"/>
-            <a:endParaRPr kumimoji="1" lang="ja-JP" altLang="en-US"/>
-          </a:p>
-        </p:txBody>
-      </p:sp>
-      <mc:AlternateContent xmlns:mc="http://schemas.openxmlformats.org/markup-compatibility/2006" xmlns:a14="http://schemas.microsoft.com/office/drawing/2010/main">
-        <mc:Choice Requires="a14">
-          <p:sp>
-            <p:nvSpPr>
-              <p:cNvPr id="13" name="テキスト ボックス 12">
-                <a:extLst>
-                  <a:ext uri="{FF2B5EF4-FFF2-40B4-BE49-F238E27FC236}">
-                    <a16:creationId xmlns:a16="http://schemas.microsoft.com/office/drawing/2014/main" id="{7C97905A-7631-BA67-3A1D-A1D6925CCE24}"/>
-                  </a:ext>
-                </a:extLst>
-              </p:cNvPr>
-              <p:cNvSpPr txBox="1"/>
-              <p:nvPr/>
-            </p:nvSpPr>
-            <p:spPr>
-              <a:xfrm>
-                <a:off x="60374" y="5202004"/>
-                <a:ext cx="5945281" cy="792396"/>
-              </a:xfrm>
-              <a:prstGeom prst="rect">
-                <a:avLst/>
-              </a:prstGeom>
-              <a:noFill/>
-            </p:spPr>
-            <p:txBody>
-              <a:bodyPr wrap="none" rtlCol="0">
-                <a:spAutoFit/>
-              </a:bodyPr>
-              <a:lstStyle/>
-              <a:p>
-                <a:pPr algn="l"/>
-                <a14:m>
-                  <m:oMathPara xmlns:m="http://schemas.openxmlformats.org/officeDocument/2006/math">
-                    <m:oMathParaPr>
-                      <m:jc m:val="centerGroup"/>
-                    </m:oMathParaPr>
-                    <m:oMath xmlns:m="http://schemas.openxmlformats.org/officeDocument/2006/math">
-                      <m:r>
-                        <a:rPr kumimoji="1" lang="en-US" altLang="ja-JP" sz="2400" b="0" i="1" smtClean="0">
-                          <a:latin typeface="Cambria Math" panose="02040503050406030204" pitchFamily="18" charset="0"/>
-                          <a:ea typeface="メイリオ" panose="020B0604030504040204" pitchFamily="50" charset="-128"/>
-                        </a:rPr>
-                        <m:t>𝑝</m:t>
-                      </m:r>
-                      <m:d>
-                        <m:dPr>
-                          <m:ctrlPr>
-                            <a:rPr kumimoji="1" lang="en-US" altLang="ja-JP" sz="2400" b="0" i="1" smtClean="0">
-                              <a:latin typeface="Cambria Math" panose="02040503050406030204" pitchFamily="18" charset="0"/>
-                              <a:ea typeface="メイリオ" panose="020B0604030504040204" pitchFamily="50" charset="-128"/>
-                            </a:rPr>
-                          </m:ctrlPr>
-                        </m:dPr>
-                        <m:e>
-                          <m:r>
-                            <a:rPr kumimoji="1" lang="en-US" altLang="ja-JP" sz="2400" b="0" i="1" smtClean="0">
-                              <a:latin typeface="Cambria Math" panose="02040503050406030204" pitchFamily="18" charset="0"/>
-                              <a:ea typeface="メイリオ" panose="020B0604030504040204" pitchFamily="50" charset="-128"/>
-                            </a:rPr>
-                            <m:t>𝑥</m:t>
-                          </m:r>
-                          <m:r>
-                            <a:rPr kumimoji="1" lang="en-US" altLang="ja-JP" sz="2400" b="0" i="1" smtClean="0">
-                              <a:latin typeface="Cambria Math" panose="02040503050406030204" pitchFamily="18" charset="0"/>
-                              <a:ea typeface="メイリオ" panose="020B0604030504040204" pitchFamily="50" charset="-128"/>
-                            </a:rPr>
-                            <m:t>=</m:t>
-                          </m:r>
-                          <m:r>
-                            <a:rPr kumimoji="1" lang="ja-JP" altLang="en-US" sz="2400" i="1">
-                              <a:latin typeface="Cambria Math" panose="02040503050406030204" pitchFamily="18" charset="0"/>
-                              <a:ea typeface="メイリオ" panose="020B0604030504040204" pitchFamily="50" charset="-128"/>
-                            </a:rPr>
-                            <m:t>生地</m:t>
-                          </m:r>
-                        </m:e>
-                        <m:e>
-                          <m:r>
-                            <a:rPr kumimoji="1" lang="en-US" altLang="ja-JP" sz="2400" b="0" i="1" smtClean="0">
-                              <a:latin typeface="Cambria Math" panose="02040503050406030204" pitchFamily="18" charset="0"/>
-                              <a:ea typeface="メイリオ" panose="020B0604030504040204" pitchFamily="50" charset="-128"/>
-                            </a:rPr>
-                            <m:t>𝐶</m:t>
-                          </m:r>
-                          <m:r>
-                            <a:rPr kumimoji="1" lang="en-US" altLang="ja-JP" sz="2400" b="0" i="1" smtClean="0">
-                              <a:latin typeface="Cambria Math" panose="02040503050406030204" pitchFamily="18" charset="0"/>
-                              <a:ea typeface="メイリオ" panose="020B0604030504040204" pitchFamily="50" charset="-128"/>
-                            </a:rPr>
-                            <m:t>=</m:t>
-                          </m:r>
-                          <m:r>
-                            <a:rPr kumimoji="1" lang="ja-JP" altLang="en-US" sz="2400" i="1">
-                              <a:latin typeface="Cambria Math" panose="02040503050406030204" pitchFamily="18" charset="0"/>
-                              <a:ea typeface="メイリオ" panose="020B0604030504040204" pitchFamily="50" charset="-128"/>
-                            </a:rPr>
-                            <m:t>シュー</m:t>
-                          </m:r>
-                        </m:e>
-                      </m:d>
-                      <m:r>
-                        <a:rPr kumimoji="1" lang="en-US" altLang="ja-JP" sz="2400" b="0" i="1" smtClean="0">
-                          <a:latin typeface="Cambria Math" panose="02040503050406030204" pitchFamily="18" charset="0"/>
-                          <a:ea typeface="メイリオ" panose="020B0604030504040204" pitchFamily="50" charset="-128"/>
-                        </a:rPr>
-                        <m:t>=</m:t>
-                      </m:r>
-                      <m:f>
-                        <m:fPr>
-                          <m:ctrlPr>
-                            <a:rPr kumimoji="1" lang="en-US" altLang="ja-JP" sz="2400" b="0" i="1" smtClean="0">
-                              <a:latin typeface="Cambria Math" panose="02040503050406030204" pitchFamily="18" charset="0"/>
-                              <a:ea typeface="メイリオ" panose="020B0604030504040204" pitchFamily="50" charset="-128"/>
-                            </a:rPr>
-                          </m:ctrlPr>
-                        </m:fPr>
-                        <m:num>
-                          <m:r>
-                            <a:rPr kumimoji="1" lang="en-US" altLang="ja-JP" sz="2400" b="0" i="1" smtClean="0">
-                              <a:latin typeface="Cambria Math" panose="02040503050406030204" pitchFamily="18" charset="0"/>
-                              <a:ea typeface="メイリオ" panose="020B0604030504040204" pitchFamily="50" charset="-128"/>
-                            </a:rPr>
-                            <m:t>10</m:t>
-                          </m:r>
-                          <m:r>
-                            <a:rPr kumimoji="1" lang="en-US" altLang="ja-JP" sz="2400" b="0" i="1" smtClean="0">
-                              <a:latin typeface="Cambria Math" panose="02040503050406030204" pitchFamily="18" charset="0"/>
-                              <a:ea typeface="メイリオ" panose="020B0604030504040204" pitchFamily="50" charset="-128"/>
-                            </a:rPr>
-                            <m:t>+</m:t>
-                          </m:r>
-                          <m:r>
-                            <a:rPr kumimoji="1" lang="en-US" altLang="ja-JP" sz="2400" b="0" i="1" smtClean="0">
-                              <a:latin typeface="Cambria Math" panose="02040503050406030204" pitchFamily="18" charset="0"/>
-                              <a:ea typeface="メイリオ" panose="020B0604030504040204" pitchFamily="50" charset="-128"/>
-                            </a:rPr>
-                            <m:t>1</m:t>
-                          </m:r>
-                        </m:num>
-                        <m:den>
-                          <m:r>
-                            <a:rPr kumimoji="1" lang="en-US" altLang="ja-JP" sz="2400" b="0" i="1" smtClean="0">
-                              <a:latin typeface="Cambria Math" panose="02040503050406030204" pitchFamily="18" charset="0"/>
-                              <a:ea typeface="メイリオ" panose="020B0604030504040204" pitchFamily="50" charset="-128"/>
-                            </a:rPr>
-                            <m:t>34</m:t>
-                          </m:r>
-                          <m:r>
-                            <a:rPr kumimoji="1" lang="en-US" altLang="ja-JP" sz="2400" b="0" i="1" smtClean="0">
-                              <a:latin typeface="Cambria Math" panose="02040503050406030204" pitchFamily="18" charset="0"/>
-                              <a:ea typeface="メイリオ" panose="020B0604030504040204" pitchFamily="50" charset="-128"/>
-                            </a:rPr>
-                            <m:t>+</m:t>
-                          </m:r>
-                          <m:r>
-                            <a:rPr kumimoji="1" lang="en-US" altLang="ja-JP" sz="2400" b="0" i="1" smtClean="0">
-                              <a:latin typeface="Cambria Math" panose="02040503050406030204" pitchFamily="18" charset="0"/>
-                              <a:ea typeface="メイリオ" panose="020B0604030504040204" pitchFamily="50" charset="-128"/>
-                            </a:rPr>
-                            <m:t>60</m:t>
-                          </m:r>
-                        </m:den>
-                      </m:f>
-                      <m:r>
-                        <a:rPr kumimoji="1" lang="en-US" altLang="ja-JP" sz="2400" b="0" i="1" smtClean="0">
-                          <a:latin typeface="Cambria Math" panose="02040503050406030204" pitchFamily="18" charset="0"/>
-                          <a:ea typeface="メイリオ" panose="020B0604030504040204" pitchFamily="50" charset="-128"/>
-                        </a:rPr>
-                        <m:t>=</m:t>
-                      </m:r>
-                      <m:r>
-                        <a:rPr kumimoji="1" lang="en-US" altLang="ja-JP" sz="2400" b="0" i="1" smtClean="0">
-                          <a:latin typeface="Cambria Math" panose="02040503050406030204" pitchFamily="18" charset="0"/>
-                          <a:ea typeface="メイリオ" panose="020B0604030504040204" pitchFamily="50" charset="-128"/>
-                        </a:rPr>
-                        <m:t>0</m:t>
-                      </m:r>
-                      <m:r>
-                        <a:rPr kumimoji="1" lang="en-US" altLang="ja-JP" sz="2400" b="0" i="1" smtClean="0">
-                          <a:latin typeface="Cambria Math" panose="02040503050406030204" pitchFamily="18" charset="0"/>
-                          <a:ea typeface="メイリオ" panose="020B0604030504040204" pitchFamily="50" charset="-128"/>
-                        </a:rPr>
-                        <m:t>.</m:t>
-                      </m:r>
-                      <m:r>
-                        <a:rPr kumimoji="1" lang="en-US" altLang="ja-JP" sz="2400" b="0" i="1" smtClean="0">
-                          <a:latin typeface="Cambria Math" panose="02040503050406030204" pitchFamily="18" charset="0"/>
-                          <a:ea typeface="メイリオ" panose="020B0604030504040204" pitchFamily="50" charset="-128"/>
-                        </a:rPr>
-                        <m:t>12</m:t>
-                      </m:r>
-                    </m:oMath>
-                  </m:oMathPara>
-                </a14:m>
-                <a:endParaRPr kumimoji="1" lang="ja-JP" altLang="en-US" sz="2400" dirty="0">
-                  <a:latin typeface="メイリオ" panose="020B0604030504040204" pitchFamily="50" charset="-128"/>
-                  <a:ea typeface="メイリオ" panose="020B0604030504040204" pitchFamily="50" charset="-128"/>
-                </a:endParaRPr>
-              </a:p>
-            </p:txBody>
-          </p:sp>
-        </mc:Choice>
-        <mc:Fallback xmlns="">
-          <p:sp>
-            <p:nvSpPr>
-              <p:cNvPr id="13" name="テキスト ボックス 12">
-                <a:extLst>
-                  <a:ext uri="{FF2B5EF4-FFF2-40B4-BE49-F238E27FC236}">
-                    <a16:creationId xmlns:a16="http://schemas.microsoft.com/office/drawing/2014/main" id="{7C97905A-7631-BA67-3A1D-A1D6925CCE24}"/>
-                  </a:ext>
-                </a:extLst>
-              </p:cNvPr>
-              <p:cNvSpPr txBox="1">
-                <a:spLocks noRot="1" noChangeAspect="1" noMove="1" noResize="1" noEditPoints="1" noAdjustHandles="1" noChangeArrowheads="1" noChangeShapeType="1" noTextEdit="1"/>
-              </p:cNvSpPr>
-              <p:nvPr/>
-            </p:nvSpPr>
-            <p:spPr>
-              <a:xfrm>
-                <a:off x="60374" y="5202004"/>
-                <a:ext cx="5945281" cy="792396"/>
-              </a:xfrm>
-              <a:prstGeom prst="rect">
-                <a:avLst/>
-              </a:prstGeom>
-              <a:blipFill>
-                <a:blip r:embed="rId4"/>
-                <a:stretch>
-                  <a:fillRect/>
-                </a:stretch>
-              </a:blipFill>
-            </p:spPr>
-            <p:txBody>
-              <a:bodyPr/>
-              <a:lstStyle/>
-              <a:p>
-                <a:r>
-                  <a:rPr lang="ja-JP" altLang="en-US">
-                    <a:noFill/>
-                  </a:rPr>
-                  <a:t> </a:t>
-                </a:r>
-              </a:p>
-            </p:txBody>
-          </p:sp>
-        </mc:Fallback>
-      </mc:AlternateContent>
-      <mc:AlternateContent xmlns:mc="http://schemas.openxmlformats.org/markup-compatibility/2006" xmlns:a14="http://schemas.microsoft.com/office/drawing/2010/main">
-        <mc:Choice Requires="a14">
-          <p:sp>
-            <p:nvSpPr>
-              <p:cNvPr id="14" name="テキスト ボックス 13">
-                <a:extLst>
-                  <a:ext uri="{FF2B5EF4-FFF2-40B4-BE49-F238E27FC236}">
-                    <a16:creationId xmlns:a16="http://schemas.microsoft.com/office/drawing/2014/main" id="{C8FC1BF4-1194-14E6-DD10-FB859C67A580}"/>
-                  </a:ext>
-                </a:extLst>
-              </p:cNvPr>
-              <p:cNvSpPr txBox="1"/>
-              <p:nvPr/>
-            </p:nvSpPr>
-            <p:spPr>
-              <a:xfrm>
-                <a:off x="6076775" y="4457509"/>
-                <a:ext cx="4712572" cy="461665"/>
-              </a:xfrm>
-              <a:prstGeom prst="rect">
-                <a:avLst/>
-              </a:prstGeom>
-              <a:noFill/>
-            </p:spPr>
-            <p:txBody>
-              <a:bodyPr wrap="none" rtlCol="0">
-                <a:spAutoFit/>
-              </a:bodyPr>
-              <a:lstStyle/>
-              <a:p>
-                <a:pPr algn="l"/>
-                <a14:m>
-                  <m:oMathPara xmlns:m="http://schemas.openxmlformats.org/officeDocument/2006/math">
-                    <m:oMathParaPr>
-                      <m:jc m:val="centerGroup"/>
-                    </m:oMathParaPr>
-                    <m:oMath xmlns:m="http://schemas.openxmlformats.org/officeDocument/2006/math">
-                      <m:r>
-                        <a:rPr kumimoji="1" lang="en-US" altLang="ja-JP" sz="2400" b="0" i="1" smtClean="0">
-                          <a:latin typeface="Cambria Math" panose="02040503050406030204" pitchFamily="18" charset="0"/>
-                          <a:ea typeface="メイリオ" panose="020B0604030504040204" pitchFamily="50" charset="-128"/>
-                        </a:rPr>
-                        <m:t>𝑝</m:t>
-                      </m:r>
-                      <m:d>
-                        <m:dPr>
-                          <m:ctrlPr>
-                            <a:rPr kumimoji="1" lang="en-US" altLang="ja-JP" sz="2400" b="0" i="1" smtClean="0">
-                              <a:latin typeface="Cambria Math" panose="02040503050406030204" pitchFamily="18" charset="0"/>
-                              <a:ea typeface="メイリオ" panose="020B0604030504040204" pitchFamily="50" charset="-128"/>
-                            </a:rPr>
-                          </m:ctrlPr>
-                        </m:dPr>
-                        <m:e>
-                          <m:r>
-                            <a:rPr kumimoji="1" lang="en-US" altLang="ja-JP" sz="2400" b="0" i="1" smtClean="0">
-                              <a:latin typeface="Cambria Math" panose="02040503050406030204" pitchFamily="18" charset="0"/>
-                              <a:ea typeface="メイリオ" panose="020B0604030504040204" pitchFamily="50" charset="-128"/>
-                            </a:rPr>
-                            <m:t>𝑥</m:t>
-                          </m:r>
-                          <m:r>
-                            <a:rPr kumimoji="1" lang="en-US" altLang="ja-JP" sz="2400" b="0" i="1" smtClean="0">
-                              <a:latin typeface="Cambria Math" panose="02040503050406030204" pitchFamily="18" charset="0"/>
-                              <a:ea typeface="メイリオ" panose="020B0604030504040204" pitchFamily="50" charset="-128"/>
-                            </a:rPr>
-                            <m:t>=</m:t>
-                          </m:r>
-                          <m:r>
-                            <a:rPr kumimoji="1" lang="ja-JP" altLang="en-US" sz="2400" i="1">
-                              <a:latin typeface="Cambria Math" panose="02040503050406030204" pitchFamily="18" charset="0"/>
-                              <a:ea typeface="メイリオ" panose="020B0604030504040204" pitchFamily="50" charset="-128"/>
-                            </a:rPr>
-                            <m:t>カラメル</m:t>
-                          </m:r>
-                        </m:e>
-                        <m:e>
-                          <m:r>
-                            <a:rPr kumimoji="1" lang="en-US" altLang="ja-JP" sz="2400" b="0" i="1" smtClean="0">
-                              <a:latin typeface="Cambria Math" panose="02040503050406030204" pitchFamily="18" charset="0"/>
-                              <a:ea typeface="メイリオ" panose="020B0604030504040204" pitchFamily="50" charset="-128"/>
-                            </a:rPr>
-                            <m:t>𝐶</m:t>
-                          </m:r>
-                          <m:r>
-                            <a:rPr kumimoji="1" lang="en-US" altLang="ja-JP" sz="2400" b="0" i="1" smtClean="0">
-                              <a:latin typeface="Cambria Math" panose="02040503050406030204" pitchFamily="18" charset="0"/>
-                              <a:ea typeface="メイリオ" panose="020B0604030504040204" pitchFamily="50" charset="-128"/>
-                            </a:rPr>
-                            <m:t>=</m:t>
-                          </m:r>
-                          <m:r>
-                            <a:rPr kumimoji="1" lang="ja-JP" altLang="en-US" sz="2400" i="1">
-                              <a:latin typeface="Cambria Math" panose="02040503050406030204" pitchFamily="18" charset="0"/>
-                              <a:ea typeface="メイリオ" panose="020B0604030504040204" pitchFamily="50" charset="-128"/>
-                            </a:rPr>
-                            <m:t>シュー</m:t>
-                          </m:r>
-                        </m:e>
-                      </m:d>
-                      <m:r>
-                        <a:rPr kumimoji="1" lang="en-US" altLang="ja-JP" sz="2400" b="0" i="1" smtClean="0">
-                          <a:latin typeface="Cambria Math" panose="02040503050406030204" pitchFamily="18" charset="0"/>
-                          <a:ea typeface="メイリオ" panose="020B0604030504040204" pitchFamily="50" charset="-128"/>
-                        </a:rPr>
-                        <m:t>=</m:t>
-                      </m:r>
-                      <m:r>
-                        <a:rPr kumimoji="1" lang="en-US" altLang="ja-JP" sz="2400" b="0" i="1" smtClean="0">
-                          <a:latin typeface="Cambria Math" panose="02040503050406030204" pitchFamily="18" charset="0"/>
-                          <a:ea typeface="メイリオ" panose="020B0604030504040204" pitchFamily="50" charset="-128"/>
-                        </a:rPr>
-                        <m:t>0</m:t>
-                      </m:r>
-                    </m:oMath>
-                  </m:oMathPara>
-                </a14:m>
-                <a:endParaRPr kumimoji="1" lang="ja-JP" altLang="en-US" sz="2400" dirty="0">
-                  <a:latin typeface="メイリオ" panose="020B0604030504040204" pitchFamily="50" charset="-128"/>
-                  <a:ea typeface="メイリオ" panose="020B0604030504040204" pitchFamily="50" charset="-128"/>
-                </a:endParaRPr>
-              </a:p>
-            </p:txBody>
-          </p:sp>
-        </mc:Choice>
-        <mc:Fallback xmlns="">
-          <p:sp>
-            <p:nvSpPr>
-              <p:cNvPr id="14" name="テキスト ボックス 13">
-                <a:extLst>
-                  <a:ext uri="{FF2B5EF4-FFF2-40B4-BE49-F238E27FC236}">
-                    <a16:creationId xmlns:a16="http://schemas.microsoft.com/office/drawing/2014/main" id="{C8FC1BF4-1194-14E6-DD10-FB859C67A580}"/>
-                  </a:ext>
-                </a:extLst>
-              </p:cNvPr>
-              <p:cNvSpPr txBox="1">
-                <a:spLocks noRot="1" noChangeAspect="1" noMove="1" noResize="1" noEditPoints="1" noAdjustHandles="1" noChangeArrowheads="1" noChangeShapeType="1" noTextEdit="1"/>
-              </p:cNvSpPr>
-              <p:nvPr/>
-            </p:nvSpPr>
-            <p:spPr>
-              <a:xfrm>
-                <a:off x="6076775" y="4457509"/>
-                <a:ext cx="4712572" cy="461665"/>
-              </a:xfrm>
-              <a:prstGeom prst="rect">
-                <a:avLst/>
-              </a:prstGeom>
-              <a:blipFill>
-                <a:blip r:embed="rId5"/>
-                <a:stretch>
-                  <a:fillRect b="-6579"/>
-                </a:stretch>
-              </a:blipFill>
-            </p:spPr>
-            <p:txBody>
-              <a:bodyPr/>
-              <a:lstStyle/>
-              <a:p>
-                <a:r>
-                  <a:rPr lang="ja-JP" altLang="en-US">
-                    <a:noFill/>
-                  </a:rPr>
-                  <a:t> </a:t>
-                </a:r>
-              </a:p>
-            </p:txBody>
-          </p:sp>
-        </mc:Fallback>
-      </mc:AlternateContent>
-      <mc:AlternateContent xmlns:mc="http://schemas.openxmlformats.org/markup-compatibility/2006" xmlns:a14="http://schemas.microsoft.com/office/drawing/2010/main">
-        <mc:Choice Requires="a14">
-          <p:sp>
-            <p:nvSpPr>
-              <p:cNvPr id="15" name="テキスト ボックス 14">
-                <a:extLst>
-                  <a:ext uri="{FF2B5EF4-FFF2-40B4-BE49-F238E27FC236}">
-                    <a16:creationId xmlns:a16="http://schemas.microsoft.com/office/drawing/2014/main" id="{093464DA-7F49-E94C-C420-49FB226B73EC}"/>
-                  </a:ext>
-                </a:extLst>
-              </p:cNvPr>
-              <p:cNvSpPr txBox="1"/>
-              <p:nvPr/>
-            </p:nvSpPr>
-            <p:spPr>
-              <a:xfrm>
-                <a:off x="6096000" y="5208223"/>
-                <a:ext cx="5854936" cy="786177"/>
-              </a:xfrm>
-              <a:prstGeom prst="rect">
-                <a:avLst/>
-              </a:prstGeom>
-              <a:noFill/>
-            </p:spPr>
-            <p:txBody>
-              <a:bodyPr wrap="none" rtlCol="0">
-                <a:spAutoFit/>
-              </a:bodyPr>
-              <a:lstStyle/>
-              <a:p>
-                <a:pPr algn="l"/>
-                <a14:m>
-                  <m:oMathPara xmlns:m="http://schemas.openxmlformats.org/officeDocument/2006/math">
-                    <m:oMathParaPr>
-                      <m:jc m:val="centerGroup"/>
-                    </m:oMathParaPr>
-                    <m:oMath xmlns:m="http://schemas.openxmlformats.org/officeDocument/2006/math">
-                      <m:r>
-                        <a:rPr kumimoji="1" lang="en-US" altLang="ja-JP" sz="2400" b="0" i="1" smtClean="0">
-                          <a:latin typeface="Cambria Math" panose="02040503050406030204" pitchFamily="18" charset="0"/>
-                          <a:ea typeface="メイリオ" panose="020B0604030504040204" pitchFamily="50" charset="-128"/>
-                        </a:rPr>
-                        <m:t>𝑝</m:t>
-                      </m:r>
-                      <m:d>
-                        <m:dPr>
-                          <m:ctrlPr>
-                            <a:rPr kumimoji="1" lang="en-US" altLang="ja-JP" sz="2400" b="0" i="1" smtClean="0">
-                              <a:latin typeface="Cambria Math" panose="02040503050406030204" pitchFamily="18" charset="0"/>
-                              <a:ea typeface="メイリオ" panose="020B0604030504040204" pitchFamily="50" charset="-128"/>
-                            </a:rPr>
-                          </m:ctrlPr>
-                        </m:dPr>
-                        <m:e>
-                          <m:r>
-                            <a:rPr kumimoji="1" lang="en-US" altLang="ja-JP" sz="2400" b="0" i="1" smtClean="0">
-                              <a:latin typeface="Cambria Math" panose="02040503050406030204" pitchFamily="18" charset="0"/>
-                              <a:ea typeface="メイリオ" panose="020B0604030504040204" pitchFamily="50" charset="-128"/>
-                            </a:rPr>
-                            <m:t>𝑥</m:t>
-                          </m:r>
-                          <m:r>
-                            <a:rPr kumimoji="1" lang="en-US" altLang="ja-JP" sz="2400" b="0" i="1" smtClean="0">
-                              <a:latin typeface="Cambria Math" panose="02040503050406030204" pitchFamily="18" charset="0"/>
-                              <a:ea typeface="メイリオ" panose="020B0604030504040204" pitchFamily="50" charset="-128"/>
-                            </a:rPr>
-                            <m:t>=</m:t>
-                          </m:r>
-                          <m:r>
-                            <a:rPr kumimoji="1" lang="ja-JP" altLang="en-US" sz="2400" i="1">
-                              <a:latin typeface="Cambria Math" panose="02040503050406030204" pitchFamily="18" charset="0"/>
-                              <a:ea typeface="メイリオ" panose="020B0604030504040204" pitchFamily="50" charset="-128"/>
-                            </a:rPr>
-                            <m:t>カラメル</m:t>
-                          </m:r>
-                        </m:e>
-                        <m:e>
-                          <m:r>
-                            <a:rPr kumimoji="1" lang="en-US" altLang="ja-JP" sz="2400" b="0" i="1" smtClean="0">
-                              <a:latin typeface="Cambria Math" panose="02040503050406030204" pitchFamily="18" charset="0"/>
-                              <a:ea typeface="メイリオ" panose="020B0604030504040204" pitchFamily="50" charset="-128"/>
-                            </a:rPr>
-                            <m:t>𝐶</m:t>
-                          </m:r>
-                          <m:r>
-                            <a:rPr kumimoji="1" lang="en-US" altLang="ja-JP" sz="2400" b="0" i="1" smtClean="0">
-                              <a:latin typeface="Cambria Math" panose="02040503050406030204" pitchFamily="18" charset="0"/>
-                              <a:ea typeface="メイリオ" panose="020B0604030504040204" pitchFamily="50" charset="-128"/>
-                            </a:rPr>
-                            <m:t>=</m:t>
-                          </m:r>
-                          <m:r>
-                            <a:rPr kumimoji="1" lang="ja-JP" altLang="en-US" sz="2400" i="1">
-                              <a:latin typeface="Cambria Math" panose="02040503050406030204" pitchFamily="18" charset="0"/>
-                              <a:ea typeface="メイリオ" panose="020B0604030504040204" pitchFamily="50" charset="-128"/>
-                            </a:rPr>
-                            <m:t>シュー</m:t>
-                          </m:r>
-                        </m:e>
-                      </m:d>
-                      <m:r>
-                        <a:rPr kumimoji="1" lang="en-US" altLang="ja-JP" sz="2400" b="0" i="1" smtClean="0">
-                          <a:latin typeface="Cambria Math" panose="02040503050406030204" pitchFamily="18" charset="0"/>
-                          <a:ea typeface="メイリオ" panose="020B0604030504040204" pitchFamily="50" charset="-128"/>
-                        </a:rPr>
-                        <m:t>=</m:t>
-                      </m:r>
-                      <m:f>
-                        <m:fPr>
-                          <m:ctrlPr>
-                            <a:rPr kumimoji="1" lang="en-US" altLang="ja-JP" sz="2400" b="0" i="1" smtClean="0">
-                              <a:latin typeface="Cambria Math" panose="02040503050406030204" pitchFamily="18" charset="0"/>
-                              <a:ea typeface="メイリオ" panose="020B0604030504040204" pitchFamily="50" charset="-128"/>
-                            </a:rPr>
-                          </m:ctrlPr>
-                        </m:fPr>
-                        <m:num>
-                          <m:r>
-                            <a:rPr kumimoji="1" lang="en-US" altLang="ja-JP" sz="2400" b="0" i="1" smtClean="0">
-                              <a:latin typeface="Cambria Math" panose="02040503050406030204" pitchFamily="18" charset="0"/>
-                              <a:ea typeface="メイリオ" panose="020B0604030504040204" pitchFamily="50" charset="-128"/>
-                            </a:rPr>
-                            <m:t>1</m:t>
-                          </m:r>
-                        </m:num>
-                        <m:den>
-                          <m:r>
-                            <a:rPr kumimoji="1" lang="en-US" altLang="ja-JP" sz="2400" b="0" i="1" smtClean="0">
-                              <a:latin typeface="Cambria Math" panose="02040503050406030204" pitchFamily="18" charset="0"/>
-                              <a:ea typeface="メイリオ" panose="020B0604030504040204" pitchFamily="50" charset="-128"/>
-                            </a:rPr>
-                            <m:t>60</m:t>
-                          </m:r>
-                        </m:den>
-                      </m:f>
-                      <m:r>
-                        <a:rPr kumimoji="1" lang="en-US" altLang="ja-JP" sz="2400" b="0" i="1" smtClean="0">
-                          <a:latin typeface="Cambria Math" panose="02040503050406030204" pitchFamily="18" charset="0"/>
-                          <a:ea typeface="メイリオ" panose="020B0604030504040204" pitchFamily="50" charset="-128"/>
-                        </a:rPr>
-                        <m:t>=</m:t>
-                      </m:r>
-                      <m:r>
-                        <a:rPr kumimoji="1" lang="en-US" altLang="ja-JP" sz="2400" b="0" i="1" smtClean="0">
-                          <a:latin typeface="Cambria Math" panose="02040503050406030204" pitchFamily="18" charset="0"/>
-                          <a:ea typeface="メイリオ" panose="020B0604030504040204" pitchFamily="50" charset="-128"/>
-                        </a:rPr>
-                        <m:t>0</m:t>
-                      </m:r>
-                      <m:r>
-                        <a:rPr kumimoji="1" lang="en-US" altLang="ja-JP" sz="2400" b="0" i="1" smtClean="0">
-                          <a:latin typeface="Cambria Math" panose="02040503050406030204" pitchFamily="18" charset="0"/>
-                          <a:ea typeface="メイリオ" panose="020B0604030504040204" pitchFamily="50" charset="-128"/>
-                        </a:rPr>
-                        <m:t>.</m:t>
-                      </m:r>
-                      <m:r>
-                        <a:rPr kumimoji="1" lang="en-US" altLang="ja-JP" sz="2400" b="0" i="1" smtClean="0">
-                          <a:latin typeface="Cambria Math" panose="02040503050406030204" pitchFamily="18" charset="0"/>
-                          <a:ea typeface="メイリオ" panose="020B0604030504040204" pitchFamily="50" charset="-128"/>
-                        </a:rPr>
-                        <m:t>02</m:t>
-                      </m:r>
-                    </m:oMath>
-                  </m:oMathPara>
-                </a14:m>
-                <a:endParaRPr kumimoji="1" lang="ja-JP" altLang="en-US" sz="2400" dirty="0">
-                  <a:latin typeface="メイリオ" panose="020B0604030504040204" pitchFamily="50" charset="-128"/>
-                  <a:ea typeface="メイリオ" panose="020B0604030504040204" pitchFamily="50" charset="-128"/>
-                </a:endParaRPr>
-              </a:p>
-            </p:txBody>
-          </p:sp>
-        </mc:Choice>
-        <mc:Fallback xmlns="">
-          <p:sp>
-            <p:nvSpPr>
-              <p:cNvPr id="15" name="テキスト ボックス 14">
-                <a:extLst>
-                  <a:ext uri="{FF2B5EF4-FFF2-40B4-BE49-F238E27FC236}">
-                    <a16:creationId xmlns:a16="http://schemas.microsoft.com/office/drawing/2014/main" id="{093464DA-7F49-E94C-C420-49FB226B73EC}"/>
-                  </a:ext>
-                </a:extLst>
-              </p:cNvPr>
-              <p:cNvSpPr txBox="1">
-                <a:spLocks noRot="1" noChangeAspect="1" noMove="1" noResize="1" noEditPoints="1" noAdjustHandles="1" noChangeArrowheads="1" noChangeShapeType="1" noTextEdit="1"/>
-              </p:cNvSpPr>
-              <p:nvPr/>
-            </p:nvSpPr>
-            <p:spPr>
-              <a:xfrm>
-                <a:off x="6096000" y="5208223"/>
-                <a:ext cx="5854936" cy="786177"/>
-              </a:xfrm>
-              <a:prstGeom prst="rect">
-                <a:avLst/>
-              </a:prstGeom>
-              <a:blipFill>
-                <a:blip r:embed="rId6"/>
-                <a:stretch>
-                  <a:fillRect/>
-                </a:stretch>
-              </a:blipFill>
-            </p:spPr>
-            <p:txBody>
-              <a:bodyPr/>
-              <a:lstStyle/>
-              <a:p>
-                <a:r>
-                  <a:rPr lang="ja-JP" altLang="en-US">
-                    <a:noFill/>
-                  </a:rPr>
-                  <a:t> </a:t>
-                </a:r>
-              </a:p>
-            </p:txBody>
-          </p:sp>
-        </mc:Fallback>
-      </mc:AlternateContent>
-      <p:sp>
-        <p:nvSpPr>
-          <p:cNvPr id="16" name="四角形: 角を丸くする 15">
-            <a:extLst>
-              <a:ext uri="{FF2B5EF4-FFF2-40B4-BE49-F238E27FC236}">
-                <a16:creationId xmlns:a16="http://schemas.microsoft.com/office/drawing/2014/main" id="{DE2874F4-C193-ECF0-B397-6AA3383C2815}"/>
-              </a:ext>
-            </a:extLst>
-          </p:cNvPr>
-          <p:cNvSpPr/>
-          <p:nvPr/>
-        </p:nvSpPr>
-        <p:spPr>
-          <a:xfrm>
-            <a:off x="5070935" y="1239520"/>
-            <a:ext cx="985520" cy="2879090"/>
-          </a:xfrm>
-          <a:prstGeom prst="roundRect">
-            <a:avLst/>
-          </a:prstGeom>
-          <a:noFill/>
-          <a:ln>
-            <a:solidFill>
-              <a:srgbClr val="FF0000"/>
-            </a:solidFill>
-          </a:ln>
-        </p:spPr>
-        <p:style>
-          <a:lnRef idx="2">
-            <a:schemeClr val="accent1">
-              <a:shade val="15000"/>
-            </a:schemeClr>
-          </a:lnRef>
-          <a:fillRef idx="1">
-            <a:schemeClr val="accent1"/>
-          </a:fillRef>
-          <a:effectRef idx="0">
-            <a:schemeClr val="accent1"/>
-          </a:effectRef>
-          <a:fontRef idx="minor">
-            <a:schemeClr val="lt1"/>
-          </a:fontRef>
-        </p:style>
-        <p:txBody>
-          <a:bodyPr rtlCol="0" anchor="ctr"/>
-          <a:lstStyle/>
-          <a:p>
-            <a:pPr algn="ctr"/>
-            <a:endParaRPr kumimoji="1" lang="ja-JP" altLang="en-US"/>
-          </a:p>
-        </p:txBody>
-      </p:sp>
-      <p:sp>
-        <p:nvSpPr>
-          <p:cNvPr id="17" name="矢印: 下 16">
-            <a:extLst>
-              <a:ext uri="{FF2B5EF4-FFF2-40B4-BE49-F238E27FC236}">
-                <a16:creationId xmlns:a16="http://schemas.microsoft.com/office/drawing/2014/main" id="{A2917CA7-4D7F-CC70-72D2-9CE5484DD86B}"/>
-              </a:ext>
-            </a:extLst>
-          </p:cNvPr>
-          <p:cNvSpPr/>
-          <p:nvPr/>
-        </p:nvSpPr>
-        <p:spPr>
-          <a:xfrm>
-            <a:off x="7799117" y="4968745"/>
-            <a:ext cx="995680" cy="440794"/>
-          </a:xfrm>
-          <a:prstGeom prst="downArrow">
-            <a:avLst/>
-          </a:prstGeom>
-        </p:spPr>
-        <p:style>
-          <a:lnRef idx="2">
-            <a:schemeClr val="accent1">
-              <a:shade val="15000"/>
-            </a:schemeClr>
-          </a:lnRef>
-          <a:fillRef idx="1">
-            <a:schemeClr val="accent1"/>
-          </a:fillRef>
-          <a:effectRef idx="0">
-            <a:schemeClr val="accent1"/>
-          </a:effectRef>
-          <a:fontRef idx="minor">
-            <a:schemeClr val="lt1"/>
-          </a:fontRef>
-        </p:style>
-        <p:txBody>
-          <a:bodyPr rtlCol="0" anchor="ctr"/>
-          <a:lstStyle/>
-          <a:p>
-            <a:pPr algn="ctr"/>
-            <a:endParaRPr kumimoji="1" lang="ja-JP" altLang="en-US"/>
-          </a:p>
-        </p:txBody>
-      </p:sp>
-      <mc:AlternateContent xmlns:mc="http://schemas.openxmlformats.org/markup-compatibility/2006" xmlns:a14="http://schemas.microsoft.com/office/drawing/2010/main">
-        <mc:Choice Requires="a14">
-          <p:sp>
-            <p:nvSpPr>
-              <p:cNvPr id="18" name="テキスト ボックス 17">
-                <a:extLst>
-                  <a:ext uri="{FF2B5EF4-FFF2-40B4-BE49-F238E27FC236}">
-                    <a16:creationId xmlns:a16="http://schemas.microsoft.com/office/drawing/2014/main" id="{5CE40AAB-CD93-F10E-47B4-30BF6A0D6242}"/>
-                  </a:ext>
-                </a:extLst>
-              </p:cNvPr>
-              <p:cNvSpPr txBox="1"/>
-              <p:nvPr/>
-            </p:nvSpPr>
-            <p:spPr>
-              <a:xfrm>
-                <a:off x="1344045" y="6203888"/>
-                <a:ext cx="4982646" cy="509178"/>
-              </a:xfrm>
-              <a:prstGeom prst="rect">
-                <a:avLst/>
-              </a:prstGeom>
-              <a:noFill/>
-            </p:spPr>
-            <p:txBody>
-              <a:bodyPr wrap="none" rtlCol="0">
-                <a:spAutoFit/>
-              </a:bodyPr>
-              <a:lstStyle/>
-              <a:p>
-                <a:pPr algn="l"/>
-                <a14:m>
-                  <m:oMath xmlns:m="http://schemas.openxmlformats.org/officeDocument/2006/math">
-                    <m:r>
-                      <a:rPr kumimoji="1" lang="en-US" altLang="ja-JP" sz="2400" b="0" i="1" smtClean="0">
-                        <a:latin typeface="Cambria Math" panose="02040503050406030204" pitchFamily="18" charset="0"/>
-                        <a:ea typeface="メイリオ" panose="020B0604030504040204" pitchFamily="50" charset="-128"/>
-                      </a:rPr>
-                      <m:t>𝑝</m:t>
-                    </m:r>
-                    <m:d>
-                      <m:dPr>
-                        <m:ctrlPr>
-                          <a:rPr kumimoji="1" lang="en-US" altLang="ja-JP" sz="2400" b="0" i="1" smtClean="0">
-                            <a:latin typeface="Cambria Math" panose="02040503050406030204" pitchFamily="18" charset="0"/>
-                            <a:ea typeface="メイリオ" panose="020B0604030504040204" pitchFamily="50" charset="-128"/>
-                          </a:rPr>
-                        </m:ctrlPr>
-                      </m:dPr>
-                      <m:e>
-                        <m:r>
-                          <a:rPr kumimoji="1" lang="en-US" altLang="ja-JP" sz="2400" b="0" i="1" smtClean="0">
-                            <a:latin typeface="Cambria Math" panose="02040503050406030204" pitchFamily="18" charset="0"/>
-                            <a:ea typeface="メイリオ" panose="020B0604030504040204" pitchFamily="50" charset="-128"/>
-                          </a:rPr>
-                          <m:t>𝑥</m:t>
-                        </m:r>
-                        <m:r>
-                          <a:rPr kumimoji="1" lang="en-US" altLang="ja-JP" sz="2400" b="0" i="1" smtClean="0">
-                            <a:latin typeface="Cambria Math" panose="02040503050406030204" pitchFamily="18" charset="0"/>
-                            <a:ea typeface="メイリオ" panose="020B0604030504040204" pitchFamily="50" charset="-128"/>
-                          </a:rPr>
-                          <m:t>=</m:t>
-                        </m:r>
-                        <m:r>
-                          <a:rPr kumimoji="1" lang="ja-JP" altLang="en-US" sz="2400" i="1">
-                            <a:latin typeface="Cambria Math" panose="02040503050406030204" pitchFamily="18" charset="0"/>
-                            <a:ea typeface="メイリオ" panose="020B0604030504040204" pitchFamily="50" charset="-128"/>
-                          </a:rPr>
-                          <m:t>生地</m:t>
-                        </m:r>
-                      </m:e>
-                      <m:e>
-                        <m:r>
-                          <a:rPr kumimoji="1" lang="en-US" altLang="ja-JP" sz="2400" b="0" i="1" smtClean="0">
-                            <a:latin typeface="Cambria Math" panose="02040503050406030204" pitchFamily="18" charset="0"/>
-                            <a:ea typeface="メイリオ" panose="020B0604030504040204" pitchFamily="50" charset="-128"/>
-                          </a:rPr>
-                          <m:t>𝐶</m:t>
-                        </m:r>
-                        <m:r>
-                          <a:rPr kumimoji="1" lang="en-US" altLang="ja-JP" sz="2400" b="0" i="1" smtClean="0">
-                            <a:latin typeface="Cambria Math" panose="02040503050406030204" pitchFamily="18" charset="0"/>
-                            <a:ea typeface="メイリオ" panose="020B0604030504040204" pitchFamily="50" charset="-128"/>
-                          </a:rPr>
-                          <m:t>=</m:t>
-                        </m:r>
-                        <m:r>
-                          <a:rPr kumimoji="1" lang="ja-JP" altLang="en-US" sz="2400" i="1">
-                            <a:latin typeface="Cambria Math" panose="02040503050406030204" pitchFamily="18" charset="0"/>
-                            <a:ea typeface="メイリオ" panose="020B0604030504040204" pitchFamily="50" charset="-128"/>
-                          </a:rPr>
-                          <m:t>プリン</m:t>
-                        </m:r>
-                      </m:e>
-                    </m:d>
-                  </m:oMath>
-                </a14:m>
-                <a:r>
-                  <a:rPr kumimoji="1" lang="ja-JP" altLang="en-US" sz="2400" dirty="0">
-                    <a:latin typeface="メイリオ" panose="020B0604030504040204" pitchFamily="50" charset="-128"/>
-                    <a:ea typeface="メイリオ" panose="020B0604030504040204" pitchFamily="50" charset="-128"/>
-                  </a:rPr>
-                  <a:t>を計算せよ</a:t>
-                </a:r>
-              </a:p>
-            </p:txBody>
-          </p:sp>
-        </mc:Choice>
-        <mc:Fallback xmlns="">
-          <p:sp>
-            <p:nvSpPr>
-              <p:cNvPr id="18" name="テキスト ボックス 17">
-                <a:extLst>
-                  <a:ext uri="{FF2B5EF4-FFF2-40B4-BE49-F238E27FC236}">
-                    <a16:creationId xmlns:a16="http://schemas.microsoft.com/office/drawing/2014/main" id="{5CE40AAB-CD93-F10E-47B4-30BF6A0D6242}"/>
-                  </a:ext>
-                </a:extLst>
-              </p:cNvPr>
-              <p:cNvSpPr txBox="1">
-                <a:spLocks noRot="1" noChangeAspect="1" noMove="1" noResize="1" noEditPoints="1" noAdjustHandles="1" noChangeArrowheads="1" noChangeShapeType="1" noTextEdit="1"/>
-              </p:cNvSpPr>
-              <p:nvPr/>
-            </p:nvSpPr>
-            <p:spPr>
-              <a:xfrm>
-                <a:off x="1344045" y="6203888"/>
-                <a:ext cx="4982646" cy="509178"/>
-              </a:xfrm>
-              <a:prstGeom prst="rect">
-                <a:avLst/>
-              </a:prstGeom>
-              <a:blipFill>
-                <a:blip r:embed="rId7"/>
-                <a:stretch>
-                  <a:fillRect l="-367" r="-856" b="-28916"/>
-                </a:stretch>
-              </a:blipFill>
-            </p:spPr>
-            <p:txBody>
-              <a:bodyPr/>
-              <a:lstStyle/>
-              <a:p>
-                <a:r>
-                  <a:rPr lang="ja-JP" altLang="en-US">
-                    <a:noFill/>
-                  </a:rPr>
-                  <a:t> </a:t>
-                </a:r>
-              </a:p>
-            </p:txBody>
-          </p:sp>
-        </mc:Fallback>
-      </mc:AlternateContent>
-      <p:sp>
-        <p:nvSpPr>
-          <p:cNvPr id="19" name="テキスト ボックス 18">
-            <a:extLst>
-              <a:ext uri="{FF2B5EF4-FFF2-40B4-BE49-F238E27FC236}">
-                <a16:creationId xmlns:a16="http://schemas.microsoft.com/office/drawing/2014/main" id="{C3DED859-DD34-7DED-4AF6-AB29DF2DAE5B}"/>
-              </a:ext>
-            </a:extLst>
-          </p:cNvPr>
-          <p:cNvSpPr txBox="1"/>
-          <p:nvPr/>
-        </p:nvSpPr>
-        <p:spPr>
-          <a:xfrm>
-            <a:off x="382361" y="6251401"/>
-            <a:ext cx="800219" cy="461665"/>
-          </a:xfrm>
-          <a:prstGeom prst="rect">
-            <a:avLst/>
-          </a:prstGeom>
-          <a:noFill/>
-        </p:spPr>
-        <p:txBody>
-          <a:bodyPr wrap="none" rtlCol="0">
-            <a:spAutoFit/>
-          </a:bodyPr>
-          <a:lstStyle/>
-          <a:p>
-            <a:pPr algn="l"/>
-            <a:r>
-              <a:rPr kumimoji="1" lang="ja-JP" altLang="en-US" sz="2400" dirty="0">
-                <a:latin typeface="メイリオ" panose="020B0604030504040204" pitchFamily="50" charset="-128"/>
-                <a:ea typeface="メイリオ" panose="020B0604030504040204" pitchFamily="50" charset="-128"/>
-              </a:rPr>
-              <a:t>問題</a:t>
-            </a:r>
-          </a:p>
-        </p:txBody>
-      </p:sp>
-    </p:spTree>
-    <p:extLst>
-      <p:ext uri="{BB962C8B-B14F-4D97-AF65-F5344CB8AC3E}">
-        <p14:creationId xmlns:p14="http://schemas.microsoft.com/office/powerpoint/2010/main" val="2035239708"/>
       </p:ext>
     </p:extLst>
   </p:cSld>

--- a/NLP_5 probabilistc classifier.pptx
+++ b/NLP_5 probabilistc classifier.pptx
@@ -221,7 +221,7 @@
           <a:p>
             <a:fld id="{0135936D-836F-419C-9F68-DEDA5DD6EA2C}" type="datetimeFigureOut">
               <a:rPr kumimoji="1" lang="ja-JP" altLang="en-US" smtClean="0"/>
-              <a:t>2024/7/11</a:t>
+              <a:t>2024/10/30</a:t>
             </a:fld>
             <a:endParaRPr kumimoji="1" lang="ja-JP" altLang="en-US"/>
           </a:p>
@@ -651,7 +651,7 @@
           <a:p>
             <a:fld id="{2ABC02D7-CBD1-4D33-B166-78A898DF0F76}" type="datetimeFigureOut">
               <a:rPr kumimoji="1" lang="ja-JP" altLang="en-US" smtClean="0"/>
-              <a:t>2024/7/11</a:t>
+              <a:t>2024/10/30</a:t>
             </a:fld>
             <a:endParaRPr kumimoji="1" lang="ja-JP" altLang="en-US"/>
           </a:p>
@@ -853,7 +853,7 @@
           <a:p>
             <a:fld id="{2ABC02D7-CBD1-4D33-B166-78A898DF0F76}" type="datetimeFigureOut">
               <a:rPr kumimoji="1" lang="ja-JP" altLang="en-US" smtClean="0"/>
-              <a:t>2024/7/11</a:t>
+              <a:t>2024/10/30</a:t>
             </a:fld>
             <a:endParaRPr kumimoji="1" lang="ja-JP" altLang="en-US"/>
           </a:p>
@@ -1065,7 +1065,7 @@
           <a:p>
             <a:fld id="{2ABC02D7-CBD1-4D33-B166-78A898DF0F76}" type="datetimeFigureOut">
               <a:rPr kumimoji="1" lang="ja-JP" altLang="en-US" smtClean="0"/>
-              <a:t>2024/7/11</a:t>
+              <a:t>2024/10/30</a:t>
             </a:fld>
             <a:endParaRPr kumimoji="1" lang="ja-JP" altLang="en-US"/>
           </a:p>
@@ -1267,7 +1267,7 @@
           <a:p>
             <a:fld id="{2ABC02D7-CBD1-4D33-B166-78A898DF0F76}" type="datetimeFigureOut">
               <a:rPr kumimoji="1" lang="ja-JP" altLang="en-US" smtClean="0"/>
-              <a:t>2024/7/11</a:t>
+              <a:t>2024/10/30</a:t>
             </a:fld>
             <a:endParaRPr kumimoji="1" lang="ja-JP" altLang="en-US"/>
           </a:p>
@@ -1513,7 +1513,7 @@
           <a:p>
             <a:fld id="{2ABC02D7-CBD1-4D33-B166-78A898DF0F76}" type="datetimeFigureOut">
               <a:rPr kumimoji="1" lang="ja-JP" altLang="en-US" smtClean="0"/>
-              <a:t>2024/7/11</a:t>
+              <a:t>2024/10/30</a:t>
             </a:fld>
             <a:endParaRPr kumimoji="1" lang="ja-JP" altLang="en-US"/>
           </a:p>
@@ -1809,7 +1809,7 @@
           <a:p>
             <a:fld id="{2ABC02D7-CBD1-4D33-B166-78A898DF0F76}" type="datetimeFigureOut">
               <a:rPr kumimoji="1" lang="ja-JP" altLang="en-US" smtClean="0"/>
-              <a:t>2024/7/11</a:t>
+              <a:t>2024/10/30</a:t>
             </a:fld>
             <a:endParaRPr kumimoji="1" lang="ja-JP" altLang="en-US"/>
           </a:p>
@@ -2240,7 +2240,7 @@
           <a:p>
             <a:fld id="{2ABC02D7-CBD1-4D33-B166-78A898DF0F76}" type="datetimeFigureOut">
               <a:rPr kumimoji="1" lang="ja-JP" altLang="en-US" smtClean="0"/>
-              <a:t>2024/7/11</a:t>
+              <a:t>2024/10/30</a:t>
             </a:fld>
             <a:endParaRPr kumimoji="1" lang="ja-JP" altLang="en-US"/>
           </a:p>
@@ -2358,7 +2358,7 @@
           <a:p>
             <a:fld id="{2ABC02D7-CBD1-4D33-B166-78A898DF0F76}" type="datetimeFigureOut">
               <a:rPr kumimoji="1" lang="ja-JP" altLang="en-US" smtClean="0"/>
-              <a:t>2024/7/11</a:t>
+              <a:t>2024/10/30</a:t>
             </a:fld>
             <a:endParaRPr kumimoji="1" lang="ja-JP" altLang="en-US"/>
           </a:p>
@@ -2453,7 +2453,7 @@
           <a:p>
             <a:fld id="{2ABC02D7-CBD1-4D33-B166-78A898DF0F76}" type="datetimeFigureOut">
               <a:rPr kumimoji="1" lang="ja-JP" altLang="en-US" smtClean="0"/>
-              <a:t>2024/7/11</a:t>
+              <a:t>2024/10/30</a:t>
             </a:fld>
             <a:endParaRPr kumimoji="1" lang="ja-JP" altLang="en-US"/>
           </a:p>
@@ -2762,7 +2762,7 @@
           <a:p>
             <a:fld id="{2ABC02D7-CBD1-4D33-B166-78A898DF0F76}" type="datetimeFigureOut">
               <a:rPr kumimoji="1" lang="ja-JP" altLang="en-US" smtClean="0"/>
-              <a:t>2024/7/11</a:t>
+              <a:t>2024/10/30</a:t>
             </a:fld>
             <a:endParaRPr kumimoji="1" lang="ja-JP" altLang="en-US"/>
           </a:p>
@@ -3019,7 +3019,7 @@
           <a:p>
             <a:fld id="{2ABC02D7-CBD1-4D33-B166-78A898DF0F76}" type="datetimeFigureOut">
               <a:rPr kumimoji="1" lang="ja-JP" altLang="en-US" smtClean="0"/>
-              <a:t>2024/7/11</a:t>
+              <a:t>2024/10/30</a:t>
             </a:fld>
             <a:endParaRPr kumimoji="1" lang="ja-JP" altLang="en-US"/>
           </a:p>
@@ -3264,7 +3264,7 @@
           <a:p>
             <a:fld id="{2ABC02D7-CBD1-4D33-B166-78A898DF0F76}" type="datetimeFigureOut">
               <a:rPr kumimoji="1" lang="ja-JP" altLang="en-US" smtClean="0"/>
-              <a:t>2024/7/11</a:t>
+              <a:t>2024/10/30</a:t>
             </a:fld>
             <a:endParaRPr kumimoji="1" lang="ja-JP" altLang="en-US"/>
           </a:p>
@@ -4716,8 +4716,8 @@
             </p:nvSpPr>
             <p:spPr>
               <a:xfrm>
-                <a:off x="6096000" y="5208223"/>
-                <a:ext cx="5854936" cy="786177"/>
+                <a:off x="5929745" y="5222282"/>
+                <a:ext cx="5653984" cy="675698"/>
               </a:xfrm>
               <a:prstGeom prst="rect">
                 <a:avLst/>
@@ -4738,7 +4738,7 @@
                     </m:oMathParaPr>
                     <m:oMath xmlns:m="http://schemas.openxmlformats.org/officeDocument/2006/math">
                       <m:r>
-                        <a:rPr kumimoji="1" lang="en-US" altLang="ja-JP" sz="2400" b="0" i="1" smtClean="0">
+                        <a:rPr kumimoji="1" lang="en-US" altLang="ja-JP" sz="2000" b="0" i="1" smtClean="0">
                           <a:latin typeface="Cambria Math" panose="02040503050406030204" pitchFamily="18" charset="0"/>
                           <a:ea typeface="メイリオ" panose="020B0604030504040204" pitchFamily="50" charset="-128"/>
                         </a:rPr>
@@ -4747,7 +4747,7 @@
                       <m:d>
                         <m:dPr>
                           <m:ctrlPr>
-                            <a:rPr kumimoji="1" lang="en-US" altLang="ja-JP" sz="2400" b="0" i="1" smtClean="0">
+                            <a:rPr kumimoji="1" lang="en-US" altLang="ja-JP" sz="2000" b="0" i="1" smtClean="0">
                               <a:latin typeface="Cambria Math" panose="02040503050406030204" pitchFamily="18" charset="0"/>
                               <a:ea typeface="メイリオ" panose="020B0604030504040204" pitchFamily="50" charset="-128"/>
                             </a:rPr>
@@ -4755,21 +4755,21 @@
                         </m:dPr>
                         <m:e>
                           <m:r>
-                            <a:rPr kumimoji="1" lang="en-US" altLang="ja-JP" sz="2400" b="0" i="1" smtClean="0">
+                            <a:rPr kumimoji="1" lang="en-US" altLang="ja-JP" sz="2000" b="0" i="1" smtClean="0">
                               <a:latin typeface="Cambria Math" panose="02040503050406030204" pitchFamily="18" charset="0"/>
                               <a:ea typeface="メイリオ" panose="020B0604030504040204" pitchFamily="50" charset="-128"/>
                             </a:rPr>
                             <m:t>𝑥</m:t>
                           </m:r>
                           <m:r>
-                            <a:rPr kumimoji="1" lang="en-US" altLang="ja-JP" sz="2400" b="0" i="1" smtClean="0">
+                            <a:rPr kumimoji="1" lang="en-US" altLang="ja-JP" sz="2000" b="0" i="1" smtClean="0">
                               <a:latin typeface="Cambria Math" panose="02040503050406030204" pitchFamily="18" charset="0"/>
                               <a:ea typeface="メイリオ" panose="020B0604030504040204" pitchFamily="50" charset="-128"/>
                             </a:rPr>
                             <m:t>=</m:t>
                           </m:r>
                           <m:r>
-                            <a:rPr kumimoji="1" lang="ja-JP" altLang="en-US" sz="2400" i="1">
+                            <a:rPr kumimoji="1" lang="ja-JP" altLang="en-US" sz="2000" i="1">
                               <a:latin typeface="Cambria Math" panose="02040503050406030204" pitchFamily="18" charset="0"/>
                               <a:ea typeface="メイリオ" panose="020B0604030504040204" pitchFamily="50" charset="-128"/>
                             </a:rPr>
@@ -4778,21 +4778,21 @@
                         </m:e>
                         <m:e>
                           <m:r>
-                            <a:rPr kumimoji="1" lang="en-US" altLang="ja-JP" sz="2400" b="0" i="1" smtClean="0">
+                            <a:rPr kumimoji="1" lang="en-US" altLang="ja-JP" sz="2000" b="0" i="1" smtClean="0">
                               <a:latin typeface="Cambria Math" panose="02040503050406030204" pitchFamily="18" charset="0"/>
                               <a:ea typeface="メイリオ" panose="020B0604030504040204" pitchFamily="50" charset="-128"/>
                             </a:rPr>
                             <m:t>𝐶</m:t>
                           </m:r>
                           <m:r>
-                            <a:rPr kumimoji="1" lang="en-US" altLang="ja-JP" sz="2400" b="0" i="1" smtClean="0">
+                            <a:rPr kumimoji="1" lang="en-US" altLang="ja-JP" sz="2000" b="0" i="1" smtClean="0">
                               <a:latin typeface="Cambria Math" panose="02040503050406030204" pitchFamily="18" charset="0"/>
                               <a:ea typeface="メイリオ" panose="020B0604030504040204" pitchFamily="50" charset="-128"/>
                             </a:rPr>
                             <m:t>=</m:t>
                           </m:r>
                           <m:r>
-                            <a:rPr kumimoji="1" lang="ja-JP" altLang="en-US" sz="2400" i="1">
+                            <a:rPr kumimoji="1" lang="ja-JP" altLang="en-US" sz="2000" i="1">
                               <a:latin typeface="Cambria Math" panose="02040503050406030204" pitchFamily="18" charset="0"/>
                               <a:ea typeface="メイリオ" panose="020B0604030504040204" pitchFamily="50" charset="-128"/>
                             </a:rPr>
@@ -4801,7 +4801,7 @@
                         </m:e>
                       </m:d>
                       <m:r>
-                        <a:rPr kumimoji="1" lang="en-US" altLang="ja-JP" sz="2400" b="0" i="1" smtClean="0">
+                        <a:rPr kumimoji="1" lang="en-US" altLang="ja-JP" sz="2000" b="0" i="1" smtClean="0">
                           <a:latin typeface="Cambria Math" panose="02040503050406030204" pitchFamily="18" charset="0"/>
                           <a:ea typeface="メイリオ" panose="020B0604030504040204" pitchFamily="50" charset="-128"/>
                         </a:rPr>
@@ -4810,7 +4810,7 @@
                       <m:f>
                         <m:fPr>
                           <m:ctrlPr>
-                            <a:rPr kumimoji="1" lang="en-US" altLang="ja-JP" sz="2400" b="0" i="1" smtClean="0">
+                            <a:rPr kumimoji="1" lang="en-US" altLang="ja-JP" sz="2000" b="0" i="1" smtClean="0">
                               <a:latin typeface="Cambria Math" panose="02040503050406030204" pitchFamily="18" charset="0"/>
                               <a:ea typeface="メイリオ" panose="020B0604030504040204" pitchFamily="50" charset="-128"/>
                             </a:rPr>
@@ -4818,7 +4818,7 @@
                         </m:fPr>
                         <m:num>
                           <m:r>
-                            <a:rPr kumimoji="1" lang="en-US" altLang="ja-JP" sz="2400" b="0" i="1" smtClean="0">
+                            <a:rPr kumimoji="1" lang="en-US" altLang="ja-JP" sz="2000" b="0" i="1" smtClean="0">
                               <a:latin typeface="Cambria Math" panose="02040503050406030204" pitchFamily="18" charset="0"/>
                               <a:ea typeface="メイリオ" panose="020B0604030504040204" pitchFamily="50" charset="-128"/>
                             </a:rPr>
@@ -4827,7 +4827,21 @@
                         </m:num>
                         <m:den>
                           <m:r>
-                            <a:rPr kumimoji="1" lang="en-US" altLang="ja-JP" sz="2400" b="0" i="1" smtClean="0">
+                            <a:rPr kumimoji="1" lang="en-US" altLang="ja-JP" sz="2000" b="0" i="1" smtClean="0">
+                              <a:latin typeface="Cambria Math" panose="02040503050406030204" pitchFamily="18" charset="0"/>
+                              <a:ea typeface="メイリオ" panose="020B0604030504040204" pitchFamily="50" charset="-128"/>
+                            </a:rPr>
+                            <m:t>34</m:t>
+                          </m:r>
+                          <m:r>
+                            <a:rPr kumimoji="1" lang="en-US" altLang="ja-JP" sz="2000" b="0" i="1" smtClean="0">
+                              <a:latin typeface="Cambria Math" panose="02040503050406030204" pitchFamily="18" charset="0"/>
+                              <a:ea typeface="メイリオ" panose="020B0604030504040204" pitchFamily="50" charset="-128"/>
+                            </a:rPr>
+                            <m:t>+</m:t>
+                          </m:r>
+                          <m:r>
+                            <a:rPr kumimoji="1" lang="en-US" altLang="ja-JP" sz="2000" b="0" i="1" smtClean="0">
                               <a:latin typeface="Cambria Math" panose="02040503050406030204" pitchFamily="18" charset="0"/>
                               <a:ea typeface="メイリオ" panose="020B0604030504040204" pitchFamily="50" charset="-128"/>
                             </a:rPr>
@@ -4836,37 +4850,37 @@
                         </m:den>
                       </m:f>
                       <m:r>
-                        <a:rPr kumimoji="1" lang="en-US" altLang="ja-JP" sz="2400" b="0" i="1" smtClean="0">
+                        <a:rPr kumimoji="1" lang="en-US" altLang="ja-JP" sz="2000" b="0" i="1" smtClean="0">
                           <a:latin typeface="Cambria Math" panose="02040503050406030204" pitchFamily="18" charset="0"/>
                           <a:ea typeface="メイリオ" panose="020B0604030504040204" pitchFamily="50" charset="-128"/>
                         </a:rPr>
                         <m:t>=</m:t>
                       </m:r>
                       <m:r>
-                        <a:rPr kumimoji="1" lang="en-US" altLang="ja-JP" sz="2400" b="0" i="1" smtClean="0">
+                        <a:rPr kumimoji="1" lang="en-US" altLang="ja-JP" sz="2000" b="0" i="1" smtClean="0">
                           <a:latin typeface="Cambria Math" panose="02040503050406030204" pitchFamily="18" charset="0"/>
                           <a:ea typeface="メイリオ" panose="020B0604030504040204" pitchFamily="50" charset="-128"/>
                         </a:rPr>
                         <m:t>0</m:t>
                       </m:r>
                       <m:r>
-                        <a:rPr kumimoji="1" lang="en-US" altLang="ja-JP" sz="2400" b="0" i="1" smtClean="0">
+                        <a:rPr kumimoji="1" lang="en-US" altLang="ja-JP" sz="2000" b="0" i="1" smtClean="0">
                           <a:latin typeface="Cambria Math" panose="02040503050406030204" pitchFamily="18" charset="0"/>
                           <a:ea typeface="メイリオ" panose="020B0604030504040204" pitchFamily="50" charset="-128"/>
                         </a:rPr>
                         <m:t>.</m:t>
                       </m:r>
                       <m:r>
-                        <a:rPr kumimoji="1" lang="en-US" altLang="ja-JP" sz="2400" b="0" i="1" smtClean="0">
+                        <a:rPr kumimoji="1" lang="en-US" altLang="ja-JP" sz="2000" b="0" i="1" smtClean="0">
                           <a:latin typeface="Cambria Math" panose="02040503050406030204" pitchFamily="18" charset="0"/>
                           <a:ea typeface="メイリオ" panose="020B0604030504040204" pitchFamily="50" charset="-128"/>
                         </a:rPr>
-                        <m:t>02</m:t>
+                        <m:t>01</m:t>
                       </m:r>
                     </m:oMath>
                   </m:oMathPara>
                 </a14:m>
-                <a:endParaRPr kumimoji="1" lang="ja-JP" altLang="en-US" sz="2400" dirty="0">
+                <a:endParaRPr kumimoji="1" lang="ja-JP" altLang="en-US" sz="2000" dirty="0">
                   <a:latin typeface="メイリオ" panose="020B0604030504040204" pitchFamily="50" charset="-128"/>
                   <a:ea typeface="メイリオ" panose="020B0604030504040204" pitchFamily="50" charset="-128"/>
                 </a:endParaRPr>
@@ -4891,8 +4905,8 @@
             </p:nvSpPr>
             <p:spPr>
               <a:xfrm>
-                <a:off x="6096000" y="5208223"/>
-                <a:ext cx="5854936" cy="786177"/>
+                <a:off x="5929745" y="5222282"/>
+                <a:ext cx="5653984" cy="675698"/>
               </a:xfrm>
               <a:prstGeom prst="rect">
                 <a:avLst/>
@@ -5361,7 +5375,7 @@
         </p:blipFill>
         <p:spPr>
           <a:xfrm>
-            <a:off x="2804160" y="5607050"/>
+            <a:off x="2804160" y="5615071"/>
             <a:ext cx="6024754" cy="425662"/>
           </a:xfrm>
           <a:prstGeom prst="rect">
@@ -7539,7 +7553,7 @@
                     </m:oMath>
                   </m:oMathPara>
                 </a14:m>
-                <a:endParaRPr/>
+                <a:endParaRPr dirty="0"/>
               </a:p>
               <a:p>
                 <a:pPr algn="l"/>
@@ -9920,7 +9934,7 @@
         <p:spPr>
           <a:xfrm>
             <a:off x="2528595" y="1676627"/>
-            <a:ext cx="3817071" cy="461665"/>
+            <a:ext cx="4740400" cy="461665"/>
           </a:xfrm>
           <a:prstGeom prst="rect">
             <a:avLst/>
@@ -9953,7 +9967,7 @@
                 <a:latin typeface="メイリオ" panose="020B0604030504040204" pitchFamily="50" charset="-128"/>
                 <a:ea typeface="メイリオ" panose="020B0604030504040204" pitchFamily="50" charset="-128"/>
               </a:rPr>
-              <a:t>口コミの確率</a:t>
+              <a:t>口コミラベルの確率</a:t>
             </a:r>
           </a:p>
         </p:txBody>
@@ -21305,7 +21319,7 @@
         <p:spPr>
           <a:xfrm>
             <a:off x="346339" y="284124"/>
-            <a:ext cx="8501045" cy="584775"/>
+            <a:ext cx="11300273" cy="584775"/>
           </a:xfrm>
           <a:prstGeom prst="rect">
             <a:avLst/>
@@ -21331,7 +21345,21 @@
                 <a:latin typeface="メイリオ" panose="020B0604030504040204" pitchFamily="50" charset="-128"/>
                 <a:ea typeface="メイリオ" panose="020B0604030504040204" pitchFamily="50" charset="-128"/>
               </a:rPr>
-              <a:t>にもとづく確率モデルによる学習・識別</a:t>
+              <a:t>にもとづく確率モデル</a:t>
+            </a:r>
+            <a:r>
+              <a:rPr kumimoji="1" lang="en-US" altLang="ja-JP" sz="3200" dirty="0">
+                <a:latin typeface="メイリオ" panose="020B0604030504040204" pitchFamily="50" charset="-128"/>
+                <a:ea typeface="メイリオ" panose="020B0604030504040204" pitchFamily="50" charset="-128"/>
+              </a:rPr>
+              <a:t>(Naïve Bayes)</a:t>
+            </a:r>
+            <a:r>
+              <a:rPr kumimoji="1" lang="ja-JP" altLang="en-US" sz="3200" dirty="0">
+                <a:latin typeface="メイリオ" panose="020B0604030504040204" pitchFamily="50" charset="-128"/>
+                <a:ea typeface="メイリオ" panose="020B0604030504040204" pitchFamily="50" charset="-128"/>
+              </a:rPr>
+              <a:t>による学習・識別</a:t>
             </a:r>
           </a:p>
         </p:txBody>
@@ -21909,7 +21937,7 @@
             </p:nvSpPr>
             <p:spPr>
               <a:xfrm>
-                <a:off x="2550061" y="2312790"/>
+                <a:off x="2509841" y="2313207"/>
                 <a:ext cx="1896480" cy="411331"/>
               </a:xfrm>
               <a:prstGeom prst="rect">
@@ -22000,7 +22028,7 @@
             </p:nvSpPr>
             <p:spPr>
               <a:xfrm>
-                <a:off x="2550061" y="2312790"/>
+                <a:off x="2509841" y="2313207"/>
                 <a:ext cx="1896480" cy="411331"/>
               </a:xfrm>
               <a:prstGeom prst="rect">
@@ -22416,7 +22444,7 @@
                     <a:bodyPr/>
                     <a:lstStyle/>
                     <a:p>
-                      <a:endParaRPr kumimoji="1" lang="ja-JP" altLang="en-US" sz="1200"/>
+                      <a:endParaRPr kumimoji="1" lang="ja-JP" altLang="en-US" sz="1200" dirty="0"/>
                     </a:p>
                   </a:txBody>
                   <a:tcPr/>
@@ -22814,8 +22842,8 @@
             </p:nvSpPr>
             <p:spPr>
               <a:xfrm>
-                <a:off x="5184496" y="2800483"/>
-                <a:ext cx="4136788" cy="267222"/>
+                <a:off x="5184495" y="2800482"/>
+                <a:ext cx="5414232" cy="350953"/>
               </a:xfrm>
               <a:prstGeom prst="roundRect">
                 <a:avLst/>
@@ -22907,7 +22935,7 @@
                     <a:latin typeface="メイリオ" panose="020B0604030504040204" pitchFamily="50" charset="-128"/>
                     <a:ea typeface="メイリオ" panose="020B0604030504040204" pitchFamily="50" charset="-128"/>
                   </a:rPr>
-                  <a:t>　行合計を正規化</a:t>
+                  <a:t>　行合計を正規化して対数をとる</a:t>
                 </a:r>
               </a:p>
             </p:txBody>
@@ -22930,8 +22958,8 @@
             </p:nvSpPr>
             <p:spPr>
               <a:xfrm>
-                <a:off x="5184496" y="2800483"/>
-                <a:ext cx="4136788" cy="267222"/>
+                <a:off x="5184495" y="2800482"/>
+                <a:ext cx="5414232" cy="350953"/>
               </a:xfrm>
               <a:prstGeom prst="roundRect">
                 <a:avLst/>
@@ -22939,7 +22967,7 @@
               <a:blipFill>
                 <a:blip r:embed="rId6"/>
                 <a:stretch>
-                  <a:fillRect t="-21739" b="-54348"/>
+                  <a:fillRect t="-5000" b="-30000"/>
                 </a:stretch>
               </a:blipFill>
             </p:spPr>
@@ -22975,7 +23003,7 @@
             <p:spPr>
               <a:xfrm>
                 <a:off x="5184496" y="4090760"/>
-                <a:ext cx="4136788" cy="267222"/>
+                <a:ext cx="5414232" cy="267222"/>
               </a:xfrm>
               <a:prstGeom prst="roundRect">
                 <a:avLst/>
@@ -23060,7 +23088,7 @@
                     <a:latin typeface="メイリオ" panose="020B0604030504040204" pitchFamily="50" charset="-128"/>
                     <a:ea typeface="メイリオ" panose="020B0604030504040204" pitchFamily="50" charset="-128"/>
                   </a:rPr>
-                  <a:t>　行合計を正規化</a:t>
+                  <a:t>　行合計を正規化して対数をとる</a:t>
                 </a:r>
               </a:p>
             </p:txBody>
@@ -23084,7 +23112,7 @@
             <p:spPr>
               <a:xfrm>
                 <a:off x="5184496" y="4090760"/>
-                <a:ext cx="4136788" cy="267222"/>
+                <a:ext cx="5414232" cy="267222"/>
               </a:xfrm>
               <a:prstGeom prst="roundRect">
                 <a:avLst/>
@@ -24885,8 +24913,8 @@
         </p:nvSpPr>
         <p:spPr>
           <a:xfrm>
-            <a:off x="1361029" y="2108919"/>
-            <a:ext cx="9828378" cy="1569660"/>
+            <a:off x="1078396" y="2158796"/>
+            <a:ext cx="9828378" cy="1200329"/>
           </a:xfrm>
           <a:prstGeom prst="rect">
             <a:avLst/>
@@ -24926,20 +24954,6 @@
                 <a:ea typeface="メイリオ" panose="020B0604030504040204" pitchFamily="50" charset="-128"/>
               </a:rPr>
               <a:t>ナイーブベイズはスパースなデータで性能を発揮する</a:t>
-            </a:r>
-            <a:r>
-              <a:rPr kumimoji="1" lang="en-US" altLang="ja-JP" sz="2400" dirty="0">
-                <a:latin typeface="メイリオ" panose="020B0604030504040204" pitchFamily="50" charset="-128"/>
-                <a:ea typeface="メイリオ" panose="020B0604030504040204" pitchFamily="50" charset="-128"/>
-              </a:rPr>
-              <a:t>(TF-IDF</a:t>
-            </a:r>
-            <a:r>
-              <a:rPr kumimoji="1" lang="ja-JP" altLang="en-US" sz="2400" dirty="0">
-                <a:latin typeface="メイリオ" panose="020B0604030504040204" pitchFamily="50" charset="-128"/>
-                <a:ea typeface="メイリオ" panose="020B0604030504040204" pitchFamily="50" charset="-128"/>
-              </a:rPr>
-              <a:t>では性能が向上しない）</a:t>
             </a:r>
             <a:endParaRPr kumimoji="1" lang="en-US" altLang="ja-JP" sz="2400" dirty="0">
               <a:latin typeface="メイリオ" panose="020B0604030504040204" pitchFamily="50" charset="-128"/>
@@ -28897,8 +28911,8 @@
           </a:fontRef>
         </p:style>
       </p:cxnSp>
-      <mc:AlternateContent xmlns:mc="http://schemas.openxmlformats.org/markup-compatibility/2006">
-        <mc:Choice xmlns:a14="http://schemas.microsoft.com/office/drawing/2010/main" Requires="a14">
+      <mc:AlternateContent xmlns:mc="http://schemas.openxmlformats.org/markup-compatibility/2006" xmlns:a14="http://schemas.microsoft.com/office/drawing/2010/main">
+        <mc:Choice Requires="a14">
           <p:sp>
             <p:nvSpPr>
               <p:cNvPr id="9" name="テキスト ボックス 8">
@@ -29042,7 +29056,7 @@
             </p:txBody>
           </p:sp>
         </mc:Choice>
-        <mc:Fallback>
+        <mc:Fallback xmlns="">
           <p:sp>
             <p:nvSpPr>
               <p:cNvPr id="9" name="テキスト ボックス 8">
@@ -31375,8 +31389,8 @@
           </a:p>
         </p:txBody>
       </p:sp>
-      <mc:AlternateContent xmlns:mc="http://schemas.openxmlformats.org/markup-compatibility/2006">
-        <mc:Choice xmlns:a14="http://schemas.microsoft.com/office/drawing/2010/main" Requires="a14">
+      <mc:AlternateContent xmlns:mc="http://schemas.openxmlformats.org/markup-compatibility/2006" xmlns:a14="http://schemas.microsoft.com/office/drawing/2010/main">
+        <mc:Choice Requires="a14">
           <p:sp>
             <p:nvSpPr>
               <p:cNvPr id="47" name="テキスト ボックス 46">
@@ -31549,7 +31563,7 @@
             </p:txBody>
           </p:sp>
         </mc:Choice>
-        <mc:Fallback>
+        <mc:Fallback xmlns="">
           <p:sp>
             <p:nvSpPr>
               <p:cNvPr id="47" name="テキスト ボックス 46">
@@ -31975,8 +31989,8 @@
           </a:p>
         </p:txBody>
       </p:sp>
-      <mc:AlternateContent xmlns:mc="http://schemas.openxmlformats.org/markup-compatibility/2006">
-        <mc:Choice xmlns:a14="http://schemas.microsoft.com/office/drawing/2010/main" Requires="a14">
+      <mc:AlternateContent xmlns:mc="http://schemas.openxmlformats.org/markup-compatibility/2006" xmlns:a14="http://schemas.microsoft.com/office/drawing/2010/main">
+        <mc:Choice Requires="a14">
           <p:sp>
             <p:nvSpPr>
               <p:cNvPr id="19" name="テキスト ボックス 18">
@@ -32149,7 +32163,7 @@
             </p:txBody>
           </p:sp>
         </mc:Choice>
-        <mc:Fallback>
+        <mc:Fallback xmlns="">
           <p:sp>
             <p:nvSpPr>
               <p:cNvPr id="19" name="テキスト ボックス 18">
@@ -32194,8 +32208,8 @@
           </p:sp>
         </mc:Fallback>
       </mc:AlternateContent>
-      <mc:AlternateContent xmlns:mc="http://schemas.openxmlformats.org/markup-compatibility/2006">
-        <mc:Choice xmlns:a14="http://schemas.microsoft.com/office/drawing/2010/main" Requires="a14">
+      <mc:AlternateContent xmlns:mc="http://schemas.openxmlformats.org/markup-compatibility/2006" xmlns:a14="http://schemas.microsoft.com/office/drawing/2010/main">
+        <mc:Choice Requires="a14">
           <p:sp>
             <p:nvSpPr>
               <p:cNvPr id="20" name="テキスト ボックス 19">
@@ -32368,7 +32382,7 @@
             </p:txBody>
           </p:sp>
         </mc:Choice>
-        <mc:Fallback>
+        <mc:Fallback xmlns="">
           <p:sp>
             <p:nvSpPr>
               <p:cNvPr id="20" name="テキスト ボックス 19">
